--- a/SpringJavaTraining.pptx
+++ b/SpringJavaTraining.pptx
@@ -7,22 +7,29 @@
   <p:sldIdLst>
     <p:sldId id="256" r:id="rId2"/>
     <p:sldId id="269" r:id="rId3"/>
-    <p:sldId id="258" r:id="rId4"/>
-    <p:sldId id="270" r:id="rId5"/>
-    <p:sldId id="259" r:id="rId6"/>
-    <p:sldId id="267" r:id="rId7"/>
-    <p:sldId id="268" r:id="rId8"/>
-    <p:sldId id="260" r:id="rId9"/>
-    <p:sldId id="261" r:id="rId10"/>
-    <p:sldId id="262" r:id="rId11"/>
-    <p:sldId id="274" r:id="rId12"/>
-    <p:sldId id="263" r:id="rId13"/>
-    <p:sldId id="271" r:id="rId14"/>
-    <p:sldId id="264" r:id="rId15"/>
-    <p:sldId id="265" r:id="rId16"/>
-    <p:sldId id="266" r:id="rId17"/>
-    <p:sldId id="272" r:id="rId18"/>
-    <p:sldId id="273" r:id="rId19"/>
+    <p:sldId id="275" r:id="rId4"/>
+    <p:sldId id="276" r:id="rId5"/>
+    <p:sldId id="258" r:id="rId6"/>
+    <p:sldId id="270" r:id="rId7"/>
+    <p:sldId id="259" r:id="rId8"/>
+    <p:sldId id="278" r:id="rId9"/>
+    <p:sldId id="279" r:id="rId10"/>
+    <p:sldId id="267" r:id="rId11"/>
+    <p:sldId id="280" r:id="rId12"/>
+    <p:sldId id="261" r:id="rId13"/>
+    <p:sldId id="262" r:id="rId14"/>
+    <p:sldId id="274" r:id="rId15"/>
+    <p:sldId id="263" r:id="rId16"/>
+    <p:sldId id="271" r:id="rId17"/>
+    <p:sldId id="282" r:id="rId18"/>
+    <p:sldId id="283" r:id="rId19"/>
+    <p:sldId id="284" r:id="rId20"/>
+    <p:sldId id="264" r:id="rId21"/>
+    <p:sldId id="265" r:id="rId22"/>
+    <p:sldId id="266" r:id="rId23"/>
+    <p:sldId id="272" r:id="rId24"/>
+    <p:sldId id="273" r:id="rId25"/>
+    <p:sldId id="281" r:id="rId26"/>
   </p:sldIdLst>
   <p:sldSz cx="9144000" cy="6858000" type="screen4x3"/>
   <p:notesSz cx="6858000" cy="9144000"/>
@@ -2881,7 +2888,7 @@
           <a:p>
             <a:fld id="{E90C4CEC-16D5-4229-B4DE-FDE9B679D7E2}" type="datetimeFigureOut">
               <a:rPr lang="en-US" smtClean="0"/>
-              <a:t>20/04/16</a:t>
+              <a:t>21/04/16</a:t>
             </a:fld>
             <a:endParaRPr lang="en-US"/>
           </a:p>
@@ -3166,7 +3173,7 @@
           <a:p>
             <a:fld id="{E90C4CEC-16D5-4229-B4DE-FDE9B679D7E2}" type="datetimeFigureOut">
               <a:rPr lang="en-US" smtClean="0"/>
-              <a:t>20/04/16</a:t>
+              <a:t>21/04/16</a:t>
             </a:fld>
             <a:endParaRPr lang="en-US"/>
           </a:p>
@@ -3341,7 +3348,7 @@
           <a:p>
             <a:fld id="{E90C4CEC-16D5-4229-B4DE-FDE9B679D7E2}" type="datetimeFigureOut">
               <a:rPr lang="en-US" smtClean="0"/>
-              <a:t>20/04/16</a:t>
+              <a:t>21/04/16</a:t>
             </a:fld>
             <a:endParaRPr lang="en-US"/>
           </a:p>
@@ -3506,7 +3513,7 @@
           <a:p>
             <a:fld id="{E90C4CEC-16D5-4229-B4DE-FDE9B679D7E2}" type="datetimeFigureOut">
               <a:rPr lang="en-US" smtClean="0"/>
-              <a:t>20/04/16</a:t>
+              <a:t>21/04/16</a:t>
             </a:fld>
             <a:endParaRPr lang="en-US"/>
           </a:p>
@@ -3747,7 +3754,7 @@
           <a:p>
             <a:fld id="{E90C4CEC-16D5-4229-B4DE-FDE9B679D7E2}" type="datetimeFigureOut">
               <a:rPr lang="en-US" smtClean="0"/>
-              <a:t>20/04/16</a:t>
+              <a:t>21/04/16</a:t>
             </a:fld>
             <a:endParaRPr lang="en-US"/>
           </a:p>
@@ -3860,7 +3867,7 @@
           <a:p>
             <a:fld id="{E90C4CEC-16D5-4229-B4DE-FDE9B679D7E2}" type="datetimeFigureOut">
               <a:rPr lang="en-US" smtClean="0"/>
-              <a:t>20/04/16</a:t>
+              <a:t>21/04/16</a:t>
             </a:fld>
             <a:endParaRPr lang="en-US"/>
           </a:p>
@@ -4399,7 +4406,7 @@
           <a:p>
             <a:fld id="{E90C4CEC-16D5-4229-B4DE-FDE9B679D7E2}" type="datetimeFigureOut">
               <a:rPr lang="en-US" smtClean="0"/>
-              <a:t>20/04/16</a:t>
+              <a:t>21/04/16</a:t>
             </a:fld>
             <a:endParaRPr lang="en-US"/>
           </a:p>
@@ -4512,7 +4519,7 @@
           <a:p>
             <a:fld id="{E90C4CEC-16D5-4229-B4DE-FDE9B679D7E2}" type="datetimeFigureOut">
               <a:rPr lang="en-US" smtClean="0"/>
-              <a:t>20/04/16</a:t>
+              <a:t>21/04/16</a:t>
             </a:fld>
             <a:endParaRPr lang="en-US"/>
           </a:p>
@@ -4602,7 +4609,7 @@
           <a:p>
             <a:fld id="{E90C4CEC-16D5-4229-B4DE-FDE9B679D7E2}" type="datetimeFigureOut">
               <a:rPr lang="en-US" smtClean="0"/>
-              <a:t>20/04/16</a:t>
+              <a:t>21/04/16</a:t>
             </a:fld>
             <a:endParaRPr lang="en-US"/>
           </a:p>
@@ -7253,7 +7260,7 @@
           <a:p>
             <a:fld id="{E90C4CEC-16D5-4229-B4DE-FDE9B679D7E2}" type="datetimeFigureOut">
               <a:rPr lang="en-US" smtClean="0"/>
-              <a:t>20/04/16</a:t>
+              <a:t>21/04/16</a:t>
             </a:fld>
             <a:endParaRPr lang="en-US"/>
           </a:p>
@@ -10465,7 +10472,7 @@
           <a:p>
             <a:fld id="{E90C4CEC-16D5-4229-B4DE-FDE9B679D7E2}" type="datetimeFigureOut">
               <a:rPr lang="en-US" smtClean="0"/>
-              <a:t>20/04/16</a:t>
+              <a:t>21/04/16</a:t>
             </a:fld>
             <a:endParaRPr lang="en-US"/>
           </a:p>
@@ -13287,7 +13294,7 @@
           <a:p>
             <a:fld id="{E90C4CEC-16D5-4229-B4DE-FDE9B679D7E2}" type="datetimeFigureOut">
               <a:rPr lang="en-US" smtClean="0"/>
-              <a:t>20/04/16</a:t>
+              <a:t>21/04/16</a:t>
             </a:fld>
             <a:endParaRPr lang="en-US"/>
           </a:p>
@@ -13840,19 +13847,21 @@
         </p:nvSpPr>
         <p:spPr>
           <a:xfrm>
-            <a:off x="1089024" y="274638"/>
-            <a:ext cx="6717091" cy="610036"/>
+            <a:off x="1043490" y="829134"/>
+            <a:ext cx="6777319" cy="529235"/>
           </a:xfrm>
         </p:spPr>
         <p:txBody>
-          <a:bodyPr/>
+          <a:bodyPr>
+            <a:normAutofit/>
+          </a:bodyPr>
           <a:lstStyle/>
           <a:p>
             <a:r>
-              <a:rPr lang="en-US" sz="2400" dirty="0" smtClean="0"/>
-              <a:t>AOP Terminology</a:t>
-            </a:r>
-            <a:endParaRPr lang="en-US" sz="2400" dirty="0"/>
+              <a:rPr lang="en-US" sz="2800" dirty="0" smtClean="0"/>
+              <a:t>Enabling profile</a:t>
+            </a:r>
+            <a:endParaRPr lang="en-US" sz="2800" dirty="0"/>
           </a:p>
         </p:txBody>
       </p:sp>
@@ -13868,8 +13877,8 @@
         </p:nvSpPr>
         <p:spPr>
           <a:xfrm>
-            <a:off x="1089024" y="1068510"/>
-            <a:ext cx="7272339" cy="5057654"/>
+            <a:off x="1043492" y="1358370"/>
+            <a:ext cx="6777317" cy="4474260"/>
           </a:xfrm>
         </p:spPr>
         <p:txBody>
@@ -13879,71 +13888,156 @@
           <a:lstStyle/>
           <a:p>
             <a:r>
-              <a:rPr lang="en-US" b="1" dirty="0" smtClean="0"/>
-              <a:t>Aspect</a:t>
-            </a:r>
-            <a:r>
-              <a:rPr lang="en-US" dirty="0" smtClean="0"/>
-              <a:t>: modularization of cross-cutting concern</a:t>
-            </a:r>
-          </a:p>
-          <a:p>
-            <a:r>
-              <a:rPr lang="en-US" b="1" dirty="0" smtClean="0"/>
-              <a:t>Advice</a:t>
-            </a:r>
-            <a:r>
-              <a:rPr lang="en-US" dirty="0" smtClean="0"/>
-              <a:t>: Job of an Aspect called advice. </a:t>
-            </a:r>
-          </a:p>
-          <a:p>
-            <a:r>
-              <a:rPr lang="en-US" b="1" dirty="0" smtClean="0"/>
-              <a:t>Join points</a:t>
-            </a:r>
-            <a:r>
-              <a:rPr lang="en-US" dirty="0" smtClean="0"/>
-              <a:t>: In an application there are many places where we can apply aspect. These points are called join points.</a:t>
-            </a:r>
-          </a:p>
-          <a:p>
-            <a:r>
-              <a:rPr lang="en-US" b="1" dirty="0" smtClean="0"/>
-              <a:t>Point cuts</a:t>
-            </a:r>
-            <a:r>
-              <a:rPr lang="en-US" dirty="0" smtClean="0"/>
-              <a:t>: point cuts are the join points where we can woven advice.</a:t>
-            </a:r>
-          </a:p>
-          <a:p>
-            <a:r>
-              <a:rPr lang="en-US" b="1" dirty="0" smtClean="0"/>
-              <a:t>Introductions</a:t>
-            </a:r>
-            <a:r>
-              <a:rPr lang="en-US" dirty="0" smtClean="0"/>
-              <a:t>:  inject new methods and attributes into existing classes are called introductions.</a:t>
-            </a:r>
-          </a:p>
-          <a:p>
-            <a:r>
-              <a:rPr lang="en-US" b="1" dirty="0" smtClean="0"/>
-              <a:t>Weaving</a:t>
-            </a:r>
-            <a:r>
-              <a:rPr lang="en-US" dirty="0" smtClean="0"/>
-              <a:t>: process of applying aspects to target classes to create new proxies.</a:t>
-            </a:r>
-            <a:endParaRPr lang="en-US" dirty="0"/>
+              <a:rPr lang="en-US" sz="1800" dirty="0" smtClean="0"/>
+              <a:t>Spring Profiles were introduced in spring 3.1.</a:t>
+            </a:r>
+            <a:r>
+              <a:rPr lang="en-US" sz="2000" dirty="0" smtClean="0"/>
+              <a:t> </a:t>
+            </a:r>
+          </a:p>
+          <a:p>
+            <a:pPr marL="68580" indent="0">
+              <a:buNone/>
+            </a:pPr>
+            <a:r>
+              <a:rPr lang="en-US" sz="1800" dirty="0" smtClean="0"/>
+              <a:t>It allows us to define beans by deployment regions such as “</a:t>
+            </a:r>
+            <a:r>
+              <a:rPr lang="en-US" sz="1800" dirty="0" err="1" smtClean="0"/>
+              <a:t>dev</a:t>
+            </a:r>
+            <a:r>
+              <a:rPr lang="en-US" sz="1800" dirty="0" smtClean="0"/>
+              <a:t>” , “</a:t>
+            </a:r>
+            <a:r>
+              <a:rPr lang="en-US" sz="1800" dirty="0" err="1" smtClean="0"/>
+              <a:t>qa</a:t>
+            </a:r>
+            <a:r>
+              <a:rPr lang="en-US" sz="1800" dirty="0" smtClean="0"/>
+              <a:t>”, “prod” etc.</a:t>
+            </a:r>
+          </a:p>
+          <a:p>
+            <a:pPr marL="68580" indent="0">
+              <a:buNone/>
+            </a:pPr>
+            <a:endParaRPr lang="en-US" sz="1800" dirty="0" smtClean="0"/>
+          </a:p>
+          <a:p>
+            <a:r>
+              <a:rPr lang="en-US" sz="1800" dirty="0"/>
+              <a:t>Spring profiles are enabled using the case insensitive tokens </a:t>
+            </a:r>
+            <a:r>
+              <a:rPr lang="en-US" sz="1800" b="1" dirty="0" err="1"/>
+              <a:t>spring.profiles.active</a:t>
+            </a:r>
+            <a:r>
+              <a:rPr lang="en-US" sz="1800" dirty="0"/>
+              <a:t> or </a:t>
+            </a:r>
+            <a:r>
+              <a:rPr lang="en-US" sz="1800" b="1" dirty="0" err="1"/>
+              <a:t>spring_profiles_active</a:t>
+            </a:r>
+            <a:r>
+              <a:rPr lang="en-US" sz="1800" dirty="0" smtClean="0"/>
+              <a:t>.</a:t>
+            </a:r>
+          </a:p>
+          <a:p>
+            <a:pPr marL="68580" indent="0">
+              <a:buNone/>
+            </a:pPr>
+            <a:endParaRPr lang="en-US" sz="1800" dirty="0" smtClean="0"/>
+          </a:p>
+          <a:p>
+            <a:r>
+              <a:rPr lang="en-US" sz="1800" dirty="0"/>
+              <a:t>Profile can be activated with below mentioned ways</a:t>
+            </a:r>
+          </a:p>
+          <a:p>
+            <a:pPr marL="708660" lvl="1" indent="-342900">
+              <a:buFont typeface="+mj-lt"/>
+              <a:buAutoNum type="arabicPeriod"/>
+            </a:pPr>
+            <a:r>
+              <a:rPr lang="en-US" sz="1600" dirty="0"/>
+              <a:t>an Environment Variable</a:t>
+            </a:r>
+          </a:p>
+          <a:p>
+            <a:pPr marL="708660" lvl="1" indent="-342900">
+              <a:buFont typeface="+mj-lt"/>
+              <a:buAutoNum type="arabicPeriod"/>
+            </a:pPr>
+            <a:r>
+              <a:rPr lang="en-US" sz="1600" dirty="0"/>
+              <a:t>a JVM Property</a:t>
+            </a:r>
+          </a:p>
+          <a:p>
+            <a:pPr marL="708660" lvl="1" indent="-342900">
+              <a:buFont typeface="+mj-lt"/>
+              <a:buAutoNum type="arabicPeriod"/>
+            </a:pPr>
+            <a:r>
+              <a:rPr lang="en-US" sz="1600" dirty="0"/>
+              <a:t>Web Parameter</a:t>
+            </a:r>
+          </a:p>
+          <a:p>
+            <a:pPr marL="708660" lvl="1" indent="-342900">
+              <a:buFont typeface="+mj-lt"/>
+              <a:buAutoNum type="arabicPeriod"/>
+            </a:pPr>
+            <a:r>
+              <a:rPr lang="en-US" sz="1600" dirty="0" smtClean="0"/>
+              <a:t>Programmatic</a:t>
+            </a:r>
+          </a:p>
+          <a:p>
+            <a:pPr marL="708660" lvl="1" indent="-342900">
+              <a:buFont typeface="+mj-lt"/>
+              <a:buAutoNum type="arabicPeriod"/>
+            </a:pPr>
+            <a:endParaRPr lang="en-US" sz="1600" dirty="0" smtClean="0"/>
+          </a:p>
+          <a:p>
+            <a:pPr marL="365760" lvl="1" indent="0">
+              <a:buNone/>
+            </a:pPr>
+            <a:r>
+              <a:rPr lang="en-US" sz="1600" b="1" dirty="0" smtClean="0"/>
+              <a:t>@Profile </a:t>
+            </a:r>
+            <a:r>
+              <a:rPr lang="en-US" sz="1600" dirty="0" smtClean="0"/>
+              <a:t>Annotation used to create bean for specific environment</a:t>
+            </a:r>
+            <a:endParaRPr lang="en-US" sz="1600" dirty="0"/>
+          </a:p>
+          <a:p>
+            <a:pPr marL="708660" lvl="1" indent="-342900">
+              <a:buFont typeface="+mj-lt"/>
+              <a:buAutoNum type="arabicPeriod"/>
+            </a:pPr>
+            <a:endParaRPr lang="en-US" sz="1600" dirty="0"/>
+          </a:p>
+          <a:p>
+            <a:endParaRPr lang="en-US" sz="1800" dirty="0" smtClean="0"/>
           </a:p>
         </p:txBody>
       </p:sp>
     </p:spTree>
     <p:extLst>
       <p:ext uri="{BB962C8B-B14F-4D97-AF65-F5344CB8AC3E}">
-        <p14:creationId xmlns:p14="http://schemas.microsoft.com/office/powerpoint/2010/main" val="2604999373"/>
+        <p14:creationId xmlns:p14="http://schemas.microsoft.com/office/powerpoint/2010/main" val="1854490724"/>
       </p:ext>
     </p:extLst>
   </p:cSld>
@@ -13989,21 +14083,21 @@
         </p:nvSpPr>
         <p:spPr>
           <a:xfrm>
-            <a:off x="1043490" y="868894"/>
-            <a:ext cx="7024744" cy="612964"/>
+            <a:off x="1043490" y="688005"/>
+            <a:ext cx="6777319" cy="617441"/>
           </a:xfrm>
         </p:spPr>
         <p:txBody>
           <a:bodyPr>
-            <a:normAutofit fontScale="90000"/>
+            <a:normAutofit/>
           </a:bodyPr>
           <a:lstStyle/>
           <a:p>
             <a:r>
-              <a:rPr lang="en-US" sz="3600" dirty="0" smtClean="0"/>
-              <a:t>Configuring AOP in spring project</a:t>
-            </a:r>
-            <a:endParaRPr lang="en-US" dirty="0"/>
+              <a:rPr lang="en-US" sz="3200" dirty="0" smtClean="0"/>
+              <a:t>Conditional Beans</a:t>
+            </a:r>
+            <a:endParaRPr lang="en-US" sz="3200" dirty="0"/>
           </a:p>
         </p:txBody>
       </p:sp>
@@ -14019,37 +14113,47 @@
         </p:nvSpPr>
         <p:spPr>
           <a:xfrm>
-            <a:off x="1043492" y="1481858"/>
-            <a:ext cx="6777317" cy="4350771"/>
+            <a:off x="1043492" y="1428934"/>
+            <a:ext cx="6777317" cy="4403695"/>
           </a:xfrm>
         </p:spPr>
         <p:txBody>
-          <a:bodyPr/>
+          <a:bodyPr>
+            <a:normAutofit lnSpcReduction="10000"/>
+          </a:bodyPr>
           <a:lstStyle/>
-          <a:p>
-            <a:r>
-              <a:rPr lang="en-US" sz="1800" dirty="0" smtClean="0"/>
-              <a:t>It is just adding below annotations to configuration file</a:t>
-            </a:r>
-            <a:endParaRPr lang="en-US" dirty="0" smtClean="0"/>
-          </a:p>
           <a:p>
             <a:pPr marL="68580" indent="0">
               <a:buNone/>
             </a:pPr>
-            <a:endParaRPr lang="en-US" sz="2000" b="1" dirty="0" smtClean="0"/>
+            <a:r>
+              <a:rPr lang="en-US" sz="2000" dirty="0" smtClean="0"/>
+              <a:t>Conditional Beans were introduced in spring 4.0 </a:t>
+            </a:r>
           </a:p>
           <a:p>
             <a:pPr marL="68580" indent="0">
               <a:buNone/>
             </a:pPr>
             <a:r>
+              <a:rPr lang="en-US" sz="2000" dirty="0" smtClean="0"/>
+              <a:t>It works together with </a:t>
+            </a:r>
+            <a:r>
               <a:rPr lang="en-US" sz="2000" b="1" dirty="0" smtClean="0"/>
-              <a:t>@</a:t>
-            </a:r>
-            <a:r>
-              <a:rPr lang="en-US" sz="2000" b="1" dirty="0"/>
-              <a:t>Aspect</a:t>
+              <a:t>@Conditional</a:t>
+            </a:r>
+            <a:r>
+              <a:rPr lang="en-US" sz="2000" dirty="0" smtClean="0"/>
+              <a:t> annotation and </a:t>
+            </a:r>
+            <a:r>
+              <a:rPr lang="en-US" sz="2000" b="1" dirty="0" smtClean="0"/>
+              <a:t>Condition</a:t>
+            </a:r>
+            <a:r>
+              <a:rPr lang="en-US" sz="2000" dirty="0" smtClean="0"/>
+              <a:t> interface </a:t>
             </a:r>
           </a:p>
           <a:p>
@@ -14057,114 +14161,230 @@
               <a:buNone/>
             </a:pPr>
             <a:r>
-              <a:rPr lang="en-US" sz="2000" b="1" dirty="0"/>
-              <a:t>@</a:t>
-            </a:r>
-            <a:r>
-              <a:rPr lang="en-US" sz="2000" b="1" dirty="0" err="1"/>
-              <a:t>EnableAspectJAutoProxy</a:t>
-            </a:r>
-            <a:r>
-              <a:rPr lang="en-US" sz="2000" b="1" dirty="0"/>
-              <a:t>(</a:t>
-            </a:r>
-            <a:r>
-              <a:rPr lang="en-US" sz="2000" b="1" dirty="0" err="1"/>
-              <a:t>proxyTargetClass</a:t>
-            </a:r>
-            <a:r>
-              <a:rPr lang="en-US" sz="2000" b="1" dirty="0"/>
-              <a:t> = true</a:t>
-            </a:r>
-            <a:r>
-              <a:rPr lang="en-US" sz="2000" b="1" dirty="0" smtClean="0"/>
-              <a:t>)</a:t>
+              <a:rPr lang="en-US" sz="2000" dirty="0" smtClean="0"/>
+              <a:t>It allows developer to define strategy to create bean. These are not limited to environment </a:t>
             </a:r>
           </a:p>
           <a:p>
             <a:pPr marL="68580" indent="0">
               <a:buNone/>
             </a:pPr>
-            <a:endParaRPr lang="en-US" sz="2000" b="1" dirty="0" smtClean="0"/>
-          </a:p>
-          <a:p>
             <a:r>
               <a:rPr lang="en-US" sz="2000" dirty="0" smtClean="0"/>
-              <a:t>And Writing some </a:t>
-            </a:r>
-            <a:r>
-              <a:rPr lang="en-US" sz="2000" dirty="0" err="1" smtClean="0"/>
-              <a:t>pointcuts</a:t>
-            </a:r>
-            <a:r>
-              <a:rPr lang="en-US" sz="2000" dirty="0" smtClean="0"/>
-              <a:t> and advice annotations</a:t>
-            </a:r>
-            <a:endParaRPr lang="en-US" b="1" dirty="0" smtClean="0"/>
+              <a:t>Spring boot framework extensively uses this feature to create bean based on properties file information</a:t>
+            </a:r>
           </a:p>
           <a:p>
             <a:pPr marL="68580" indent="0">
               <a:buNone/>
             </a:pPr>
-            <a:r>
-              <a:rPr lang="en-US" b="1" dirty="0" smtClean="0"/>
-              <a:t> </a:t>
-            </a:r>
-            <a:r>
-              <a:rPr lang="en-US" sz="2000" b="1" dirty="0"/>
-              <a:t>@Before</a:t>
-            </a:r>
-            <a:r>
-              <a:rPr lang="en-US" sz="2000" dirty="0"/>
-              <a:t>("execution(** </a:t>
-            </a:r>
-            <a:r>
-              <a:rPr lang="en-US" sz="2000" dirty="0" err="1"/>
-              <a:t>com.innominds.service</a:t>
-            </a:r>
-            <a:r>
-              <a:rPr lang="en-US" sz="2000" dirty="0"/>
-              <a:t>.*.*())")</a:t>
-            </a:r>
+            <a:endParaRPr lang="en-US" sz="2000" dirty="0" smtClean="0"/>
           </a:p>
           <a:p>
             <a:pPr marL="68580" indent="0">
               <a:buNone/>
             </a:pPr>
             <a:r>
-              <a:rPr lang="en-US" sz="2000" dirty="0"/>
+              <a:rPr lang="en-US" sz="2000" dirty="0" smtClean="0"/>
+              <a:t>  </a:t>
+            </a:r>
+            <a:r>
+              <a:rPr lang="en-US" sz="2000" b="1" dirty="0" smtClean="0">
+                <a:solidFill>
+                  <a:schemeClr val="accent6">
+                    <a:lumMod val="75000"/>
+                  </a:schemeClr>
+                </a:solidFill>
+              </a:rPr>
+              <a:t>  </a:t>
+            </a:r>
+            <a:r>
+              <a:rPr lang="en-US" sz="1800" b="1" dirty="0" smtClean="0">
+                <a:solidFill>
+                  <a:schemeClr val="accent6">
+                    <a:lumMod val="75000"/>
+                  </a:schemeClr>
+                </a:solidFill>
+              </a:rPr>
+              <a:t>@</a:t>
+            </a:r>
+            <a:r>
+              <a:rPr lang="en-US" sz="1800" b="1" dirty="0">
+                <a:solidFill>
+                  <a:schemeClr val="accent6">
+                    <a:lumMod val="75000"/>
+                  </a:schemeClr>
+                </a:solidFill>
+              </a:rPr>
+              <a:t>Bean</a:t>
+            </a:r>
+          </a:p>
+          <a:p>
+            <a:pPr marL="68580" indent="0">
+              <a:buNone/>
+            </a:pPr>
+            <a:r>
+              <a:rPr lang="en-US" sz="1800" b="1" dirty="0">
+                <a:solidFill>
+                  <a:schemeClr val="accent6">
+                    <a:lumMod val="75000"/>
+                  </a:schemeClr>
+                </a:solidFill>
+              </a:rPr>
+              <a:t>    @Conditional(</a:t>
+            </a:r>
+            <a:r>
+              <a:rPr lang="en-US" sz="1800" b="1" dirty="0" err="1">
+                <a:solidFill>
+                  <a:schemeClr val="accent6">
+                    <a:lumMod val="75000"/>
+                  </a:schemeClr>
+                </a:solidFill>
+              </a:rPr>
+              <a:t>StudentCondition.class</a:t>
+            </a:r>
+            <a:r>
+              <a:rPr lang="en-US" sz="1800" b="1" dirty="0">
+                <a:solidFill>
+                  <a:schemeClr val="accent6">
+                    <a:lumMod val="75000"/>
+                  </a:schemeClr>
+                </a:solidFill>
+              </a:rPr>
+              <a:t>)</a:t>
+            </a:r>
+          </a:p>
+          <a:p>
+            <a:pPr marL="68580" indent="0">
+              <a:buNone/>
+            </a:pPr>
+            <a:r>
+              <a:rPr lang="en-US" sz="1800" b="1" dirty="0">
+                <a:solidFill>
+                  <a:schemeClr val="accent6">
+                    <a:lumMod val="75000"/>
+                  </a:schemeClr>
+                </a:solidFill>
+              </a:rPr>
               <a:t>    </a:t>
             </a:r>
             <a:r>
-              <a:rPr lang="en-US" sz="2000" b="1" dirty="0"/>
-              <a:t>public void </a:t>
-            </a:r>
-            <a:r>
-              <a:rPr lang="en-US" sz="2000" b="1" dirty="0" err="1"/>
-              <a:t>beforeMethod</a:t>
-            </a:r>
-            <a:r>
-              <a:rPr lang="en-US" sz="2000" b="1" dirty="0"/>
-              <a:t>() </a:t>
-            </a:r>
-            <a:r>
-              <a:rPr lang="en-US" sz="2000" b="1" dirty="0" smtClean="0"/>
-              <a:t>{ }</a:t>
-            </a:r>
-            <a:endParaRPr lang="en-US" dirty="0"/>
+              <a:rPr lang="en-US" sz="1800" b="1" dirty="0" err="1">
+                <a:solidFill>
+                  <a:schemeClr val="accent6">
+                    <a:lumMod val="75000"/>
+                  </a:schemeClr>
+                </a:solidFill>
+              </a:rPr>
+              <a:t>StudentService</a:t>
+            </a:r>
+            <a:r>
+              <a:rPr lang="en-US" sz="1800" b="1" dirty="0">
+                <a:solidFill>
+                  <a:schemeClr val="accent6">
+                    <a:lumMod val="75000"/>
+                  </a:schemeClr>
+                </a:solidFill>
+              </a:rPr>
+              <a:t> </a:t>
+            </a:r>
+            <a:r>
+              <a:rPr lang="en-US" sz="1800" b="1" dirty="0" err="1">
+                <a:solidFill>
+                  <a:schemeClr val="accent6">
+                    <a:lumMod val="75000"/>
+                  </a:schemeClr>
+                </a:solidFill>
+              </a:rPr>
+              <a:t>studentService</a:t>
+            </a:r>
+            <a:r>
+              <a:rPr lang="en-US" sz="1800" b="1" dirty="0">
+                <a:solidFill>
+                  <a:schemeClr val="accent6">
+                    <a:lumMod val="75000"/>
+                  </a:schemeClr>
+                </a:solidFill>
+              </a:rPr>
+              <a:t>() {</a:t>
+            </a:r>
+          </a:p>
+          <a:p>
+            <a:pPr marL="68580" indent="0">
+              <a:buNone/>
+            </a:pPr>
+            <a:r>
+              <a:rPr lang="en-US" sz="1800" b="1" dirty="0">
+                <a:solidFill>
+                  <a:schemeClr val="accent6">
+                    <a:lumMod val="75000"/>
+                  </a:schemeClr>
+                </a:solidFill>
+              </a:rPr>
+              <a:t>        return new </a:t>
+            </a:r>
+            <a:r>
+              <a:rPr lang="en-US" sz="1800" b="1" dirty="0" err="1">
+                <a:solidFill>
+                  <a:schemeClr val="accent6">
+                    <a:lumMod val="75000"/>
+                  </a:schemeClr>
+                </a:solidFill>
+              </a:rPr>
+              <a:t>StudentService</a:t>
+            </a:r>
+            <a:r>
+              <a:rPr lang="en-US" sz="1800" b="1" dirty="0">
+                <a:solidFill>
+                  <a:schemeClr val="accent6">
+                    <a:lumMod val="75000"/>
+                  </a:schemeClr>
+                </a:solidFill>
+              </a:rPr>
+              <a:t>();</a:t>
+            </a:r>
+          </a:p>
+          <a:p>
+            <a:pPr marL="68580" indent="0">
+              <a:buNone/>
+            </a:pPr>
+            <a:r>
+              <a:rPr lang="en-US" sz="1800" b="1" dirty="0">
+                <a:solidFill>
+                  <a:schemeClr val="accent6">
+                    <a:lumMod val="75000"/>
+                  </a:schemeClr>
+                </a:solidFill>
+              </a:rPr>
+              <a:t>    }</a:t>
+            </a:r>
+            <a:endParaRPr lang="en-US" sz="2000" b="1" dirty="0">
+              <a:solidFill>
+                <a:schemeClr val="accent6">
+                  <a:lumMod val="75000"/>
+                </a:schemeClr>
+              </a:solidFill>
+            </a:endParaRPr>
           </a:p>
         </p:txBody>
       </p:sp>
     </p:spTree>
     <p:extLst>
       <p:ext uri="{BB962C8B-B14F-4D97-AF65-F5344CB8AC3E}">
-        <p14:creationId xmlns:p14="http://schemas.microsoft.com/office/powerpoint/2010/main" val="658179238"/>
+        <p14:creationId xmlns:p14="http://schemas.microsoft.com/office/powerpoint/2010/main" val="1418276867"/>
       </p:ext>
     </p:extLst>
   </p:cSld>
   <p:clrMapOvr>
     <a:masterClrMapping/>
   </p:clrMapOvr>
+  <p:timing>
+    <p:tnLst>
+      <p:par>
+        <p:cTn xmlns:p14="http://schemas.microsoft.com/office/powerpoint/2010/main" id="1" dur="indefinite" restart="never" nodeType="tmRoot"/>
+      </p:par>
+    </p:tnLst>
+  </p:timing>
 </p:sld>
 </file>
 
@@ -14187,6 +14407,34 @@
       </p:grpSpPr>
       <p:sp>
         <p:nvSpPr>
+          <p:cNvPr id="2" name="Title 1"/>
+          <p:cNvSpPr>
+            <a:spLocks noGrp="1"/>
+          </p:cNvSpPr>
+          <p:nvPr>
+            <p:ph type="title"/>
+          </p:nvPr>
+        </p:nvSpPr>
+        <p:spPr>
+          <a:xfrm>
+            <a:off x="1089025" y="274637"/>
+            <a:ext cx="6488758" cy="652843"/>
+          </a:xfrm>
+        </p:spPr>
+        <p:txBody>
+          <a:bodyPr/>
+          <a:lstStyle/>
+          <a:p>
+            <a:r>
+              <a:rPr lang="en-US" sz="2800" dirty="0" smtClean="0"/>
+              <a:t>AOP Terminology</a:t>
+            </a:r>
+            <a:endParaRPr lang="en-US" sz="2800" dirty="0"/>
+          </a:p>
+        </p:txBody>
+      </p:sp>
+      <p:sp>
+        <p:nvSpPr>
           <p:cNvPr id="3" name="Content Placeholder 2"/>
           <p:cNvSpPr>
             <a:spLocks noGrp="1"/>
@@ -14197,8 +14445,8 @@
         </p:nvSpPr>
         <p:spPr>
           <a:xfrm>
-            <a:off x="1089024" y="811493"/>
-            <a:ext cx="7272339" cy="5314670"/>
+            <a:off x="1089024" y="1112976"/>
+            <a:ext cx="7272339" cy="5013187"/>
           </a:xfrm>
         </p:spPr>
         <p:txBody>
@@ -14206,39 +14454,33 @@
           <a:lstStyle/>
           <a:p>
             <a:r>
+              <a:rPr lang="en-US" b="1" dirty="0" smtClean="0"/>
+              <a:t>Cross-cutting Concerns</a:t>
+            </a:r>
+            <a:r>
               <a:rPr lang="en-US" dirty="0" smtClean="0"/>
-              <a:t>In Spring, aspects are woven into spring-managed beans at runtime by wrapping them with a proxy class. </a:t>
-            </a:r>
-            <a:endParaRPr lang="en-US" dirty="0" smtClean="0"/>
-          </a:p>
-          <a:p>
-            <a:endParaRPr lang="en-US" dirty="0" smtClean="0"/>
+              <a:t> impact the application in many points. Ex: Logging, Security, Caching and Transaction Management are called cross-cutting concerns.</a:t>
+            </a:r>
           </a:p>
           <a:p>
             <a:r>
               <a:rPr lang="en-US" dirty="0" smtClean="0"/>
-              <a:t>Proxy </a:t>
-            </a:r>
+              <a:t>Using AOP we can define common functionality in one place and we can declaratively define how and where this functionality can be applied.</a:t>
+            </a:r>
+          </a:p>
+          <a:p>
             <a:r>
               <a:rPr lang="en-US" dirty="0" smtClean="0"/>
-              <a:t>class poses as the target bean intercepting advised method calls and forwarding those calls to the target bean. </a:t>
-            </a:r>
-            <a:endParaRPr lang="en-US" dirty="0" smtClean="0"/>
-          </a:p>
-          <a:p>
-            <a:endParaRPr lang="en-US" dirty="0"/>
-          </a:p>
-          <a:p>
+              <a:t>Cross cutting concerns are modularized into special classes are called </a:t>
+            </a:r>
+            <a:r>
+              <a:rPr lang="en-US" b="1" dirty="0" smtClean="0"/>
+              <a:t>aspects</a:t>
+            </a:r>
             <a:r>
               <a:rPr lang="en-US" dirty="0" smtClean="0"/>
-              <a:t>Between </a:t>
-            </a:r>
-            <a:r>
-              <a:rPr lang="en-US" dirty="0" smtClean="0"/>
-              <a:t>the time when the proxy intercepts the method call and the time when it invokes the target bean’s method, the proxy performs the aspect logic.</a:t>
-            </a:r>
-          </a:p>
-          <a:p>
+              <a:t>.</a:t>
+            </a:r>
             <a:endParaRPr lang="en-US" dirty="0"/>
           </a:p>
         </p:txBody>
@@ -14246,7 +14488,7 @@
     </p:spTree>
     <p:extLst>
       <p:ext uri="{BB962C8B-B14F-4D97-AF65-F5344CB8AC3E}">
-        <p14:creationId xmlns:p14="http://schemas.microsoft.com/office/powerpoint/2010/main" val="498556496"/>
+        <p14:creationId xmlns:p14="http://schemas.microsoft.com/office/powerpoint/2010/main" val="3680182491"/>
       </p:ext>
     </p:extLst>
   </p:cSld>
@@ -14280,37 +14522,152 @@
           <a:chExt cx="0" cy="0"/>
         </a:xfrm>
       </p:grpSpPr>
-      <p:pic>
-        <p:nvPicPr>
-          <p:cNvPr id="4" name="Content Placeholder 3"/>
-          <p:cNvPicPr>
-            <a:picLocks noGrp="1" noChangeAspect="1"/>
-          </p:cNvPicPr>
+      <p:sp>
+        <p:nvSpPr>
+          <p:cNvPr id="2" name="Title 1"/>
+          <p:cNvSpPr>
+            <a:spLocks noGrp="1"/>
+          </p:cNvSpPr>
+          <p:nvPr>
+            <p:ph type="title"/>
+          </p:nvPr>
+        </p:nvSpPr>
+        <p:spPr>
+          <a:xfrm>
+            <a:off x="1089024" y="274638"/>
+            <a:ext cx="6717091" cy="610036"/>
+          </a:xfrm>
+        </p:spPr>
+        <p:txBody>
+          <a:bodyPr/>
+          <a:lstStyle/>
+          <a:p>
+            <a:r>
+              <a:rPr lang="en-US" sz="2400" dirty="0" smtClean="0"/>
+              <a:t>AOP Terminology</a:t>
+            </a:r>
+            <a:endParaRPr lang="en-US" sz="2400" dirty="0"/>
+          </a:p>
+        </p:txBody>
+      </p:sp>
+      <p:sp>
+        <p:nvSpPr>
+          <p:cNvPr id="3" name="Content Placeholder 2"/>
+          <p:cNvSpPr>
+            <a:spLocks noGrp="1"/>
+          </p:cNvSpPr>
           <p:nvPr>
             <p:ph idx="1"/>
           </p:nvPr>
-        </p:nvPicPr>
-        <p:blipFill>
-          <a:blip r:embed="rId2"/>
-          <a:srcRect t="-16213" b="-16213"/>
-          <a:stretch>
-            <a:fillRect/>
-          </a:stretch>
-        </p:blipFill>
+        </p:nvSpPr>
         <p:spPr>
           <a:xfrm>
-            <a:off x="1043492" y="829134"/>
-            <a:ext cx="7216363" cy="5327630"/>
+            <a:off x="1089024" y="1068510"/>
+            <a:ext cx="7272339" cy="5057654"/>
           </a:xfrm>
-          <a:prstGeom prst="rect">
-            <a:avLst/>
-          </a:prstGeom>
         </p:spPr>
-      </p:pic>
+        <p:txBody>
+          <a:bodyPr>
+            <a:normAutofit fontScale="92500"/>
+          </a:bodyPr>
+          <a:lstStyle/>
+          <a:p>
+            <a:r>
+              <a:rPr lang="en-US" b="1" dirty="0" smtClean="0"/>
+              <a:t>Aspect</a:t>
+            </a:r>
+            <a:r>
+              <a:rPr lang="en-US" dirty="0" smtClean="0"/>
+              <a:t>: modularization of cross-cutting </a:t>
+            </a:r>
+            <a:r>
+              <a:rPr lang="en-US" dirty="0" smtClean="0"/>
+              <a:t>concern </a:t>
+            </a:r>
+          </a:p>
+          <a:p>
+            <a:pPr marL="365760" lvl="1" indent="0">
+              <a:buNone/>
+            </a:pPr>
+            <a:r>
+              <a:rPr lang="en-US" sz="2000" dirty="0" smtClean="0"/>
+              <a:t>ex: </a:t>
+            </a:r>
+            <a:r>
+              <a:rPr lang="en-US" sz="1700" dirty="0" smtClean="0"/>
+              <a:t>security Aspect will check whether calling person  has privileges to access </a:t>
+            </a:r>
+            <a:r>
+              <a:rPr lang="en-US" sz="1700" b="1" dirty="0" err="1" smtClean="0"/>
+              <a:t>checkBalance</a:t>
+            </a:r>
+            <a:r>
+              <a:rPr lang="en-US" sz="1700" b="1" dirty="0" smtClean="0"/>
+              <a:t>() </a:t>
+            </a:r>
+            <a:r>
+              <a:rPr lang="en-US" sz="1700" dirty="0" smtClean="0"/>
+              <a:t>method</a:t>
+            </a:r>
+            <a:endParaRPr lang="en-US" sz="2000" dirty="0" smtClean="0"/>
+          </a:p>
+          <a:p>
+            <a:r>
+              <a:rPr lang="en-US" b="1" dirty="0" smtClean="0"/>
+              <a:t>Advice</a:t>
+            </a:r>
+            <a:r>
+              <a:rPr lang="en-US" dirty="0" smtClean="0"/>
+              <a:t>: Job of an Aspect called advice. </a:t>
+            </a:r>
+          </a:p>
+          <a:p>
+            <a:r>
+              <a:rPr lang="en-US" b="1" dirty="0" smtClean="0"/>
+              <a:t>Join points</a:t>
+            </a:r>
+            <a:r>
+              <a:rPr lang="en-US" dirty="0" smtClean="0"/>
+              <a:t>: In an application there are many places where we can apply aspect. These points are called join points.</a:t>
+            </a:r>
+          </a:p>
+          <a:p>
+            <a:r>
+              <a:rPr lang="en-US" b="1" dirty="0" smtClean="0"/>
+              <a:t>Point cuts</a:t>
+            </a:r>
+            <a:r>
+              <a:rPr lang="en-US" dirty="0" smtClean="0"/>
+              <a:t>: point cuts are the join points where we can woven advice.</a:t>
+            </a:r>
+          </a:p>
+          <a:p>
+            <a:r>
+              <a:rPr lang="en-US" b="1" dirty="0" smtClean="0"/>
+              <a:t>Introductions</a:t>
+            </a:r>
+            <a:r>
+              <a:rPr lang="en-US" dirty="0" smtClean="0"/>
+              <a:t>:  inject new methods and attributes into existing classes are called introductions.</a:t>
+            </a:r>
+          </a:p>
+          <a:p>
+            <a:r>
+              <a:rPr lang="en-US" b="1" dirty="0" smtClean="0"/>
+              <a:t>Weaving</a:t>
+            </a:r>
+            <a:r>
+              <a:rPr lang="en-US" dirty="0" smtClean="0"/>
+              <a:t>: process of applying aspects to target classes to create new proxies.</a:t>
+            </a:r>
+            <a:endParaRPr lang="en-US" dirty="0"/>
+          </a:p>
+        </p:txBody>
+      </p:sp>
     </p:spTree>
     <p:extLst>
       <p:ext uri="{BB962C8B-B14F-4D97-AF65-F5344CB8AC3E}">
-        <p14:creationId xmlns:p14="http://schemas.microsoft.com/office/powerpoint/2010/main" val="3656466823"/>
+        <p14:creationId xmlns:p14="http://schemas.microsoft.com/office/powerpoint/2010/main" val="2604999373"/>
       </p:ext>
     </p:extLst>
   </p:cSld>
@@ -14356,23 +14713,21 @@
         </p:nvSpPr>
         <p:spPr>
           <a:xfrm>
-            <a:off x="1089024" y="274637"/>
-            <a:ext cx="6729251" cy="632615"/>
+            <a:off x="1043490" y="868894"/>
+            <a:ext cx="7024744" cy="612964"/>
           </a:xfrm>
         </p:spPr>
         <p:txBody>
-          <a:bodyPr/>
+          <a:bodyPr>
+            <a:normAutofit/>
+          </a:bodyPr>
           <a:lstStyle/>
           <a:p>
             <a:r>
-              <a:rPr lang="en-US" sz="2400" dirty="0" smtClean="0"/>
-              <a:t>Spring </a:t>
-            </a:r>
-            <a:r>
-              <a:rPr lang="en-US" sz="2400" dirty="0" err="1" smtClean="0"/>
-              <a:t>WebMvc</a:t>
-            </a:r>
-            <a:endParaRPr lang="en-US" sz="2400" dirty="0"/>
+              <a:rPr lang="en-US" sz="2800" dirty="0" smtClean="0"/>
+              <a:t>Configuring AOP in spring project</a:t>
+            </a:r>
+            <a:endParaRPr lang="en-US" sz="3200" dirty="0"/>
           </a:p>
         </p:txBody>
       </p:sp>
@@ -14388,125 +14743,166 @@
         </p:nvSpPr>
         <p:spPr>
           <a:xfrm>
-            <a:off x="1089024" y="1055712"/>
-            <a:ext cx="7272339" cy="5070452"/>
+            <a:off x="1043492" y="1481858"/>
+            <a:ext cx="6777317" cy="4350771"/>
           </a:xfrm>
         </p:spPr>
         <p:txBody>
           <a:bodyPr>
-            <a:normAutofit fontScale="92500" lnSpcReduction="10000"/>
+            <a:normAutofit/>
           </a:bodyPr>
           <a:lstStyle/>
           <a:p>
             <a:r>
-              <a:rPr lang="en-US" dirty="0" smtClean="0"/>
-              <a:t>Servlet 3.0 based container looks for the </a:t>
-            </a:r>
-            <a:r>
-              <a:rPr lang="en-US" b="1" dirty="0" err="1" smtClean="0"/>
-              <a:t>ServletContainerInitializer</a:t>
-            </a:r>
-            <a:r>
-              <a:rPr lang="en-US" dirty="0" smtClean="0"/>
-              <a:t> implementations for a valid web application. </a:t>
-            </a:r>
-            <a:r>
-              <a:rPr lang="en-US" dirty="0" err="1"/>
-              <a:t>w</a:t>
-            </a:r>
-            <a:r>
-              <a:rPr lang="en-US" dirty="0" err="1" smtClean="0"/>
-              <a:t>eb.xml</a:t>
-            </a:r>
-            <a:r>
-              <a:rPr lang="en-US" dirty="0" smtClean="0"/>
-              <a:t> is not required.</a:t>
-            </a:r>
-          </a:p>
-          <a:p>
-            <a:r>
-              <a:rPr lang="en-US" dirty="0" smtClean="0"/>
-              <a:t>Spring implements this class in </a:t>
-            </a:r>
-            <a:r>
-              <a:rPr lang="en-US" b="1" dirty="0" err="1" smtClean="0"/>
-              <a:t>SpringServletContainerInitializer</a:t>
-            </a:r>
-            <a:r>
-              <a:rPr lang="en-US" dirty="0" smtClean="0"/>
-              <a:t> and </a:t>
-            </a:r>
-            <a:r>
-              <a:rPr lang="en-US" dirty="0" smtClean="0"/>
-              <a:t>delegates </a:t>
-            </a:r>
-            <a:r>
-              <a:rPr lang="en-US" dirty="0" smtClean="0"/>
-              <a:t>to </a:t>
-            </a:r>
-            <a:r>
-              <a:rPr lang="en-US" b="1" dirty="0" err="1" smtClean="0"/>
-              <a:t>WebApplicationInitializer</a:t>
-            </a:r>
-            <a:r>
-              <a:rPr lang="en-US" dirty="0" smtClean="0"/>
-              <a:t> .</a:t>
-            </a:r>
-          </a:p>
-          <a:p>
-            <a:r>
-              <a:rPr lang="en-US" dirty="0" smtClean="0"/>
-              <a:t>Below class used to write </a:t>
-            </a:r>
-            <a:r>
-              <a:rPr lang="en-US" dirty="0" err="1" smtClean="0"/>
-              <a:t>web.xml</a:t>
-            </a:r>
-            <a:r>
-              <a:rPr lang="en-US" dirty="0" smtClean="0"/>
-              <a:t> content using java based configuration </a:t>
-            </a:r>
-            <a:r>
-              <a:rPr lang="en-US" sz="2200" b="1" dirty="0" err="1" smtClean="0"/>
-              <a:t>AbstractAnnotationConfigDispatchServletInitializer</a:t>
-            </a:r>
-            <a:r>
-              <a:rPr lang="en-US" sz="2200" dirty="0" smtClean="0"/>
+              <a:rPr lang="en-US" sz="1800" dirty="0" smtClean="0"/>
+              <a:t>It is just adding below annotations to configuration file</a:t>
+            </a:r>
+            <a:endParaRPr lang="en-US" dirty="0" smtClean="0"/>
+          </a:p>
+          <a:p>
+            <a:pPr marL="68580" indent="0">
+              <a:buNone/>
+            </a:pPr>
+            <a:endParaRPr lang="en-US" sz="2000" b="1" dirty="0" smtClean="0"/>
+          </a:p>
+          <a:p>
+            <a:pPr marL="68580" indent="0">
+              <a:buNone/>
+            </a:pPr>
+            <a:r>
+              <a:rPr lang="en-US" sz="2000" b="1" dirty="0" smtClean="0"/>
+              <a:t>@</a:t>
+            </a:r>
+            <a:r>
+              <a:rPr lang="en-US" sz="2000" b="1" dirty="0"/>
+              <a:t>Aspect</a:t>
+            </a:r>
+          </a:p>
+          <a:p>
+            <a:pPr marL="68580" indent="0">
+              <a:buNone/>
+            </a:pPr>
+            <a:r>
+              <a:rPr lang="en-US" sz="2000" b="1" dirty="0"/>
+              <a:t>@</a:t>
+            </a:r>
+            <a:r>
+              <a:rPr lang="en-US" sz="2000" b="1" dirty="0" err="1"/>
+              <a:t>EnableAspectJAutoProxy</a:t>
+            </a:r>
+            <a:r>
+              <a:rPr lang="en-US" sz="2000" b="1" dirty="0"/>
+              <a:t>(</a:t>
+            </a:r>
+            <a:r>
+              <a:rPr lang="en-US" sz="2000" b="1" dirty="0" err="1"/>
+              <a:t>proxyTargetClass</a:t>
+            </a:r>
+            <a:r>
+              <a:rPr lang="en-US" sz="2000" b="1" dirty="0"/>
+              <a:t> = true</a:t>
+            </a:r>
+            <a:r>
+              <a:rPr lang="en-US" sz="2000" b="1" dirty="0" smtClean="0"/>
+              <a:t>)</a:t>
+            </a:r>
+          </a:p>
+          <a:p>
+            <a:pPr marL="68580" indent="0">
+              <a:buNone/>
+            </a:pPr>
+            <a:endParaRPr lang="en-US" sz="2000" b="1" dirty="0" smtClean="0"/>
+          </a:p>
+          <a:p>
+            <a:r>
+              <a:rPr lang="en-US" sz="2000" dirty="0" smtClean="0"/>
+              <a:t>And Writing some </a:t>
+            </a:r>
+            <a:r>
+              <a:rPr lang="en-US" sz="2000" dirty="0" err="1" smtClean="0"/>
+              <a:t>pointcuts</a:t>
+            </a:r>
+            <a:r>
+              <a:rPr lang="en-US" sz="2000" dirty="0" smtClean="0"/>
+              <a:t> and advice annotations</a:t>
+            </a:r>
+            <a:endParaRPr lang="en-US" b="1" dirty="0" smtClean="0"/>
+          </a:p>
+          <a:p>
+            <a:pPr marL="68580" indent="0">
+              <a:buNone/>
+            </a:pPr>
+            <a:r>
+              <a:rPr lang="en-US" sz="2000" b="1" dirty="0" smtClean="0"/>
               <a:t> </a:t>
             </a:r>
-            <a:endParaRPr lang="en-US" dirty="0" smtClean="0"/>
-          </a:p>
-          <a:p>
-            <a:r>
-              <a:rPr lang="en-US" dirty="0" err="1" smtClean="0"/>
-              <a:t>getRootConfigClass</a:t>
-            </a:r>
-            <a:r>
-              <a:rPr lang="en-US" dirty="0" smtClean="0"/>
-              <a:t>() method returns configuration which is similar to </a:t>
-            </a:r>
-            <a:r>
-              <a:rPr lang="en-US" i="1" dirty="0" err="1" smtClean="0"/>
-              <a:t>applicationContext.xml</a:t>
-            </a:r>
-            <a:endParaRPr lang="en-US" i="1" dirty="0" smtClean="0"/>
-          </a:p>
-          <a:p>
-            <a:r>
-              <a:rPr lang="en-US" dirty="0" err="1" smtClean="0"/>
-              <a:t>getServletConfigClasses</a:t>
-            </a:r>
-            <a:r>
-              <a:rPr lang="en-US" dirty="0" smtClean="0"/>
-              <a:t>() method returns configuration which  is similar to dispatch-</a:t>
-            </a:r>
-            <a:r>
-              <a:rPr lang="en-US" dirty="0" err="1" smtClean="0"/>
-              <a:t>servlet.xml</a:t>
-            </a:r>
-            <a:r>
-              <a:rPr lang="en-US" dirty="0" smtClean="0"/>
-              <a:t> </a:t>
+            <a:r>
+              <a:rPr lang="en-US" sz="1800" b="1" dirty="0"/>
+              <a:t>@Before</a:t>
+            </a:r>
+            <a:r>
+              <a:rPr lang="en-US" sz="1800" dirty="0"/>
+              <a:t>("execution(** </a:t>
+            </a:r>
+            <a:r>
+              <a:rPr lang="en-US" sz="1800" dirty="0" err="1" smtClean="0"/>
+              <a:t>com.innominds.aop.service</a:t>
+            </a:r>
+            <a:r>
+              <a:rPr lang="en-US" sz="1800" dirty="0"/>
+              <a:t>.*.*())")</a:t>
+            </a:r>
+          </a:p>
+          <a:p>
+            <a:pPr marL="68580" indent="0">
+              <a:buNone/>
+            </a:pPr>
+            <a:r>
+              <a:rPr lang="en-US" sz="1800" dirty="0"/>
+              <a:t>    </a:t>
+            </a:r>
+            <a:r>
+              <a:rPr lang="en-US" sz="1800" b="1" dirty="0"/>
+              <a:t>public void </a:t>
+            </a:r>
+            <a:r>
+              <a:rPr lang="en-US" sz="1800" b="1" dirty="0" err="1"/>
+              <a:t>beforeMethod</a:t>
+            </a:r>
+            <a:r>
+              <a:rPr lang="en-US" sz="1800" b="1" dirty="0"/>
+              <a:t>() </a:t>
+            </a:r>
+            <a:r>
+              <a:rPr lang="en-US" sz="1800" b="1" dirty="0" smtClean="0"/>
+              <a:t>{ </a:t>
+            </a:r>
+            <a:r>
+              <a:rPr lang="en-US" sz="1800" b="1" dirty="0" smtClean="0"/>
+              <a:t>}</a:t>
+            </a:r>
+          </a:p>
+          <a:p>
+            <a:pPr marL="68580" indent="0">
+              <a:buNone/>
+            </a:pPr>
+            <a:endParaRPr lang="en-US" sz="2000" b="1" dirty="0" smtClean="0"/>
+          </a:p>
+          <a:p>
+            <a:pPr marL="68580" indent="0">
+              <a:buNone/>
+            </a:pPr>
+            <a:r>
+              <a:rPr lang="en-US" sz="2000" b="1" dirty="0" smtClean="0"/>
+              <a:t>NOTE: Spring doesn’t provide its own annotations instead it depends on </a:t>
+            </a:r>
+            <a:r>
+              <a:rPr lang="en-US" sz="2000" b="1" dirty="0" err="1" smtClean="0"/>
+              <a:t>AspectJ</a:t>
+            </a:r>
+            <a:r>
+              <a:rPr lang="en-US" sz="2000" b="1" dirty="0" smtClean="0"/>
+              <a:t> annotations.</a:t>
             </a:r>
             <a:endParaRPr lang="en-US" dirty="0"/>
           </a:p>
@@ -14515,7 +14911,7 @@
     </p:spTree>
     <p:extLst>
       <p:ext uri="{BB962C8B-B14F-4D97-AF65-F5344CB8AC3E}">
-        <p14:creationId xmlns:p14="http://schemas.microsoft.com/office/powerpoint/2010/main" val="296145203"/>
+        <p14:creationId xmlns:p14="http://schemas.microsoft.com/office/powerpoint/2010/main" val="658179238"/>
       </p:ext>
     </p:extLst>
   </p:cSld>
@@ -14551,38 +14947,6 @@
       </p:grpSpPr>
       <p:sp>
         <p:nvSpPr>
-          <p:cNvPr id="2" name="Title 1"/>
-          <p:cNvSpPr>
-            <a:spLocks noGrp="1"/>
-          </p:cNvSpPr>
-          <p:nvPr>
-            <p:ph type="title"/>
-          </p:nvPr>
-        </p:nvSpPr>
-        <p:spPr>
-          <a:xfrm>
-            <a:off x="1089024" y="274637"/>
-            <a:ext cx="6778733" cy="632615"/>
-          </a:xfrm>
-        </p:spPr>
-        <p:txBody>
-          <a:bodyPr/>
-          <a:lstStyle/>
-          <a:p>
-            <a:r>
-              <a:rPr lang="en-US" sz="2400" dirty="0" smtClean="0"/>
-              <a:t>Dispatch-servlet equivalent java </a:t>
-            </a:r>
-            <a:r>
-              <a:rPr lang="en-US" sz="2400" dirty="0" err="1" smtClean="0"/>
-              <a:t>config</a:t>
-            </a:r>
-            <a:endParaRPr lang="en-US" sz="2400" dirty="0"/>
-          </a:p>
-        </p:txBody>
-      </p:sp>
-      <p:sp>
-        <p:nvSpPr>
           <p:cNvPr id="3" name="Content Placeholder 2"/>
           <p:cNvSpPr>
             <a:spLocks noGrp="1"/>
@@ -14593,91 +14957,77 @@
         </p:nvSpPr>
         <p:spPr>
           <a:xfrm>
-            <a:off x="1089024" y="1022720"/>
-            <a:ext cx="7272339" cy="5103443"/>
+            <a:off x="1089024" y="811493"/>
+            <a:ext cx="7272339" cy="5314670"/>
           </a:xfrm>
         </p:spPr>
         <p:txBody>
-          <a:bodyPr/>
+          <a:bodyPr>
+            <a:normAutofit lnSpcReduction="10000"/>
+          </a:bodyPr>
           <a:lstStyle/>
           <a:p>
             <a:r>
               <a:rPr lang="en-US" dirty="0" smtClean="0"/>
-              <a:t>In-order to achieve this configuration write new class which extends </a:t>
-            </a:r>
-            <a:r>
-              <a:rPr lang="en-US" b="1" dirty="0" err="1" smtClean="0"/>
-              <a:t>WebMvcConfigurerAdapter</a:t>
-            </a:r>
+              <a:t>In Spring, aspects are woven into spring-managed beans at runtime by wrapping them with a proxy class. </a:t>
+            </a:r>
+          </a:p>
+          <a:p>
+            <a:pPr marL="68580" indent="0">
+              <a:buNone/>
+            </a:pPr>
+            <a:endParaRPr lang="en-US" dirty="0" smtClean="0"/>
+          </a:p>
+          <a:p>
+            <a:pPr marL="68580" indent="0">
+              <a:buNone/>
+            </a:pPr>
             <a:r>
               <a:rPr lang="en-US" b="1" dirty="0" smtClean="0"/>
-              <a:t>. </a:t>
-            </a:r>
-            <a:endParaRPr lang="en-US" b="1" dirty="0"/>
-          </a:p>
-          <a:p>
+              <a:t>There are two types of proxy creation possible</a:t>
+            </a:r>
+          </a:p>
+          <a:p>
+            <a:r>
+              <a:rPr lang="en-US" b="1" dirty="0" smtClean="0"/>
+              <a:t>JDK Dynamic proxy</a:t>
+            </a:r>
             <a:r>
               <a:rPr lang="en-US" dirty="0" smtClean="0"/>
-              <a:t>Annotate this class with </a:t>
-            </a:r>
+              <a:t>: If we the services are invokes based on interfaces it creates proxy by implementing that interface.</a:t>
+            </a:r>
+          </a:p>
+          <a:p>
             <a:r>
               <a:rPr lang="en-US" b="1" dirty="0" smtClean="0"/>
-              <a:t>@</a:t>
-            </a:r>
-            <a:r>
-              <a:rPr lang="en-US" b="1" dirty="0" err="1" smtClean="0"/>
-              <a:t>EnableWebMvc</a:t>
+              <a:t>CGLIB Proxy</a:t>
             </a:r>
             <a:r>
               <a:rPr lang="en-US" dirty="0" smtClean="0"/>
-              <a:t> and override some of the methods or beans like </a:t>
-            </a:r>
-            <a:r>
-              <a:rPr lang="en-US" dirty="0" err="1" smtClean="0"/>
-              <a:t>localeResolver</a:t>
-            </a:r>
+              <a:t>:  it extends the existing target class and calls super class methods.</a:t>
+            </a:r>
+          </a:p>
+          <a:p>
+            <a:endParaRPr lang="en-US" dirty="0" smtClean="0"/>
+          </a:p>
+          <a:p>
             <a:r>
               <a:rPr lang="en-US" dirty="0" smtClean="0"/>
-              <a:t> , </a:t>
-            </a:r>
-            <a:r>
-              <a:rPr lang="en-US" dirty="0" err="1" smtClean="0"/>
-              <a:t>viewResolver</a:t>
-            </a:r>
-            <a:r>
-              <a:rPr lang="en-US" dirty="0" smtClean="0"/>
-              <a:t> etc.</a:t>
-            </a:r>
-          </a:p>
-          <a:p>
-            <a:r>
-              <a:rPr lang="en-US" dirty="0" smtClean="0"/>
-              <a:t>Similarly to enable Security write a class which extends </a:t>
-            </a:r>
-            <a:r>
-              <a:rPr lang="en-US" b="1" dirty="0" err="1" smtClean="0"/>
-              <a:t>WebSecurityConfigurerAdapter</a:t>
-            </a:r>
-            <a:r>
-              <a:rPr lang="en-US" dirty="0" smtClean="0"/>
-              <a:t> and annotate method with </a:t>
-            </a:r>
-            <a:r>
-              <a:rPr lang="en-US" b="1" dirty="0" smtClean="0"/>
-              <a:t>@</a:t>
-            </a:r>
-            <a:r>
-              <a:rPr lang="en-US" b="1" dirty="0" err="1" smtClean="0"/>
-              <a:t>EnableWebMvcSecurity</a:t>
-            </a:r>
-            <a:endParaRPr lang="en-US" b="1" dirty="0"/>
+              <a:t>Proxy class poses as the target bean intercepting advised method calls and forwarding those calls to the target bean. </a:t>
+            </a:r>
+          </a:p>
+          <a:p>
+            <a:endParaRPr lang="en-US" dirty="0" smtClean="0"/>
+          </a:p>
+          <a:p>
+            <a:endParaRPr lang="en-US" dirty="0"/>
           </a:p>
         </p:txBody>
       </p:sp>
     </p:spTree>
     <p:extLst>
       <p:ext uri="{BB962C8B-B14F-4D97-AF65-F5344CB8AC3E}">
-        <p14:creationId xmlns:p14="http://schemas.microsoft.com/office/powerpoint/2010/main" val="444929711"/>
+        <p14:creationId xmlns:p14="http://schemas.microsoft.com/office/powerpoint/2010/main" val="498556496"/>
       </p:ext>
     </p:extLst>
   </p:cSld>
@@ -14711,9 +15061,36 @@
           <a:chExt cx="0" cy="0"/>
         </a:xfrm>
       </p:grpSpPr>
+      <p:pic>
+        <p:nvPicPr>
+          <p:cNvPr id="4" name="Content Placeholder 3"/>
+          <p:cNvPicPr>
+            <a:picLocks noGrp="1" noChangeAspect="1"/>
+          </p:cNvPicPr>
+          <p:nvPr>
+            <p:ph idx="1"/>
+          </p:nvPr>
+        </p:nvPicPr>
+        <p:blipFill>
+          <a:blip r:embed="rId2"/>
+          <a:srcRect t="-16213" b="-16213"/>
+          <a:stretch>
+            <a:fillRect/>
+          </a:stretch>
+        </p:blipFill>
+        <p:spPr>
+          <a:xfrm>
+            <a:off x="1043492" y="1693551"/>
+            <a:ext cx="7216363" cy="4463212"/>
+          </a:xfrm>
+          <a:prstGeom prst="rect">
+            <a:avLst/>
+          </a:prstGeom>
+        </p:spPr>
+      </p:pic>
       <p:sp>
         <p:nvSpPr>
-          <p:cNvPr id="2" name="Title 1"/>
+          <p:cNvPr id="5" name="Title 1"/>
           <p:cNvSpPr>
             <a:spLocks noGrp="1"/>
           </p:cNvSpPr>
@@ -14723,8 +15100,8 @@
         </p:nvSpPr>
         <p:spPr>
           <a:xfrm>
-            <a:off x="1089024" y="274637"/>
-            <a:ext cx="7026147" cy="682101"/>
+            <a:off x="1089024" y="907252"/>
+            <a:ext cx="6778733" cy="632615"/>
           </a:xfrm>
         </p:spPr>
         <p:txBody>
@@ -14733,142 +15110,20 @@
           <a:p>
             <a:r>
               <a:rPr lang="en-US" sz="2400" dirty="0" smtClean="0"/>
-              <a:t>JPA Configuration</a:t>
+              <a:t>How  </a:t>
+            </a:r>
+            <a:r>
+              <a:rPr lang="en-US" sz="2400" dirty="0" smtClean="0"/>
+              <a:t>JDK Proxy works</a:t>
             </a:r>
             <a:endParaRPr lang="en-US" sz="2400" dirty="0"/>
-          </a:p>
-        </p:txBody>
-      </p:sp>
-      <p:sp>
-        <p:nvSpPr>
-          <p:cNvPr id="3" name="Content Placeholder 2"/>
-          <p:cNvSpPr>
-            <a:spLocks noGrp="1"/>
-          </p:cNvSpPr>
-          <p:nvPr>
-            <p:ph idx="1"/>
-          </p:nvPr>
-        </p:nvSpPr>
-        <p:spPr>
-          <a:xfrm>
-            <a:off x="1089024" y="1088702"/>
-            <a:ext cx="7272339" cy="5037461"/>
-          </a:xfrm>
-        </p:spPr>
-        <p:txBody>
-          <a:bodyPr>
-            <a:normAutofit fontScale="92500" lnSpcReduction="10000"/>
-          </a:bodyPr>
-          <a:lstStyle/>
-          <a:p>
-            <a:r>
-              <a:rPr lang="en-US" dirty="0" smtClean="0"/>
-              <a:t>JPA specification defines two types of entity managers</a:t>
-            </a:r>
-          </a:p>
-          <a:p>
-            <a:r>
-              <a:rPr lang="en-US" dirty="0" smtClean="0"/>
-              <a:t>  Application-managed and container-managed.</a:t>
-            </a:r>
-          </a:p>
-          <a:p>
-            <a:pPr marL="0" indent="0">
-              <a:buNone/>
-            </a:pPr>
-            <a:r>
-              <a:rPr lang="en-US" dirty="0"/>
-              <a:t>A corresponding spring factory bean produces each flavor of entity manager factory:</a:t>
-            </a:r>
-          </a:p>
-          <a:p>
-            <a:pPr marL="0" lvl="0" indent="0">
-              <a:buNone/>
-            </a:pPr>
-            <a:r>
-              <a:rPr lang="en-US" b="1" dirty="0" err="1" smtClean="0"/>
-              <a:t>LocalEntityManagerFactoryBean</a:t>
-            </a:r>
-            <a:r>
-              <a:rPr lang="en-US" dirty="0" smtClean="0"/>
-              <a:t> </a:t>
-            </a:r>
-            <a:r>
-              <a:rPr lang="en-US" dirty="0"/>
-              <a:t>produces an application-managed </a:t>
-            </a:r>
-            <a:r>
-              <a:rPr lang="en-US" dirty="0" err="1"/>
-              <a:t>EntityManagerFactory</a:t>
-            </a:r>
-            <a:r>
-              <a:rPr lang="en-US" dirty="0"/>
-              <a:t>.</a:t>
-            </a:r>
-          </a:p>
-          <a:p>
-            <a:pPr marL="0" indent="0">
-              <a:buNone/>
-            </a:pPr>
-            <a:r>
-              <a:rPr lang="en-US" dirty="0"/>
-              <a:t> </a:t>
-            </a:r>
-            <a:r>
-              <a:rPr lang="en-US" b="1" dirty="0" err="1" smtClean="0"/>
-              <a:t>LocalContainerEntityManagerFactoryBean</a:t>
-            </a:r>
-            <a:r>
-              <a:rPr lang="en-US" dirty="0" smtClean="0"/>
-              <a:t> </a:t>
-            </a:r>
-            <a:r>
-              <a:rPr lang="en-US" dirty="0"/>
-              <a:t>produces a container-managed </a:t>
-            </a:r>
-            <a:r>
-              <a:rPr lang="en-US" dirty="0" err="1"/>
-              <a:t>EntityManagerFactory</a:t>
-            </a:r>
-            <a:r>
-              <a:rPr lang="en-US" dirty="0"/>
-              <a:t>.</a:t>
-            </a:r>
-          </a:p>
-          <a:p>
-            <a:pPr marL="0" indent="0">
-              <a:buNone/>
-            </a:pPr>
-            <a:r>
-              <a:rPr lang="en-US" b="1" dirty="0"/>
-              <a:t> @</a:t>
-            </a:r>
-            <a:r>
-              <a:rPr lang="en-US" b="1" dirty="0" err="1"/>
-              <a:t>EnableJpaRepositories</a:t>
-            </a:r>
-            <a:r>
-              <a:rPr lang="en-US" dirty="0"/>
-              <a:t> </a:t>
-            </a:r>
-            <a:r>
-              <a:rPr lang="en-US" dirty="0" smtClean="0"/>
-              <a:t> tells the container that we are using JPA based repositories there is implementation required.</a:t>
-            </a:r>
-            <a:endParaRPr lang="en-US" dirty="0"/>
-          </a:p>
-          <a:p>
-            <a:pPr marL="0" indent="0">
-              <a:buNone/>
-            </a:pPr>
-            <a:endParaRPr lang="en-US" dirty="0"/>
           </a:p>
         </p:txBody>
       </p:sp>
     </p:spTree>
     <p:extLst>
       <p:ext uri="{BB962C8B-B14F-4D97-AF65-F5344CB8AC3E}">
-        <p14:creationId xmlns:p14="http://schemas.microsoft.com/office/powerpoint/2010/main" val="2685578658"/>
+        <p14:creationId xmlns:p14="http://schemas.microsoft.com/office/powerpoint/2010/main" val="3656466823"/>
       </p:ext>
     </p:extLst>
   </p:cSld>
@@ -14914,21 +15169,21 @@
         </p:nvSpPr>
         <p:spPr>
           <a:xfrm>
-            <a:off x="1043490" y="712361"/>
-            <a:ext cx="7024744" cy="840061"/>
+            <a:off x="1043490" y="747643"/>
+            <a:ext cx="7024744" cy="822419"/>
           </a:xfrm>
         </p:spPr>
         <p:txBody>
           <a:bodyPr>
-            <a:normAutofit/>
+            <a:noAutofit/>
           </a:bodyPr>
           <a:lstStyle/>
           <a:p>
             <a:r>
-              <a:rPr lang="en-US" dirty="0" smtClean="0"/>
-              <a:t>Spring Boot Configuration</a:t>
-            </a:r>
-            <a:endParaRPr lang="en-US" dirty="0"/>
+              <a:rPr lang="en-US" sz="2400" dirty="0" smtClean="0"/>
+              <a:t>Spring Expression Language with @Value annotation</a:t>
+            </a:r>
+            <a:endParaRPr lang="en-US" sz="2400" dirty="0"/>
           </a:p>
         </p:txBody>
       </p:sp>
@@ -14944,230 +15199,53 @@
         </p:nvSpPr>
         <p:spPr>
           <a:xfrm>
-            <a:off x="1043492" y="1675910"/>
-            <a:ext cx="6777317" cy="4156719"/>
+            <a:off x="1043492" y="1852322"/>
+            <a:ext cx="6777317" cy="3980307"/>
           </a:xfrm>
         </p:spPr>
         <p:txBody>
-          <a:bodyPr>
-            <a:normAutofit fontScale="92500"/>
-          </a:bodyPr>
+          <a:bodyPr/>
           <a:lstStyle/>
           <a:p>
             <a:r>
               <a:rPr lang="en-US" dirty="0" smtClean="0"/>
-              <a:t>Add below maven dependency as parent in your </a:t>
-            </a:r>
-            <a:r>
-              <a:rPr lang="en-US" dirty="0" err="1" smtClean="0"/>
-              <a:t>pom.xml</a:t>
-            </a:r>
-            <a:endParaRPr lang="en-US" dirty="0" smtClean="0"/>
-          </a:p>
-          <a:p>
-            <a:pPr marL="68580" indent="0">
-              <a:buNone/>
-            </a:pPr>
-            <a:r>
-              <a:rPr lang="en-US" sz="1800" dirty="0" smtClean="0"/>
-              <a:t>   &lt;</a:t>
-            </a:r>
-            <a:r>
-              <a:rPr lang="en-US" sz="1800" dirty="0"/>
-              <a:t>parent&gt;</a:t>
-            </a:r>
-          </a:p>
-          <a:p>
-            <a:pPr marL="640080" lvl="2" indent="0">
-              <a:buNone/>
-            </a:pPr>
-            <a:r>
-              <a:rPr lang="en-US" sz="1400" dirty="0" smtClean="0"/>
-              <a:t>&lt;</a:t>
-            </a:r>
-            <a:r>
-              <a:rPr lang="en-US" sz="1400" dirty="0" err="1"/>
-              <a:t>groupId</a:t>
-            </a:r>
-            <a:r>
-              <a:rPr lang="en-US" sz="1400" dirty="0"/>
-              <a:t>&gt;</a:t>
-            </a:r>
-            <a:r>
-              <a:rPr lang="en-US" sz="1400" dirty="0" err="1"/>
-              <a:t>org.springframework.boot</a:t>
-            </a:r>
-            <a:r>
-              <a:rPr lang="en-US" sz="1400" dirty="0"/>
-              <a:t>&lt;/</a:t>
-            </a:r>
-            <a:r>
-              <a:rPr lang="en-US" sz="1400" dirty="0" err="1"/>
-              <a:t>groupId</a:t>
-            </a:r>
-            <a:r>
-              <a:rPr lang="en-US" sz="1400" dirty="0"/>
-              <a:t>&gt;</a:t>
-            </a:r>
-          </a:p>
-          <a:p>
-            <a:pPr marL="640080" lvl="2" indent="0">
-              <a:buNone/>
-            </a:pPr>
-            <a:r>
-              <a:rPr lang="en-US" sz="1400" dirty="0" smtClean="0"/>
-              <a:t>&lt;</a:t>
-            </a:r>
-            <a:r>
-              <a:rPr lang="en-US" sz="1400" dirty="0" err="1"/>
-              <a:t>artifactId</a:t>
-            </a:r>
-            <a:r>
-              <a:rPr lang="en-US" sz="1400" dirty="0"/>
-              <a:t>&gt;spring-boot-starter-parent&lt;/</a:t>
-            </a:r>
-            <a:r>
-              <a:rPr lang="en-US" sz="1400" dirty="0" err="1"/>
-              <a:t>artifactId</a:t>
-            </a:r>
-            <a:r>
-              <a:rPr lang="en-US" sz="1400" dirty="0"/>
-              <a:t>&gt;</a:t>
-            </a:r>
-          </a:p>
-          <a:p>
-            <a:pPr marL="640080" lvl="2" indent="0">
-              <a:buNone/>
-            </a:pPr>
-            <a:r>
-              <a:rPr lang="en-US" sz="1400" dirty="0" smtClean="0"/>
-              <a:t>&lt;</a:t>
-            </a:r>
-            <a:r>
-              <a:rPr lang="en-US" sz="1400" dirty="0"/>
-              <a:t>version&gt;1.3.3.RELEASE&lt;/version</a:t>
-            </a:r>
-            <a:r>
-              <a:rPr lang="en-US" sz="1400" dirty="0" smtClean="0"/>
-              <a:t>&gt;</a:t>
-            </a:r>
-          </a:p>
-          <a:p>
-            <a:pPr marL="365760" lvl="1" indent="0">
-              <a:buNone/>
-            </a:pPr>
-            <a:r>
-              <a:rPr lang="en-US" sz="1800" dirty="0" smtClean="0"/>
-              <a:t>&lt;</a:t>
-            </a:r>
-            <a:r>
-              <a:rPr lang="en-US" sz="1800" dirty="0"/>
-              <a:t>/parent</a:t>
-            </a:r>
-            <a:r>
-              <a:rPr lang="en-US" sz="1800" dirty="0" smtClean="0"/>
-              <a:t>&gt;</a:t>
-            </a:r>
-          </a:p>
-          <a:p>
-            <a:pPr marL="365760" lvl="1" indent="0">
-              <a:buNone/>
-            </a:pPr>
-            <a:endParaRPr lang="en-US" sz="1800" dirty="0" smtClean="0"/>
-          </a:p>
-          <a:p>
+              <a:t>A powerful </a:t>
+            </a:r>
+            <a:r>
+              <a:rPr lang="en-US" dirty="0"/>
+              <a:t>expression language that supports querying and manipulating an object graph at runtime</a:t>
+            </a:r>
             <a:r>
               <a:rPr lang="en-US" dirty="0" smtClean="0"/>
-              <a:t>Add dependency as per your requirement</a:t>
-            </a:r>
-          </a:p>
-          <a:p>
-            <a:pPr marL="68580" indent="0">
-              <a:buNone/>
-            </a:pPr>
-            <a:r>
-              <a:rPr lang="en-US" sz="1700" dirty="0"/>
-              <a:t>&lt;dependency&gt;</a:t>
-            </a:r>
-          </a:p>
-          <a:p>
-            <a:pPr marL="365760" lvl="1" indent="0">
-              <a:buNone/>
-            </a:pPr>
-            <a:r>
-              <a:rPr lang="en-US" sz="1600" dirty="0" smtClean="0"/>
-              <a:t>&lt;</a:t>
-            </a:r>
-            <a:r>
-              <a:rPr lang="en-US" sz="1600" dirty="0" err="1"/>
-              <a:t>groupId</a:t>
-            </a:r>
-            <a:r>
-              <a:rPr lang="en-US" sz="1600" dirty="0"/>
-              <a:t>&gt;</a:t>
-            </a:r>
-            <a:r>
-              <a:rPr lang="en-US" sz="1600" dirty="0" err="1"/>
-              <a:t>org.springframework.boot</a:t>
-            </a:r>
-            <a:r>
-              <a:rPr lang="en-US" sz="1600" dirty="0"/>
-              <a:t>&lt;/</a:t>
-            </a:r>
-            <a:r>
-              <a:rPr lang="en-US" sz="1600" dirty="0" err="1"/>
-              <a:t>groupId</a:t>
-            </a:r>
-            <a:r>
-              <a:rPr lang="en-US" sz="1600" dirty="0"/>
-              <a:t>&gt;</a:t>
-            </a:r>
-          </a:p>
-          <a:p>
-            <a:pPr marL="365760" lvl="1" indent="0">
-              <a:buNone/>
-            </a:pPr>
-            <a:r>
-              <a:rPr lang="en-US" sz="1600" dirty="0" smtClean="0"/>
-              <a:t>&lt;</a:t>
-            </a:r>
-            <a:r>
-              <a:rPr lang="en-US" sz="1600" dirty="0" err="1"/>
-              <a:t>artifactId</a:t>
-            </a:r>
-            <a:r>
-              <a:rPr lang="en-US" sz="1600" dirty="0"/>
-              <a:t>&gt;spring-boot-starter</a:t>
-            </a:r>
-            <a:r>
-              <a:rPr lang="en-US" sz="1600" dirty="0" smtClean="0"/>
-              <a:t>-xxx&lt;</a:t>
-            </a:r>
-            <a:r>
-              <a:rPr lang="en-US" sz="1600" dirty="0"/>
-              <a:t>/</a:t>
-            </a:r>
-            <a:r>
-              <a:rPr lang="en-US" sz="1600" dirty="0" err="1"/>
-              <a:t>artifactId</a:t>
-            </a:r>
-            <a:r>
-              <a:rPr lang="en-US" sz="1600" dirty="0"/>
-              <a:t>&gt;</a:t>
-            </a:r>
-          </a:p>
-          <a:p>
-            <a:pPr marL="68580" indent="0">
-              <a:buNone/>
-            </a:pPr>
-            <a:r>
-              <a:rPr lang="en-US" sz="1700" dirty="0" smtClean="0"/>
-              <a:t>&lt;</a:t>
-            </a:r>
-            <a:r>
-              <a:rPr lang="en-US" sz="1700" dirty="0"/>
-              <a:t>/dependency&gt;</a:t>
-            </a:r>
+              <a:t>.</a:t>
+            </a:r>
+          </a:p>
+          <a:p>
+            <a:r>
+              <a:rPr lang="en-US" dirty="0"/>
+              <a:t> syntax to define the expression is of the form </a:t>
+            </a:r>
+            <a:r>
+              <a:rPr lang="en-US" b="1" dirty="0">
+                <a:solidFill>
+                  <a:srgbClr val="D77C01"/>
+                </a:solidFill>
+              </a:rPr>
+              <a:t>#{ &lt;expression string&gt; }</a:t>
+            </a:r>
+            <a:r>
+              <a:rPr lang="en-US" dirty="0"/>
+              <a:t>.</a:t>
+            </a:r>
+          </a:p>
+          <a:p>
+            <a:r>
+              <a:rPr lang="en-US" dirty="0" smtClean="0"/>
+              <a:t>@Value annotation used to bound the value from the spring expression language.</a:t>
+            </a:r>
+            <a:endParaRPr lang="en-US" dirty="0"/>
+          </a:p>
+          <a:p>
             <a:endParaRPr lang="en-US" dirty="0"/>
           </a:p>
         </p:txBody>
@@ -15175,7 +15253,7 @@
     </p:spTree>
     <p:extLst>
       <p:ext uri="{BB962C8B-B14F-4D97-AF65-F5344CB8AC3E}">
-        <p14:creationId xmlns:p14="http://schemas.microsoft.com/office/powerpoint/2010/main" val="2162724376"/>
+        <p14:creationId xmlns:p14="http://schemas.microsoft.com/office/powerpoint/2010/main" val="1025226454"/>
       </p:ext>
     </p:extLst>
   </p:cSld>
@@ -15211,6 +15289,36 @@
       </p:grpSpPr>
       <p:sp>
         <p:nvSpPr>
+          <p:cNvPr id="2" name="Title 1"/>
+          <p:cNvSpPr>
+            <a:spLocks noGrp="1"/>
+          </p:cNvSpPr>
+          <p:nvPr>
+            <p:ph type="title"/>
+          </p:nvPr>
+        </p:nvSpPr>
+        <p:spPr>
+          <a:xfrm>
+            <a:off x="1043492" y="696425"/>
+            <a:ext cx="7024744" cy="582959"/>
+          </a:xfrm>
+        </p:spPr>
+        <p:txBody>
+          <a:bodyPr>
+            <a:normAutofit fontScale="90000"/>
+          </a:bodyPr>
+          <a:lstStyle/>
+          <a:p>
+            <a:r>
+              <a:rPr lang="en-US" sz="3600" dirty="0" smtClean="0"/>
+              <a:t>@Primary and @Qualifier</a:t>
+            </a:r>
+            <a:endParaRPr lang="en-US" sz="3600" dirty="0"/>
+          </a:p>
+        </p:txBody>
+      </p:sp>
+      <p:sp>
+        <p:nvSpPr>
           <p:cNvPr id="3" name="Content Placeholder 2"/>
           <p:cNvSpPr>
             <a:spLocks noGrp="1"/>
@@ -15221,8 +15329,76 @@
         </p:nvSpPr>
         <p:spPr>
           <a:xfrm>
-            <a:off x="1043492" y="899700"/>
-            <a:ext cx="6777317" cy="4932930"/>
+            <a:off x="1043492" y="1570864"/>
+            <a:ext cx="7024744" cy="4444771"/>
+          </a:xfrm>
+        </p:spPr>
+        <p:txBody>
+          <a:bodyPr/>
+          <a:lstStyle/>
+          <a:p>
+            <a:r>
+              <a:rPr lang="en-US" dirty="0" smtClean="0"/>
+              <a:t>@Primary:  used to select one default implementation when multiple concrete classes available for single interface.</a:t>
+            </a:r>
+          </a:p>
+          <a:p>
+            <a:r>
+              <a:rPr lang="en-US" dirty="0" smtClean="0"/>
+              <a:t>@Qualifier: Used to select one of the implementation at the time of @</a:t>
+            </a:r>
+            <a:r>
+              <a:rPr lang="en-US" dirty="0" err="1" smtClean="0"/>
+              <a:t>Autowiring</a:t>
+            </a:r>
+            <a:endParaRPr lang="en-US" dirty="0"/>
+          </a:p>
+        </p:txBody>
+      </p:sp>
+    </p:spTree>
+    <p:extLst>
+      <p:ext uri="{BB962C8B-B14F-4D97-AF65-F5344CB8AC3E}">
+        <p14:creationId xmlns:p14="http://schemas.microsoft.com/office/powerpoint/2010/main" val="2830122772"/>
+      </p:ext>
+    </p:extLst>
+  </p:cSld>
+  <p:clrMapOvr>
+    <a:masterClrMapping/>
+  </p:clrMapOvr>
+</p:sld>
+</file>
+
+<file path=ppt/slides/slide19.xml><?xml version="1.0" encoding="utf-8"?>
+<p:sld xmlns:a="http://schemas.openxmlformats.org/drawingml/2006/main" xmlns:r="http://schemas.openxmlformats.org/officeDocument/2006/relationships" xmlns:p="http://schemas.openxmlformats.org/presentationml/2006/main">
+  <p:cSld>
+    <p:spTree>
+      <p:nvGrpSpPr>
+        <p:cNvPr id="1" name=""/>
+        <p:cNvGrpSpPr/>
+        <p:nvPr/>
+      </p:nvGrpSpPr>
+      <p:grpSpPr>
+        <a:xfrm>
+          <a:off x="0" y="0"/>
+          <a:ext cx="0" cy="0"/>
+          <a:chOff x="0" y="0"/>
+          <a:chExt cx="0" cy="0"/>
+        </a:xfrm>
+      </p:grpSpPr>
+      <p:sp>
+        <p:nvSpPr>
+          <p:cNvPr id="2" name="Title 1"/>
+          <p:cNvSpPr>
+            <a:spLocks noGrp="1"/>
+          </p:cNvSpPr>
+          <p:nvPr>
+            <p:ph type="title"/>
+          </p:nvPr>
+        </p:nvSpPr>
+        <p:spPr>
+          <a:xfrm>
+            <a:off x="1043490" y="712361"/>
+            <a:ext cx="6777319" cy="630605"/>
           </a:xfrm>
         </p:spPr>
         <p:txBody>
@@ -15232,194 +15408,93 @@
           <a:lstStyle/>
           <a:p>
             <a:r>
+              <a:rPr lang="en-US" sz="3200" dirty="0" smtClean="0"/>
+              <a:t>Spring Testing</a:t>
+            </a:r>
+            <a:endParaRPr lang="en-US" sz="3200" dirty="0"/>
+          </a:p>
+        </p:txBody>
+      </p:sp>
+      <p:sp>
+        <p:nvSpPr>
+          <p:cNvPr id="3" name="Content Placeholder 2"/>
+          <p:cNvSpPr>
+            <a:spLocks noGrp="1"/>
+          </p:cNvSpPr>
+          <p:nvPr>
+            <p:ph idx="1"/>
+          </p:nvPr>
+        </p:nvSpPr>
+        <p:spPr>
+          <a:xfrm>
+            <a:off x="1043492" y="1658270"/>
+            <a:ext cx="6777317" cy="4174360"/>
+          </a:xfrm>
+        </p:spPr>
+        <p:txBody>
+          <a:bodyPr/>
+          <a:lstStyle/>
+          <a:p>
+            <a:r>
               <a:rPr lang="en-US" dirty="0" smtClean="0"/>
-              <a:t>Write simple java class and write below code in main method</a:t>
-            </a:r>
-          </a:p>
-          <a:p>
-            <a:pPr marL="68580" indent="0">
-              <a:buNone/>
-            </a:pPr>
-            <a:r>
-              <a:rPr lang="en-US" dirty="0"/>
-              <a:t> </a:t>
-            </a:r>
-            <a:r>
-              <a:rPr lang="en-US" sz="1900" b="1" dirty="0"/>
-              <a:t>final </a:t>
-            </a:r>
-            <a:r>
-              <a:rPr lang="en-US" sz="1900" b="1" dirty="0" err="1"/>
-              <a:t>SpringApplication</a:t>
-            </a:r>
-            <a:r>
-              <a:rPr lang="en-US" sz="1900" b="1" dirty="0"/>
-              <a:t> application = new </a:t>
-            </a:r>
-            <a:r>
-              <a:rPr lang="en-US" sz="1900" b="1" dirty="0" err="1"/>
-              <a:t>SpringApplication</a:t>
-            </a:r>
-            <a:r>
-              <a:rPr lang="en-US" sz="1900" b="1" dirty="0"/>
-              <a:t>(</a:t>
-            </a:r>
-            <a:r>
-              <a:rPr lang="en-US" sz="1900" b="1" dirty="0" err="1"/>
-              <a:t>BootApplication.class</a:t>
-            </a:r>
-            <a:r>
-              <a:rPr lang="en-US" sz="1900" b="1" dirty="0"/>
-              <a:t>)</a:t>
-            </a:r>
-            <a:r>
-              <a:rPr lang="en-US" sz="1900" b="1" dirty="0" smtClean="0"/>
-              <a:t>;</a:t>
-            </a:r>
-          </a:p>
-          <a:p>
-            <a:pPr marL="68580" indent="0">
-              <a:buNone/>
-            </a:pPr>
-            <a:endParaRPr lang="en-US" sz="1900" b="1" dirty="0"/>
-          </a:p>
-          <a:p>
-            <a:pPr marL="68580" indent="0">
-              <a:buNone/>
-            </a:pPr>
-            <a:r>
-              <a:rPr lang="en-US" sz="1900" dirty="0"/>
-              <a:t>        </a:t>
-            </a:r>
-            <a:r>
-              <a:rPr lang="en-US" sz="1900" b="1" dirty="0"/>
-              <a:t>final Properties properties = new Properties();</a:t>
-            </a:r>
-          </a:p>
-          <a:p>
-            <a:pPr marL="68580" indent="0">
-              <a:buNone/>
-            </a:pPr>
-            <a:r>
-              <a:rPr lang="en-US" sz="1900" dirty="0"/>
-              <a:t>        </a:t>
-            </a:r>
-            <a:r>
-              <a:rPr lang="en-US" sz="1900" dirty="0" err="1"/>
-              <a:t>properties.put</a:t>
-            </a:r>
-            <a:r>
-              <a:rPr lang="en-US" sz="1900" dirty="0"/>
-              <a:t>("</a:t>
-            </a:r>
-            <a:r>
-              <a:rPr lang="en-US" sz="1900" dirty="0" err="1"/>
-              <a:t>server.servletPath</a:t>
-            </a:r>
-            <a:r>
-              <a:rPr lang="en-US" sz="1900" dirty="0"/>
-              <a:t>", "/</a:t>
-            </a:r>
-            <a:r>
-              <a:rPr lang="en-US" sz="1900" dirty="0" err="1"/>
-              <a:t>api</a:t>
-            </a:r>
-            <a:r>
-              <a:rPr lang="en-US" sz="1900" dirty="0"/>
-              <a:t>/*")</a:t>
-            </a:r>
-            <a:r>
-              <a:rPr lang="en-US" sz="1900" dirty="0" smtClean="0"/>
-              <a:t>;</a:t>
-            </a:r>
-          </a:p>
-          <a:p>
-            <a:pPr marL="68580" indent="0">
-              <a:buNone/>
-            </a:pPr>
-            <a:r>
-              <a:rPr lang="en-US" sz="1900" dirty="0" smtClean="0"/>
-              <a:t>/</a:t>
-            </a:r>
-            <a:r>
-              <a:rPr lang="en-US" sz="1900" dirty="0"/>
-              <a:t>/ dispatch </a:t>
-            </a:r>
-            <a:r>
-              <a:rPr lang="en-US" sz="1900" u="sng" dirty="0"/>
-              <a:t>Servlet path can be set here</a:t>
-            </a:r>
-          </a:p>
-          <a:p>
-            <a:pPr marL="68580" indent="0">
-              <a:buNone/>
-            </a:pPr>
-            <a:r>
-              <a:rPr lang="en-US" sz="1900" dirty="0"/>
-              <a:t>        </a:t>
-            </a:r>
-            <a:r>
-              <a:rPr lang="en-US" sz="1900" dirty="0" err="1"/>
-              <a:t>application.setBannerMode</a:t>
-            </a:r>
-            <a:r>
-              <a:rPr lang="en-US" sz="1900" dirty="0"/>
-              <a:t>(</a:t>
-            </a:r>
-            <a:r>
-              <a:rPr lang="en-US" sz="1900" dirty="0" err="1"/>
-              <a:t>Mode.</a:t>
-            </a:r>
-            <a:r>
-              <a:rPr lang="en-US" sz="1900" b="1" i="1" dirty="0" err="1"/>
-              <a:t>OFF</a:t>
-            </a:r>
-            <a:r>
-              <a:rPr lang="en-US" sz="1900" b="1" i="1" dirty="0"/>
-              <a:t>);</a:t>
-            </a:r>
-          </a:p>
-          <a:p>
-            <a:pPr marL="68580" indent="0">
-              <a:buNone/>
-            </a:pPr>
-            <a:r>
-              <a:rPr lang="en-US" sz="1900" dirty="0"/>
-              <a:t>        </a:t>
-            </a:r>
-            <a:r>
-              <a:rPr lang="en-US" sz="1900" dirty="0" err="1"/>
-              <a:t>application.setDefaultProperties</a:t>
-            </a:r>
-            <a:r>
-              <a:rPr lang="en-US" sz="1900" dirty="0"/>
-              <a:t>(properties);</a:t>
-            </a:r>
-          </a:p>
-          <a:p>
-            <a:pPr marL="68580" indent="0">
-              <a:buNone/>
-            </a:pPr>
-            <a:r>
-              <a:rPr lang="en-US" sz="1900" dirty="0"/>
-              <a:t>        </a:t>
-            </a:r>
-            <a:r>
-              <a:rPr lang="en-US" sz="1900" dirty="0" err="1"/>
-              <a:t>application.run</a:t>
-            </a:r>
-            <a:r>
-              <a:rPr lang="en-US" sz="1900" dirty="0"/>
-              <a:t>();</a:t>
-            </a:r>
-            <a:endParaRPr lang="en-US" sz="1900" dirty="0"/>
+              <a:t>@</a:t>
+            </a:r>
+            <a:r>
+              <a:rPr lang="en-US" dirty="0" err="1" smtClean="0"/>
+              <a:t>Runwith</a:t>
+            </a:r>
+            <a:r>
+              <a:rPr lang="en-US" dirty="0" smtClean="0"/>
+              <a:t> : Used to select spring test runner with </a:t>
+            </a:r>
+            <a:r>
+              <a:rPr lang="en-US" dirty="0" err="1" smtClean="0"/>
+              <a:t>Junit</a:t>
+            </a:r>
+            <a:r>
+              <a:rPr lang="en-US" dirty="0" smtClean="0"/>
+              <a:t> Test cases</a:t>
+            </a:r>
+          </a:p>
+          <a:p>
+            <a:r>
+              <a:rPr lang="en-US" dirty="0" smtClean="0"/>
+              <a:t>@</a:t>
+            </a:r>
+            <a:r>
+              <a:rPr lang="en-US" dirty="0" err="1" smtClean="0"/>
+              <a:t>ContextConfiguration</a:t>
+            </a:r>
+            <a:r>
+              <a:rPr lang="en-US" dirty="0" smtClean="0"/>
+              <a:t>:  take spring configuration and creates container with test beans</a:t>
+            </a:r>
+          </a:p>
+          <a:p>
+            <a:r>
+              <a:rPr lang="en-US" dirty="0" smtClean="0"/>
+              <a:t>@</a:t>
+            </a:r>
+            <a:r>
+              <a:rPr lang="en-US" dirty="0" err="1" smtClean="0"/>
+              <a:t>ActiveProfiles</a:t>
+            </a:r>
+            <a:r>
+              <a:rPr lang="en-US" dirty="0" smtClean="0"/>
+              <a:t>:  enables profiles form </a:t>
+            </a:r>
+            <a:r>
+              <a:rPr lang="en-US" smtClean="0"/>
+              <a:t>test cases </a:t>
+            </a:r>
+            <a:endParaRPr lang="en-US" dirty="0"/>
           </a:p>
         </p:txBody>
       </p:sp>
     </p:spTree>
     <p:extLst>
       <p:ext uri="{BB962C8B-B14F-4D97-AF65-F5344CB8AC3E}">
-        <p14:creationId xmlns:p14="http://schemas.microsoft.com/office/powerpoint/2010/main" val="544636537"/>
+        <p14:creationId xmlns:p14="http://schemas.microsoft.com/office/powerpoint/2010/main" val="1213302092"/>
       </p:ext>
     </p:extLst>
   </p:cSld>
@@ -15491,12 +15566,30 @@
           </a:xfrm>
         </p:spPr>
         <p:txBody>
-          <a:bodyPr/>
+          <a:bodyPr>
+            <a:normAutofit fontScale="92500"/>
+          </a:bodyPr>
           <a:lstStyle/>
           <a:p>
             <a:r>
+              <a:rPr lang="en-US" dirty="0" smtClean="0"/>
+              <a:t>Introduction</a:t>
+            </a:r>
+          </a:p>
+          <a:p>
+            <a:r>
+              <a:rPr lang="en-US" dirty="0" smtClean="0"/>
+              <a:t>Spring Containers</a:t>
+            </a:r>
+          </a:p>
+          <a:p>
+            <a:r>
+              <a:rPr lang="en-US" dirty="0" smtClean="0"/>
+              <a:t>Spring </a:t>
+            </a:r>
+            <a:r>
               <a:rPr lang="en-US" dirty="0"/>
-              <a:t>Spring Bean Lifecycle</a:t>
+              <a:t>Bean Lifecycle</a:t>
             </a:r>
           </a:p>
           <a:p>
@@ -15556,6 +15649,1329 @@
   <p:clrMapOvr>
     <a:masterClrMapping/>
   </p:clrMapOvr>
+  <p:timing>
+    <p:tnLst>
+      <p:par>
+        <p:cTn xmlns:p14="http://schemas.microsoft.com/office/powerpoint/2010/main" id="1" dur="indefinite" restart="never" nodeType="tmRoot"/>
+      </p:par>
+    </p:tnLst>
+  </p:timing>
+</p:sld>
+</file>
+
+<file path=ppt/slides/slide20.xml><?xml version="1.0" encoding="utf-8"?>
+<p:sld xmlns:a="http://schemas.openxmlformats.org/drawingml/2006/main" xmlns:r="http://schemas.openxmlformats.org/officeDocument/2006/relationships" xmlns:p="http://schemas.openxmlformats.org/presentationml/2006/main">
+  <p:cSld>
+    <p:spTree>
+      <p:nvGrpSpPr>
+        <p:cNvPr id="1" name=""/>
+        <p:cNvGrpSpPr/>
+        <p:nvPr/>
+      </p:nvGrpSpPr>
+      <p:grpSpPr>
+        <a:xfrm>
+          <a:off x="0" y="0"/>
+          <a:ext cx="0" cy="0"/>
+          <a:chOff x="0" y="0"/>
+          <a:chExt cx="0" cy="0"/>
+        </a:xfrm>
+      </p:grpSpPr>
+      <p:sp>
+        <p:nvSpPr>
+          <p:cNvPr id="2" name="Title 1"/>
+          <p:cNvSpPr>
+            <a:spLocks noGrp="1"/>
+          </p:cNvSpPr>
+          <p:nvPr>
+            <p:ph type="title"/>
+          </p:nvPr>
+        </p:nvSpPr>
+        <p:spPr>
+          <a:xfrm>
+            <a:off x="1089024" y="274637"/>
+            <a:ext cx="6729251" cy="632615"/>
+          </a:xfrm>
+        </p:spPr>
+        <p:txBody>
+          <a:bodyPr/>
+          <a:lstStyle/>
+          <a:p>
+            <a:r>
+              <a:rPr lang="en-US" sz="2400" dirty="0" smtClean="0"/>
+              <a:t>Spring </a:t>
+            </a:r>
+            <a:r>
+              <a:rPr lang="en-US" sz="2400" dirty="0" err="1" smtClean="0"/>
+              <a:t>WebMvc</a:t>
+            </a:r>
+            <a:endParaRPr lang="en-US" sz="2400" dirty="0"/>
+          </a:p>
+        </p:txBody>
+      </p:sp>
+      <p:sp>
+        <p:nvSpPr>
+          <p:cNvPr id="3" name="Content Placeholder 2"/>
+          <p:cNvSpPr>
+            <a:spLocks noGrp="1"/>
+          </p:cNvSpPr>
+          <p:nvPr>
+            <p:ph idx="1"/>
+          </p:nvPr>
+        </p:nvSpPr>
+        <p:spPr>
+          <a:xfrm>
+            <a:off x="1089024" y="1055712"/>
+            <a:ext cx="7272339" cy="5070452"/>
+          </a:xfrm>
+        </p:spPr>
+        <p:txBody>
+          <a:bodyPr>
+            <a:normAutofit fontScale="92500" lnSpcReduction="10000"/>
+          </a:bodyPr>
+          <a:lstStyle/>
+          <a:p>
+            <a:r>
+              <a:rPr lang="en-US" dirty="0" smtClean="0"/>
+              <a:t>Servlet 3.0 based container looks for the </a:t>
+            </a:r>
+            <a:r>
+              <a:rPr lang="en-US" b="1" dirty="0" err="1" smtClean="0"/>
+              <a:t>ServletContainerInitializer</a:t>
+            </a:r>
+            <a:r>
+              <a:rPr lang="en-US" dirty="0" smtClean="0"/>
+              <a:t> implementations for a valid web application. </a:t>
+            </a:r>
+            <a:r>
+              <a:rPr lang="en-US" dirty="0" err="1"/>
+              <a:t>w</a:t>
+            </a:r>
+            <a:r>
+              <a:rPr lang="en-US" dirty="0" err="1" smtClean="0"/>
+              <a:t>eb.xml</a:t>
+            </a:r>
+            <a:r>
+              <a:rPr lang="en-US" dirty="0" smtClean="0"/>
+              <a:t> is not required.</a:t>
+            </a:r>
+          </a:p>
+          <a:p>
+            <a:r>
+              <a:rPr lang="en-US" dirty="0" smtClean="0"/>
+              <a:t>Spring implements this class in </a:t>
+            </a:r>
+            <a:r>
+              <a:rPr lang="en-US" b="1" dirty="0" err="1" smtClean="0"/>
+              <a:t>SpringServletContainerInitializer</a:t>
+            </a:r>
+            <a:r>
+              <a:rPr lang="en-US" dirty="0" smtClean="0"/>
+              <a:t> and delegates to </a:t>
+            </a:r>
+            <a:r>
+              <a:rPr lang="en-US" b="1" dirty="0" err="1" smtClean="0"/>
+              <a:t>WebApplicationInitializer</a:t>
+            </a:r>
+            <a:r>
+              <a:rPr lang="en-US" dirty="0" smtClean="0"/>
+              <a:t> .</a:t>
+            </a:r>
+          </a:p>
+          <a:p>
+            <a:r>
+              <a:rPr lang="en-US" dirty="0" smtClean="0"/>
+              <a:t>Below class used to write </a:t>
+            </a:r>
+            <a:r>
+              <a:rPr lang="en-US" dirty="0" err="1" smtClean="0"/>
+              <a:t>web.xml</a:t>
+            </a:r>
+            <a:r>
+              <a:rPr lang="en-US" dirty="0" smtClean="0"/>
+              <a:t> content using java based configuration </a:t>
+            </a:r>
+            <a:r>
+              <a:rPr lang="en-US" sz="2200" b="1" dirty="0" err="1" smtClean="0"/>
+              <a:t>AbstractAnnotationConfigDispatchServletInitializer</a:t>
+            </a:r>
+            <a:r>
+              <a:rPr lang="en-US" sz="2200" dirty="0" smtClean="0"/>
+              <a:t> </a:t>
+            </a:r>
+            <a:endParaRPr lang="en-US" dirty="0" smtClean="0"/>
+          </a:p>
+          <a:p>
+            <a:r>
+              <a:rPr lang="en-US" dirty="0" err="1" smtClean="0"/>
+              <a:t>getRootConfigClass</a:t>
+            </a:r>
+            <a:r>
+              <a:rPr lang="en-US" dirty="0" smtClean="0"/>
+              <a:t>() method returns configuration which is similar to </a:t>
+            </a:r>
+            <a:r>
+              <a:rPr lang="en-US" i="1" dirty="0" err="1" smtClean="0"/>
+              <a:t>applicationContext.xml</a:t>
+            </a:r>
+            <a:endParaRPr lang="en-US" i="1" dirty="0" smtClean="0"/>
+          </a:p>
+          <a:p>
+            <a:r>
+              <a:rPr lang="en-US" dirty="0" err="1" smtClean="0"/>
+              <a:t>getServletConfigClasses</a:t>
+            </a:r>
+            <a:r>
+              <a:rPr lang="en-US" dirty="0" smtClean="0"/>
+              <a:t>() method returns configuration which  is similar to dispatch-</a:t>
+            </a:r>
+            <a:r>
+              <a:rPr lang="en-US" dirty="0" err="1" smtClean="0"/>
+              <a:t>servlet.xml</a:t>
+            </a:r>
+            <a:r>
+              <a:rPr lang="en-US" dirty="0" smtClean="0"/>
+              <a:t> </a:t>
+            </a:r>
+            <a:endParaRPr lang="en-US" dirty="0"/>
+          </a:p>
+        </p:txBody>
+      </p:sp>
+    </p:spTree>
+    <p:extLst>
+      <p:ext uri="{BB962C8B-B14F-4D97-AF65-F5344CB8AC3E}">
+        <p14:creationId xmlns:p14="http://schemas.microsoft.com/office/powerpoint/2010/main" val="296145203"/>
+      </p:ext>
+    </p:extLst>
+  </p:cSld>
+  <p:clrMapOvr>
+    <a:masterClrMapping/>
+  </p:clrMapOvr>
+  <p:timing>
+    <p:tnLst>
+      <p:par>
+        <p:cTn xmlns:p14="http://schemas.microsoft.com/office/powerpoint/2010/main" id="1" dur="indefinite" restart="never" nodeType="tmRoot"/>
+      </p:par>
+    </p:tnLst>
+  </p:timing>
+</p:sld>
+</file>
+
+<file path=ppt/slides/slide21.xml><?xml version="1.0" encoding="utf-8"?>
+<p:sld xmlns:a="http://schemas.openxmlformats.org/drawingml/2006/main" xmlns:r="http://schemas.openxmlformats.org/officeDocument/2006/relationships" xmlns:p="http://schemas.openxmlformats.org/presentationml/2006/main">
+  <p:cSld>
+    <p:spTree>
+      <p:nvGrpSpPr>
+        <p:cNvPr id="1" name=""/>
+        <p:cNvGrpSpPr/>
+        <p:nvPr/>
+      </p:nvGrpSpPr>
+      <p:grpSpPr>
+        <a:xfrm>
+          <a:off x="0" y="0"/>
+          <a:ext cx="0" cy="0"/>
+          <a:chOff x="0" y="0"/>
+          <a:chExt cx="0" cy="0"/>
+        </a:xfrm>
+      </p:grpSpPr>
+      <p:sp>
+        <p:nvSpPr>
+          <p:cNvPr id="2" name="Title 1"/>
+          <p:cNvSpPr>
+            <a:spLocks noGrp="1"/>
+          </p:cNvSpPr>
+          <p:nvPr>
+            <p:ph type="title"/>
+          </p:nvPr>
+        </p:nvSpPr>
+        <p:spPr>
+          <a:xfrm>
+            <a:off x="1089024" y="274637"/>
+            <a:ext cx="6778733" cy="632615"/>
+          </a:xfrm>
+        </p:spPr>
+        <p:txBody>
+          <a:bodyPr/>
+          <a:lstStyle/>
+          <a:p>
+            <a:r>
+              <a:rPr lang="en-US" sz="2400" dirty="0" smtClean="0"/>
+              <a:t>Dispatch-servlet equivalent java </a:t>
+            </a:r>
+            <a:r>
+              <a:rPr lang="en-US" sz="2400" dirty="0" err="1" smtClean="0"/>
+              <a:t>config</a:t>
+            </a:r>
+            <a:endParaRPr lang="en-US" sz="2400" dirty="0"/>
+          </a:p>
+        </p:txBody>
+      </p:sp>
+      <p:sp>
+        <p:nvSpPr>
+          <p:cNvPr id="3" name="Content Placeholder 2"/>
+          <p:cNvSpPr>
+            <a:spLocks noGrp="1"/>
+          </p:cNvSpPr>
+          <p:nvPr>
+            <p:ph idx="1"/>
+          </p:nvPr>
+        </p:nvSpPr>
+        <p:spPr>
+          <a:xfrm>
+            <a:off x="1089024" y="1022720"/>
+            <a:ext cx="7272339" cy="5103443"/>
+          </a:xfrm>
+        </p:spPr>
+        <p:txBody>
+          <a:bodyPr/>
+          <a:lstStyle/>
+          <a:p>
+            <a:r>
+              <a:rPr lang="en-US" dirty="0" smtClean="0"/>
+              <a:t>In-order to achieve this configuration write new class which extends </a:t>
+            </a:r>
+            <a:r>
+              <a:rPr lang="en-US" b="1" dirty="0" err="1" smtClean="0"/>
+              <a:t>WebMvcConfigurerAdapter</a:t>
+            </a:r>
+            <a:r>
+              <a:rPr lang="en-US" b="1" dirty="0" smtClean="0"/>
+              <a:t>. </a:t>
+            </a:r>
+            <a:endParaRPr lang="en-US" b="1" dirty="0"/>
+          </a:p>
+          <a:p>
+            <a:r>
+              <a:rPr lang="en-US" dirty="0" smtClean="0"/>
+              <a:t>Annotate this class with </a:t>
+            </a:r>
+            <a:r>
+              <a:rPr lang="en-US" b="1" dirty="0" smtClean="0"/>
+              <a:t>@</a:t>
+            </a:r>
+            <a:r>
+              <a:rPr lang="en-US" b="1" dirty="0" err="1" smtClean="0"/>
+              <a:t>EnableWebMvc</a:t>
+            </a:r>
+            <a:r>
+              <a:rPr lang="en-US" dirty="0" smtClean="0"/>
+              <a:t> and override some of the methods or beans like </a:t>
+            </a:r>
+            <a:r>
+              <a:rPr lang="en-US" dirty="0" err="1" smtClean="0"/>
+              <a:t>localeResolver</a:t>
+            </a:r>
+            <a:r>
+              <a:rPr lang="en-US" dirty="0" smtClean="0"/>
+              <a:t> , </a:t>
+            </a:r>
+            <a:r>
+              <a:rPr lang="en-US" dirty="0" err="1" smtClean="0"/>
+              <a:t>viewResolver</a:t>
+            </a:r>
+            <a:r>
+              <a:rPr lang="en-US" dirty="0" smtClean="0"/>
+              <a:t> etc.</a:t>
+            </a:r>
+          </a:p>
+          <a:p>
+            <a:r>
+              <a:rPr lang="en-US" dirty="0" smtClean="0"/>
+              <a:t>Similarly to enable Security write a class which extends </a:t>
+            </a:r>
+            <a:r>
+              <a:rPr lang="en-US" b="1" dirty="0" err="1" smtClean="0"/>
+              <a:t>WebSecurityConfigurerAdapter</a:t>
+            </a:r>
+            <a:r>
+              <a:rPr lang="en-US" dirty="0" smtClean="0"/>
+              <a:t> and annotate method with </a:t>
+            </a:r>
+            <a:r>
+              <a:rPr lang="en-US" b="1" dirty="0" smtClean="0"/>
+              <a:t>@</a:t>
+            </a:r>
+            <a:r>
+              <a:rPr lang="en-US" b="1" dirty="0" err="1" smtClean="0"/>
+              <a:t>EnableWebMvcSecurity</a:t>
+            </a:r>
+            <a:endParaRPr lang="en-US" b="1" dirty="0"/>
+          </a:p>
+        </p:txBody>
+      </p:sp>
+    </p:spTree>
+    <p:extLst>
+      <p:ext uri="{BB962C8B-B14F-4D97-AF65-F5344CB8AC3E}">
+        <p14:creationId xmlns:p14="http://schemas.microsoft.com/office/powerpoint/2010/main" val="444929711"/>
+      </p:ext>
+    </p:extLst>
+  </p:cSld>
+  <p:clrMapOvr>
+    <a:masterClrMapping/>
+  </p:clrMapOvr>
+  <p:timing>
+    <p:tnLst>
+      <p:par>
+        <p:cTn xmlns:p14="http://schemas.microsoft.com/office/powerpoint/2010/main" id="1" dur="indefinite" restart="never" nodeType="tmRoot"/>
+      </p:par>
+    </p:tnLst>
+  </p:timing>
+</p:sld>
+</file>
+
+<file path=ppt/slides/slide22.xml><?xml version="1.0" encoding="utf-8"?>
+<p:sld xmlns:a="http://schemas.openxmlformats.org/drawingml/2006/main" xmlns:r="http://schemas.openxmlformats.org/officeDocument/2006/relationships" xmlns:p="http://schemas.openxmlformats.org/presentationml/2006/main">
+  <p:cSld>
+    <p:spTree>
+      <p:nvGrpSpPr>
+        <p:cNvPr id="1" name=""/>
+        <p:cNvGrpSpPr/>
+        <p:nvPr/>
+      </p:nvGrpSpPr>
+      <p:grpSpPr>
+        <a:xfrm>
+          <a:off x="0" y="0"/>
+          <a:ext cx="0" cy="0"/>
+          <a:chOff x="0" y="0"/>
+          <a:chExt cx="0" cy="0"/>
+        </a:xfrm>
+      </p:grpSpPr>
+      <p:sp>
+        <p:nvSpPr>
+          <p:cNvPr id="2" name="Title 1"/>
+          <p:cNvSpPr>
+            <a:spLocks noGrp="1"/>
+          </p:cNvSpPr>
+          <p:nvPr>
+            <p:ph type="title"/>
+          </p:nvPr>
+        </p:nvSpPr>
+        <p:spPr>
+          <a:xfrm>
+            <a:off x="1089024" y="274637"/>
+            <a:ext cx="7026147" cy="682101"/>
+          </a:xfrm>
+        </p:spPr>
+        <p:txBody>
+          <a:bodyPr/>
+          <a:lstStyle/>
+          <a:p>
+            <a:r>
+              <a:rPr lang="en-US" sz="2400" dirty="0" smtClean="0"/>
+              <a:t>JPA Configuration</a:t>
+            </a:r>
+            <a:endParaRPr lang="en-US" sz="2400" dirty="0"/>
+          </a:p>
+        </p:txBody>
+      </p:sp>
+      <p:sp>
+        <p:nvSpPr>
+          <p:cNvPr id="3" name="Content Placeholder 2"/>
+          <p:cNvSpPr>
+            <a:spLocks noGrp="1"/>
+          </p:cNvSpPr>
+          <p:nvPr>
+            <p:ph idx="1"/>
+          </p:nvPr>
+        </p:nvSpPr>
+        <p:spPr>
+          <a:xfrm>
+            <a:off x="1089024" y="1088702"/>
+            <a:ext cx="7272339" cy="5037461"/>
+          </a:xfrm>
+        </p:spPr>
+        <p:txBody>
+          <a:bodyPr>
+            <a:normAutofit fontScale="92500" lnSpcReduction="10000"/>
+          </a:bodyPr>
+          <a:lstStyle/>
+          <a:p>
+            <a:r>
+              <a:rPr lang="en-US" dirty="0" smtClean="0"/>
+              <a:t>JPA specification defines two types of entity managers</a:t>
+            </a:r>
+          </a:p>
+          <a:p>
+            <a:r>
+              <a:rPr lang="en-US" dirty="0" smtClean="0"/>
+              <a:t>  Application-managed and container-managed.</a:t>
+            </a:r>
+          </a:p>
+          <a:p>
+            <a:pPr marL="0" indent="0">
+              <a:buNone/>
+            </a:pPr>
+            <a:r>
+              <a:rPr lang="en-US" dirty="0"/>
+              <a:t>A corresponding spring factory bean produces each flavor of entity manager factory:</a:t>
+            </a:r>
+          </a:p>
+          <a:p>
+            <a:pPr marL="0" lvl="0" indent="0">
+              <a:buNone/>
+            </a:pPr>
+            <a:r>
+              <a:rPr lang="en-US" b="1" dirty="0" err="1" smtClean="0"/>
+              <a:t>LocalEntityManagerFactoryBean</a:t>
+            </a:r>
+            <a:r>
+              <a:rPr lang="en-US" dirty="0" smtClean="0"/>
+              <a:t> </a:t>
+            </a:r>
+            <a:r>
+              <a:rPr lang="en-US" dirty="0"/>
+              <a:t>produces an application-managed </a:t>
+            </a:r>
+            <a:r>
+              <a:rPr lang="en-US" dirty="0" err="1"/>
+              <a:t>EntityManagerFactory</a:t>
+            </a:r>
+            <a:r>
+              <a:rPr lang="en-US" dirty="0"/>
+              <a:t>.</a:t>
+            </a:r>
+          </a:p>
+          <a:p>
+            <a:pPr marL="0" indent="0">
+              <a:buNone/>
+            </a:pPr>
+            <a:r>
+              <a:rPr lang="en-US" dirty="0"/>
+              <a:t> </a:t>
+            </a:r>
+            <a:r>
+              <a:rPr lang="en-US" b="1" dirty="0" err="1" smtClean="0"/>
+              <a:t>LocalContainerEntityManagerFactoryBean</a:t>
+            </a:r>
+            <a:r>
+              <a:rPr lang="en-US" dirty="0" smtClean="0"/>
+              <a:t> </a:t>
+            </a:r>
+            <a:r>
+              <a:rPr lang="en-US" dirty="0"/>
+              <a:t>produces a container-managed </a:t>
+            </a:r>
+            <a:r>
+              <a:rPr lang="en-US" dirty="0" err="1"/>
+              <a:t>EntityManagerFactory</a:t>
+            </a:r>
+            <a:r>
+              <a:rPr lang="en-US" dirty="0"/>
+              <a:t>.</a:t>
+            </a:r>
+          </a:p>
+          <a:p>
+            <a:pPr marL="0" indent="0">
+              <a:buNone/>
+            </a:pPr>
+            <a:r>
+              <a:rPr lang="en-US" b="1" dirty="0"/>
+              <a:t> @</a:t>
+            </a:r>
+            <a:r>
+              <a:rPr lang="en-US" b="1" dirty="0" err="1"/>
+              <a:t>EnableJpaRepositories</a:t>
+            </a:r>
+            <a:r>
+              <a:rPr lang="en-US" dirty="0"/>
+              <a:t> </a:t>
+            </a:r>
+            <a:r>
+              <a:rPr lang="en-US" dirty="0" smtClean="0"/>
+              <a:t> tells the container that we are using JPA based repositories there is implementation required.</a:t>
+            </a:r>
+            <a:endParaRPr lang="en-US" dirty="0"/>
+          </a:p>
+          <a:p>
+            <a:pPr marL="0" indent="0">
+              <a:buNone/>
+            </a:pPr>
+            <a:endParaRPr lang="en-US" dirty="0"/>
+          </a:p>
+        </p:txBody>
+      </p:sp>
+    </p:spTree>
+    <p:extLst>
+      <p:ext uri="{BB962C8B-B14F-4D97-AF65-F5344CB8AC3E}">
+        <p14:creationId xmlns:p14="http://schemas.microsoft.com/office/powerpoint/2010/main" val="2685578658"/>
+      </p:ext>
+    </p:extLst>
+  </p:cSld>
+  <p:clrMapOvr>
+    <a:masterClrMapping/>
+  </p:clrMapOvr>
+  <p:timing>
+    <p:tnLst>
+      <p:par>
+        <p:cTn xmlns:p14="http://schemas.microsoft.com/office/powerpoint/2010/main" id="1" dur="indefinite" restart="never" nodeType="tmRoot"/>
+      </p:par>
+    </p:tnLst>
+  </p:timing>
+</p:sld>
+</file>
+
+<file path=ppt/slides/slide23.xml><?xml version="1.0" encoding="utf-8"?>
+<p:sld xmlns:a="http://schemas.openxmlformats.org/drawingml/2006/main" xmlns:r="http://schemas.openxmlformats.org/officeDocument/2006/relationships" xmlns:p="http://schemas.openxmlformats.org/presentationml/2006/main">
+  <p:cSld>
+    <p:spTree>
+      <p:nvGrpSpPr>
+        <p:cNvPr id="1" name=""/>
+        <p:cNvGrpSpPr/>
+        <p:nvPr/>
+      </p:nvGrpSpPr>
+      <p:grpSpPr>
+        <a:xfrm>
+          <a:off x="0" y="0"/>
+          <a:ext cx="0" cy="0"/>
+          <a:chOff x="0" y="0"/>
+          <a:chExt cx="0" cy="0"/>
+        </a:xfrm>
+      </p:grpSpPr>
+      <p:sp>
+        <p:nvSpPr>
+          <p:cNvPr id="2" name="Title 1"/>
+          <p:cNvSpPr>
+            <a:spLocks noGrp="1"/>
+          </p:cNvSpPr>
+          <p:nvPr>
+            <p:ph type="title"/>
+          </p:nvPr>
+        </p:nvSpPr>
+        <p:spPr>
+          <a:xfrm>
+            <a:off x="1043490" y="712361"/>
+            <a:ext cx="7024744" cy="840061"/>
+          </a:xfrm>
+        </p:spPr>
+        <p:txBody>
+          <a:bodyPr>
+            <a:normAutofit/>
+          </a:bodyPr>
+          <a:lstStyle/>
+          <a:p>
+            <a:r>
+              <a:rPr lang="en-US" dirty="0" smtClean="0"/>
+              <a:t>Spring Boot Configuration</a:t>
+            </a:r>
+            <a:endParaRPr lang="en-US" dirty="0"/>
+          </a:p>
+        </p:txBody>
+      </p:sp>
+      <p:sp>
+        <p:nvSpPr>
+          <p:cNvPr id="3" name="Content Placeholder 2"/>
+          <p:cNvSpPr>
+            <a:spLocks noGrp="1"/>
+          </p:cNvSpPr>
+          <p:nvPr>
+            <p:ph idx="1"/>
+          </p:nvPr>
+        </p:nvSpPr>
+        <p:spPr>
+          <a:xfrm>
+            <a:off x="1043492" y="1675910"/>
+            <a:ext cx="6777317" cy="4156719"/>
+          </a:xfrm>
+        </p:spPr>
+        <p:txBody>
+          <a:bodyPr>
+            <a:normAutofit fontScale="92500"/>
+          </a:bodyPr>
+          <a:lstStyle/>
+          <a:p>
+            <a:r>
+              <a:rPr lang="en-US" dirty="0" smtClean="0"/>
+              <a:t>Add below maven dependency as parent in your </a:t>
+            </a:r>
+            <a:r>
+              <a:rPr lang="en-US" dirty="0" err="1" smtClean="0"/>
+              <a:t>pom.xml</a:t>
+            </a:r>
+            <a:endParaRPr lang="en-US" dirty="0" smtClean="0"/>
+          </a:p>
+          <a:p>
+            <a:pPr marL="68580" indent="0">
+              <a:buNone/>
+            </a:pPr>
+            <a:r>
+              <a:rPr lang="en-US" sz="1800" dirty="0" smtClean="0"/>
+              <a:t>   &lt;</a:t>
+            </a:r>
+            <a:r>
+              <a:rPr lang="en-US" sz="1800" dirty="0"/>
+              <a:t>parent&gt;</a:t>
+            </a:r>
+          </a:p>
+          <a:p>
+            <a:pPr marL="640080" lvl="2" indent="0">
+              <a:buNone/>
+            </a:pPr>
+            <a:r>
+              <a:rPr lang="en-US" sz="1400" dirty="0" smtClean="0"/>
+              <a:t>&lt;</a:t>
+            </a:r>
+            <a:r>
+              <a:rPr lang="en-US" sz="1400" dirty="0" err="1"/>
+              <a:t>groupId</a:t>
+            </a:r>
+            <a:r>
+              <a:rPr lang="en-US" sz="1400" dirty="0"/>
+              <a:t>&gt;</a:t>
+            </a:r>
+            <a:r>
+              <a:rPr lang="en-US" sz="1400" dirty="0" err="1"/>
+              <a:t>org.springframework.boot</a:t>
+            </a:r>
+            <a:r>
+              <a:rPr lang="en-US" sz="1400" dirty="0"/>
+              <a:t>&lt;/</a:t>
+            </a:r>
+            <a:r>
+              <a:rPr lang="en-US" sz="1400" dirty="0" err="1"/>
+              <a:t>groupId</a:t>
+            </a:r>
+            <a:r>
+              <a:rPr lang="en-US" sz="1400" dirty="0"/>
+              <a:t>&gt;</a:t>
+            </a:r>
+          </a:p>
+          <a:p>
+            <a:pPr marL="640080" lvl="2" indent="0">
+              <a:buNone/>
+            </a:pPr>
+            <a:r>
+              <a:rPr lang="en-US" sz="1400" dirty="0" smtClean="0"/>
+              <a:t>&lt;</a:t>
+            </a:r>
+            <a:r>
+              <a:rPr lang="en-US" sz="1400" dirty="0" err="1"/>
+              <a:t>artifactId</a:t>
+            </a:r>
+            <a:r>
+              <a:rPr lang="en-US" sz="1400" dirty="0"/>
+              <a:t>&gt;spring-boot-starter-parent&lt;/</a:t>
+            </a:r>
+            <a:r>
+              <a:rPr lang="en-US" sz="1400" dirty="0" err="1"/>
+              <a:t>artifactId</a:t>
+            </a:r>
+            <a:r>
+              <a:rPr lang="en-US" sz="1400" dirty="0"/>
+              <a:t>&gt;</a:t>
+            </a:r>
+          </a:p>
+          <a:p>
+            <a:pPr marL="640080" lvl="2" indent="0">
+              <a:buNone/>
+            </a:pPr>
+            <a:r>
+              <a:rPr lang="en-US" sz="1400" dirty="0" smtClean="0"/>
+              <a:t>&lt;</a:t>
+            </a:r>
+            <a:r>
+              <a:rPr lang="en-US" sz="1400" dirty="0"/>
+              <a:t>version&gt;1.3.3.RELEASE&lt;/version</a:t>
+            </a:r>
+            <a:r>
+              <a:rPr lang="en-US" sz="1400" dirty="0" smtClean="0"/>
+              <a:t>&gt;</a:t>
+            </a:r>
+          </a:p>
+          <a:p>
+            <a:pPr marL="365760" lvl="1" indent="0">
+              <a:buNone/>
+            </a:pPr>
+            <a:r>
+              <a:rPr lang="en-US" sz="1800" dirty="0" smtClean="0"/>
+              <a:t>&lt;</a:t>
+            </a:r>
+            <a:r>
+              <a:rPr lang="en-US" sz="1800" dirty="0"/>
+              <a:t>/parent</a:t>
+            </a:r>
+            <a:r>
+              <a:rPr lang="en-US" sz="1800" dirty="0" smtClean="0"/>
+              <a:t>&gt;</a:t>
+            </a:r>
+          </a:p>
+          <a:p>
+            <a:pPr marL="365760" lvl="1" indent="0">
+              <a:buNone/>
+            </a:pPr>
+            <a:endParaRPr lang="en-US" sz="1800" dirty="0" smtClean="0"/>
+          </a:p>
+          <a:p>
+            <a:r>
+              <a:rPr lang="en-US" dirty="0" smtClean="0"/>
+              <a:t>Add dependency as per your requirement</a:t>
+            </a:r>
+          </a:p>
+          <a:p>
+            <a:pPr marL="68580" indent="0">
+              <a:buNone/>
+            </a:pPr>
+            <a:r>
+              <a:rPr lang="en-US" sz="1700" dirty="0"/>
+              <a:t>&lt;dependency&gt;</a:t>
+            </a:r>
+          </a:p>
+          <a:p>
+            <a:pPr marL="365760" lvl="1" indent="0">
+              <a:buNone/>
+            </a:pPr>
+            <a:r>
+              <a:rPr lang="en-US" sz="1600" dirty="0" smtClean="0"/>
+              <a:t>&lt;</a:t>
+            </a:r>
+            <a:r>
+              <a:rPr lang="en-US" sz="1600" dirty="0" err="1"/>
+              <a:t>groupId</a:t>
+            </a:r>
+            <a:r>
+              <a:rPr lang="en-US" sz="1600" dirty="0"/>
+              <a:t>&gt;</a:t>
+            </a:r>
+            <a:r>
+              <a:rPr lang="en-US" sz="1600" dirty="0" err="1"/>
+              <a:t>org.springframework.boot</a:t>
+            </a:r>
+            <a:r>
+              <a:rPr lang="en-US" sz="1600" dirty="0"/>
+              <a:t>&lt;/</a:t>
+            </a:r>
+            <a:r>
+              <a:rPr lang="en-US" sz="1600" dirty="0" err="1"/>
+              <a:t>groupId</a:t>
+            </a:r>
+            <a:r>
+              <a:rPr lang="en-US" sz="1600" dirty="0"/>
+              <a:t>&gt;</a:t>
+            </a:r>
+          </a:p>
+          <a:p>
+            <a:pPr marL="365760" lvl="1" indent="0">
+              <a:buNone/>
+            </a:pPr>
+            <a:r>
+              <a:rPr lang="en-US" sz="1600" dirty="0" smtClean="0"/>
+              <a:t>&lt;</a:t>
+            </a:r>
+            <a:r>
+              <a:rPr lang="en-US" sz="1600" dirty="0" err="1"/>
+              <a:t>artifactId</a:t>
+            </a:r>
+            <a:r>
+              <a:rPr lang="en-US" sz="1600" dirty="0"/>
+              <a:t>&gt;spring-boot-starter</a:t>
+            </a:r>
+            <a:r>
+              <a:rPr lang="en-US" sz="1600" dirty="0" smtClean="0"/>
+              <a:t>-xxx&lt;</a:t>
+            </a:r>
+            <a:r>
+              <a:rPr lang="en-US" sz="1600" dirty="0"/>
+              <a:t>/</a:t>
+            </a:r>
+            <a:r>
+              <a:rPr lang="en-US" sz="1600" dirty="0" err="1"/>
+              <a:t>artifactId</a:t>
+            </a:r>
+            <a:r>
+              <a:rPr lang="en-US" sz="1600" dirty="0"/>
+              <a:t>&gt;</a:t>
+            </a:r>
+          </a:p>
+          <a:p>
+            <a:pPr marL="68580" indent="0">
+              <a:buNone/>
+            </a:pPr>
+            <a:r>
+              <a:rPr lang="en-US" sz="1700" dirty="0" smtClean="0"/>
+              <a:t>&lt;</a:t>
+            </a:r>
+            <a:r>
+              <a:rPr lang="en-US" sz="1700" dirty="0"/>
+              <a:t>/dependency&gt;</a:t>
+            </a:r>
+            <a:endParaRPr lang="en-US" dirty="0"/>
+          </a:p>
+        </p:txBody>
+      </p:sp>
+    </p:spTree>
+    <p:extLst>
+      <p:ext uri="{BB962C8B-B14F-4D97-AF65-F5344CB8AC3E}">
+        <p14:creationId xmlns:p14="http://schemas.microsoft.com/office/powerpoint/2010/main" val="2162724376"/>
+      </p:ext>
+    </p:extLst>
+  </p:cSld>
+  <p:clrMapOvr>
+    <a:masterClrMapping/>
+  </p:clrMapOvr>
+  <p:timing>
+    <p:tnLst>
+      <p:par>
+        <p:cTn xmlns:p14="http://schemas.microsoft.com/office/powerpoint/2010/main" id="1" dur="indefinite" restart="never" nodeType="tmRoot"/>
+      </p:par>
+    </p:tnLst>
+  </p:timing>
+</p:sld>
+</file>
+
+<file path=ppt/slides/slide24.xml><?xml version="1.0" encoding="utf-8"?>
+<p:sld xmlns:a="http://schemas.openxmlformats.org/drawingml/2006/main" xmlns:r="http://schemas.openxmlformats.org/officeDocument/2006/relationships" xmlns:p="http://schemas.openxmlformats.org/presentationml/2006/main">
+  <p:cSld>
+    <p:spTree>
+      <p:nvGrpSpPr>
+        <p:cNvPr id="1" name=""/>
+        <p:cNvGrpSpPr/>
+        <p:nvPr/>
+      </p:nvGrpSpPr>
+      <p:grpSpPr>
+        <a:xfrm>
+          <a:off x="0" y="0"/>
+          <a:ext cx="0" cy="0"/>
+          <a:chOff x="0" y="0"/>
+          <a:chExt cx="0" cy="0"/>
+        </a:xfrm>
+      </p:grpSpPr>
+      <p:sp>
+        <p:nvSpPr>
+          <p:cNvPr id="3" name="Content Placeholder 2"/>
+          <p:cNvSpPr>
+            <a:spLocks noGrp="1"/>
+          </p:cNvSpPr>
+          <p:nvPr>
+            <p:ph idx="1"/>
+          </p:nvPr>
+        </p:nvSpPr>
+        <p:spPr>
+          <a:xfrm>
+            <a:off x="1043492" y="899700"/>
+            <a:ext cx="6777317" cy="4932930"/>
+          </a:xfrm>
+        </p:spPr>
+        <p:txBody>
+          <a:bodyPr>
+            <a:normAutofit/>
+          </a:bodyPr>
+          <a:lstStyle/>
+          <a:p>
+            <a:r>
+              <a:rPr lang="en-US" dirty="0" smtClean="0"/>
+              <a:t>Write simple java class and write below code in main method</a:t>
+            </a:r>
+          </a:p>
+          <a:p>
+            <a:pPr marL="68580" indent="0">
+              <a:buNone/>
+            </a:pPr>
+            <a:r>
+              <a:rPr lang="en-US" dirty="0"/>
+              <a:t> </a:t>
+            </a:r>
+            <a:r>
+              <a:rPr lang="en-US" sz="1900" b="1" dirty="0"/>
+              <a:t>final </a:t>
+            </a:r>
+            <a:r>
+              <a:rPr lang="en-US" sz="1900" b="1" dirty="0" err="1"/>
+              <a:t>SpringApplication</a:t>
+            </a:r>
+            <a:r>
+              <a:rPr lang="en-US" sz="1900" b="1" dirty="0"/>
+              <a:t> application = new </a:t>
+            </a:r>
+            <a:r>
+              <a:rPr lang="en-US" sz="1900" b="1" dirty="0" err="1"/>
+              <a:t>SpringApplication</a:t>
+            </a:r>
+            <a:r>
+              <a:rPr lang="en-US" sz="1900" b="1" dirty="0"/>
+              <a:t>(</a:t>
+            </a:r>
+            <a:r>
+              <a:rPr lang="en-US" sz="1900" b="1" dirty="0" err="1"/>
+              <a:t>BootApplication.class</a:t>
+            </a:r>
+            <a:r>
+              <a:rPr lang="en-US" sz="1900" b="1" dirty="0"/>
+              <a:t>)</a:t>
+            </a:r>
+            <a:r>
+              <a:rPr lang="en-US" sz="1900" b="1" dirty="0" smtClean="0"/>
+              <a:t>;</a:t>
+            </a:r>
+          </a:p>
+          <a:p>
+            <a:pPr marL="68580" indent="0">
+              <a:buNone/>
+            </a:pPr>
+            <a:endParaRPr lang="en-US" sz="1900" b="1" dirty="0"/>
+          </a:p>
+          <a:p>
+            <a:pPr marL="68580" indent="0">
+              <a:buNone/>
+            </a:pPr>
+            <a:r>
+              <a:rPr lang="en-US" sz="1900" dirty="0"/>
+              <a:t>        </a:t>
+            </a:r>
+            <a:r>
+              <a:rPr lang="en-US" sz="1900" b="1" dirty="0"/>
+              <a:t>final Properties properties = new Properties();</a:t>
+            </a:r>
+          </a:p>
+          <a:p>
+            <a:pPr marL="68580" indent="0">
+              <a:buNone/>
+            </a:pPr>
+            <a:r>
+              <a:rPr lang="en-US" sz="1900" dirty="0"/>
+              <a:t>        </a:t>
+            </a:r>
+            <a:r>
+              <a:rPr lang="en-US" sz="1900" dirty="0" err="1"/>
+              <a:t>properties.put</a:t>
+            </a:r>
+            <a:r>
+              <a:rPr lang="en-US" sz="1900" dirty="0"/>
+              <a:t>("</a:t>
+            </a:r>
+            <a:r>
+              <a:rPr lang="en-US" sz="1900" dirty="0" err="1"/>
+              <a:t>server.servletPath</a:t>
+            </a:r>
+            <a:r>
+              <a:rPr lang="en-US" sz="1900" dirty="0"/>
+              <a:t>", "/</a:t>
+            </a:r>
+            <a:r>
+              <a:rPr lang="en-US" sz="1900" dirty="0" err="1"/>
+              <a:t>api</a:t>
+            </a:r>
+            <a:r>
+              <a:rPr lang="en-US" sz="1900" dirty="0"/>
+              <a:t>/*")</a:t>
+            </a:r>
+            <a:r>
+              <a:rPr lang="en-US" sz="1900" dirty="0" smtClean="0"/>
+              <a:t>;</a:t>
+            </a:r>
+          </a:p>
+          <a:p>
+            <a:pPr marL="68580" indent="0">
+              <a:buNone/>
+            </a:pPr>
+            <a:r>
+              <a:rPr lang="en-US" sz="1900" dirty="0" smtClean="0"/>
+              <a:t>/</a:t>
+            </a:r>
+            <a:r>
+              <a:rPr lang="en-US" sz="1900" dirty="0"/>
+              <a:t>/ dispatch </a:t>
+            </a:r>
+            <a:r>
+              <a:rPr lang="en-US" sz="1900" u="sng" dirty="0"/>
+              <a:t>Servlet path can be set here</a:t>
+            </a:r>
+          </a:p>
+          <a:p>
+            <a:pPr marL="68580" indent="0">
+              <a:buNone/>
+            </a:pPr>
+            <a:r>
+              <a:rPr lang="en-US" sz="1900" dirty="0"/>
+              <a:t>        </a:t>
+            </a:r>
+            <a:r>
+              <a:rPr lang="en-US" sz="1900" dirty="0" err="1"/>
+              <a:t>application.setBannerMode</a:t>
+            </a:r>
+            <a:r>
+              <a:rPr lang="en-US" sz="1900" dirty="0"/>
+              <a:t>(</a:t>
+            </a:r>
+            <a:r>
+              <a:rPr lang="en-US" sz="1900" dirty="0" err="1"/>
+              <a:t>Mode.</a:t>
+            </a:r>
+            <a:r>
+              <a:rPr lang="en-US" sz="1900" b="1" i="1" dirty="0" err="1"/>
+              <a:t>OFF</a:t>
+            </a:r>
+            <a:r>
+              <a:rPr lang="en-US" sz="1900" b="1" i="1" dirty="0"/>
+              <a:t>);</a:t>
+            </a:r>
+          </a:p>
+          <a:p>
+            <a:pPr marL="68580" indent="0">
+              <a:buNone/>
+            </a:pPr>
+            <a:r>
+              <a:rPr lang="en-US" sz="1900" dirty="0"/>
+              <a:t>        </a:t>
+            </a:r>
+            <a:r>
+              <a:rPr lang="en-US" sz="1900" dirty="0" err="1"/>
+              <a:t>application.setDefaultProperties</a:t>
+            </a:r>
+            <a:r>
+              <a:rPr lang="en-US" sz="1900" dirty="0"/>
+              <a:t>(properties);</a:t>
+            </a:r>
+          </a:p>
+          <a:p>
+            <a:pPr marL="68580" indent="0">
+              <a:buNone/>
+            </a:pPr>
+            <a:r>
+              <a:rPr lang="en-US" sz="1900" dirty="0"/>
+              <a:t>        </a:t>
+            </a:r>
+            <a:r>
+              <a:rPr lang="en-US" sz="1900" dirty="0" err="1"/>
+              <a:t>application.run</a:t>
+            </a:r>
+            <a:r>
+              <a:rPr lang="en-US" sz="1900" dirty="0"/>
+              <a:t>();</a:t>
+            </a:r>
+          </a:p>
+        </p:txBody>
+      </p:sp>
+    </p:spTree>
+    <p:extLst>
+      <p:ext uri="{BB962C8B-B14F-4D97-AF65-F5344CB8AC3E}">
+        <p14:creationId xmlns:p14="http://schemas.microsoft.com/office/powerpoint/2010/main" val="544636537"/>
+      </p:ext>
+    </p:extLst>
+  </p:cSld>
+  <p:clrMapOvr>
+    <a:masterClrMapping/>
+  </p:clrMapOvr>
+</p:sld>
+</file>
+
+<file path=ppt/slides/slide25.xml><?xml version="1.0" encoding="utf-8"?>
+<p:sld xmlns:a="http://schemas.openxmlformats.org/drawingml/2006/main" xmlns:r="http://schemas.openxmlformats.org/officeDocument/2006/relationships" xmlns:p="http://schemas.openxmlformats.org/presentationml/2006/main">
+  <p:cSld>
+    <p:spTree>
+      <p:nvGrpSpPr>
+        <p:cNvPr id="1" name=""/>
+        <p:cNvGrpSpPr/>
+        <p:nvPr/>
+      </p:nvGrpSpPr>
+      <p:grpSpPr>
+        <a:xfrm>
+          <a:off x="0" y="0"/>
+          <a:ext cx="0" cy="0"/>
+          <a:chOff x="0" y="0"/>
+          <a:chExt cx="0" cy="0"/>
+        </a:xfrm>
+      </p:grpSpPr>
+      <p:sp>
+        <p:nvSpPr>
+          <p:cNvPr id="2" name="Title 1"/>
+          <p:cNvSpPr>
+            <a:spLocks noGrp="1"/>
+          </p:cNvSpPr>
+          <p:nvPr>
+            <p:ph type="title"/>
+          </p:nvPr>
+        </p:nvSpPr>
+        <p:spPr>
+          <a:xfrm>
+            <a:off x="1089024" y="274638"/>
+            <a:ext cx="6731361" cy="766994"/>
+          </a:xfrm>
+        </p:spPr>
+        <p:txBody>
+          <a:bodyPr/>
+          <a:lstStyle/>
+          <a:p>
+            <a:r>
+              <a:rPr lang="en-US" sz="2800" dirty="0" smtClean="0"/>
+              <a:t>Session Scope Bean</a:t>
+            </a:r>
+            <a:endParaRPr lang="en-US" sz="2800" dirty="0"/>
+          </a:p>
+        </p:txBody>
+      </p:sp>
+      <p:sp>
+        <p:nvSpPr>
+          <p:cNvPr id="3" name="Content Placeholder 2"/>
+          <p:cNvSpPr>
+            <a:spLocks noGrp="1"/>
+          </p:cNvSpPr>
+          <p:nvPr>
+            <p:ph idx="1"/>
+          </p:nvPr>
+        </p:nvSpPr>
+        <p:spPr>
+          <a:xfrm>
+            <a:off x="1089024" y="1155784"/>
+            <a:ext cx="7272339" cy="4970380"/>
+          </a:xfrm>
+        </p:spPr>
+        <p:txBody>
+          <a:bodyPr/>
+          <a:lstStyle/>
+          <a:p>
+            <a:r>
+              <a:rPr lang="en-US" sz="2000" dirty="0" smtClean="0"/>
+              <a:t>Session Scope Bean is created per session base.</a:t>
+            </a:r>
+          </a:p>
+          <a:p>
+            <a:r>
+              <a:rPr lang="en-US" sz="2000" dirty="0" smtClean="0"/>
+              <a:t>How can we inject Session Scope Bean into Singleton Bean? And how does it works?</a:t>
+            </a:r>
+          </a:p>
+          <a:p>
+            <a:pPr marL="0" indent="0">
+              <a:buNone/>
+            </a:pPr>
+            <a:endParaRPr lang="en-US" sz="2000" dirty="0" smtClean="0"/>
+          </a:p>
+          <a:p>
+            <a:pPr indent="-342900">
+              <a:buFont typeface="Wingdings" charset="2"/>
+              <a:buChar char="Ø"/>
+            </a:pPr>
+            <a:r>
+              <a:rPr lang="en-US" sz="2000" b="1" dirty="0" smtClean="0"/>
+              <a:t>Interface Injection</a:t>
+            </a:r>
+          </a:p>
+          <a:p>
+            <a:pPr marL="0" indent="0">
+              <a:buNone/>
+            </a:pPr>
+            <a:r>
+              <a:rPr lang="en-US" sz="1800" dirty="0" smtClean="0"/>
+              <a:t>@</a:t>
+            </a:r>
+            <a:r>
+              <a:rPr lang="en-US" sz="1800" dirty="0"/>
+              <a:t>Scope(value = </a:t>
+            </a:r>
+            <a:r>
+              <a:rPr lang="en-US" sz="1800" dirty="0" err="1"/>
+              <a:t>WebApplicationContext.</a:t>
+            </a:r>
+            <a:r>
+              <a:rPr lang="en-US" sz="1800" b="1" i="1" dirty="0" err="1"/>
+              <a:t>SCOPE_SESSION</a:t>
+            </a:r>
+            <a:r>
+              <a:rPr lang="en-US" sz="1800" b="1" i="1" dirty="0"/>
+              <a:t>, </a:t>
+            </a:r>
+            <a:r>
+              <a:rPr lang="en-US" sz="1800" b="1" i="1" dirty="0" err="1"/>
+              <a:t>proxyMode</a:t>
+            </a:r>
+            <a:r>
+              <a:rPr lang="en-US" sz="1800" b="1" i="1" dirty="0"/>
+              <a:t> = </a:t>
+            </a:r>
+            <a:r>
+              <a:rPr lang="en-US" sz="1800" b="1" i="1" dirty="0" err="1"/>
+              <a:t>ScopedProxyMode.INTERFACES</a:t>
+            </a:r>
+            <a:r>
+              <a:rPr lang="en-US" sz="1800" b="1" i="1" dirty="0"/>
+              <a:t>)</a:t>
+            </a:r>
+            <a:endParaRPr lang="en-US" sz="1800" dirty="0"/>
+          </a:p>
+          <a:p>
+            <a:pPr indent="-342900">
+              <a:buFont typeface="Wingdings" charset="2"/>
+              <a:buChar char="Ø"/>
+            </a:pPr>
+            <a:endParaRPr lang="en-US" sz="2000" dirty="0" smtClean="0"/>
+          </a:p>
+          <a:p>
+            <a:pPr indent="-342900">
+              <a:buFont typeface="Wingdings" charset="2"/>
+              <a:buChar char="Ø"/>
+            </a:pPr>
+            <a:r>
+              <a:rPr lang="en-US" sz="2000" b="1" dirty="0" smtClean="0"/>
+              <a:t>Concrete Class Injection</a:t>
+            </a:r>
+          </a:p>
+          <a:p>
+            <a:pPr marL="0" indent="0">
+              <a:buNone/>
+            </a:pPr>
+            <a:r>
+              <a:rPr lang="en-US" sz="1800" dirty="0" smtClean="0"/>
+              <a:t>@</a:t>
+            </a:r>
+            <a:r>
+              <a:rPr lang="en-US" sz="1800" dirty="0"/>
+              <a:t>Scope(value = </a:t>
+            </a:r>
+            <a:r>
+              <a:rPr lang="en-US" sz="1800" dirty="0" err="1"/>
+              <a:t>WebApplicationContext.</a:t>
+            </a:r>
+            <a:r>
+              <a:rPr lang="en-US" sz="1800" b="1" i="1" dirty="0" err="1"/>
+              <a:t>SCOPE_SESSION</a:t>
+            </a:r>
+            <a:r>
+              <a:rPr lang="en-US" sz="1800" b="1" i="1" dirty="0"/>
+              <a:t>, </a:t>
+            </a:r>
+            <a:r>
+              <a:rPr lang="en-US" sz="1800" b="1" i="1" dirty="0" err="1"/>
+              <a:t>proxyMode</a:t>
+            </a:r>
+            <a:r>
+              <a:rPr lang="en-US" sz="1800" b="1" i="1" dirty="0"/>
+              <a:t> = </a:t>
+            </a:r>
+            <a:r>
+              <a:rPr lang="en-US" sz="1800" b="1" i="1" dirty="0" err="1"/>
+              <a:t>ScopedProxyMode.TARGET_CLASS</a:t>
+            </a:r>
+            <a:r>
+              <a:rPr lang="en-US" sz="1800" b="1" i="1" dirty="0" smtClean="0"/>
+              <a:t>)</a:t>
+            </a:r>
+          </a:p>
+          <a:p>
+            <a:endParaRPr lang="en-US" b="1" i="1" dirty="0" smtClean="0"/>
+          </a:p>
+          <a:p>
+            <a:pPr marL="0" indent="0">
+              <a:buNone/>
+            </a:pPr>
+            <a:endParaRPr lang="en-US" dirty="0"/>
+          </a:p>
+        </p:txBody>
+      </p:sp>
+    </p:spTree>
+    <p:extLst>
+      <p:ext uri="{BB962C8B-B14F-4D97-AF65-F5344CB8AC3E}">
+        <p14:creationId xmlns:p14="http://schemas.microsoft.com/office/powerpoint/2010/main" val="373611597"/>
+      </p:ext>
+    </p:extLst>
+  </p:cSld>
+  <p:clrMapOvr>
+    <a:masterClrMapping/>
+  </p:clrMapOvr>
+  <p:timing>
+    <p:tnLst>
+      <p:par>
+        <p:cTn xmlns:p14="http://schemas.microsoft.com/office/powerpoint/2010/main" id="1" dur="indefinite" restart="never" nodeType="tmRoot"/>
+      </p:par>
+    </p:tnLst>
+  </p:timing>
 </p:sld>
 </file>
 
@@ -15588,19 +17004,21 @@
         </p:nvSpPr>
         <p:spPr>
           <a:xfrm>
-            <a:off x="1089024" y="274637"/>
-            <a:ext cx="7272339" cy="709919"/>
+            <a:off x="1043490" y="723287"/>
+            <a:ext cx="7024744" cy="740929"/>
           </a:xfrm>
         </p:spPr>
         <p:txBody>
-          <a:bodyPr/>
+          <a:bodyPr>
+            <a:normAutofit/>
+          </a:bodyPr>
           <a:lstStyle/>
           <a:p>
             <a:r>
-              <a:rPr lang="en-US" sz="2400" dirty="0" smtClean="0"/>
-              <a:t>Spring Bean Lifecycle</a:t>
-            </a:r>
-            <a:endParaRPr lang="en-US" sz="2400" dirty="0"/>
+              <a:rPr lang="en-US" sz="3200" dirty="0" smtClean="0"/>
+              <a:t>Introduction</a:t>
+            </a:r>
+            <a:endParaRPr lang="en-US" sz="3200" dirty="0"/>
           </a:p>
         </p:txBody>
       </p:sp>
@@ -15616,219 +17034,89 @@
         </p:nvSpPr>
         <p:spPr>
           <a:xfrm>
-            <a:off x="1089024" y="984556"/>
-            <a:ext cx="7272339" cy="5141607"/>
+            <a:off x="1043492" y="1464216"/>
+            <a:ext cx="6777317" cy="4368413"/>
           </a:xfrm>
         </p:spPr>
         <p:txBody>
-          <a:bodyPr/>
+          <a:bodyPr>
+            <a:normAutofit fontScale="92500" lnSpcReduction="20000"/>
+          </a:bodyPr>
           <a:lstStyle/>
           <a:p>
             <a:r>
-              <a:rPr lang="en-US" sz="1600" b="1" dirty="0" smtClean="0"/>
-              <a:t>Unlike normal java beans spring has various life cycle phases in which we can enhance spring bean.</a:t>
-            </a:r>
-          </a:p>
-          <a:p>
-            <a:pPr lvl="1"/>
-            <a:r>
-              <a:rPr lang="en-US" sz="1600" dirty="0" smtClean="0"/>
-              <a:t>Instantiation: instantiation of the bean</a:t>
-            </a:r>
-          </a:p>
-          <a:p>
-            <a:pPr lvl="1"/>
-            <a:r>
-              <a:rPr lang="en-US" sz="1600" dirty="0" smtClean="0"/>
-              <a:t>Populates properties: spring inject the properties and other object references.</a:t>
-            </a:r>
-          </a:p>
-          <a:p>
-            <a:pPr lvl="1"/>
-            <a:r>
-              <a:rPr lang="en-US" sz="1600" dirty="0" smtClean="0"/>
-              <a:t>Interface </a:t>
-            </a:r>
-            <a:r>
-              <a:rPr lang="en-US" sz="1600" dirty="0" err="1" smtClean="0"/>
-              <a:t>BeanNameAware</a:t>
-            </a:r>
-            <a:r>
-              <a:rPr lang="en-US" sz="1600" dirty="0" smtClean="0"/>
-              <a:t> : </a:t>
-            </a:r>
-            <a:r>
-              <a:rPr lang="en-US" sz="1600" dirty="0" err="1" smtClean="0"/>
-              <a:t>setBeanName</a:t>
-            </a:r>
-            <a:r>
-              <a:rPr lang="en-US" sz="1600" dirty="0" smtClean="0"/>
-              <a:t> method</a:t>
-            </a:r>
-          </a:p>
-          <a:p>
-            <a:pPr lvl="1"/>
-            <a:r>
-              <a:rPr lang="en-US" sz="1600" dirty="0" smtClean="0"/>
-              <a:t>Interface </a:t>
-            </a:r>
-            <a:r>
-              <a:rPr lang="en-US" sz="1600" dirty="0" err="1" smtClean="0"/>
-              <a:t>BeanFactoryAware</a:t>
-            </a:r>
-            <a:r>
-              <a:rPr lang="en-US" sz="1600" dirty="0" smtClean="0"/>
-              <a:t> :</a:t>
-            </a:r>
-            <a:r>
-              <a:rPr lang="en-US" sz="1600" dirty="0" err="1" smtClean="0"/>
-              <a:t>setBeanFactory</a:t>
-            </a:r>
-            <a:r>
-              <a:rPr lang="en-US" sz="1600" dirty="0" smtClean="0"/>
-              <a:t> method </a:t>
-            </a:r>
-          </a:p>
-          <a:p>
-            <a:pPr lvl="1"/>
-            <a:r>
-              <a:rPr lang="en-US" sz="1600" dirty="0" smtClean="0"/>
-              <a:t>Interface </a:t>
-            </a:r>
-            <a:r>
-              <a:rPr lang="en-US" sz="1600" dirty="0" err="1" smtClean="0"/>
-              <a:t>ApplicationContextAware</a:t>
-            </a:r>
-            <a:r>
-              <a:rPr lang="en-US" sz="1600" dirty="0" smtClean="0"/>
-              <a:t>: </a:t>
-            </a:r>
-            <a:r>
-              <a:rPr lang="en-US" sz="1600" dirty="0" err="1" smtClean="0"/>
-              <a:t>setApplicationContext</a:t>
-            </a:r>
-            <a:r>
-              <a:rPr lang="en-US" sz="1600" dirty="0" smtClean="0"/>
-              <a:t> method</a:t>
-            </a:r>
-          </a:p>
-          <a:p>
-            <a:pPr lvl="1"/>
-            <a:r>
-              <a:rPr lang="en-US" sz="1600" dirty="0" smtClean="0"/>
-              <a:t>Pre-initialization of </a:t>
-            </a:r>
-            <a:r>
-              <a:rPr lang="en-US" sz="1600" dirty="0" err="1" smtClean="0"/>
-              <a:t>BeanPostProcessor</a:t>
-            </a:r>
-            <a:endParaRPr lang="en-US" sz="1600" dirty="0" smtClean="0"/>
-          </a:p>
-          <a:p>
-            <a:pPr lvl="1"/>
-            <a:r>
-              <a:rPr lang="en-US" sz="1600" b="1" dirty="0" smtClean="0"/>
-              <a:t>Interface </a:t>
-            </a:r>
-            <a:r>
-              <a:rPr lang="en-US" sz="1600" b="1" dirty="0" err="1" smtClean="0"/>
-              <a:t>InitializingBean</a:t>
-            </a:r>
-            <a:r>
-              <a:rPr lang="en-US" sz="1600" b="1" dirty="0" smtClean="0"/>
-              <a:t> : </a:t>
-            </a:r>
-            <a:r>
-              <a:rPr lang="en-US" sz="1600" b="1" dirty="0" err="1" smtClean="0"/>
-              <a:t>afterPropertiesSet</a:t>
-            </a:r>
-            <a:r>
-              <a:rPr lang="en-US" sz="1600" b="1" dirty="0" smtClean="0"/>
-              <a:t> </a:t>
-            </a:r>
-          </a:p>
-          <a:p>
-            <a:pPr lvl="1"/>
-            <a:r>
-              <a:rPr lang="en-US" sz="1600" b="1" dirty="0" smtClean="0"/>
-              <a:t>Custom </a:t>
-            </a:r>
-            <a:r>
-              <a:rPr lang="en-US" sz="1600" b="1" dirty="0" err="1" smtClean="0"/>
-              <a:t>init</a:t>
-            </a:r>
-            <a:r>
-              <a:rPr lang="en-US" sz="1600" b="1" dirty="0" smtClean="0"/>
-              <a:t> method:  incase any custom </a:t>
-            </a:r>
-            <a:r>
-              <a:rPr lang="en-US" sz="1600" b="1" dirty="0" err="1" smtClean="0"/>
-              <a:t>init</a:t>
-            </a:r>
-            <a:r>
-              <a:rPr lang="en-US" sz="1600" b="1" dirty="0" smtClean="0"/>
-              <a:t> methods</a:t>
-            </a:r>
-          </a:p>
-          <a:p>
-            <a:pPr lvl="1"/>
-            <a:r>
-              <a:rPr lang="en-US" sz="1600" dirty="0" smtClean="0"/>
-              <a:t>Post initialization of </a:t>
-            </a:r>
-            <a:r>
-              <a:rPr lang="en-US" sz="1600" dirty="0" err="1" smtClean="0"/>
-              <a:t>BeanPostProcessor</a:t>
-            </a:r>
-            <a:endParaRPr lang="en-US" sz="1600" dirty="0" smtClean="0"/>
-          </a:p>
-          <a:p>
-            <a:pPr marL="365760" lvl="1" indent="0">
-              <a:buNone/>
-            </a:pPr>
-            <a:r>
-              <a:rPr lang="en-US" sz="1600" dirty="0" smtClean="0"/>
-              <a:t>	&lt;</a:t>
-            </a:r>
-            <a:r>
-              <a:rPr lang="en-US" sz="1600" dirty="0" smtClean="0"/>
-              <a:t>&lt;&lt;&lt;&lt;&lt;&lt;  BEAN IS READ TO USE &gt;&gt;&gt;&gt;&gt;&gt;&gt;</a:t>
-            </a:r>
-          </a:p>
-          <a:p>
-            <a:pPr lvl="1"/>
-            <a:r>
-              <a:rPr lang="en-US" sz="1600" b="1" dirty="0" smtClean="0"/>
-              <a:t>Interface </a:t>
-            </a:r>
-            <a:r>
-              <a:rPr lang="en-US" sz="1600" b="1" dirty="0" err="1" smtClean="0"/>
-              <a:t>DisposableBean</a:t>
-            </a:r>
-            <a:r>
-              <a:rPr lang="en-US" sz="1600" b="1" dirty="0" smtClean="0"/>
-              <a:t> : destroy method</a:t>
-            </a:r>
-          </a:p>
-          <a:p>
-            <a:pPr lvl="1"/>
-            <a:r>
-              <a:rPr lang="en-US" sz="1600" b="1" dirty="0" smtClean="0"/>
-              <a:t>Custom Destroy methods </a:t>
-            </a:r>
-          </a:p>
-          <a:p>
-            <a:pPr marL="0" indent="0">
+              <a:rPr lang="en-US" b="1" dirty="0"/>
+              <a:t>IOC(Inversion Of Controller):</a:t>
+            </a:r>
+            <a:r>
+              <a:rPr lang="en-US" dirty="0"/>
+              <a:t>   Giving control to the container to get instance of object is called Inversion of Control., means instead of you are creating object using new operator, let the container do that for you</a:t>
+            </a:r>
+            <a:r>
+              <a:rPr lang="en-US" dirty="0" smtClean="0"/>
+              <a:t>.</a:t>
+            </a:r>
+          </a:p>
+          <a:p>
+            <a:endParaRPr lang="en-US" dirty="0"/>
+          </a:p>
+          <a:p>
+            <a:r>
+              <a:rPr lang="en-US" b="1" dirty="0"/>
+              <a:t>DI(Dependency Injection)</a:t>
+            </a:r>
+            <a:r>
+              <a:rPr lang="en-US" dirty="0"/>
+              <a:t>:  Way of injecting properties to an object is called Dependency injection.</a:t>
+            </a:r>
+          </a:p>
+          <a:p>
+            <a:pPr marL="68580" indent="0">
               <a:buNone/>
             </a:pPr>
             <a:endParaRPr lang="en-US" dirty="0"/>
+          </a:p>
+          <a:p>
+            <a:pPr marL="68580" indent="0">
+              <a:buNone/>
+            </a:pPr>
+            <a:r>
+              <a:rPr lang="en-US" dirty="0"/>
+              <a:t>    We have </a:t>
+            </a:r>
+            <a:r>
+              <a:rPr lang="en-US" dirty="0" smtClean="0"/>
+              <a:t>two types </a:t>
+            </a:r>
+            <a:r>
+              <a:rPr lang="en-US" dirty="0"/>
+              <a:t>of Dependency injection</a:t>
+            </a:r>
+          </a:p>
+          <a:p>
+            <a:pPr marL="68580" indent="0">
+              <a:buNone/>
+            </a:pPr>
+            <a:r>
+              <a:rPr lang="en-US" dirty="0"/>
+              <a:t>        1)  Constructor Injection</a:t>
+            </a:r>
+          </a:p>
+          <a:p>
+            <a:pPr marL="68580" indent="0">
+              <a:buNone/>
+            </a:pPr>
+            <a:r>
+              <a:rPr lang="en-US" dirty="0"/>
+              <a:t>        2)  Setter/Getter Injection</a:t>
+            </a:r>
           </a:p>
         </p:txBody>
       </p:sp>
     </p:spTree>
     <p:extLst>
       <p:ext uri="{BB962C8B-B14F-4D97-AF65-F5344CB8AC3E}">
-        <p14:creationId xmlns:p14="http://schemas.microsoft.com/office/powerpoint/2010/main" val="371506307"/>
+        <p14:creationId xmlns:p14="http://schemas.microsoft.com/office/powerpoint/2010/main" val="3442594892"/>
       </p:ext>
     </p:extLst>
   </p:cSld>
@@ -15874,21 +17162,21 @@
         </p:nvSpPr>
         <p:spPr>
           <a:xfrm>
-            <a:off x="1043490" y="815970"/>
-            <a:ext cx="7024744" cy="683528"/>
+            <a:off x="1043490" y="723288"/>
+            <a:ext cx="7024744" cy="599800"/>
           </a:xfrm>
         </p:spPr>
         <p:txBody>
           <a:bodyPr>
-            <a:normAutofit fontScale="90000"/>
+            <a:normAutofit/>
           </a:bodyPr>
           <a:lstStyle/>
           <a:p>
             <a:r>
-              <a:rPr lang="en-US" dirty="0" smtClean="0"/>
-              <a:t>Java based configuration</a:t>
-            </a:r>
-            <a:endParaRPr lang="en-US" dirty="0"/>
+              <a:rPr lang="en-US" sz="3200" dirty="0" smtClean="0"/>
+              <a:t>Types of Containers</a:t>
+            </a:r>
+            <a:endParaRPr lang="en-US" sz="3200" dirty="0"/>
           </a:p>
         </p:txBody>
       </p:sp>
@@ -15904,19 +17192,31 @@
         </p:nvSpPr>
         <p:spPr>
           <a:xfrm>
-            <a:off x="1043492" y="1640628"/>
-            <a:ext cx="6777317" cy="4192001"/>
+            <a:off x="1043492" y="1464216"/>
+            <a:ext cx="6777317" cy="4368413"/>
           </a:xfrm>
         </p:spPr>
         <p:txBody>
           <a:bodyPr>
-            <a:normAutofit/>
+            <a:normAutofit fontScale="70000" lnSpcReduction="20000"/>
           </a:bodyPr>
           <a:lstStyle/>
           <a:p>
             <a:r>
+              <a:rPr lang="en-US" b="1" dirty="0" err="1" smtClean="0"/>
+              <a:t>BeanFactory</a:t>
+            </a:r>
+            <a:r>
               <a:rPr lang="en-US" dirty="0" smtClean="0"/>
-              <a:t>Java based spring container can be created using below class</a:t>
+              <a:t> </a:t>
+            </a:r>
+            <a:r>
+              <a:rPr lang="en-US" dirty="0"/>
+              <a:t>Container: This is the simplest container providing basic support for </a:t>
+            </a:r>
+            <a:r>
+              <a:rPr lang="en-US" dirty="0" smtClean="0"/>
+              <a:t>DI</a:t>
             </a:r>
           </a:p>
           <a:p>
@@ -15926,211 +17226,97 @@
             <a:endParaRPr lang="en-US" dirty="0" smtClean="0"/>
           </a:p>
           <a:p>
+            <a:r>
+              <a:rPr lang="en-US" b="1" dirty="0" err="1" smtClean="0"/>
+              <a:t>ApplicationContext</a:t>
+            </a:r>
+            <a:r>
+              <a:rPr lang="en-US" dirty="0"/>
+              <a:t> Container</a:t>
+            </a:r>
+            <a:r>
+              <a:rPr lang="en-US" dirty="0" smtClean="0"/>
+              <a:t>: This </a:t>
+            </a:r>
+            <a:r>
+              <a:rPr lang="en-US" dirty="0"/>
+              <a:t>container adds more enterprise-specific functionality such as the ability to resolve textual messages from a properties file and the ability to publish application events to interested event listeners. </a:t>
+            </a:r>
+            <a:endParaRPr lang="en-US" dirty="0" smtClean="0"/>
+          </a:p>
+          <a:p>
             <a:pPr marL="68580" indent="0">
               <a:buNone/>
             </a:pPr>
-            <a:r>
-              <a:rPr lang="en-US" sz="2000" dirty="0">
-                <a:solidFill>
-                  <a:schemeClr val="bg2">
-                    <a:lumMod val="50000"/>
-                  </a:schemeClr>
-                </a:solidFill>
-              </a:rPr>
-              <a:t> </a:t>
-            </a:r>
-            <a:r>
-              <a:rPr lang="en-US" sz="2000" b="1" dirty="0">
-                <a:solidFill>
-                  <a:schemeClr val="bg2">
-                    <a:lumMod val="50000"/>
-                  </a:schemeClr>
-                </a:solidFill>
-              </a:rPr>
-              <a:t>final </a:t>
-            </a:r>
-            <a:r>
-              <a:rPr lang="en-US" sz="2000" b="1" dirty="0" err="1">
-                <a:solidFill>
-                  <a:schemeClr val="bg2">
-                    <a:lumMod val="50000"/>
-                  </a:schemeClr>
-                </a:solidFill>
-              </a:rPr>
-              <a:t>AnnotationConfigApplicationContext</a:t>
-            </a:r>
-            <a:r>
-              <a:rPr lang="en-US" sz="2000" b="1" dirty="0">
-                <a:solidFill>
-                  <a:schemeClr val="bg2">
-                    <a:lumMod val="50000"/>
-                  </a:schemeClr>
-                </a:solidFill>
-              </a:rPr>
-              <a:t> </a:t>
-            </a:r>
-            <a:r>
-              <a:rPr lang="en-US" sz="2000" b="1" dirty="0" err="1">
-                <a:solidFill>
-                  <a:schemeClr val="bg2">
-                    <a:lumMod val="50000"/>
-                  </a:schemeClr>
-                </a:solidFill>
-              </a:rPr>
-              <a:t>aCtx</a:t>
-            </a:r>
-            <a:r>
-              <a:rPr lang="en-US" sz="2000" b="1" dirty="0">
-                <a:solidFill>
-                  <a:schemeClr val="bg2">
-                    <a:lumMod val="50000"/>
-                  </a:schemeClr>
-                </a:solidFill>
-              </a:rPr>
-              <a:t> = new </a:t>
-            </a:r>
-            <a:r>
-              <a:rPr lang="en-US" sz="2000" b="1" dirty="0" err="1">
-                <a:solidFill>
-                  <a:schemeClr val="bg2">
-                    <a:lumMod val="50000"/>
-                  </a:schemeClr>
-                </a:solidFill>
-              </a:rPr>
-              <a:t>AnnotationConfigApplicationContext</a:t>
-            </a:r>
-            <a:r>
-              <a:rPr lang="en-US" sz="2000" b="1" dirty="0">
-                <a:solidFill>
-                  <a:schemeClr val="bg2">
-                    <a:lumMod val="50000"/>
-                  </a:schemeClr>
-                </a:solidFill>
-              </a:rPr>
-              <a:t>();</a:t>
-            </a:r>
+            <a:endParaRPr lang="en-US" dirty="0" smtClean="0"/>
           </a:p>
           <a:p>
             <a:pPr marL="68580" indent="0">
               <a:buNone/>
             </a:pPr>
             <a:r>
-              <a:rPr lang="en-US" sz="2000" dirty="0">
-                <a:solidFill>
-                  <a:schemeClr val="bg2">
-                    <a:lumMod val="50000"/>
-                  </a:schemeClr>
-                </a:solidFill>
-              </a:rPr>
-              <a:t>        </a:t>
-            </a:r>
-            <a:r>
-              <a:rPr lang="en-US" sz="2000" dirty="0" err="1">
-                <a:solidFill>
-                  <a:schemeClr val="bg2">
-                    <a:lumMod val="50000"/>
-                  </a:schemeClr>
-                </a:solidFill>
-              </a:rPr>
-              <a:t>aCtx.register</a:t>
-            </a:r>
-            <a:r>
-              <a:rPr lang="en-US" sz="2000" dirty="0">
-                <a:solidFill>
-                  <a:schemeClr val="bg2">
-                    <a:lumMod val="50000"/>
-                  </a:schemeClr>
-                </a:solidFill>
-              </a:rPr>
-              <a:t>(</a:t>
-            </a:r>
-            <a:r>
-              <a:rPr lang="en-US" sz="2000" dirty="0" err="1">
-                <a:solidFill>
-                  <a:schemeClr val="bg2">
-                    <a:lumMod val="50000"/>
-                  </a:schemeClr>
-                </a:solidFill>
-              </a:rPr>
-              <a:t>CoreConfiguration.</a:t>
-            </a:r>
-            <a:r>
-              <a:rPr lang="en-US" sz="2000" b="1" dirty="0" err="1">
-                <a:solidFill>
-                  <a:schemeClr val="bg2">
-                    <a:lumMod val="50000"/>
-                  </a:schemeClr>
-                </a:solidFill>
-              </a:rPr>
-              <a:t>class</a:t>
-            </a:r>
-            <a:r>
-              <a:rPr lang="en-US" sz="2000" b="1" dirty="0">
-                <a:solidFill>
-                  <a:schemeClr val="bg2">
-                    <a:lumMod val="50000"/>
-                  </a:schemeClr>
-                </a:solidFill>
-              </a:rPr>
-              <a:t>);</a:t>
-            </a:r>
+              <a:rPr lang="en-US" dirty="0" smtClean="0"/>
+              <a:t>There are three important implementation of spring container</a:t>
+            </a:r>
+            <a:endParaRPr lang="en-US" dirty="0"/>
           </a:p>
           <a:p>
             <a:pPr marL="68580" indent="0">
               <a:buNone/>
             </a:pPr>
-            <a:r>
-              <a:rPr lang="en-US" sz="2000" dirty="0">
-                <a:solidFill>
-                  <a:schemeClr val="bg2">
-                    <a:lumMod val="50000"/>
-                  </a:schemeClr>
-                </a:solidFill>
-              </a:rPr>
-              <a:t>        </a:t>
-            </a:r>
-            <a:r>
-              <a:rPr lang="en-US" sz="2000" dirty="0" err="1">
-                <a:solidFill>
-                  <a:schemeClr val="bg2">
-                    <a:lumMod val="50000"/>
-                  </a:schemeClr>
-                </a:solidFill>
-              </a:rPr>
-              <a:t>aCtx.refresh</a:t>
-            </a:r>
-            <a:r>
-              <a:rPr lang="en-US" sz="2000" dirty="0">
-                <a:solidFill>
-                  <a:schemeClr val="bg2">
-                    <a:lumMod val="50000"/>
-                  </a:schemeClr>
-                </a:solidFill>
-              </a:rPr>
-              <a:t>();</a:t>
-            </a:r>
-            <a:r>
-              <a:rPr lang="en-US" sz="1600" dirty="0">
-                <a:solidFill>
-                  <a:schemeClr val="bg2">
-                    <a:lumMod val="50000"/>
-                  </a:schemeClr>
-                </a:solidFill>
-              </a:rPr>
-              <a:t>// it will creates the registered beans</a:t>
-            </a:r>
-            <a:endParaRPr lang="en-US" sz="1600" dirty="0" smtClean="0">
-              <a:solidFill>
-                <a:schemeClr val="bg2">
-                  <a:lumMod val="50000"/>
-                </a:schemeClr>
-              </a:solidFill>
-            </a:endParaRPr>
+            <a:endParaRPr lang="en-US" dirty="0"/>
+          </a:p>
+          <a:p>
+            <a:r>
+              <a:rPr lang="en-US" dirty="0" err="1" smtClean="0"/>
+              <a:t>ClassPathXmlApplicationContext</a:t>
+            </a:r>
+            <a:endParaRPr lang="en-US" b="1" u="sng" dirty="0"/>
           </a:p>
           <a:p>
             <a:pPr marL="68580" indent="0">
               <a:buNone/>
             </a:pPr>
+            <a:endParaRPr lang="en-US" dirty="0"/>
+          </a:p>
+          <a:p>
+            <a:r>
+              <a:rPr lang="en-US" dirty="0" err="1" smtClean="0"/>
+              <a:t>FileSystemXmlApplicationContext</a:t>
+            </a:r>
+            <a:endParaRPr lang="en-US" b="1" u="sng" dirty="0"/>
+          </a:p>
+          <a:p>
+            <a:pPr marL="68580" indent="0">
+              <a:buNone/>
+            </a:pPr>
+            <a:endParaRPr lang="en-US" dirty="0"/>
+          </a:p>
+          <a:p>
+            <a:r>
+              <a:rPr lang="en-US" b="1" dirty="0" err="1" smtClean="0"/>
+              <a:t>AnnotationConfigApplicationContext</a:t>
+            </a:r>
+            <a:endParaRPr lang="en-US" b="1" u="sng" dirty="0"/>
+          </a:p>
+          <a:p>
+            <a:pPr marL="68580" indent="0">
+              <a:buNone/>
+            </a:pPr>
+            <a:r>
+              <a:rPr lang="en-US" dirty="0" smtClean="0"/>
+              <a:t> </a:t>
+            </a:r>
+            <a:endParaRPr lang="en-US" dirty="0"/>
+          </a:p>
+          <a:p>
+            <a:pPr marL="68580" indent="0">
+              <a:buNone/>
+            </a:pPr>
+            <a:r>
+              <a:rPr lang="en-US" dirty="0"/>
+              <a:t> </a:t>
+            </a:r>
             <a:endParaRPr lang="en-US" dirty="0"/>
           </a:p>
         </p:txBody>
@@ -16138,7 +17324,7 @@
     </p:spTree>
     <p:extLst>
       <p:ext uri="{BB962C8B-B14F-4D97-AF65-F5344CB8AC3E}">
-        <p14:creationId xmlns:p14="http://schemas.microsoft.com/office/powerpoint/2010/main" val="2732046856"/>
+        <p14:creationId xmlns:p14="http://schemas.microsoft.com/office/powerpoint/2010/main" val="584355465"/>
       </p:ext>
     </p:extLst>
   </p:cSld>
@@ -16184,8 +17370,8 @@
         </p:nvSpPr>
         <p:spPr>
           <a:xfrm>
-            <a:off x="1089025" y="705647"/>
-            <a:ext cx="6660008" cy="458670"/>
+            <a:off x="1089024" y="274637"/>
+            <a:ext cx="7272339" cy="709919"/>
           </a:xfrm>
         </p:spPr>
         <p:txBody>
@@ -16194,7 +17380,7 @@
           <a:p>
             <a:r>
               <a:rPr lang="en-US" sz="2400" dirty="0" smtClean="0"/>
-              <a:t>Spring Annotation</a:t>
+              <a:t>Spring Bean Lifecycle</a:t>
             </a:r>
             <a:endParaRPr lang="en-US" sz="2400" dirty="0"/>
           </a:p>
@@ -16212,244 +17398,207 @@
         </p:nvSpPr>
         <p:spPr>
           <a:xfrm>
-            <a:off x="1089024" y="1164317"/>
-            <a:ext cx="7272339" cy="4961846"/>
+            <a:off x="1089024" y="984556"/>
+            <a:ext cx="7272339" cy="5141607"/>
           </a:xfrm>
         </p:spPr>
         <p:txBody>
-          <a:bodyPr>
-            <a:normAutofit/>
-          </a:bodyPr>
+          <a:bodyPr/>
           <a:lstStyle/>
           <a:p>
             <a:r>
-              <a:rPr lang="en-US" sz="1800" b="1" dirty="0" smtClean="0"/>
-              <a:t>@Import </a:t>
-            </a:r>
-            <a:r>
-              <a:rPr lang="en-US" sz="1800" dirty="0" smtClean="0"/>
-              <a:t>: import another Java Configuration</a:t>
-            </a:r>
-          </a:p>
-          <a:p>
-            <a:r>
-              <a:rPr lang="en-US" sz="1800" b="1" dirty="0" smtClean="0"/>
-              <a:t>@</a:t>
-            </a:r>
-            <a:r>
-              <a:rPr lang="en-US" sz="1800" b="1" dirty="0" err="1" smtClean="0"/>
-              <a:t>ImportResource</a:t>
-            </a:r>
-            <a:r>
-              <a:rPr lang="en-US" sz="1800" b="1" dirty="0" smtClean="0"/>
+              <a:rPr lang="en-US" sz="1600" b="1" dirty="0" smtClean="0"/>
+              <a:t>Unlike normal java beans spring has various life cycle phases in which we can enhance spring bean.</a:t>
+            </a:r>
+          </a:p>
+          <a:p>
+            <a:pPr lvl="1"/>
+            <a:r>
+              <a:rPr lang="en-US" sz="1600" dirty="0" smtClean="0"/>
+              <a:t>Instantiation: instantiation of the bean</a:t>
+            </a:r>
+          </a:p>
+          <a:p>
+            <a:pPr lvl="1"/>
+            <a:r>
+              <a:rPr lang="en-US" sz="1600" dirty="0" smtClean="0"/>
+              <a:t>Populates properties: spring inject the properties and other object references.</a:t>
+            </a:r>
+          </a:p>
+          <a:p>
+            <a:pPr lvl="1"/>
+            <a:r>
+              <a:rPr lang="en-US" sz="1600" dirty="0" smtClean="0"/>
+              <a:t>Interface </a:t>
+            </a:r>
+            <a:r>
+              <a:rPr lang="en-US" sz="1600" dirty="0" err="1" smtClean="0"/>
+              <a:t>BeanNameAware</a:t>
+            </a:r>
+            <a:r>
+              <a:rPr lang="en-US" sz="1600" dirty="0" smtClean="0"/>
+              <a:t> : </a:t>
+            </a:r>
+            <a:r>
+              <a:rPr lang="en-US" sz="1600" dirty="0" err="1" smtClean="0"/>
+              <a:t>setBeanName</a:t>
+            </a:r>
+            <a:r>
+              <a:rPr lang="en-US" sz="1600" dirty="0" smtClean="0"/>
+              <a:t> method</a:t>
+            </a:r>
+          </a:p>
+          <a:p>
+            <a:pPr lvl="1"/>
+            <a:r>
+              <a:rPr lang="en-US" sz="1600" dirty="0" smtClean="0"/>
+              <a:t>Interface </a:t>
+            </a:r>
+            <a:r>
+              <a:rPr lang="en-US" sz="1600" dirty="0" err="1" smtClean="0"/>
+              <a:t>BeanFactoryAware</a:t>
+            </a:r>
+            <a:r>
+              <a:rPr lang="en-US" sz="1600" dirty="0" smtClean="0"/>
+              <a:t> :</a:t>
+            </a:r>
+            <a:r>
+              <a:rPr lang="en-US" sz="1600" dirty="0" err="1" smtClean="0"/>
+              <a:t>setBeanFactory</a:t>
+            </a:r>
+            <a:r>
+              <a:rPr lang="en-US" sz="1600" dirty="0" smtClean="0"/>
+              <a:t> method </a:t>
+            </a:r>
+          </a:p>
+          <a:p>
+            <a:pPr lvl="1"/>
+            <a:r>
+              <a:rPr lang="en-US" sz="1600" dirty="0" smtClean="0"/>
+              <a:t>Interface </a:t>
+            </a:r>
+            <a:r>
+              <a:rPr lang="en-US" sz="1600" dirty="0" err="1" smtClean="0"/>
+              <a:t>ApplicationContextAware</a:t>
+            </a:r>
+            <a:r>
+              <a:rPr lang="en-US" sz="1600" dirty="0" smtClean="0"/>
+              <a:t>: </a:t>
+            </a:r>
+            <a:r>
+              <a:rPr lang="en-US" sz="1600" dirty="0" err="1" smtClean="0"/>
+              <a:t>setApplicationContext</a:t>
+            </a:r>
+            <a:r>
+              <a:rPr lang="en-US" sz="1600" dirty="0" smtClean="0"/>
+              <a:t> method</a:t>
+            </a:r>
+          </a:p>
+          <a:p>
+            <a:pPr lvl="1"/>
+            <a:r>
+              <a:rPr lang="en-US" sz="1600" dirty="0" smtClean="0"/>
+              <a:t>Pre-initialization of </a:t>
+            </a:r>
+            <a:r>
+              <a:rPr lang="en-US" sz="1600" dirty="0" err="1" smtClean="0"/>
+              <a:t>BeanPostProcessor</a:t>
+            </a:r>
+            <a:endParaRPr lang="en-US" sz="1600" dirty="0" smtClean="0"/>
+          </a:p>
+          <a:p>
+            <a:pPr lvl="1"/>
+            <a:r>
+              <a:rPr lang="en-US" sz="1600" b="1" dirty="0" smtClean="0"/>
+              <a:t>Interface </a:t>
+            </a:r>
+            <a:r>
+              <a:rPr lang="en-US" sz="1600" b="1" dirty="0" err="1" smtClean="0"/>
+              <a:t>InitializingBean</a:t>
+            </a:r>
+            <a:r>
+              <a:rPr lang="en-US" sz="1600" b="1" dirty="0" smtClean="0"/>
+              <a:t> : </a:t>
+            </a:r>
+            <a:r>
+              <a:rPr lang="en-US" sz="1600" b="1" dirty="0" err="1" smtClean="0"/>
+              <a:t>afterPropertiesSet</a:t>
+            </a:r>
+            <a:r>
+              <a:rPr lang="en-US" sz="1600" b="1" dirty="0" smtClean="0"/>
               <a:t> </a:t>
             </a:r>
-            <a:r>
-              <a:rPr lang="en-US" sz="1800" dirty="0" smtClean="0"/>
-              <a:t>: import XML configuration</a:t>
-            </a:r>
-          </a:p>
-          <a:p>
-            <a:r>
-              <a:rPr lang="en-US" sz="1800" b="1" dirty="0" smtClean="0"/>
-              <a:t>@Configuration</a:t>
-            </a:r>
-            <a:r>
-              <a:rPr lang="en-US" sz="1800" dirty="0" smtClean="0"/>
-              <a:t>: Configuration file   </a:t>
-            </a:r>
-            <a:r>
-              <a:rPr lang="en-US" sz="1800" dirty="0" smtClean="0"/>
-              <a:t> </a:t>
-            </a:r>
-          </a:p>
-          <a:p>
-            <a:r>
-              <a:rPr lang="en-US" sz="1800" b="1" dirty="0" smtClean="0"/>
-              <a:t>@Value:</a:t>
-            </a:r>
-            <a:r>
-              <a:rPr lang="en-US" sz="1800" dirty="0" smtClean="0"/>
-              <a:t> </a:t>
-            </a:r>
-            <a:r>
-              <a:rPr lang="en-US" sz="1800" dirty="0" smtClean="0"/>
-              <a:t>annotation </a:t>
-            </a:r>
-            <a:r>
-              <a:rPr lang="en-US" sz="1800" dirty="0" smtClean="0"/>
-              <a:t>spring express Language</a:t>
-            </a:r>
-            <a:endParaRPr lang="en-US" sz="1800" dirty="0" smtClean="0"/>
-          </a:p>
-          <a:p>
-            <a:r>
-              <a:rPr lang="en-US" sz="1800" b="1" dirty="0" smtClean="0"/>
-              <a:t>@Conditional</a:t>
-            </a:r>
-            <a:r>
-              <a:rPr lang="en-US" sz="1800" dirty="0" smtClean="0"/>
-              <a:t>: this works with Condition interface</a:t>
-            </a:r>
-          </a:p>
-          <a:p>
-            <a:r>
-              <a:rPr lang="en-US" sz="1800" b="1" dirty="0" smtClean="0"/>
-              <a:t>@</a:t>
-            </a:r>
-            <a:r>
-              <a:rPr lang="en-US" sz="1800" b="1" dirty="0" err="1" smtClean="0"/>
-              <a:t>EnableAspectJAutoProxy</a:t>
-            </a:r>
-            <a:r>
-              <a:rPr lang="en-US" sz="1800" dirty="0" smtClean="0"/>
-              <a:t>: enabling  auto proxy, @Aspect</a:t>
-            </a:r>
-          </a:p>
-          <a:p>
-            <a:r>
-              <a:rPr lang="en-US" sz="1800" b="1" dirty="0" smtClean="0"/>
-              <a:t>@Primary</a:t>
-            </a:r>
-            <a:r>
-              <a:rPr lang="en-US" sz="1800" dirty="0" smtClean="0"/>
-              <a:t>: works with @Component </a:t>
-            </a:r>
-          </a:p>
-          <a:p>
-            <a:r>
-              <a:rPr lang="en-US" sz="1800" b="1" dirty="0" smtClean="0"/>
-              <a:t>@Qualifier</a:t>
-            </a:r>
-            <a:r>
-              <a:rPr lang="en-US" sz="1800" dirty="0" smtClean="0"/>
-              <a:t>: works with @</a:t>
-            </a:r>
-            <a:r>
-              <a:rPr lang="en-US" sz="1800" dirty="0" err="1" smtClean="0"/>
-              <a:t>Autowired</a:t>
-            </a:r>
-            <a:r>
-              <a:rPr lang="en-US" sz="1800" dirty="0" smtClean="0"/>
-              <a:t> and @Inject</a:t>
-            </a:r>
-          </a:p>
-          <a:p>
-            <a:r>
-              <a:rPr lang="en-US" sz="1800" b="1" dirty="0"/>
-              <a:t>@Scope</a:t>
-            </a:r>
-            <a:r>
-              <a:rPr lang="en-US" sz="1800" dirty="0"/>
-              <a:t>: to define Score of a bean</a:t>
-            </a:r>
-          </a:p>
-          <a:p>
-            <a:r>
-              <a:rPr lang="en-US" sz="1800" b="1" dirty="0"/>
-              <a:t>@Bean:</a:t>
-            </a:r>
-            <a:r>
-              <a:rPr lang="en-US" sz="1800" dirty="0"/>
-              <a:t> to declare a bean in Java configuration </a:t>
-            </a:r>
-            <a:endParaRPr lang="en-US" sz="1800" dirty="0" smtClean="0"/>
-          </a:p>
-          <a:p>
-            <a:r>
-              <a:rPr lang="en-US" sz="1800" b="1" dirty="0" smtClean="0">
-                <a:solidFill>
-                  <a:srgbClr val="008000"/>
-                </a:solidFill>
-              </a:rPr>
-              <a:t>@</a:t>
-            </a:r>
-            <a:r>
-              <a:rPr lang="en-US" sz="1800" b="1" dirty="0" err="1" smtClean="0">
-                <a:solidFill>
-                  <a:srgbClr val="008000"/>
-                </a:solidFill>
-              </a:rPr>
-              <a:t>ActiveProfiles</a:t>
-            </a:r>
-            <a:r>
-              <a:rPr lang="en-US" sz="1800" b="1" dirty="0" smtClean="0">
-                <a:solidFill>
-                  <a:srgbClr val="008000"/>
-                </a:solidFill>
-              </a:rPr>
-              <a:t>: choose profiles in Test cases</a:t>
-            </a:r>
-          </a:p>
-          <a:p>
-            <a:r>
-              <a:rPr lang="en-US" sz="1800" b="1" dirty="0" smtClean="0">
-                <a:solidFill>
-                  <a:srgbClr val="008000"/>
-                </a:solidFill>
-              </a:rPr>
-              <a:t>@</a:t>
-            </a:r>
-            <a:r>
-              <a:rPr lang="en-US" sz="1800" b="1" dirty="0" err="1" smtClean="0">
-                <a:solidFill>
-                  <a:srgbClr val="008000"/>
-                </a:solidFill>
-              </a:rPr>
-              <a:t>ContextConfiguration</a:t>
-            </a:r>
-            <a:r>
-              <a:rPr lang="en-US" sz="1800" b="1" dirty="0" smtClean="0">
-                <a:solidFill>
-                  <a:srgbClr val="008000"/>
-                </a:solidFill>
-              </a:rPr>
-              <a:t>: To load with configuration test cases</a:t>
-            </a:r>
-          </a:p>
-          <a:p>
-            <a:r>
-              <a:rPr lang="en-US" sz="1800" b="1" dirty="0" smtClean="0">
-                <a:solidFill>
-                  <a:srgbClr val="008000"/>
-                </a:solidFill>
-              </a:rPr>
-              <a:t>@</a:t>
-            </a:r>
-            <a:r>
-              <a:rPr lang="en-US" sz="1800" b="1" dirty="0" err="1" smtClean="0">
-                <a:solidFill>
-                  <a:srgbClr val="008000"/>
-                </a:solidFill>
-              </a:rPr>
-              <a:t>Runwith</a:t>
-            </a:r>
-            <a:r>
-              <a:rPr lang="en-US" sz="1800" b="1" dirty="0" smtClean="0">
-                <a:solidFill>
-                  <a:srgbClr val="008000"/>
-                </a:solidFill>
-              </a:rPr>
-              <a:t>: </a:t>
-            </a:r>
-            <a:r>
-              <a:rPr lang="en-US" sz="1800" b="1" dirty="0" err="1" smtClean="0">
-                <a:solidFill>
-                  <a:srgbClr val="008000"/>
-                </a:solidFill>
-              </a:rPr>
-              <a:t>Runwith</a:t>
-            </a:r>
-            <a:r>
-              <a:rPr lang="en-US" sz="1800" b="1" dirty="0" smtClean="0">
-                <a:solidFill>
-                  <a:srgbClr val="008000"/>
-                </a:solidFill>
-              </a:rPr>
-              <a:t>(SpringJUnit4ClassRunner)      </a:t>
-            </a:r>
-          </a:p>
-          <a:p>
+          </a:p>
+          <a:p>
+            <a:pPr lvl="1"/>
+            <a:r>
+              <a:rPr lang="en-US" sz="1600" b="1" dirty="0" smtClean="0"/>
+              <a:t>Custom </a:t>
+            </a:r>
+            <a:r>
+              <a:rPr lang="en-US" sz="1600" b="1" dirty="0" err="1" smtClean="0"/>
+              <a:t>init</a:t>
+            </a:r>
+            <a:r>
+              <a:rPr lang="en-US" sz="1600" b="1" dirty="0" smtClean="0"/>
+              <a:t> method:  incase any custom </a:t>
+            </a:r>
+            <a:r>
+              <a:rPr lang="en-US" sz="1600" b="1" dirty="0" err="1" smtClean="0"/>
+              <a:t>init</a:t>
+            </a:r>
+            <a:r>
+              <a:rPr lang="en-US" sz="1600" b="1" dirty="0" smtClean="0"/>
+              <a:t> methods</a:t>
+            </a:r>
+          </a:p>
+          <a:p>
+            <a:pPr lvl="1"/>
+            <a:r>
+              <a:rPr lang="en-US" sz="1600" dirty="0" smtClean="0"/>
+              <a:t>Post initialization of </a:t>
+            </a:r>
+            <a:r>
+              <a:rPr lang="en-US" sz="1600" dirty="0" err="1" smtClean="0"/>
+              <a:t>BeanPostProcessor</a:t>
+            </a:r>
+            <a:endParaRPr lang="en-US" sz="1600" dirty="0" smtClean="0"/>
+          </a:p>
+          <a:p>
+            <a:pPr marL="365760" lvl="1" indent="0">
+              <a:buNone/>
+            </a:pPr>
+            <a:r>
+              <a:rPr lang="en-US" sz="1600" dirty="0" smtClean="0"/>
+              <a:t>	&lt;&lt;&lt;&lt;&lt;&lt;&lt;  BEAN IS READ TO USE &gt;&gt;&gt;&gt;&gt;&gt;&gt;</a:t>
+            </a:r>
+          </a:p>
+          <a:p>
+            <a:pPr lvl="1"/>
+            <a:r>
+              <a:rPr lang="en-US" sz="1600" b="1" dirty="0" smtClean="0"/>
+              <a:t>Interface </a:t>
+            </a:r>
+            <a:r>
+              <a:rPr lang="en-US" sz="1600" b="1" dirty="0" err="1" smtClean="0"/>
+              <a:t>DisposableBean</a:t>
+            </a:r>
+            <a:r>
+              <a:rPr lang="en-US" sz="1600" b="1" dirty="0" smtClean="0"/>
+              <a:t> : destroy method</a:t>
+            </a:r>
+          </a:p>
+          <a:p>
+            <a:pPr lvl="1"/>
+            <a:r>
+              <a:rPr lang="en-US" sz="1600" b="1" dirty="0" smtClean="0"/>
+              <a:t>Custom Destroy methods </a:t>
+            </a:r>
+          </a:p>
+          <a:p>
+            <a:pPr marL="0" indent="0">
+              <a:buNone/>
+            </a:pPr>
             <a:endParaRPr lang="en-US" dirty="0"/>
           </a:p>
         </p:txBody>
@@ -16457,7 +17606,7 @@
     </p:spTree>
     <p:extLst>
       <p:ext uri="{BB962C8B-B14F-4D97-AF65-F5344CB8AC3E}">
-        <p14:creationId xmlns:p14="http://schemas.microsoft.com/office/powerpoint/2010/main" val="2377615527"/>
+        <p14:creationId xmlns:p14="http://schemas.microsoft.com/office/powerpoint/2010/main" val="371506307"/>
       </p:ext>
     </p:extLst>
   </p:cSld>
@@ -16501,14 +17650,21 @@
             <p:ph type="title"/>
           </p:nvPr>
         </p:nvSpPr>
-        <p:spPr/>
+        <p:spPr>
+          <a:xfrm>
+            <a:off x="1043490" y="815970"/>
+            <a:ext cx="7024744" cy="683528"/>
+          </a:xfrm>
+        </p:spPr>
         <p:txBody>
-          <a:bodyPr/>
+          <a:bodyPr>
+            <a:normAutofit fontScale="90000"/>
+          </a:bodyPr>
           <a:lstStyle/>
           <a:p>
             <a:r>
               <a:rPr lang="en-US" dirty="0" smtClean="0"/>
-              <a:t>Enabling profile</a:t>
+              <a:t>Java based configuration</a:t>
             </a:r>
             <a:endParaRPr lang="en-US" dirty="0"/>
           </a:p>
@@ -16524,40 +17680,235 @@
             <p:ph idx="1"/>
           </p:nvPr>
         </p:nvSpPr>
-        <p:spPr/>
+        <p:spPr>
+          <a:xfrm>
+            <a:off x="1043492" y="1640628"/>
+            <a:ext cx="6777317" cy="4192001"/>
+          </a:xfrm>
+        </p:spPr>
         <p:txBody>
-          <a:bodyPr/>
+          <a:bodyPr>
+            <a:normAutofit/>
+          </a:bodyPr>
           <a:lstStyle/>
           <a:p>
             <a:r>
               <a:rPr lang="en-US" dirty="0" smtClean="0"/>
-              <a:t>Add </a:t>
-            </a:r>
-            <a:r>
-              <a:rPr lang="en-US" dirty="0" err="1" smtClean="0"/>
-              <a:t>spring.profiles.default</a:t>
-            </a:r>
-            <a:r>
-              <a:rPr lang="en-US" dirty="0" smtClean="0"/>
-              <a:t>=prod as a System property before starting the Container.</a:t>
-            </a:r>
-          </a:p>
-          <a:p>
-            <a:endParaRPr lang="en-US" dirty="0"/>
-          </a:p>
-          <a:p>
-            <a:r>
-              <a:rPr lang="en-US" dirty="0" smtClean="0"/>
-              <a:t>Or </a:t>
-            </a:r>
-            <a:r>
-              <a:rPr lang="en-US" dirty="0" err="1" smtClean="0"/>
-              <a:t>spring.profiles.active</a:t>
-            </a:r>
-            <a:r>
-              <a:rPr lang="en-US" dirty="0" smtClean="0"/>
-              <a:t>=prod is another way of activating profile.</a:t>
-            </a:r>
+              <a:t>Java based spring container can be created using below class</a:t>
+            </a:r>
+          </a:p>
+          <a:p>
+            <a:pPr marL="68580" indent="0">
+              <a:buNone/>
+            </a:pPr>
+            <a:endParaRPr lang="en-US" dirty="0" smtClean="0"/>
+          </a:p>
+          <a:p>
+            <a:pPr marL="68580" indent="0">
+              <a:buNone/>
+            </a:pPr>
+            <a:r>
+              <a:rPr lang="en-US" sz="2000" dirty="0">
+                <a:solidFill>
+                  <a:schemeClr val="bg2">
+                    <a:lumMod val="50000"/>
+                  </a:schemeClr>
+                </a:solidFill>
+              </a:rPr>
+              <a:t> </a:t>
+            </a:r>
+            <a:r>
+              <a:rPr lang="en-US" sz="2000" b="1" dirty="0">
+                <a:solidFill>
+                  <a:schemeClr val="bg2">
+                    <a:lumMod val="50000"/>
+                  </a:schemeClr>
+                </a:solidFill>
+              </a:rPr>
+              <a:t>final </a:t>
+            </a:r>
+            <a:r>
+              <a:rPr lang="en-US" sz="2000" b="1" dirty="0" err="1">
+                <a:solidFill>
+                  <a:schemeClr val="bg2">
+                    <a:lumMod val="50000"/>
+                  </a:schemeClr>
+                </a:solidFill>
+              </a:rPr>
+              <a:t>AnnotationConfigApplicationContext</a:t>
+            </a:r>
+            <a:r>
+              <a:rPr lang="en-US" sz="2000" b="1" dirty="0">
+                <a:solidFill>
+                  <a:schemeClr val="bg2">
+                    <a:lumMod val="50000"/>
+                  </a:schemeClr>
+                </a:solidFill>
+              </a:rPr>
+              <a:t> </a:t>
+            </a:r>
+            <a:r>
+              <a:rPr lang="en-US" sz="2000" b="1" dirty="0" err="1">
+                <a:solidFill>
+                  <a:schemeClr val="bg2">
+                    <a:lumMod val="50000"/>
+                  </a:schemeClr>
+                </a:solidFill>
+              </a:rPr>
+              <a:t>aCtx</a:t>
+            </a:r>
+            <a:r>
+              <a:rPr lang="en-US" sz="2000" b="1" dirty="0">
+                <a:solidFill>
+                  <a:schemeClr val="bg2">
+                    <a:lumMod val="50000"/>
+                  </a:schemeClr>
+                </a:solidFill>
+              </a:rPr>
+              <a:t> = new </a:t>
+            </a:r>
+            <a:r>
+              <a:rPr lang="en-US" sz="2000" b="1" dirty="0" err="1">
+                <a:solidFill>
+                  <a:schemeClr val="bg2">
+                    <a:lumMod val="50000"/>
+                  </a:schemeClr>
+                </a:solidFill>
+              </a:rPr>
+              <a:t>AnnotationConfigApplicationContext</a:t>
+            </a:r>
+            <a:r>
+              <a:rPr lang="en-US" sz="2000" b="1" dirty="0">
+                <a:solidFill>
+                  <a:schemeClr val="bg2">
+                    <a:lumMod val="50000"/>
+                  </a:schemeClr>
+                </a:solidFill>
+              </a:rPr>
+              <a:t>();</a:t>
+            </a:r>
+          </a:p>
+          <a:p>
+            <a:pPr marL="68580" indent="0">
+              <a:buNone/>
+            </a:pPr>
+            <a:r>
+              <a:rPr lang="en-US" sz="2000" dirty="0">
+                <a:solidFill>
+                  <a:schemeClr val="bg2">
+                    <a:lumMod val="50000"/>
+                  </a:schemeClr>
+                </a:solidFill>
+              </a:rPr>
+              <a:t>        </a:t>
+            </a:r>
+            <a:r>
+              <a:rPr lang="en-US" sz="2000" dirty="0" err="1">
+                <a:solidFill>
+                  <a:schemeClr val="bg2">
+                    <a:lumMod val="50000"/>
+                  </a:schemeClr>
+                </a:solidFill>
+              </a:rPr>
+              <a:t>aCtx.register</a:t>
+            </a:r>
+            <a:r>
+              <a:rPr lang="en-US" sz="2000" dirty="0">
+                <a:solidFill>
+                  <a:schemeClr val="bg2">
+                    <a:lumMod val="50000"/>
+                  </a:schemeClr>
+                </a:solidFill>
+              </a:rPr>
+              <a:t>(</a:t>
+            </a:r>
+            <a:r>
+              <a:rPr lang="en-US" sz="2000" dirty="0" err="1">
+                <a:solidFill>
+                  <a:schemeClr val="bg2">
+                    <a:lumMod val="50000"/>
+                  </a:schemeClr>
+                </a:solidFill>
+              </a:rPr>
+              <a:t>CoreConfiguration.</a:t>
+            </a:r>
+            <a:r>
+              <a:rPr lang="en-US" sz="2000" b="1" dirty="0" err="1">
+                <a:solidFill>
+                  <a:schemeClr val="bg2">
+                    <a:lumMod val="50000"/>
+                  </a:schemeClr>
+                </a:solidFill>
+              </a:rPr>
+              <a:t>class</a:t>
+            </a:r>
+            <a:r>
+              <a:rPr lang="en-US" sz="2000" b="1" dirty="0">
+                <a:solidFill>
+                  <a:schemeClr val="bg2">
+                    <a:lumMod val="50000"/>
+                  </a:schemeClr>
+                </a:solidFill>
+              </a:rPr>
+              <a:t>);</a:t>
+            </a:r>
+          </a:p>
+          <a:p>
+            <a:pPr marL="68580" indent="0">
+              <a:buNone/>
+            </a:pPr>
+            <a:r>
+              <a:rPr lang="en-US" sz="2000" dirty="0">
+                <a:solidFill>
+                  <a:schemeClr val="bg2">
+                    <a:lumMod val="50000"/>
+                  </a:schemeClr>
+                </a:solidFill>
+              </a:rPr>
+              <a:t>        </a:t>
+            </a:r>
+            <a:r>
+              <a:rPr lang="en-US" sz="2000" dirty="0" err="1">
+                <a:solidFill>
+                  <a:schemeClr val="bg2">
+                    <a:lumMod val="50000"/>
+                  </a:schemeClr>
+                </a:solidFill>
+              </a:rPr>
+              <a:t>aCtx.refresh</a:t>
+            </a:r>
+            <a:r>
+              <a:rPr lang="en-US" sz="2000" dirty="0">
+                <a:solidFill>
+                  <a:schemeClr val="bg2">
+                    <a:lumMod val="50000"/>
+                  </a:schemeClr>
+                </a:solidFill>
+              </a:rPr>
+              <a:t>();</a:t>
+            </a:r>
+            <a:r>
+              <a:rPr lang="en-US" sz="1600" dirty="0">
+                <a:solidFill>
+                  <a:schemeClr val="bg2">
+                    <a:lumMod val="50000"/>
+                  </a:schemeClr>
+                </a:solidFill>
+              </a:rPr>
+              <a:t>// it will creates the registered beans</a:t>
+            </a:r>
+            <a:endParaRPr lang="en-US" sz="1600" dirty="0" smtClean="0">
+              <a:solidFill>
+                <a:schemeClr val="bg2">
+                  <a:lumMod val="50000"/>
+                </a:schemeClr>
+              </a:solidFill>
+            </a:endParaRPr>
+          </a:p>
+          <a:p>
+            <a:pPr marL="68580" indent="0">
+              <a:buNone/>
+            </a:pPr>
             <a:endParaRPr lang="en-US" dirty="0"/>
           </a:p>
         </p:txBody>
@@ -16565,7 +17916,7 @@
     </p:spTree>
     <p:extLst>
       <p:ext uri="{BB962C8B-B14F-4D97-AF65-F5344CB8AC3E}">
-        <p14:creationId xmlns:p14="http://schemas.microsoft.com/office/powerpoint/2010/main" val="1854490724"/>
+        <p14:creationId xmlns:p14="http://schemas.microsoft.com/office/powerpoint/2010/main" val="2732046856"/>
       </p:ext>
     </p:extLst>
   </p:cSld>
@@ -16609,16 +17960,21 @@
             <p:ph type="title"/>
           </p:nvPr>
         </p:nvSpPr>
-        <p:spPr/>
+        <p:spPr>
+          <a:xfrm>
+            <a:off x="1089025" y="705647"/>
+            <a:ext cx="6660008" cy="458670"/>
+          </a:xfrm>
+        </p:spPr>
         <p:txBody>
           <a:bodyPr/>
           <a:lstStyle/>
           <a:p>
             <a:r>
-              <a:rPr lang="en-US" dirty="0" smtClean="0"/>
-              <a:t>Conditional Bean</a:t>
-            </a:r>
-            <a:endParaRPr lang="en-US" dirty="0"/>
+              <a:rPr lang="en-US" sz="2400" dirty="0" smtClean="0"/>
+              <a:t>Spring Annotation</a:t>
+            </a:r>
+            <a:endParaRPr lang="en-US" sz="2400" dirty="0"/>
           </a:p>
         </p:txBody>
       </p:sp>
@@ -16632,43 +17988,287 @@
             <p:ph idx="1"/>
           </p:nvPr>
         </p:nvSpPr>
-        <p:spPr/>
+        <p:spPr>
+          <a:xfrm>
+            <a:off x="1089024" y="1164317"/>
+            <a:ext cx="7272339" cy="4961846"/>
+          </a:xfrm>
+        </p:spPr>
         <p:txBody>
-          <a:bodyPr/>
+          <a:bodyPr>
+            <a:normAutofit lnSpcReduction="10000"/>
+          </a:bodyPr>
           <a:lstStyle/>
           <a:p>
             <a:r>
-              <a:rPr lang="en-US" dirty="0" smtClean="0"/>
-              <a:t>Entire Spring boot framework designed around with below two items.</a:t>
-            </a:r>
-          </a:p>
-          <a:p>
-            <a:r>
-              <a:rPr lang="en-US" dirty="0" smtClean="0"/>
-              <a:t>1. </a:t>
-            </a:r>
-            <a:r>
-              <a:rPr lang="en-US" b="1" dirty="0" smtClean="0"/>
+              <a:rPr lang="en-US" sz="1800" b="1" dirty="0"/>
+              <a:t>@Configuration</a:t>
+            </a:r>
+            <a:r>
+              <a:rPr lang="en-US" sz="1800" dirty="0"/>
+              <a:t>: Configuration file    </a:t>
+            </a:r>
+          </a:p>
+          <a:p>
+            <a:r>
+              <a:rPr lang="en-US" sz="1800" b="1" dirty="0"/>
+              <a:t>@Bean:</a:t>
+            </a:r>
+            <a:r>
+              <a:rPr lang="en-US" sz="1800" dirty="0"/>
+              <a:t> to declare a bean in Java configuration </a:t>
+            </a:r>
+          </a:p>
+          <a:p>
+            <a:r>
+              <a:rPr lang="en-US" sz="1800" b="1" dirty="0" smtClean="0"/>
+              <a:t>@</a:t>
+            </a:r>
+            <a:r>
+              <a:rPr lang="en-US" sz="1800" b="1" dirty="0" smtClean="0"/>
+              <a:t>Import </a:t>
+            </a:r>
+            <a:r>
+              <a:rPr lang="en-US" sz="1800" dirty="0" smtClean="0"/>
+              <a:t>: import another Java Configuration</a:t>
+            </a:r>
+          </a:p>
+          <a:p>
+            <a:r>
+              <a:rPr lang="en-US" sz="1800" b="1" dirty="0" smtClean="0"/>
+              <a:t>@</a:t>
+            </a:r>
+            <a:r>
+              <a:rPr lang="en-US" sz="1800" b="1" dirty="0" err="1" smtClean="0"/>
+              <a:t>ImportResource</a:t>
+            </a:r>
+            <a:r>
+              <a:rPr lang="en-US" sz="1800" b="1" dirty="0" smtClean="0"/>
+              <a:t> </a:t>
+            </a:r>
+            <a:r>
+              <a:rPr lang="en-US" sz="1800" dirty="0" smtClean="0"/>
+              <a:t>: import XML </a:t>
+            </a:r>
+            <a:r>
+              <a:rPr lang="en-US" sz="1800" dirty="0" smtClean="0"/>
+              <a:t>configuration</a:t>
+            </a:r>
+          </a:p>
+          <a:p>
+            <a:r>
+              <a:rPr lang="en-US" sz="1800" b="1" dirty="0"/>
+              <a:t>@</a:t>
+            </a:r>
+            <a:r>
+              <a:rPr lang="en-US" sz="1800" b="1" dirty="0" err="1" smtClean="0"/>
+              <a:t>ComponentScan</a:t>
+            </a:r>
+            <a:r>
+              <a:rPr lang="en-US" sz="1800" dirty="0" smtClean="0"/>
+              <a:t>: scans the beans starting with given base package</a:t>
+            </a:r>
+            <a:endParaRPr lang="en-US" sz="1800" dirty="0" smtClean="0"/>
+          </a:p>
+          <a:p>
+            <a:r>
+              <a:rPr lang="en-US" sz="1800" b="1" dirty="0"/>
+              <a:t>@Scope</a:t>
+            </a:r>
+            <a:r>
+              <a:rPr lang="en-US" sz="1800" dirty="0"/>
+              <a:t>: to define </a:t>
+            </a:r>
+            <a:r>
+              <a:rPr lang="en-US" sz="1800" dirty="0" smtClean="0"/>
+              <a:t>Scope </a:t>
+            </a:r>
+            <a:r>
+              <a:rPr lang="en-US" sz="1800" dirty="0"/>
+              <a:t>of a </a:t>
+            </a:r>
+            <a:r>
+              <a:rPr lang="en-US" sz="1800" dirty="0" smtClean="0"/>
+              <a:t>bean</a:t>
+            </a:r>
+            <a:endParaRPr lang="en-US" sz="1800" b="1" dirty="0" smtClean="0"/>
+          </a:p>
+          <a:p>
+            <a:r>
+              <a:rPr lang="en-US" sz="1800" b="1" dirty="0" smtClean="0"/>
+              <a:t>@</a:t>
+            </a:r>
+            <a:r>
+              <a:rPr lang="en-US" sz="1800" b="1" dirty="0" smtClean="0"/>
+              <a:t>Conditional</a:t>
+            </a:r>
+            <a:r>
+              <a:rPr lang="en-US" sz="1800" dirty="0" smtClean="0"/>
+              <a:t>: this works with </a:t>
+            </a:r>
+            <a:r>
+              <a:rPr lang="en-US" sz="1800" b="1" dirty="0" smtClean="0"/>
               <a:t>Condition</a:t>
             </a:r>
             <a:r>
-              <a:rPr lang="en-US" dirty="0" smtClean="0"/>
+              <a:rPr lang="en-US" sz="1800" dirty="0" smtClean="0"/>
               <a:t> interface</a:t>
             </a:r>
           </a:p>
           <a:p>
             <a:r>
-              <a:rPr lang="en-US" dirty="0" smtClean="0"/>
-              <a:t>2. </a:t>
-            </a:r>
-            <a:r>
-              <a:rPr lang="en-US" b="1" dirty="0" smtClean="0"/>
-              <a:t>@Conditional</a:t>
-            </a:r>
-            <a:r>
-              <a:rPr lang="en-US" dirty="0" smtClean="0"/>
-              <a:t> annotation</a:t>
-            </a:r>
+              <a:rPr lang="en-US" sz="1800" b="1" dirty="0" smtClean="0"/>
+              <a:t>@</a:t>
+            </a:r>
+            <a:r>
+              <a:rPr lang="en-US" sz="1800" b="1" dirty="0" err="1" smtClean="0"/>
+              <a:t>EnableAspectJAutoProxy</a:t>
+            </a:r>
+            <a:r>
+              <a:rPr lang="en-US" sz="1800" dirty="0" smtClean="0"/>
+              <a:t>: enabling  auto proxy, @Aspect</a:t>
+            </a:r>
+          </a:p>
+          <a:p>
+            <a:r>
+              <a:rPr lang="en-US" sz="1800" b="1" dirty="0" smtClean="0"/>
+              <a:t>@Primary</a:t>
+            </a:r>
+            <a:r>
+              <a:rPr lang="en-US" sz="1800" dirty="0" smtClean="0"/>
+              <a:t>: works with @Component </a:t>
+            </a:r>
+          </a:p>
+          <a:p>
+            <a:r>
+              <a:rPr lang="en-US" sz="1800" b="1" dirty="0" smtClean="0"/>
+              <a:t>@Qualifier</a:t>
+            </a:r>
+            <a:r>
+              <a:rPr lang="en-US" sz="1800" dirty="0" smtClean="0"/>
+              <a:t>: works with @</a:t>
+            </a:r>
+            <a:r>
+              <a:rPr lang="en-US" sz="1800" dirty="0" err="1" smtClean="0"/>
+              <a:t>Autowired</a:t>
+            </a:r>
+            <a:r>
+              <a:rPr lang="en-US" sz="1800" dirty="0" smtClean="0"/>
+              <a:t> and @Inject</a:t>
+            </a:r>
+          </a:p>
+          <a:p>
+            <a:r>
+              <a:rPr lang="en-US" sz="1800" b="1" dirty="0" smtClean="0"/>
+              <a:t>@</a:t>
+            </a:r>
+            <a:r>
+              <a:rPr lang="en-US" sz="1800" b="1" dirty="0"/>
+              <a:t>Value:</a:t>
+            </a:r>
+            <a:r>
+              <a:rPr lang="en-US" sz="1800" dirty="0"/>
+              <a:t> annotation spring express Language</a:t>
+            </a:r>
+          </a:p>
+          <a:p>
+            <a:endParaRPr lang="en-US" sz="1800" dirty="0"/>
+          </a:p>
+          <a:p>
+            <a:r>
+              <a:rPr lang="en-US" sz="1800" b="1" dirty="0" smtClean="0">
+                <a:solidFill>
+                  <a:srgbClr val="008000"/>
+                </a:solidFill>
+              </a:rPr>
+              <a:t>@</a:t>
+            </a:r>
+            <a:r>
+              <a:rPr lang="en-US" sz="1800" b="1" dirty="0" err="1" smtClean="0">
+                <a:solidFill>
+                  <a:srgbClr val="008000"/>
+                </a:solidFill>
+              </a:rPr>
+              <a:t>ActiveProfiles</a:t>
+            </a:r>
+            <a:r>
+              <a:rPr lang="en-US" sz="1800" b="1" dirty="0" smtClean="0">
+                <a:solidFill>
+                  <a:srgbClr val="008000"/>
+                </a:solidFill>
+              </a:rPr>
+              <a:t>: choose profiles in Test cases</a:t>
+            </a:r>
+          </a:p>
+          <a:p>
+            <a:r>
+              <a:rPr lang="en-US" sz="1800" b="1" dirty="0" smtClean="0">
+                <a:solidFill>
+                  <a:srgbClr val="008000"/>
+                </a:solidFill>
+              </a:rPr>
+              <a:t>@</a:t>
+            </a:r>
+            <a:r>
+              <a:rPr lang="en-US" sz="1800" b="1" dirty="0" err="1" smtClean="0">
+                <a:solidFill>
+                  <a:srgbClr val="008000"/>
+                </a:solidFill>
+              </a:rPr>
+              <a:t>ContextConfiguration</a:t>
+            </a:r>
+            <a:r>
+              <a:rPr lang="en-US" sz="1800" b="1" dirty="0" smtClean="0">
+                <a:solidFill>
+                  <a:srgbClr val="008000"/>
+                </a:solidFill>
+              </a:rPr>
+              <a:t>: To load with configuration test cases</a:t>
+            </a:r>
+          </a:p>
+          <a:p>
+            <a:r>
+              <a:rPr lang="en-US" sz="1800" b="1" dirty="0" smtClean="0">
+                <a:solidFill>
+                  <a:srgbClr val="008000"/>
+                </a:solidFill>
+              </a:rPr>
+              <a:t>@</a:t>
+            </a:r>
+            <a:r>
+              <a:rPr lang="en-US" sz="1800" b="1" dirty="0" err="1" smtClean="0">
+                <a:solidFill>
+                  <a:srgbClr val="008000"/>
+                </a:solidFill>
+              </a:rPr>
+              <a:t>Runwith</a:t>
+            </a:r>
+            <a:r>
+              <a:rPr lang="en-US" sz="1800" b="1" dirty="0" smtClean="0">
+                <a:solidFill>
+                  <a:srgbClr val="008000"/>
+                </a:solidFill>
+              </a:rPr>
+              <a:t>: </a:t>
+            </a:r>
+            <a:r>
+              <a:rPr lang="en-US" sz="1800" b="1" dirty="0" err="1" smtClean="0">
+                <a:solidFill>
+                  <a:srgbClr val="008000"/>
+                </a:solidFill>
+              </a:rPr>
+              <a:t>Runwith</a:t>
+            </a:r>
+            <a:r>
+              <a:rPr lang="en-US" sz="1800" b="1" dirty="0" smtClean="0">
+                <a:solidFill>
+                  <a:srgbClr val="008000"/>
+                </a:solidFill>
+              </a:rPr>
+              <a:t>(SpringJUnit4ClassRunner)      </a:t>
+            </a:r>
+          </a:p>
+          <a:p>
             <a:endParaRPr lang="en-US" dirty="0"/>
           </a:p>
         </p:txBody>
@@ -16676,13 +18276,20 @@
     </p:spTree>
     <p:extLst>
       <p:ext uri="{BB962C8B-B14F-4D97-AF65-F5344CB8AC3E}">
-        <p14:creationId xmlns:p14="http://schemas.microsoft.com/office/powerpoint/2010/main" val="3782209298"/>
+        <p14:creationId xmlns:p14="http://schemas.microsoft.com/office/powerpoint/2010/main" val="2377615527"/>
       </p:ext>
     </p:extLst>
   </p:cSld>
   <p:clrMapOvr>
     <a:masterClrMapping/>
   </p:clrMapOvr>
+  <p:timing>
+    <p:tnLst>
+      <p:par>
+        <p:cTn xmlns:p14="http://schemas.microsoft.com/office/powerpoint/2010/main" id="1" dur="indefinite" restart="never" nodeType="tmRoot"/>
+      </p:par>
+    </p:tnLst>
+  </p:timing>
 </p:sld>
 </file>
 
@@ -16715,19 +18322,21 @@
         </p:nvSpPr>
         <p:spPr>
           <a:xfrm>
-            <a:off x="1089024" y="274638"/>
-            <a:ext cx="6731361" cy="766994"/>
+            <a:off x="1043490" y="740930"/>
+            <a:ext cx="6777319" cy="529234"/>
           </a:xfrm>
         </p:spPr>
         <p:txBody>
-          <a:bodyPr/>
+          <a:bodyPr>
+            <a:noAutofit/>
+          </a:bodyPr>
           <a:lstStyle/>
           <a:p>
             <a:r>
-              <a:rPr lang="en-US" sz="2800" dirty="0" smtClean="0"/>
-              <a:t>Session Scope Bean</a:t>
-            </a:r>
-            <a:endParaRPr lang="en-US" sz="2800" dirty="0"/>
+              <a:rPr lang="en-US" sz="2400" dirty="0" smtClean="0"/>
+              <a:t>Basic Java based Annotation in Spring</a:t>
+            </a:r>
+            <a:endParaRPr lang="en-US" sz="2400" dirty="0"/>
           </a:p>
         </p:txBody>
       </p:sp>
@@ -16743,177 +18352,108 @@
         </p:nvSpPr>
         <p:spPr>
           <a:xfrm>
-            <a:off x="1089024" y="1155784"/>
-            <a:ext cx="7272339" cy="4970380"/>
+            <a:off x="1043492" y="1270164"/>
+            <a:ext cx="6777317" cy="4562465"/>
           </a:xfrm>
         </p:spPr>
         <p:txBody>
-          <a:bodyPr/>
+          <a:bodyPr>
+            <a:normAutofit lnSpcReduction="10000"/>
+          </a:bodyPr>
           <a:lstStyle/>
           <a:p>
             <a:r>
+              <a:rPr lang="en-US" b="1" dirty="0" smtClean="0"/>
+              <a:t>@Configuration:</a:t>
+            </a:r>
+            <a:r>
+              <a:rPr lang="en-US" dirty="0" smtClean="0"/>
+              <a:t> </a:t>
+            </a:r>
+            <a:r>
               <a:rPr lang="en-US" sz="2000" dirty="0" smtClean="0"/>
-              <a:t>Session Scope Bean is created per session base.</a:t>
-            </a:r>
-          </a:p>
-          <a:p>
+              <a:t>Indicates </a:t>
+            </a:r>
+            <a:r>
+              <a:rPr lang="en-US" sz="2000" dirty="0"/>
+              <a:t>that a class declares one or more @Bean methods and may be processed by the Spring container to generate bean definitions and service requests for those beans at </a:t>
+            </a:r>
             <a:r>
               <a:rPr lang="en-US" sz="2000" dirty="0" smtClean="0"/>
-              <a:t>How can we inject Session Scope Bean into Singleton Bean? And how does it works?</a:t>
-            </a:r>
-          </a:p>
-          <a:p>
-            <a:pPr marL="0" indent="0">
-              <a:buNone/>
-            </a:pPr>
-            <a:endParaRPr lang="en-US" sz="2000" dirty="0" smtClean="0"/>
-          </a:p>
-          <a:p>
-            <a:pPr indent="-342900">
-              <a:buFont typeface="Wingdings" charset="2"/>
-              <a:buChar char="Ø"/>
-            </a:pPr>
-            <a:r>
-              <a:rPr lang="en-US" sz="2000" b="1" dirty="0" smtClean="0"/>
-              <a:t>Interface </a:t>
-            </a:r>
-            <a:r>
-              <a:rPr lang="en-US" sz="2000" b="1" dirty="0" smtClean="0"/>
-              <a:t>Injection</a:t>
-            </a:r>
-          </a:p>
-          <a:p>
-            <a:pPr marL="0" indent="0">
-              <a:buNone/>
-            </a:pPr>
-            <a:r>
-              <a:rPr lang="en-US" sz="1800" dirty="0" smtClean="0"/>
+              <a:t>runtime</a:t>
+            </a:r>
+            <a:endParaRPr lang="en-US" dirty="0" smtClean="0"/>
+          </a:p>
+          <a:p>
+            <a:r>
+              <a:rPr lang="en-US" b="1" dirty="0" smtClean="0"/>
+              <a:t>@Bean</a:t>
+            </a:r>
+            <a:r>
+              <a:rPr lang="en-US" dirty="0" smtClean="0"/>
+              <a:t>: </a:t>
+            </a:r>
+            <a:r>
+              <a:rPr lang="en-US" sz="2000" dirty="0" smtClean="0"/>
+              <a:t>Creates Spring bean from java object</a:t>
+            </a:r>
+            <a:endParaRPr lang="en-US" dirty="0" smtClean="0"/>
+          </a:p>
+          <a:p>
+            <a:r>
+              <a:rPr lang="en-US" b="1" dirty="0" smtClean="0"/>
+              <a:t>@Import</a:t>
+            </a:r>
+            <a:r>
+              <a:rPr lang="en-US" dirty="0" smtClean="0"/>
+              <a:t>: Used to import configuration file</a:t>
+            </a:r>
+          </a:p>
+          <a:p>
+            <a:r>
+              <a:rPr lang="en-US" b="1" dirty="0" smtClean="0"/>
               <a:t>@</a:t>
             </a:r>
             <a:r>
-              <a:rPr lang="en-US" sz="1800" dirty="0"/>
-              <a:t>Scope(value = </a:t>
-            </a:r>
-            <a:r>
-              <a:rPr lang="en-US" sz="1800" dirty="0" err="1"/>
-              <a:t>WebApplicationContext.</a:t>
-            </a:r>
-            <a:r>
-              <a:rPr lang="en-US" sz="1800" b="1" i="1" dirty="0" err="1"/>
-              <a:t>SCOPE_SESSION</a:t>
-            </a:r>
-            <a:r>
-              <a:rPr lang="en-US" sz="1800" b="1" i="1" dirty="0"/>
-              <a:t>, </a:t>
-            </a:r>
-            <a:r>
-              <a:rPr lang="en-US" sz="1800" b="1" i="1" dirty="0" err="1"/>
-              <a:t>proxyMode</a:t>
-            </a:r>
-            <a:r>
-              <a:rPr lang="en-US" sz="1800" b="1" i="1" dirty="0"/>
-              <a:t> = </a:t>
-            </a:r>
-            <a:r>
-              <a:rPr lang="en-US" sz="1800" b="1" i="1" dirty="0" err="1"/>
-              <a:t>ScopedProxyMode.INTERFACES</a:t>
-            </a:r>
-            <a:r>
-              <a:rPr lang="en-US" sz="1800" b="1" i="1" dirty="0"/>
-              <a:t>)</a:t>
-            </a:r>
-            <a:endParaRPr lang="en-US" sz="1800" dirty="0"/>
-          </a:p>
-          <a:p>
-            <a:pPr indent="-342900">
-              <a:buFont typeface="Wingdings" charset="2"/>
-              <a:buChar char="Ø"/>
-            </a:pPr>
-            <a:endParaRPr lang="en-US" sz="2000" dirty="0" smtClean="0"/>
-          </a:p>
-          <a:p>
-            <a:pPr indent="-342900">
-              <a:buFont typeface="Wingdings" charset="2"/>
-              <a:buChar char="Ø"/>
-            </a:pPr>
-            <a:r>
-              <a:rPr lang="en-US" sz="2000" b="1" dirty="0" smtClean="0"/>
-              <a:t>Concrete </a:t>
-            </a:r>
-            <a:r>
-              <a:rPr lang="en-US" sz="2000" b="1" dirty="0" smtClean="0"/>
-              <a:t>Class Injection</a:t>
-            </a:r>
-          </a:p>
-          <a:p>
-            <a:pPr marL="0" indent="0">
-              <a:buNone/>
-            </a:pPr>
-            <a:r>
-              <a:rPr lang="en-US" sz="1800" dirty="0" smtClean="0"/>
-              <a:t>@</a:t>
-            </a:r>
-            <a:r>
-              <a:rPr lang="en-US" sz="1800" dirty="0"/>
-              <a:t>Scope(value = </a:t>
-            </a:r>
-            <a:r>
-              <a:rPr lang="en-US" sz="1800" dirty="0" err="1"/>
-              <a:t>WebApplicationContext.</a:t>
-            </a:r>
-            <a:r>
-              <a:rPr lang="en-US" sz="1800" b="1" i="1" dirty="0" err="1"/>
-              <a:t>SCOPE_SESSION</a:t>
-            </a:r>
-            <a:r>
-              <a:rPr lang="en-US" sz="1800" b="1" i="1" dirty="0"/>
-              <a:t>, </a:t>
-            </a:r>
-            <a:r>
-              <a:rPr lang="en-US" sz="1800" b="1" i="1" dirty="0" err="1"/>
-              <a:t>proxyMode</a:t>
-            </a:r>
-            <a:r>
-              <a:rPr lang="en-US" sz="1800" b="1" i="1" dirty="0"/>
-              <a:t> = </a:t>
-            </a:r>
-            <a:r>
-              <a:rPr lang="en-US" sz="1800" b="1" i="1" dirty="0" err="1"/>
-              <a:t>ScopedProxyMode.TARGET_CLASS</a:t>
-            </a:r>
-            <a:r>
-              <a:rPr lang="en-US" sz="1800" b="1" i="1" dirty="0" smtClean="0"/>
-              <a:t>)</a:t>
-            </a:r>
-          </a:p>
-          <a:p>
-            <a:endParaRPr lang="en-US" b="1" i="1" dirty="0" smtClean="0"/>
-          </a:p>
-          <a:p>
-            <a:pPr marL="0" indent="0">
-              <a:buNone/>
-            </a:pPr>
-            <a:endParaRPr lang="en-US" dirty="0"/>
+              <a:rPr lang="en-US" b="1" dirty="0" err="1" smtClean="0"/>
+              <a:t>ImportResource</a:t>
+            </a:r>
+            <a:r>
+              <a:rPr lang="en-US" dirty="0" smtClean="0"/>
+              <a:t>: Used to import XML Based Configuration file</a:t>
+            </a:r>
+          </a:p>
+          <a:p>
+            <a:r>
+              <a:rPr lang="en-US" b="1" dirty="0" err="1" smtClean="0"/>
+              <a:t>ComponentScan</a:t>
+            </a:r>
+            <a:r>
+              <a:rPr lang="en-US" b="1" dirty="0" smtClean="0"/>
+              <a:t>:</a:t>
+            </a:r>
+            <a:r>
+              <a:rPr lang="en-US" dirty="0" smtClean="0"/>
+              <a:t> scans the spring beans on the given base package. It looks for </a:t>
+            </a:r>
+            <a:r>
+              <a:rPr lang="en-US" b="1" dirty="0" smtClean="0"/>
+              <a:t>@Service, @Component, @Controller, @Repository</a:t>
+            </a:r>
+            <a:endParaRPr lang="en-US" b="1" dirty="0"/>
           </a:p>
         </p:txBody>
       </p:sp>
     </p:spTree>
     <p:extLst>
       <p:ext uri="{BB962C8B-B14F-4D97-AF65-F5344CB8AC3E}">
-        <p14:creationId xmlns:p14="http://schemas.microsoft.com/office/powerpoint/2010/main" val="3065087429"/>
+        <p14:creationId xmlns:p14="http://schemas.microsoft.com/office/powerpoint/2010/main" val="55584591"/>
       </p:ext>
     </p:extLst>
   </p:cSld>
   <p:clrMapOvr>
     <a:masterClrMapping/>
   </p:clrMapOvr>
-  <p:timing>
-    <p:tnLst>
-      <p:par>
-        <p:cTn xmlns:p14="http://schemas.microsoft.com/office/powerpoint/2010/main" id="1" dur="indefinite" restart="never" nodeType="tmRoot"/>
-      </p:par>
-    </p:tnLst>
-  </p:timing>
 </p:sld>
 </file>
 
@@ -16946,17 +18486,19 @@
         </p:nvSpPr>
         <p:spPr>
           <a:xfrm>
-            <a:off x="1089025" y="274637"/>
-            <a:ext cx="6488758" cy="652843"/>
+            <a:off x="1043490" y="723288"/>
+            <a:ext cx="6777319" cy="476311"/>
           </a:xfrm>
         </p:spPr>
         <p:txBody>
-          <a:bodyPr/>
+          <a:bodyPr>
+            <a:normAutofit fontScale="90000"/>
+          </a:bodyPr>
           <a:lstStyle/>
           <a:p>
             <a:r>
               <a:rPr lang="en-US" sz="2800" dirty="0" smtClean="0"/>
-              <a:t>AOP Terminology</a:t>
+              <a:t>Spring Bean Scope Managing</a:t>
             </a:r>
             <a:endParaRPr lang="en-US" sz="2800" dirty="0"/>
           </a:p>
@@ -16974,56 +18516,188 @@
         </p:nvSpPr>
         <p:spPr>
           <a:xfrm>
-            <a:off x="1089024" y="1112976"/>
-            <a:ext cx="7272339" cy="5013187"/>
+            <a:off x="1043492" y="1199599"/>
+            <a:ext cx="6777317" cy="4633031"/>
           </a:xfrm>
         </p:spPr>
         <p:txBody>
-          <a:bodyPr/>
+          <a:bodyPr>
+            <a:normAutofit fontScale="85000" lnSpcReduction="20000"/>
+          </a:bodyPr>
           <a:lstStyle/>
           <a:p>
             <a:r>
-              <a:rPr lang="en-US" b="1" dirty="0" smtClean="0"/>
-              <a:t>Cross-cutting Concerns</a:t>
+              <a:rPr lang="en-US" b="1" dirty="0"/>
+              <a:t>Singleton</a:t>
+            </a:r>
+            <a:r>
+              <a:rPr lang="en-US" dirty="0"/>
+              <a:t>: Single bean per IOC </a:t>
             </a:r>
             <a:r>
               <a:rPr lang="en-US" dirty="0" smtClean="0"/>
-              <a:t> impact the application in many points. Ex: Logging, Security, Caching and Transaction Management are called cross-cutting concerns.</a:t>
-            </a:r>
-          </a:p>
-          <a:p>
+              <a:t>container (default)</a:t>
+            </a:r>
+            <a:endParaRPr lang="en-US" dirty="0"/>
+          </a:p>
+          <a:p>
+            <a:r>
+              <a:rPr lang="en-US" b="1" dirty="0"/>
+              <a:t>Prototype</a:t>
+            </a:r>
+            <a:r>
+              <a:rPr lang="en-US" dirty="0"/>
+              <a:t>: creates new bean  each time</a:t>
+            </a:r>
+          </a:p>
+          <a:p>
+            <a:pPr marL="68580" indent="0">
+              <a:buNone/>
+            </a:pPr>
+            <a:r>
+              <a:rPr lang="en-US" b="1" dirty="0"/>
+              <a:t>WEB APPLICATION SCOPES</a:t>
+            </a:r>
+          </a:p>
+          <a:p>
+            <a:r>
+              <a:rPr lang="en-US" b="1" dirty="0"/>
+              <a:t>Request</a:t>
+            </a:r>
+            <a:r>
+              <a:rPr lang="en-US" dirty="0"/>
+              <a:t>: each request new bean created</a:t>
+            </a:r>
+          </a:p>
+          <a:p>
+            <a:r>
+              <a:rPr lang="en-US" b="1" dirty="0"/>
+              <a:t>Session</a:t>
+            </a:r>
+            <a:r>
+              <a:rPr lang="en-US" dirty="0"/>
+              <a:t>:  for each user session new bean created</a:t>
+            </a:r>
+          </a:p>
+          <a:p>
+            <a:r>
+              <a:rPr lang="en-US" b="1" dirty="0"/>
+              <a:t>Global Session</a:t>
+            </a:r>
+            <a:r>
+              <a:rPr lang="en-US" dirty="0"/>
+              <a:t>: Typically only valid when used in a </a:t>
+            </a:r>
+            <a:r>
+              <a:rPr lang="en-US" dirty="0" err="1"/>
+              <a:t>portlet</a:t>
+            </a:r>
+            <a:r>
+              <a:rPr lang="en-US" dirty="0"/>
+              <a:t> context. </a:t>
+            </a:r>
+            <a:endParaRPr lang="en-US" dirty="0" smtClean="0"/>
+          </a:p>
+          <a:p>
+            <a:pPr marL="68580" indent="0">
+              <a:buNone/>
+            </a:pPr>
+            <a:endParaRPr lang="en-US" dirty="0"/>
+          </a:p>
+          <a:p>
+            <a:pPr marL="68580" indent="0">
+              <a:buNone/>
+            </a:pPr>
+            <a:r>
+              <a:rPr lang="en-US" sz="2100" b="1" dirty="0"/>
+              <a:t>NOTE</a:t>
+            </a:r>
+            <a:r>
+              <a:rPr lang="en-US" sz="2100" dirty="0"/>
+              <a:t>: you can also create your own scope if these are not fit to your </a:t>
+            </a:r>
+            <a:r>
+              <a:rPr lang="en-US" sz="2100" dirty="0" smtClean="0"/>
+              <a:t>requirement</a:t>
+            </a:r>
+          </a:p>
+          <a:p>
+            <a:pPr marL="68580" indent="0">
+              <a:buNone/>
+            </a:pPr>
+            <a:endParaRPr lang="en-US" dirty="0" smtClean="0"/>
+          </a:p>
+          <a:p>
+            <a:pPr marL="68580" indent="0">
+              <a:buNone/>
+            </a:pPr>
             <a:r>
               <a:rPr lang="en-US" dirty="0" smtClean="0"/>
-              <a:t>Using AOP we can define common functionality in one place and we can declaratively define how and where this functionality can be applied.</a:t>
-            </a:r>
-          </a:p>
-          <a:p>
-            <a:r>
-              <a:rPr lang="en-US" dirty="0" smtClean="0"/>
-              <a:t>Cross cutting concerns are modularized into special classes are called </a:t>
-            </a:r>
-            <a:r>
-              <a:rPr lang="en-US" b="1" dirty="0" smtClean="0"/>
-              <a:t>aspects</a:t>
-            </a:r>
-            <a:r>
-              <a:rPr lang="en-US" dirty="0" smtClean="0"/>
-              <a:t>.</a:t>
-            </a:r>
-            <a:endParaRPr lang="en-US" dirty="0"/>
+              <a:t>There are two types of scope available in spring core container</a:t>
+            </a:r>
+          </a:p>
+          <a:p>
+            <a:pPr marL="68580" indent="0">
+              <a:buNone/>
+            </a:pPr>
+            <a:r>
+              <a:rPr lang="en-US" sz="1900" b="1" dirty="0" smtClean="0"/>
+              <a:t>@Scope(</a:t>
+            </a:r>
+            <a:r>
+              <a:rPr lang="en-US" sz="1900" b="1" dirty="0" err="1" smtClean="0"/>
+              <a:t>ConfigurableBeanFactory.</a:t>
+            </a:r>
+            <a:r>
+              <a:rPr lang="en-US" sz="1900" b="1" i="1" dirty="0" err="1" smtClean="0"/>
+              <a:t>SCOPE_SINGLETON</a:t>
+            </a:r>
+            <a:r>
+              <a:rPr lang="en-US" sz="1900" b="1" i="1" dirty="0" smtClean="0"/>
+              <a:t>)</a:t>
+            </a:r>
+          </a:p>
+          <a:p>
+            <a:pPr marL="68580" indent="0">
+              <a:buNone/>
+            </a:pPr>
+            <a:r>
+              <a:rPr lang="en-US" sz="2000" b="1" dirty="0"/>
+              <a:t>@Scope(</a:t>
+            </a:r>
+            <a:r>
+              <a:rPr lang="en-US" sz="2000" b="1" dirty="0" err="1"/>
+              <a:t>ConfigurableBeanFactory.</a:t>
+            </a:r>
+            <a:r>
+              <a:rPr lang="en-US" sz="2000" b="1" i="1" dirty="0" err="1"/>
+              <a:t>SCOPE_PROTOTYPE</a:t>
+            </a:r>
+            <a:r>
+              <a:rPr lang="en-US" sz="2000" b="1" i="1" dirty="0"/>
+              <a:t>)</a:t>
+            </a:r>
+            <a:endParaRPr lang="en-US" sz="1900" b="1" dirty="0"/>
           </a:p>
         </p:txBody>
       </p:sp>
     </p:spTree>
     <p:extLst>
       <p:ext uri="{BB962C8B-B14F-4D97-AF65-F5344CB8AC3E}">
-        <p14:creationId xmlns:p14="http://schemas.microsoft.com/office/powerpoint/2010/main" val="3680182491"/>
+        <p14:creationId xmlns:p14="http://schemas.microsoft.com/office/powerpoint/2010/main" val="3345582067"/>
       </p:ext>
     </p:extLst>
   </p:cSld>
   <p:clrMapOvr>
     <a:masterClrMapping/>
   </p:clrMapOvr>
+  <p:timing>
+    <p:tnLst>
+      <p:par>
+        <p:cTn xmlns:p14="http://schemas.microsoft.com/office/powerpoint/2010/main" id="1" dur="indefinite" restart="never" nodeType="tmRoot"/>
+      </p:par>
+    </p:tnLst>
+  </p:timing>
 </p:sld>
 </file>
 

--- a/SpringJavaTraining.pptx
+++ b/SpringJavaTraining.pptx
@@ -9,27 +9,25 @@
     <p:sldId id="269" r:id="rId3"/>
     <p:sldId id="275" r:id="rId4"/>
     <p:sldId id="276" r:id="rId5"/>
-    <p:sldId id="258" r:id="rId6"/>
-    <p:sldId id="270" r:id="rId7"/>
-    <p:sldId id="259" r:id="rId8"/>
-    <p:sldId id="278" r:id="rId9"/>
-    <p:sldId id="279" r:id="rId10"/>
-    <p:sldId id="267" r:id="rId11"/>
-    <p:sldId id="280" r:id="rId12"/>
-    <p:sldId id="261" r:id="rId13"/>
-    <p:sldId id="262" r:id="rId14"/>
-    <p:sldId id="274" r:id="rId15"/>
-    <p:sldId id="263" r:id="rId16"/>
-    <p:sldId id="271" r:id="rId17"/>
-    <p:sldId id="282" r:id="rId18"/>
-    <p:sldId id="283" r:id="rId19"/>
-    <p:sldId id="284" r:id="rId20"/>
-    <p:sldId id="264" r:id="rId21"/>
-    <p:sldId id="265" r:id="rId22"/>
-    <p:sldId id="266" r:id="rId23"/>
-    <p:sldId id="272" r:id="rId24"/>
-    <p:sldId id="273" r:id="rId25"/>
-    <p:sldId id="281" r:id="rId26"/>
+    <p:sldId id="287" r:id="rId6"/>
+    <p:sldId id="288" r:id="rId7"/>
+    <p:sldId id="258" r:id="rId8"/>
+    <p:sldId id="270" r:id="rId9"/>
+    <p:sldId id="259" r:id="rId10"/>
+    <p:sldId id="278" r:id="rId11"/>
+    <p:sldId id="279" r:id="rId12"/>
+    <p:sldId id="267" r:id="rId13"/>
+    <p:sldId id="280" r:id="rId14"/>
+    <p:sldId id="261" r:id="rId15"/>
+    <p:sldId id="262" r:id="rId16"/>
+    <p:sldId id="286" r:id="rId17"/>
+    <p:sldId id="285" r:id="rId18"/>
+    <p:sldId id="274" r:id="rId19"/>
+    <p:sldId id="263" r:id="rId20"/>
+    <p:sldId id="271" r:id="rId21"/>
+    <p:sldId id="282" r:id="rId22"/>
+    <p:sldId id="283" r:id="rId23"/>
+    <p:sldId id="284" r:id="rId24"/>
   </p:sldIdLst>
   <p:sldSz cx="9144000" cy="6858000" type="screen4x3"/>
   <p:notesSz cx="6858000" cy="9144000"/>
@@ -2888,7 +2886,7 @@
           <a:p>
             <a:fld id="{E90C4CEC-16D5-4229-B4DE-FDE9B679D7E2}" type="datetimeFigureOut">
               <a:rPr lang="en-US" smtClean="0"/>
-              <a:t>21/04/16</a:t>
+              <a:t>24/04/16</a:t>
             </a:fld>
             <a:endParaRPr lang="en-US"/>
           </a:p>
@@ -3173,7 +3171,7 @@
           <a:p>
             <a:fld id="{E90C4CEC-16D5-4229-B4DE-FDE9B679D7E2}" type="datetimeFigureOut">
               <a:rPr lang="en-US" smtClean="0"/>
-              <a:t>21/04/16</a:t>
+              <a:t>24/04/16</a:t>
             </a:fld>
             <a:endParaRPr lang="en-US"/>
           </a:p>
@@ -3348,7 +3346,7 @@
           <a:p>
             <a:fld id="{E90C4CEC-16D5-4229-B4DE-FDE9B679D7E2}" type="datetimeFigureOut">
               <a:rPr lang="en-US" smtClean="0"/>
-              <a:t>21/04/16</a:t>
+              <a:t>24/04/16</a:t>
             </a:fld>
             <a:endParaRPr lang="en-US"/>
           </a:p>
@@ -3513,7 +3511,7 @@
           <a:p>
             <a:fld id="{E90C4CEC-16D5-4229-B4DE-FDE9B679D7E2}" type="datetimeFigureOut">
               <a:rPr lang="en-US" smtClean="0"/>
-              <a:t>21/04/16</a:t>
+              <a:t>24/04/16</a:t>
             </a:fld>
             <a:endParaRPr lang="en-US"/>
           </a:p>
@@ -3754,7 +3752,7 @@
           <a:p>
             <a:fld id="{E90C4CEC-16D5-4229-B4DE-FDE9B679D7E2}" type="datetimeFigureOut">
               <a:rPr lang="en-US" smtClean="0"/>
-              <a:t>21/04/16</a:t>
+              <a:t>24/04/16</a:t>
             </a:fld>
             <a:endParaRPr lang="en-US"/>
           </a:p>
@@ -3867,7 +3865,7 @@
           <a:p>
             <a:fld id="{E90C4CEC-16D5-4229-B4DE-FDE9B679D7E2}" type="datetimeFigureOut">
               <a:rPr lang="en-US" smtClean="0"/>
-              <a:t>21/04/16</a:t>
+              <a:t>24/04/16</a:t>
             </a:fld>
             <a:endParaRPr lang="en-US"/>
           </a:p>
@@ -4406,7 +4404,7 @@
           <a:p>
             <a:fld id="{E90C4CEC-16D5-4229-B4DE-FDE9B679D7E2}" type="datetimeFigureOut">
               <a:rPr lang="en-US" smtClean="0"/>
-              <a:t>21/04/16</a:t>
+              <a:t>24/04/16</a:t>
             </a:fld>
             <a:endParaRPr lang="en-US"/>
           </a:p>
@@ -4519,7 +4517,7 @@
           <a:p>
             <a:fld id="{E90C4CEC-16D5-4229-B4DE-FDE9B679D7E2}" type="datetimeFigureOut">
               <a:rPr lang="en-US" smtClean="0"/>
-              <a:t>21/04/16</a:t>
+              <a:t>24/04/16</a:t>
             </a:fld>
             <a:endParaRPr lang="en-US"/>
           </a:p>
@@ -4609,7 +4607,7 @@
           <a:p>
             <a:fld id="{E90C4CEC-16D5-4229-B4DE-FDE9B679D7E2}" type="datetimeFigureOut">
               <a:rPr lang="en-US" smtClean="0"/>
-              <a:t>21/04/16</a:t>
+              <a:t>24/04/16</a:t>
             </a:fld>
             <a:endParaRPr lang="en-US"/>
           </a:p>
@@ -7260,7 +7258,7 @@
           <a:p>
             <a:fld id="{E90C4CEC-16D5-4229-B4DE-FDE9B679D7E2}" type="datetimeFigureOut">
               <a:rPr lang="en-US" smtClean="0"/>
-              <a:t>21/04/16</a:t>
+              <a:t>24/04/16</a:t>
             </a:fld>
             <a:endParaRPr lang="en-US"/>
           </a:p>
@@ -10472,7 +10470,7 @@
           <a:p>
             <a:fld id="{E90C4CEC-16D5-4229-B4DE-FDE9B679D7E2}" type="datetimeFigureOut">
               <a:rPr lang="en-US" smtClean="0"/>
-              <a:t>21/04/16</a:t>
+              <a:t>24/04/16</a:t>
             </a:fld>
             <a:endParaRPr lang="en-US"/>
           </a:p>
@@ -13294,7 +13292,7 @@
           <a:p>
             <a:fld id="{E90C4CEC-16D5-4229-B4DE-FDE9B679D7E2}" type="datetimeFigureOut">
               <a:rPr lang="en-US" smtClean="0"/>
-              <a:t>21/04/16</a:t>
+              <a:t>24/04/16</a:t>
             </a:fld>
             <a:endParaRPr lang="en-US"/>
           </a:p>
@@ -13762,15 +13760,58 @@
             <p:ph type="ctrTitle"/>
           </p:nvPr>
         </p:nvSpPr>
-        <p:spPr/>
+        <p:spPr>
+          <a:xfrm>
+            <a:off x="4733365" y="309279"/>
+            <a:ext cx="3313355" cy="2372177"/>
+          </a:xfrm>
+        </p:spPr>
         <p:txBody>
-          <a:bodyPr/>
+          <a:bodyPr>
+            <a:normAutofit fontScale="90000"/>
+          </a:bodyPr>
           <a:lstStyle/>
           <a:p>
             <a:r>
               <a:rPr lang="en-US" dirty="0" smtClean="0"/>
-              <a:t>Spring Basics</a:t>
-            </a:r>
+              <a:t>Spring </a:t>
+            </a:r>
+            <a:r>
+              <a:rPr lang="en-US" dirty="0" smtClean="0"/>
+              <a:t>Basics</a:t>
+            </a:r>
+            <a:br>
+              <a:rPr lang="en-US" dirty="0" smtClean="0"/>
+            </a:br>
+            <a:r>
+              <a:rPr lang="en-US" dirty="0" smtClean="0"/>
+              <a:t/>
+            </a:r>
+            <a:br>
+              <a:rPr lang="en-US" dirty="0" smtClean="0"/>
+            </a:br>
+            <a:r>
+              <a:rPr lang="en-US" sz="1800" dirty="0" smtClean="0"/>
+              <a:t>annotation </a:t>
+            </a:r>
+            <a:r>
+              <a:rPr lang="en-US" sz="1800" dirty="0" smtClean="0"/>
+              <a:t>based </a:t>
+            </a:r>
+            <a:br>
+              <a:rPr lang="en-US" sz="1800" dirty="0" smtClean="0"/>
+            </a:br>
+            <a:r>
+              <a:rPr lang="en-US" sz="1800" dirty="0" smtClean="0"/>
+              <a:t>application development</a:t>
+            </a:r>
+            <a:r>
+              <a:rPr lang="en-US" dirty="0" smtClean="0"/>
+              <a:t/>
+            </a:r>
+            <a:br>
+              <a:rPr lang="en-US" dirty="0" smtClean="0"/>
+            </a:br>
             <a:endParaRPr lang="en-US" dirty="0"/>
           </a:p>
         </p:txBody>
@@ -13785,15 +13826,57 @@
             <p:ph type="subTitle" idx="1"/>
           </p:nvPr>
         </p:nvSpPr>
-        <p:spPr/>
+        <p:spPr>
+          <a:xfrm>
+            <a:off x="4603972" y="3354773"/>
+            <a:ext cx="3580867" cy="1196645"/>
+          </a:xfrm>
+        </p:spPr>
         <p:txBody>
-          <a:bodyPr/>
+          <a:bodyPr>
+            <a:normAutofit/>
+          </a:bodyPr>
           <a:lstStyle/>
           <a:p>
             <a:r>
+              <a:rPr lang="en-US" dirty="0"/>
+              <a:t>https://</a:t>
+            </a:r>
+            <a:r>
               <a:rPr lang="en-US" dirty="0" smtClean="0"/>
-              <a:t>ThirupathiReddy Vajjala</a:t>
-            </a:r>
+              <a:t>github.com</a:t>
+            </a:r>
+          </a:p>
+          <a:p>
+            <a:r>
+              <a:rPr lang="en-US" dirty="0" smtClean="0"/>
+              <a:t>/</a:t>
+            </a:r>
+            <a:r>
+              <a:rPr lang="en-US" dirty="0"/>
+              <a:t>Innominds-</a:t>
+            </a:r>
+            <a:r>
+              <a:rPr lang="en-US" dirty="0" err="1" smtClean="0"/>
+              <a:t>jee</a:t>
+            </a:r>
+            <a:endParaRPr lang="en-US" dirty="0" smtClean="0"/>
+          </a:p>
+          <a:p>
+            <a:r>
+              <a:rPr lang="en-US" dirty="0" smtClean="0"/>
+              <a:t>/</a:t>
+            </a:r>
+            <a:r>
+              <a:rPr lang="en-US" dirty="0"/>
+              <a:t>spring-java-</a:t>
+            </a:r>
+            <a:r>
+              <a:rPr lang="en-US" dirty="0" smtClean="0"/>
+              <a:t>training.git</a:t>
+            </a:r>
+          </a:p>
+          <a:p>
             <a:endParaRPr lang="en-US" dirty="0"/>
           </a:p>
         </p:txBody>
@@ -13847,21 +13930,29 @@
         </p:nvSpPr>
         <p:spPr>
           <a:xfrm>
-            <a:off x="1043490" y="829134"/>
-            <a:ext cx="6777319" cy="529235"/>
+            <a:off x="1043490" y="740930"/>
+            <a:ext cx="6777319" cy="529234"/>
           </a:xfrm>
         </p:spPr>
         <p:txBody>
           <a:bodyPr>
-            <a:normAutofit/>
+            <a:noAutofit/>
           </a:bodyPr>
           <a:lstStyle/>
           <a:p>
             <a:r>
-              <a:rPr lang="en-US" sz="2800" dirty="0" smtClean="0"/>
-              <a:t>Enabling profile</a:t>
-            </a:r>
-            <a:endParaRPr lang="en-US" sz="2800" dirty="0"/>
+              <a:rPr lang="en-US" sz="2400" dirty="0" smtClean="0"/>
+              <a:t>Basic Java based Annotations in </a:t>
+            </a:r>
+            <a:r>
+              <a:rPr lang="en-US" sz="2400" dirty="0" smtClean="0"/>
+              <a:t>Spring</a:t>
+            </a:r>
+            <a:endParaRPr lang="en-US" sz="2400" dirty="0">
+              <a:solidFill>
+                <a:srgbClr val="FF0000"/>
+              </a:solidFill>
+            </a:endParaRPr>
           </a:p>
         </p:txBody>
       </p:sp>
@@ -13877,8 +13968,8 @@
         </p:nvSpPr>
         <p:spPr>
           <a:xfrm>
-            <a:off x="1043492" y="1358370"/>
-            <a:ext cx="6777317" cy="4474260"/>
+            <a:off x="1043492" y="1270164"/>
+            <a:ext cx="6777317" cy="4562465"/>
           </a:xfrm>
         </p:spPr>
         <p:txBody>
@@ -13888,156 +13979,107 @@
           <a:lstStyle/>
           <a:p>
             <a:r>
-              <a:rPr lang="en-US" sz="1800" dirty="0" smtClean="0"/>
-              <a:t>Spring Profiles were introduced in spring 3.1.</a:t>
+              <a:rPr lang="en-US" b="1" dirty="0" smtClean="0"/>
+              <a:t>@Configuration:</a:t>
+            </a:r>
+            <a:r>
+              <a:rPr lang="en-US" dirty="0" smtClean="0"/>
+              <a:t> </a:t>
             </a:r>
             <a:r>
               <a:rPr lang="en-US" sz="2000" dirty="0" smtClean="0"/>
-              <a:t> </a:t>
-            </a:r>
-          </a:p>
-          <a:p>
-            <a:pPr marL="68580" indent="0">
-              <a:buNone/>
-            </a:pPr>
-            <a:r>
-              <a:rPr lang="en-US" sz="1800" dirty="0" smtClean="0"/>
-              <a:t>It allows us to define beans by deployment regions such as “</a:t>
-            </a:r>
-            <a:r>
-              <a:rPr lang="en-US" sz="1800" dirty="0" err="1" smtClean="0"/>
-              <a:t>dev</a:t>
-            </a:r>
-            <a:r>
-              <a:rPr lang="en-US" sz="1800" dirty="0" smtClean="0"/>
-              <a:t>” , “</a:t>
-            </a:r>
-            <a:r>
-              <a:rPr lang="en-US" sz="1800" dirty="0" err="1" smtClean="0"/>
-              <a:t>qa</a:t>
-            </a:r>
-            <a:r>
-              <a:rPr lang="en-US" sz="1800" dirty="0" smtClean="0"/>
-              <a:t>”, “prod” etc.</a:t>
-            </a:r>
-          </a:p>
-          <a:p>
-            <a:pPr marL="68580" indent="0">
-              <a:buNone/>
-            </a:pPr>
-            <a:endParaRPr lang="en-US" sz="1800" dirty="0" smtClean="0"/>
-          </a:p>
-          <a:p>
-            <a:r>
-              <a:rPr lang="en-US" sz="1800" dirty="0"/>
-              <a:t>Spring profiles are enabled using the case insensitive tokens </a:t>
-            </a:r>
-            <a:r>
-              <a:rPr lang="en-US" sz="1800" b="1" dirty="0" err="1"/>
-              <a:t>spring.profiles.active</a:t>
-            </a:r>
-            <a:r>
-              <a:rPr lang="en-US" sz="1800" dirty="0"/>
-              <a:t> or </a:t>
-            </a:r>
-            <a:r>
-              <a:rPr lang="en-US" sz="1800" b="1" dirty="0" err="1"/>
-              <a:t>spring_profiles_active</a:t>
-            </a:r>
-            <a:r>
-              <a:rPr lang="en-US" sz="1800" dirty="0" smtClean="0"/>
+              <a:t>Indicates </a:t>
+            </a:r>
+            <a:r>
+              <a:rPr lang="en-US" sz="2000" dirty="0"/>
+              <a:t>that a class declares one or more @Bean methods and may be processed by the Spring container to generate bean definitions and service requests for those beans at </a:t>
+            </a:r>
+            <a:r>
+              <a:rPr lang="en-US" sz="2000" dirty="0" smtClean="0"/>
+              <a:t>runtime</a:t>
+            </a:r>
+            <a:endParaRPr lang="en-US" dirty="0" smtClean="0"/>
+          </a:p>
+          <a:p>
+            <a:r>
+              <a:rPr lang="en-US" b="1" dirty="0" smtClean="0"/>
+              <a:t>@Bean</a:t>
+            </a:r>
+            <a:r>
+              <a:rPr lang="en-US" dirty="0" smtClean="0"/>
+              <a:t>: </a:t>
+            </a:r>
+            <a:r>
+              <a:rPr lang="en-US" sz="2000" dirty="0" smtClean="0"/>
+              <a:t>Creates Spring bean from java object</a:t>
+            </a:r>
+            <a:endParaRPr lang="en-US" dirty="0" smtClean="0"/>
+          </a:p>
+          <a:p>
+            <a:r>
+              <a:rPr lang="en-US" b="1" dirty="0" smtClean="0"/>
+              <a:t>@Import</a:t>
+            </a:r>
+            <a:r>
+              <a:rPr lang="en-US" dirty="0" smtClean="0"/>
+              <a:t>: Used to import configuration file</a:t>
+            </a:r>
+          </a:p>
+          <a:p>
+            <a:r>
+              <a:rPr lang="en-US" b="1" dirty="0" smtClean="0"/>
+              <a:t>@</a:t>
+            </a:r>
+            <a:r>
+              <a:rPr lang="en-US" b="1" dirty="0" err="1" smtClean="0"/>
+              <a:t>ImportResource</a:t>
+            </a:r>
+            <a:r>
+              <a:rPr lang="en-US" dirty="0" smtClean="0"/>
+              <a:t>: Used to import XML Based Configuration file</a:t>
+            </a:r>
+          </a:p>
+          <a:p>
+            <a:r>
+              <a:rPr lang="en-US" b="1" dirty="0" err="1" smtClean="0"/>
+              <a:t>ComponentScan</a:t>
+            </a:r>
+            <a:r>
+              <a:rPr lang="en-US" b="1" dirty="0" smtClean="0"/>
+              <a:t>:</a:t>
+            </a:r>
+            <a:r>
+              <a:rPr lang="en-US" dirty="0" smtClean="0"/>
+              <a:t> scans the spring beans on the given base package. It looks for </a:t>
+            </a:r>
+            <a:r>
+              <a:rPr lang="en-US" b="1" dirty="0" smtClean="0"/>
+              <a:t>@Service, @Component, @Controller, @</a:t>
+            </a:r>
+            <a:r>
+              <a:rPr lang="en-US" b="1" dirty="0" smtClean="0"/>
+              <a:t>Repository                       </a:t>
+            </a:r>
+            <a:r>
+              <a:rPr lang="en-US" sz="2800" dirty="0">
+                <a:solidFill>
+                  <a:srgbClr val="FF0000"/>
+                </a:solidFill>
+              </a:rPr>
               <a:t>.</a:t>
             </a:r>
-          </a:p>
-          <a:p>
-            <a:pPr marL="68580" indent="0">
-              <a:buNone/>
-            </a:pPr>
-            <a:endParaRPr lang="en-US" sz="1800" dirty="0" smtClean="0"/>
-          </a:p>
-          <a:p>
-            <a:r>
-              <a:rPr lang="en-US" sz="1800" dirty="0"/>
-              <a:t>Profile can be activated with below mentioned ways</a:t>
-            </a:r>
-          </a:p>
-          <a:p>
-            <a:pPr marL="708660" lvl="1" indent="-342900">
-              <a:buFont typeface="+mj-lt"/>
-              <a:buAutoNum type="arabicPeriod"/>
-            </a:pPr>
-            <a:r>
-              <a:rPr lang="en-US" sz="1600" dirty="0"/>
-              <a:t>an Environment Variable</a:t>
-            </a:r>
-          </a:p>
-          <a:p>
-            <a:pPr marL="708660" lvl="1" indent="-342900">
-              <a:buFont typeface="+mj-lt"/>
-              <a:buAutoNum type="arabicPeriod"/>
-            </a:pPr>
-            <a:r>
-              <a:rPr lang="en-US" sz="1600" dirty="0"/>
-              <a:t>a JVM Property</a:t>
-            </a:r>
-          </a:p>
-          <a:p>
-            <a:pPr marL="708660" lvl="1" indent="-342900">
-              <a:buFont typeface="+mj-lt"/>
-              <a:buAutoNum type="arabicPeriod"/>
-            </a:pPr>
-            <a:r>
-              <a:rPr lang="en-US" sz="1600" dirty="0"/>
-              <a:t>Web Parameter</a:t>
-            </a:r>
-          </a:p>
-          <a:p>
-            <a:pPr marL="708660" lvl="1" indent="-342900">
-              <a:buFont typeface="+mj-lt"/>
-              <a:buAutoNum type="arabicPeriod"/>
-            </a:pPr>
-            <a:r>
-              <a:rPr lang="en-US" sz="1600" dirty="0" smtClean="0"/>
-              <a:t>Programmatic</a:t>
-            </a:r>
-          </a:p>
-          <a:p>
-            <a:pPr marL="708660" lvl="1" indent="-342900">
-              <a:buFont typeface="+mj-lt"/>
-              <a:buAutoNum type="arabicPeriod"/>
-            </a:pPr>
-            <a:endParaRPr lang="en-US" sz="1600" dirty="0" smtClean="0"/>
-          </a:p>
-          <a:p>
-            <a:pPr marL="365760" lvl="1" indent="0">
-              <a:buNone/>
-            </a:pPr>
-            <a:r>
-              <a:rPr lang="en-US" sz="1600" b="1" dirty="0" smtClean="0"/>
-              <a:t>@Profile </a:t>
-            </a:r>
-            <a:r>
-              <a:rPr lang="en-US" sz="1600" dirty="0" smtClean="0"/>
-              <a:t>Annotation used to create bean for specific environment</a:t>
-            </a:r>
-            <a:endParaRPr lang="en-US" sz="1600" dirty="0"/>
-          </a:p>
-          <a:p>
-            <a:pPr marL="708660" lvl="1" indent="-342900">
-              <a:buFont typeface="+mj-lt"/>
-              <a:buAutoNum type="arabicPeriod"/>
-            </a:pPr>
-            <a:endParaRPr lang="en-US" sz="1600" dirty="0"/>
-          </a:p>
-          <a:p>
-            <a:endParaRPr lang="en-US" sz="1800" dirty="0" smtClean="0"/>
+            <a:r>
+              <a:rPr lang="en-US" sz="2800" b="1" dirty="0" smtClean="0"/>
+              <a:t>                     </a:t>
+            </a:r>
+            <a:endParaRPr lang="en-US" sz="2800" b="1" dirty="0"/>
           </a:p>
         </p:txBody>
       </p:sp>
     </p:spTree>
     <p:extLst>
       <p:ext uri="{BB962C8B-B14F-4D97-AF65-F5344CB8AC3E}">
-        <p14:creationId xmlns:p14="http://schemas.microsoft.com/office/powerpoint/2010/main" val="1854490724"/>
+        <p14:creationId xmlns:p14="http://schemas.microsoft.com/office/powerpoint/2010/main" val="55584591"/>
       </p:ext>
     </p:extLst>
   </p:cSld>
@@ -14083,21 +14125,21 @@
         </p:nvSpPr>
         <p:spPr>
           <a:xfrm>
-            <a:off x="1043490" y="688005"/>
-            <a:ext cx="6777319" cy="617441"/>
+            <a:off x="1043490" y="723288"/>
+            <a:ext cx="6777319" cy="476311"/>
           </a:xfrm>
         </p:spPr>
         <p:txBody>
           <a:bodyPr>
-            <a:normAutofit/>
+            <a:normAutofit fontScale="90000"/>
           </a:bodyPr>
           <a:lstStyle/>
           <a:p>
             <a:r>
-              <a:rPr lang="en-US" sz="3200" dirty="0" smtClean="0"/>
-              <a:t>Conditional Beans</a:t>
-            </a:r>
-            <a:endParaRPr lang="en-US" sz="3200" dirty="0"/>
+              <a:rPr lang="en-US" sz="2800" dirty="0" smtClean="0"/>
+              <a:t>Spring Bean Scope Managing</a:t>
+            </a:r>
+            <a:endParaRPr lang="en-US" sz="2800" dirty="0"/>
           </a:p>
         </p:txBody>
       </p:sp>
@@ -14113,110 +14155,145 @@
         </p:nvSpPr>
         <p:spPr>
           <a:xfrm>
-            <a:off x="1043492" y="1428934"/>
-            <a:ext cx="6777317" cy="4403695"/>
+            <a:off x="1043492" y="1199599"/>
+            <a:ext cx="6777317" cy="4633031"/>
           </a:xfrm>
         </p:spPr>
         <p:txBody>
           <a:bodyPr>
-            <a:normAutofit lnSpcReduction="10000"/>
+            <a:normAutofit fontScale="85000" lnSpcReduction="20000"/>
           </a:bodyPr>
           <a:lstStyle/>
+          <a:p>
+            <a:r>
+              <a:rPr lang="en-US" b="1" dirty="0"/>
+              <a:t>Singleton</a:t>
+            </a:r>
+            <a:r>
+              <a:rPr lang="en-US" dirty="0"/>
+              <a:t>: Single bean per IOC </a:t>
+            </a:r>
+            <a:r>
+              <a:rPr lang="en-US" dirty="0" smtClean="0"/>
+              <a:t>container (default)</a:t>
+            </a:r>
+            <a:endParaRPr lang="en-US" dirty="0"/>
+          </a:p>
+          <a:p>
+            <a:r>
+              <a:rPr lang="en-US" b="1" dirty="0"/>
+              <a:t>Prototype</a:t>
+            </a:r>
+            <a:r>
+              <a:rPr lang="en-US" dirty="0"/>
+              <a:t>: creates new bean  each time</a:t>
+            </a:r>
+          </a:p>
           <a:p>
             <a:pPr marL="68580" indent="0">
               <a:buNone/>
             </a:pPr>
             <a:r>
-              <a:rPr lang="en-US" sz="2000" dirty="0" smtClean="0"/>
-              <a:t>Conditional Beans were introduced in spring 4.0 </a:t>
-            </a:r>
+              <a:rPr lang="en-US" b="1" dirty="0"/>
+              <a:t>WEB APPLICATION SCOPES</a:t>
+            </a:r>
+          </a:p>
+          <a:p>
+            <a:r>
+              <a:rPr lang="en-US" b="1" dirty="0"/>
+              <a:t>Request</a:t>
+            </a:r>
+            <a:r>
+              <a:rPr lang="en-US" dirty="0"/>
+              <a:t>: each request new bean created</a:t>
+            </a:r>
+          </a:p>
+          <a:p>
+            <a:r>
+              <a:rPr lang="en-US" b="1" dirty="0"/>
+              <a:t>Session</a:t>
+            </a:r>
+            <a:r>
+              <a:rPr lang="en-US" dirty="0"/>
+              <a:t>:  for each user session new bean created</a:t>
+            </a:r>
+          </a:p>
+          <a:p>
+            <a:r>
+              <a:rPr lang="en-US" b="1" dirty="0"/>
+              <a:t>Global Session</a:t>
+            </a:r>
+            <a:r>
+              <a:rPr lang="en-US" dirty="0"/>
+              <a:t>: Typically only valid when used in a </a:t>
+            </a:r>
+            <a:r>
+              <a:rPr lang="en-US" dirty="0" err="1"/>
+              <a:t>portlet</a:t>
+            </a:r>
+            <a:r>
+              <a:rPr lang="en-US" dirty="0"/>
+              <a:t> context. </a:t>
+            </a:r>
+            <a:endParaRPr lang="en-US" dirty="0" smtClean="0"/>
           </a:p>
           <a:p>
             <a:pPr marL="68580" indent="0">
               <a:buNone/>
             </a:pPr>
-            <a:r>
-              <a:rPr lang="en-US" sz="2000" dirty="0" smtClean="0"/>
-              <a:t>It works together with </a:t>
-            </a:r>
-            <a:r>
-              <a:rPr lang="en-US" sz="2000" b="1" dirty="0" smtClean="0"/>
-              <a:t>@Conditional</a:t>
-            </a:r>
-            <a:r>
-              <a:rPr lang="en-US" sz="2000" dirty="0" smtClean="0"/>
-              <a:t> annotation and </a:t>
-            </a:r>
-            <a:r>
-              <a:rPr lang="en-US" sz="2000" b="1" dirty="0" smtClean="0"/>
-              <a:t>Condition</a:t>
-            </a:r>
-            <a:r>
-              <a:rPr lang="en-US" sz="2000" dirty="0" smtClean="0"/>
-              <a:t> interface </a:t>
-            </a:r>
+            <a:endParaRPr lang="en-US" dirty="0"/>
           </a:p>
           <a:p>
             <a:pPr marL="68580" indent="0">
               <a:buNone/>
             </a:pPr>
             <a:r>
-              <a:rPr lang="en-US" sz="2000" dirty="0" smtClean="0"/>
-              <a:t>It allows developer to define strategy to create bean. These are not limited to environment </a:t>
+              <a:rPr lang="en-US" sz="2100" b="1" dirty="0"/>
+              <a:t>NOTE</a:t>
+            </a:r>
+            <a:r>
+              <a:rPr lang="en-US" sz="2100" dirty="0"/>
+              <a:t>: you can also create your own scope if these are not fit to your </a:t>
+            </a:r>
+            <a:r>
+              <a:rPr lang="en-US" sz="2100" dirty="0" smtClean="0"/>
+              <a:t>requirement</a:t>
             </a:r>
           </a:p>
           <a:p>
             <a:pPr marL="68580" indent="0">
               <a:buNone/>
             </a:pPr>
-            <a:r>
-              <a:rPr lang="en-US" sz="2000" dirty="0" smtClean="0"/>
-              <a:t>Spring boot framework extensively uses this feature to create bean based on properties file information</a:t>
-            </a:r>
+            <a:endParaRPr lang="en-US" dirty="0" smtClean="0"/>
           </a:p>
           <a:p>
             <a:pPr marL="68580" indent="0">
               <a:buNone/>
             </a:pPr>
-            <a:endParaRPr lang="en-US" sz="2000" dirty="0" smtClean="0"/>
+            <a:r>
+              <a:rPr lang="en-US" dirty="0" smtClean="0"/>
+              <a:t>There are two types of scope available in spring core container</a:t>
+            </a:r>
           </a:p>
           <a:p>
             <a:pPr marL="68580" indent="0">
               <a:buNone/>
             </a:pPr>
             <a:r>
-              <a:rPr lang="en-US" sz="2000" dirty="0" smtClean="0"/>
-              <a:t>  </a:t>
-            </a:r>
-            <a:r>
-              <a:rPr lang="en-US" sz="2000" b="1" dirty="0" smtClean="0">
-                <a:solidFill>
-                  <a:schemeClr val="accent6">
-                    <a:lumMod val="75000"/>
-                  </a:schemeClr>
-                </a:solidFill>
-              </a:rPr>
-              <a:t>  </a:t>
-            </a:r>
-            <a:r>
-              <a:rPr lang="en-US" sz="1800" b="1" dirty="0" smtClean="0">
-                <a:solidFill>
-                  <a:schemeClr val="accent6">
-                    <a:lumMod val="75000"/>
-                  </a:schemeClr>
-                </a:solidFill>
-              </a:rPr>
-              <a:t>@</a:t>
-            </a:r>
-            <a:r>
-              <a:rPr lang="en-US" sz="1800" b="1" dirty="0">
-                <a:solidFill>
-                  <a:schemeClr val="accent6">
-                    <a:lumMod val="75000"/>
-                  </a:schemeClr>
-                </a:solidFill>
-              </a:rPr>
-              <a:t>Bean</a:t>
+              <a:rPr lang="en-US" sz="1900" b="1" dirty="0" smtClean="0"/>
+              <a:t>@Scope(</a:t>
+            </a:r>
+            <a:r>
+              <a:rPr lang="en-US" sz="1900" b="1" dirty="0" err="1" smtClean="0"/>
+              <a:t>ConfigurableBeanFactory.</a:t>
+            </a:r>
+            <a:r>
+              <a:rPr lang="en-US" sz="1900" b="1" i="1" dirty="0" err="1" smtClean="0"/>
+              <a:t>SCOPE_SINGLETON</a:t>
+            </a:r>
+            <a:r>
+              <a:rPr lang="en-US" sz="1900" b="1" i="1" dirty="0" smtClean="0"/>
+              <a:t>)</a:t>
             </a:r>
           </a:p>
           <a:p>
@@ -14224,154 +14301,29 @@
               <a:buNone/>
             </a:pPr>
             <a:r>
-              <a:rPr lang="en-US" sz="1800" b="1" dirty="0">
-                <a:solidFill>
-                  <a:schemeClr val="accent6">
-                    <a:lumMod val="75000"/>
-                  </a:schemeClr>
-                </a:solidFill>
-              </a:rPr>
-              <a:t>    @Conditional(</a:t>
-            </a:r>
-            <a:r>
-              <a:rPr lang="en-US" sz="1800" b="1" dirty="0" err="1">
-                <a:solidFill>
-                  <a:schemeClr val="accent6">
-                    <a:lumMod val="75000"/>
-                  </a:schemeClr>
-                </a:solidFill>
-              </a:rPr>
-              <a:t>StudentCondition.class</a:t>
-            </a:r>
-            <a:r>
-              <a:rPr lang="en-US" sz="1800" b="1" dirty="0">
-                <a:solidFill>
-                  <a:schemeClr val="accent6">
-                    <a:lumMod val="75000"/>
-                  </a:schemeClr>
-                </a:solidFill>
-              </a:rPr>
+              <a:rPr lang="en-US" sz="2000" b="1" dirty="0"/>
+              <a:t>@Scope(</a:t>
+            </a:r>
+            <a:r>
+              <a:rPr lang="en-US" sz="2000" b="1" dirty="0" err="1"/>
+              <a:t>ConfigurableBeanFactory.</a:t>
+            </a:r>
+            <a:r>
+              <a:rPr lang="en-US" sz="2000" b="1" i="1" dirty="0" err="1"/>
+              <a:t>SCOPE_PROTOTYPE</a:t>
+            </a:r>
+            <a:r>
+              <a:rPr lang="en-US" sz="2000" b="1" i="1" dirty="0"/>
               <a:t>)</a:t>
             </a:r>
-          </a:p>
-          <a:p>
-            <a:pPr marL="68580" indent="0">
-              <a:buNone/>
-            </a:pPr>
-            <a:r>
-              <a:rPr lang="en-US" sz="1800" b="1" dirty="0">
-                <a:solidFill>
-                  <a:schemeClr val="accent6">
-                    <a:lumMod val="75000"/>
-                  </a:schemeClr>
-                </a:solidFill>
-              </a:rPr>
-              <a:t>    </a:t>
-            </a:r>
-            <a:r>
-              <a:rPr lang="en-US" sz="1800" b="1" dirty="0" err="1">
-                <a:solidFill>
-                  <a:schemeClr val="accent6">
-                    <a:lumMod val="75000"/>
-                  </a:schemeClr>
-                </a:solidFill>
-              </a:rPr>
-              <a:t>StudentService</a:t>
-            </a:r>
-            <a:r>
-              <a:rPr lang="en-US" sz="1800" b="1" dirty="0">
-                <a:solidFill>
-                  <a:schemeClr val="accent6">
-                    <a:lumMod val="75000"/>
-                  </a:schemeClr>
-                </a:solidFill>
-              </a:rPr>
-              <a:t> </a:t>
-            </a:r>
-            <a:r>
-              <a:rPr lang="en-US" sz="1800" b="1" dirty="0" err="1">
-                <a:solidFill>
-                  <a:schemeClr val="accent6">
-                    <a:lumMod val="75000"/>
-                  </a:schemeClr>
-                </a:solidFill>
-              </a:rPr>
-              <a:t>studentService</a:t>
-            </a:r>
-            <a:r>
-              <a:rPr lang="en-US" sz="1800" b="1" dirty="0">
-                <a:solidFill>
-                  <a:schemeClr val="accent6">
-                    <a:lumMod val="75000"/>
-                  </a:schemeClr>
-                </a:solidFill>
-              </a:rPr>
-              <a:t>() {</a:t>
-            </a:r>
-          </a:p>
-          <a:p>
-            <a:pPr marL="68580" indent="0">
-              <a:buNone/>
-            </a:pPr>
-            <a:r>
-              <a:rPr lang="en-US" sz="1800" b="1" dirty="0">
-                <a:solidFill>
-                  <a:schemeClr val="accent6">
-                    <a:lumMod val="75000"/>
-                  </a:schemeClr>
-                </a:solidFill>
-              </a:rPr>
-              <a:t>        return new </a:t>
-            </a:r>
-            <a:r>
-              <a:rPr lang="en-US" sz="1800" b="1" dirty="0" err="1">
-                <a:solidFill>
-                  <a:schemeClr val="accent6">
-                    <a:lumMod val="75000"/>
-                  </a:schemeClr>
-                </a:solidFill>
-              </a:rPr>
-              <a:t>StudentService</a:t>
-            </a:r>
-            <a:r>
-              <a:rPr lang="en-US" sz="1800" b="1" dirty="0">
-                <a:solidFill>
-                  <a:schemeClr val="accent6">
-                    <a:lumMod val="75000"/>
-                  </a:schemeClr>
-                </a:solidFill>
-              </a:rPr>
-              <a:t>();</a:t>
-            </a:r>
-          </a:p>
-          <a:p>
-            <a:pPr marL="68580" indent="0">
-              <a:buNone/>
-            </a:pPr>
-            <a:r>
-              <a:rPr lang="en-US" sz="1800" b="1" dirty="0">
-                <a:solidFill>
-                  <a:schemeClr val="accent6">
-                    <a:lumMod val="75000"/>
-                  </a:schemeClr>
-                </a:solidFill>
-              </a:rPr>
-              <a:t>    }</a:t>
-            </a:r>
-            <a:endParaRPr lang="en-US" sz="2000" b="1" dirty="0">
-              <a:solidFill>
-                <a:schemeClr val="accent6">
-                  <a:lumMod val="75000"/>
-                </a:schemeClr>
-              </a:solidFill>
-            </a:endParaRPr>
+            <a:endParaRPr lang="en-US" sz="1900" b="1" dirty="0"/>
           </a:p>
         </p:txBody>
       </p:sp>
     </p:spTree>
     <p:extLst>
       <p:ext uri="{BB962C8B-B14F-4D97-AF65-F5344CB8AC3E}">
-        <p14:creationId xmlns:p14="http://schemas.microsoft.com/office/powerpoint/2010/main" val="1418276867"/>
+        <p14:creationId xmlns:p14="http://schemas.microsoft.com/office/powerpoint/2010/main" val="3345582067"/>
       </p:ext>
     </p:extLst>
   </p:cSld>
@@ -14417,17 +14369,19 @@
         </p:nvSpPr>
         <p:spPr>
           <a:xfrm>
-            <a:off x="1089025" y="274637"/>
-            <a:ext cx="6488758" cy="652843"/>
+            <a:off x="1043490" y="829134"/>
+            <a:ext cx="6777319" cy="529235"/>
           </a:xfrm>
         </p:spPr>
         <p:txBody>
-          <a:bodyPr/>
+          <a:bodyPr>
+            <a:normAutofit/>
+          </a:bodyPr>
           <a:lstStyle/>
           <a:p>
             <a:r>
               <a:rPr lang="en-US" sz="2800" dirty="0" smtClean="0"/>
-              <a:t>AOP Terminology</a:t>
+              <a:t>Enabling profile</a:t>
             </a:r>
             <a:endParaRPr lang="en-US" sz="2800" dirty="0"/>
           </a:p>
@@ -14445,50 +14399,167 @@
         </p:nvSpPr>
         <p:spPr>
           <a:xfrm>
-            <a:off x="1089024" y="1112976"/>
-            <a:ext cx="7272339" cy="5013187"/>
+            <a:off x="1043492" y="1358370"/>
+            <a:ext cx="6777317" cy="4474260"/>
           </a:xfrm>
         </p:spPr>
         <p:txBody>
-          <a:bodyPr/>
+          <a:bodyPr>
+            <a:normAutofit lnSpcReduction="10000"/>
+          </a:bodyPr>
           <a:lstStyle/>
           <a:p>
             <a:r>
-              <a:rPr lang="en-US" b="1" dirty="0" smtClean="0"/>
-              <a:t>Cross-cutting Concerns</a:t>
-            </a:r>
-            <a:r>
-              <a:rPr lang="en-US" dirty="0" smtClean="0"/>
-              <a:t> impact the application in many points. Ex: Logging, Security, Caching and Transaction Management are called cross-cutting concerns.</a:t>
-            </a:r>
-          </a:p>
-          <a:p>
-            <a:r>
-              <a:rPr lang="en-US" dirty="0" smtClean="0"/>
-              <a:t>Using AOP we can define common functionality in one place and we can declaratively define how and where this functionality can be applied.</a:t>
-            </a:r>
-          </a:p>
-          <a:p>
-            <a:r>
-              <a:rPr lang="en-US" dirty="0" smtClean="0"/>
-              <a:t>Cross cutting concerns are modularized into special classes are called </a:t>
-            </a:r>
-            <a:r>
-              <a:rPr lang="en-US" b="1" dirty="0" smtClean="0"/>
-              <a:t>aspects</a:t>
-            </a:r>
-            <a:r>
-              <a:rPr lang="en-US" dirty="0" smtClean="0"/>
+              <a:rPr lang="en-US" sz="1800" dirty="0" smtClean="0"/>
+              <a:t>Spring Profiles were introduced in spring 3.1.</a:t>
+            </a:r>
+            <a:r>
+              <a:rPr lang="en-US" sz="2000" dirty="0" smtClean="0"/>
+              <a:t> </a:t>
+            </a:r>
+          </a:p>
+          <a:p>
+            <a:pPr marL="68580" indent="0">
+              <a:buNone/>
+            </a:pPr>
+            <a:r>
+              <a:rPr lang="en-US" sz="1800" dirty="0" smtClean="0"/>
+              <a:t>It allows us to define beans by deployment regions such as “</a:t>
+            </a:r>
+            <a:r>
+              <a:rPr lang="en-US" sz="1800" dirty="0" err="1" smtClean="0"/>
+              <a:t>dev</a:t>
+            </a:r>
+            <a:r>
+              <a:rPr lang="en-US" sz="1800" dirty="0" smtClean="0"/>
+              <a:t>” , “</a:t>
+            </a:r>
+            <a:r>
+              <a:rPr lang="en-US" sz="1800" dirty="0" err="1" smtClean="0"/>
+              <a:t>qa</a:t>
+            </a:r>
+            <a:r>
+              <a:rPr lang="en-US" sz="1800" dirty="0" smtClean="0"/>
+              <a:t>”, “prod” etc.</a:t>
+            </a:r>
+          </a:p>
+          <a:p>
+            <a:pPr marL="68580" indent="0">
+              <a:buNone/>
+            </a:pPr>
+            <a:endParaRPr lang="en-US" sz="1800" dirty="0" smtClean="0"/>
+          </a:p>
+          <a:p>
+            <a:r>
+              <a:rPr lang="en-US" sz="1800" dirty="0"/>
+              <a:t>Spring profiles are enabled using the case insensitive tokens </a:t>
+            </a:r>
+            <a:r>
+              <a:rPr lang="en-US" sz="1800" b="1" dirty="0" err="1"/>
+              <a:t>spring.profiles.active</a:t>
+            </a:r>
+            <a:r>
+              <a:rPr lang="en-US" sz="1800" dirty="0"/>
+              <a:t> or </a:t>
+            </a:r>
+            <a:r>
+              <a:rPr lang="en-US" sz="1800" b="1" dirty="0" err="1"/>
+              <a:t>spring_profiles_active</a:t>
+            </a:r>
+            <a:r>
+              <a:rPr lang="en-US" sz="1800" dirty="0" smtClean="0"/>
               <a:t>.</a:t>
             </a:r>
-            <a:endParaRPr lang="en-US" dirty="0"/>
+          </a:p>
+          <a:p>
+            <a:pPr marL="68580" indent="0">
+              <a:buNone/>
+            </a:pPr>
+            <a:endParaRPr lang="en-US" sz="1800" dirty="0" smtClean="0"/>
+          </a:p>
+          <a:p>
+            <a:r>
+              <a:rPr lang="en-US" sz="1800" dirty="0"/>
+              <a:t>Profile can be activated with below mentioned ways</a:t>
+            </a:r>
+          </a:p>
+          <a:p>
+            <a:pPr marL="708660" lvl="1" indent="-342900">
+              <a:buFont typeface="+mj-lt"/>
+              <a:buAutoNum type="arabicPeriod"/>
+            </a:pPr>
+            <a:r>
+              <a:rPr lang="en-US" sz="1600" dirty="0"/>
+              <a:t>an Environment Variable</a:t>
+            </a:r>
+          </a:p>
+          <a:p>
+            <a:pPr marL="708660" lvl="1" indent="-342900">
+              <a:buFont typeface="+mj-lt"/>
+              <a:buAutoNum type="arabicPeriod"/>
+            </a:pPr>
+            <a:r>
+              <a:rPr lang="en-US" sz="1600" dirty="0"/>
+              <a:t>a JVM Property</a:t>
+            </a:r>
+          </a:p>
+          <a:p>
+            <a:pPr marL="708660" lvl="1" indent="-342900">
+              <a:buFont typeface="+mj-lt"/>
+              <a:buAutoNum type="arabicPeriod"/>
+            </a:pPr>
+            <a:r>
+              <a:rPr lang="en-US" sz="1600" dirty="0"/>
+              <a:t>Web Parameter</a:t>
+            </a:r>
+          </a:p>
+          <a:p>
+            <a:pPr marL="708660" lvl="1" indent="-342900">
+              <a:buFont typeface="+mj-lt"/>
+              <a:buAutoNum type="arabicPeriod"/>
+            </a:pPr>
+            <a:r>
+              <a:rPr lang="en-US" sz="1600" dirty="0" smtClean="0"/>
+              <a:t>Programmatic</a:t>
+            </a:r>
+          </a:p>
+          <a:p>
+            <a:pPr marL="708660" lvl="1" indent="-342900">
+              <a:buFont typeface="+mj-lt"/>
+              <a:buAutoNum type="arabicPeriod"/>
+            </a:pPr>
+            <a:endParaRPr lang="en-US" sz="1600" dirty="0" smtClean="0"/>
+          </a:p>
+          <a:p>
+            <a:pPr marL="365760" lvl="1" indent="0">
+              <a:buNone/>
+            </a:pPr>
+            <a:r>
+              <a:rPr lang="en-US" sz="1600" b="1" dirty="0" smtClean="0"/>
+              <a:t>@Profile </a:t>
+            </a:r>
+            <a:r>
+              <a:rPr lang="en-US" sz="1600" dirty="0" smtClean="0"/>
+              <a:t>Annotation used to create bean for specific environment</a:t>
+            </a:r>
+            <a:endParaRPr lang="en-US" sz="1600" dirty="0"/>
+          </a:p>
+          <a:p>
+            <a:pPr marL="708660" lvl="1" indent="-342900">
+              <a:buFont typeface="+mj-lt"/>
+              <a:buAutoNum type="arabicPeriod"/>
+            </a:pPr>
+            <a:endParaRPr lang="en-US" sz="1600" dirty="0"/>
+          </a:p>
+          <a:p>
+            <a:endParaRPr lang="en-US" sz="1800" dirty="0" smtClean="0"/>
           </a:p>
         </p:txBody>
       </p:sp>
     </p:spTree>
     <p:extLst>
       <p:ext uri="{BB962C8B-B14F-4D97-AF65-F5344CB8AC3E}">
-        <p14:creationId xmlns:p14="http://schemas.microsoft.com/office/powerpoint/2010/main" val="3680182491"/>
+        <p14:creationId xmlns:p14="http://schemas.microsoft.com/office/powerpoint/2010/main" val="1854490724"/>
       </p:ext>
     </p:extLst>
   </p:cSld>
@@ -14534,19 +14605,21 @@
         </p:nvSpPr>
         <p:spPr>
           <a:xfrm>
-            <a:off x="1089024" y="274638"/>
-            <a:ext cx="6717091" cy="610036"/>
+            <a:off x="1043490" y="688005"/>
+            <a:ext cx="6777319" cy="617441"/>
           </a:xfrm>
         </p:spPr>
         <p:txBody>
-          <a:bodyPr/>
+          <a:bodyPr>
+            <a:normAutofit/>
+          </a:bodyPr>
           <a:lstStyle/>
           <a:p>
             <a:r>
-              <a:rPr lang="en-US" sz="2400" dirty="0" smtClean="0"/>
-              <a:t>AOP Terminology</a:t>
-            </a:r>
-            <a:endParaRPr lang="en-US" sz="2400" dirty="0"/>
+              <a:rPr lang="en-US" sz="3200" dirty="0" smtClean="0"/>
+              <a:t>Conditional Beans</a:t>
+            </a:r>
+            <a:endParaRPr lang="en-US" sz="3200" dirty="0"/>
           </a:p>
         </p:txBody>
       </p:sp>
@@ -14562,112 +14635,265 @@
         </p:nvSpPr>
         <p:spPr>
           <a:xfrm>
-            <a:off x="1089024" y="1068510"/>
-            <a:ext cx="7272339" cy="5057654"/>
+            <a:off x="1043492" y="1428934"/>
+            <a:ext cx="6777317" cy="4403695"/>
           </a:xfrm>
         </p:spPr>
         <p:txBody>
           <a:bodyPr>
-            <a:normAutofit fontScale="92500"/>
+            <a:normAutofit lnSpcReduction="10000"/>
           </a:bodyPr>
           <a:lstStyle/>
           <a:p>
-            <a:r>
-              <a:rPr lang="en-US" b="1" dirty="0" smtClean="0"/>
-              <a:t>Aspect</a:t>
-            </a:r>
-            <a:r>
-              <a:rPr lang="en-US" dirty="0" smtClean="0"/>
-              <a:t>: modularization of cross-cutting </a:t>
-            </a:r>
-            <a:r>
-              <a:rPr lang="en-US" dirty="0" smtClean="0"/>
-              <a:t>concern </a:t>
-            </a:r>
-          </a:p>
-          <a:p>
-            <a:pPr marL="365760" lvl="1" indent="0">
+            <a:pPr marL="68580" indent="0">
               <a:buNone/>
             </a:pPr>
             <a:r>
               <a:rPr lang="en-US" sz="2000" dirty="0" smtClean="0"/>
-              <a:t>ex: </a:t>
-            </a:r>
-            <a:r>
-              <a:rPr lang="en-US" sz="1700" dirty="0" smtClean="0"/>
-              <a:t>security Aspect will check whether calling person  has privileges to access </a:t>
-            </a:r>
-            <a:r>
-              <a:rPr lang="en-US" sz="1700" b="1" dirty="0" err="1" smtClean="0"/>
-              <a:t>checkBalance</a:t>
-            </a:r>
-            <a:r>
-              <a:rPr lang="en-US" sz="1700" b="1" dirty="0" smtClean="0"/>
-              <a:t>() </a:t>
-            </a:r>
-            <a:r>
-              <a:rPr lang="en-US" sz="1700" dirty="0" smtClean="0"/>
-              <a:t>method</a:t>
-            </a:r>
+              <a:t>Conditional Beans were introduced in spring 4.0 </a:t>
+            </a:r>
+          </a:p>
+          <a:p>
+            <a:pPr marL="68580" indent="0">
+              <a:buNone/>
+            </a:pPr>
+            <a:r>
+              <a:rPr lang="en-US" sz="2000" dirty="0" smtClean="0"/>
+              <a:t>It works together with </a:t>
+            </a:r>
+            <a:r>
+              <a:rPr lang="en-US" sz="2000" b="1" dirty="0" smtClean="0"/>
+              <a:t>@Conditional</a:t>
+            </a:r>
+            <a:r>
+              <a:rPr lang="en-US" sz="2000" dirty="0" smtClean="0"/>
+              <a:t> annotation and </a:t>
+            </a:r>
+            <a:r>
+              <a:rPr lang="en-US" sz="2000" b="1" dirty="0" smtClean="0"/>
+              <a:t>Condition</a:t>
+            </a:r>
+            <a:r>
+              <a:rPr lang="en-US" sz="2000" dirty="0" smtClean="0"/>
+              <a:t> interface </a:t>
+            </a:r>
+          </a:p>
+          <a:p>
+            <a:pPr marL="68580" indent="0">
+              <a:buNone/>
+            </a:pPr>
+            <a:r>
+              <a:rPr lang="en-US" sz="2000" dirty="0" smtClean="0"/>
+              <a:t>It allows developer to define strategy to create bean. These are not limited to environment </a:t>
+            </a:r>
+          </a:p>
+          <a:p>
+            <a:pPr marL="68580" indent="0">
+              <a:buNone/>
+            </a:pPr>
+            <a:r>
+              <a:rPr lang="en-US" sz="2000" dirty="0" smtClean="0"/>
+              <a:t>Spring boot framework extensively uses this feature to create bean based on properties file information</a:t>
+            </a:r>
+          </a:p>
+          <a:p>
+            <a:pPr marL="68580" indent="0">
+              <a:buNone/>
+            </a:pPr>
             <a:endParaRPr lang="en-US" sz="2000" dirty="0" smtClean="0"/>
           </a:p>
           <a:p>
-            <a:r>
-              <a:rPr lang="en-US" b="1" dirty="0" smtClean="0"/>
-              <a:t>Advice</a:t>
-            </a:r>
-            <a:r>
-              <a:rPr lang="en-US" dirty="0" smtClean="0"/>
-              <a:t>: Job of an Aspect called advice. </a:t>
-            </a:r>
-          </a:p>
-          <a:p>
-            <a:r>
-              <a:rPr lang="en-US" b="1" dirty="0" smtClean="0"/>
-              <a:t>Join points</a:t>
-            </a:r>
-            <a:r>
-              <a:rPr lang="en-US" dirty="0" smtClean="0"/>
-              <a:t>: In an application there are many places where we can apply aspect. These points are called join points.</a:t>
-            </a:r>
-          </a:p>
-          <a:p>
-            <a:r>
-              <a:rPr lang="en-US" b="1" dirty="0" smtClean="0"/>
-              <a:t>Point cuts</a:t>
-            </a:r>
-            <a:r>
-              <a:rPr lang="en-US" dirty="0" smtClean="0"/>
-              <a:t>: point cuts are the join points where we can woven advice.</a:t>
-            </a:r>
-          </a:p>
-          <a:p>
-            <a:r>
-              <a:rPr lang="en-US" b="1" dirty="0" smtClean="0"/>
-              <a:t>Introductions</a:t>
-            </a:r>
-            <a:r>
-              <a:rPr lang="en-US" dirty="0" smtClean="0"/>
-              <a:t>:  inject new methods and attributes into existing classes are called introductions.</a:t>
-            </a:r>
-          </a:p>
-          <a:p>
-            <a:r>
-              <a:rPr lang="en-US" b="1" dirty="0" smtClean="0"/>
-              <a:t>Weaving</a:t>
-            </a:r>
-            <a:r>
-              <a:rPr lang="en-US" dirty="0" smtClean="0"/>
-              <a:t>: process of applying aspects to target classes to create new proxies.</a:t>
-            </a:r>
-            <a:endParaRPr lang="en-US" dirty="0"/>
+            <a:pPr marL="68580" indent="0">
+              <a:buNone/>
+            </a:pPr>
+            <a:r>
+              <a:rPr lang="en-US" sz="2000" dirty="0" smtClean="0"/>
+              <a:t>  </a:t>
+            </a:r>
+            <a:r>
+              <a:rPr lang="en-US" sz="2000" b="1" dirty="0" smtClean="0">
+                <a:solidFill>
+                  <a:schemeClr val="accent6">
+                    <a:lumMod val="75000"/>
+                  </a:schemeClr>
+                </a:solidFill>
+              </a:rPr>
+              <a:t>  </a:t>
+            </a:r>
+            <a:r>
+              <a:rPr lang="en-US" sz="1800" b="1" dirty="0" smtClean="0">
+                <a:solidFill>
+                  <a:schemeClr val="accent6">
+                    <a:lumMod val="75000"/>
+                  </a:schemeClr>
+                </a:solidFill>
+              </a:rPr>
+              <a:t>@</a:t>
+            </a:r>
+            <a:r>
+              <a:rPr lang="en-US" sz="1800" b="1" dirty="0">
+                <a:solidFill>
+                  <a:schemeClr val="accent6">
+                    <a:lumMod val="75000"/>
+                  </a:schemeClr>
+                </a:solidFill>
+              </a:rPr>
+              <a:t>Bean</a:t>
+            </a:r>
+          </a:p>
+          <a:p>
+            <a:pPr marL="68580" indent="0">
+              <a:buNone/>
+            </a:pPr>
+            <a:r>
+              <a:rPr lang="en-US" sz="1800" b="1" dirty="0">
+                <a:solidFill>
+                  <a:schemeClr val="accent6">
+                    <a:lumMod val="75000"/>
+                  </a:schemeClr>
+                </a:solidFill>
+              </a:rPr>
+              <a:t>    @Conditional(</a:t>
+            </a:r>
+            <a:r>
+              <a:rPr lang="en-US" sz="1800" b="1" dirty="0" err="1">
+                <a:solidFill>
+                  <a:schemeClr val="accent6">
+                    <a:lumMod val="75000"/>
+                  </a:schemeClr>
+                </a:solidFill>
+              </a:rPr>
+              <a:t>StudentCondition.class</a:t>
+            </a:r>
+            <a:r>
+              <a:rPr lang="en-US" sz="1800" b="1" dirty="0">
+                <a:solidFill>
+                  <a:schemeClr val="accent6">
+                    <a:lumMod val="75000"/>
+                  </a:schemeClr>
+                </a:solidFill>
+              </a:rPr>
+              <a:t>)</a:t>
+            </a:r>
+          </a:p>
+          <a:p>
+            <a:pPr marL="68580" indent="0">
+              <a:buNone/>
+            </a:pPr>
+            <a:r>
+              <a:rPr lang="en-US" sz="1800" b="1" dirty="0">
+                <a:solidFill>
+                  <a:schemeClr val="accent6">
+                    <a:lumMod val="75000"/>
+                  </a:schemeClr>
+                </a:solidFill>
+              </a:rPr>
+              <a:t>    </a:t>
+            </a:r>
+            <a:r>
+              <a:rPr lang="en-US" sz="1800" b="1" dirty="0" err="1">
+                <a:solidFill>
+                  <a:schemeClr val="accent6">
+                    <a:lumMod val="75000"/>
+                  </a:schemeClr>
+                </a:solidFill>
+              </a:rPr>
+              <a:t>StudentService</a:t>
+            </a:r>
+            <a:r>
+              <a:rPr lang="en-US" sz="1800" b="1" dirty="0">
+                <a:solidFill>
+                  <a:schemeClr val="accent6">
+                    <a:lumMod val="75000"/>
+                  </a:schemeClr>
+                </a:solidFill>
+              </a:rPr>
+              <a:t> </a:t>
+            </a:r>
+            <a:r>
+              <a:rPr lang="en-US" sz="1800" b="1" dirty="0" err="1">
+                <a:solidFill>
+                  <a:schemeClr val="accent6">
+                    <a:lumMod val="75000"/>
+                  </a:schemeClr>
+                </a:solidFill>
+              </a:rPr>
+              <a:t>studentService</a:t>
+            </a:r>
+            <a:r>
+              <a:rPr lang="en-US" sz="1800" b="1" dirty="0">
+                <a:solidFill>
+                  <a:schemeClr val="accent6">
+                    <a:lumMod val="75000"/>
+                  </a:schemeClr>
+                </a:solidFill>
+              </a:rPr>
+              <a:t>() {</a:t>
+            </a:r>
+          </a:p>
+          <a:p>
+            <a:pPr marL="68580" indent="0">
+              <a:buNone/>
+            </a:pPr>
+            <a:r>
+              <a:rPr lang="en-US" sz="1800" b="1" dirty="0">
+                <a:solidFill>
+                  <a:schemeClr val="accent6">
+                    <a:lumMod val="75000"/>
+                  </a:schemeClr>
+                </a:solidFill>
+              </a:rPr>
+              <a:t>        return new </a:t>
+            </a:r>
+            <a:r>
+              <a:rPr lang="en-US" sz="1800" b="1" dirty="0" err="1">
+                <a:solidFill>
+                  <a:schemeClr val="accent6">
+                    <a:lumMod val="75000"/>
+                  </a:schemeClr>
+                </a:solidFill>
+              </a:rPr>
+              <a:t>StudentService</a:t>
+            </a:r>
+            <a:r>
+              <a:rPr lang="en-US" sz="1800" b="1" dirty="0">
+                <a:solidFill>
+                  <a:schemeClr val="accent6">
+                    <a:lumMod val="75000"/>
+                  </a:schemeClr>
+                </a:solidFill>
+              </a:rPr>
+              <a:t>();</a:t>
+            </a:r>
+          </a:p>
+          <a:p>
+            <a:pPr marL="68580" indent="0">
+              <a:buNone/>
+            </a:pPr>
+            <a:r>
+              <a:rPr lang="en-US" sz="1800" b="1" dirty="0">
+                <a:solidFill>
+                  <a:schemeClr val="accent6">
+                    <a:lumMod val="75000"/>
+                  </a:schemeClr>
+                </a:solidFill>
+              </a:rPr>
+              <a:t>    }</a:t>
+            </a:r>
+            <a:endParaRPr lang="en-US" sz="2000" b="1" dirty="0">
+              <a:solidFill>
+                <a:schemeClr val="accent6">
+                  <a:lumMod val="75000"/>
+                </a:schemeClr>
+              </a:solidFill>
+            </a:endParaRPr>
           </a:p>
         </p:txBody>
       </p:sp>
     </p:spTree>
     <p:extLst>
       <p:ext uri="{BB962C8B-B14F-4D97-AF65-F5344CB8AC3E}">
-        <p14:creationId xmlns:p14="http://schemas.microsoft.com/office/powerpoint/2010/main" val="2604999373"/>
+        <p14:creationId xmlns:p14="http://schemas.microsoft.com/office/powerpoint/2010/main" val="1418276867"/>
       </p:ext>
     </p:extLst>
   </p:cSld>
@@ -14713,6 +14939,620 @@
         </p:nvSpPr>
         <p:spPr>
           <a:xfrm>
+            <a:off x="1089025" y="637599"/>
+            <a:ext cx="6488758" cy="652843"/>
+          </a:xfrm>
+        </p:spPr>
+        <p:txBody>
+          <a:bodyPr/>
+          <a:lstStyle/>
+          <a:p>
+            <a:r>
+              <a:rPr lang="en-US" sz="2800" dirty="0" smtClean="0"/>
+              <a:t>Aspect Oriented Programming</a:t>
+            </a:r>
+            <a:endParaRPr lang="en-US" sz="2800" dirty="0"/>
+          </a:p>
+        </p:txBody>
+      </p:sp>
+      <p:sp>
+        <p:nvSpPr>
+          <p:cNvPr id="3" name="Content Placeholder 2"/>
+          <p:cNvSpPr>
+            <a:spLocks noGrp="1"/>
+          </p:cNvSpPr>
+          <p:nvPr>
+            <p:ph idx="1"/>
+          </p:nvPr>
+        </p:nvSpPr>
+        <p:spPr>
+          <a:xfrm>
+            <a:off x="1089024" y="1464216"/>
+            <a:ext cx="7272339" cy="4644306"/>
+          </a:xfrm>
+        </p:spPr>
+        <p:txBody>
+          <a:bodyPr/>
+          <a:lstStyle/>
+          <a:p>
+            <a:r>
+              <a:rPr lang="en-US" b="1" dirty="0" smtClean="0"/>
+              <a:t>Cross-cutting Concerns</a:t>
+            </a:r>
+            <a:r>
+              <a:rPr lang="en-US" dirty="0" smtClean="0"/>
+              <a:t> impact the application in many points. Ex: Logging, Security, Caching and Transaction Management are called cross-cutting concerns.</a:t>
+            </a:r>
+          </a:p>
+          <a:p>
+            <a:r>
+              <a:rPr lang="en-US" dirty="0" smtClean="0"/>
+              <a:t>Using AOP we can define common functionality in one place and we can declaratively define how and where this functionality can be applied.</a:t>
+            </a:r>
+          </a:p>
+          <a:p>
+            <a:r>
+              <a:rPr lang="en-US" dirty="0" smtClean="0"/>
+              <a:t>Cross cutting concerns are modularized into special classes are called </a:t>
+            </a:r>
+            <a:r>
+              <a:rPr lang="en-US" b="1" dirty="0" smtClean="0"/>
+              <a:t>aspects</a:t>
+            </a:r>
+            <a:r>
+              <a:rPr lang="en-US" dirty="0" smtClean="0"/>
+              <a:t>.</a:t>
+            </a:r>
+            <a:endParaRPr lang="en-US" dirty="0"/>
+          </a:p>
+        </p:txBody>
+      </p:sp>
+    </p:spTree>
+    <p:extLst>
+      <p:ext uri="{BB962C8B-B14F-4D97-AF65-F5344CB8AC3E}">
+        <p14:creationId xmlns:p14="http://schemas.microsoft.com/office/powerpoint/2010/main" val="3680182491"/>
+      </p:ext>
+    </p:extLst>
+  </p:cSld>
+  <p:clrMapOvr>
+    <a:masterClrMapping/>
+  </p:clrMapOvr>
+  <p:timing>
+    <p:tnLst>
+      <p:par>
+        <p:cTn xmlns:p14="http://schemas.microsoft.com/office/powerpoint/2010/main" id="1" dur="indefinite" restart="never" nodeType="tmRoot"/>
+      </p:par>
+    </p:tnLst>
+  </p:timing>
+</p:sld>
+</file>
+
+<file path=ppt/slides/slide15.xml><?xml version="1.0" encoding="utf-8"?>
+<p:sld xmlns:a="http://schemas.openxmlformats.org/drawingml/2006/main" xmlns:r="http://schemas.openxmlformats.org/officeDocument/2006/relationships" xmlns:p="http://schemas.openxmlformats.org/presentationml/2006/main">
+  <p:cSld>
+    <p:spTree>
+      <p:nvGrpSpPr>
+        <p:cNvPr id="1" name=""/>
+        <p:cNvGrpSpPr/>
+        <p:nvPr/>
+      </p:nvGrpSpPr>
+      <p:grpSpPr>
+        <a:xfrm>
+          <a:off x="0" y="0"/>
+          <a:ext cx="0" cy="0"/>
+          <a:chOff x="0" y="0"/>
+          <a:chExt cx="0" cy="0"/>
+        </a:xfrm>
+      </p:grpSpPr>
+      <p:sp>
+        <p:nvSpPr>
+          <p:cNvPr id="2" name="Title 1"/>
+          <p:cNvSpPr>
+            <a:spLocks noGrp="1"/>
+          </p:cNvSpPr>
+          <p:nvPr>
+            <p:ph type="title"/>
+          </p:nvPr>
+        </p:nvSpPr>
+        <p:spPr>
+          <a:xfrm>
+            <a:off x="1089024" y="274638"/>
+            <a:ext cx="6717091" cy="610036"/>
+          </a:xfrm>
+        </p:spPr>
+        <p:txBody>
+          <a:bodyPr/>
+          <a:lstStyle/>
+          <a:p>
+            <a:r>
+              <a:rPr lang="en-US" sz="2400" dirty="0" smtClean="0"/>
+              <a:t>AOP Terminology</a:t>
+            </a:r>
+            <a:endParaRPr lang="en-US" sz="2400" dirty="0"/>
+          </a:p>
+        </p:txBody>
+      </p:sp>
+      <p:sp>
+        <p:nvSpPr>
+          <p:cNvPr id="3" name="Content Placeholder 2"/>
+          <p:cNvSpPr>
+            <a:spLocks noGrp="1"/>
+          </p:cNvSpPr>
+          <p:nvPr>
+            <p:ph idx="1"/>
+          </p:nvPr>
+        </p:nvSpPr>
+        <p:spPr>
+          <a:xfrm>
+            <a:off x="1089024" y="1068510"/>
+            <a:ext cx="7272339" cy="5057654"/>
+          </a:xfrm>
+        </p:spPr>
+        <p:txBody>
+          <a:bodyPr>
+            <a:normAutofit fontScale="92500"/>
+          </a:bodyPr>
+          <a:lstStyle/>
+          <a:p>
+            <a:r>
+              <a:rPr lang="en-US" b="1" dirty="0" smtClean="0"/>
+              <a:t>Aspect</a:t>
+            </a:r>
+            <a:r>
+              <a:rPr lang="en-US" dirty="0" smtClean="0"/>
+              <a:t>: modularization of cross-cutting concern </a:t>
+            </a:r>
+          </a:p>
+          <a:p>
+            <a:pPr marL="365760" lvl="1" indent="0">
+              <a:buNone/>
+            </a:pPr>
+            <a:r>
+              <a:rPr lang="en-US" sz="2000" dirty="0" smtClean="0"/>
+              <a:t>ex: </a:t>
+            </a:r>
+            <a:r>
+              <a:rPr lang="en-US" sz="1700" dirty="0" smtClean="0"/>
+              <a:t>security Aspect will check whether calling person  has privileges to access </a:t>
+            </a:r>
+            <a:r>
+              <a:rPr lang="en-US" sz="1700" b="1" dirty="0" err="1" smtClean="0"/>
+              <a:t>checkBalance</a:t>
+            </a:r>
+            <a:r>
+              <a:rPr lang="en-US" sz="1700" b="1" dirty="0" smtClean="0"/>
+              <a:t>() </a:t>
+            </a:r>
+            <a:r>
+              <a:rPr lang="en-US" sz="1700" dirty="0" smtClean="0"/>
+              <a:t>method</a:t>
+            </a:r>
+            <a:endParaRPr lang="en-US" sz="2000" dirty="0" smtClean="0"/>
+          </a:p>
+          <a:p>
+            <a:r>
+              <a:rPr lang="en-US" b="1" dirty="0" smtClean="0"/>
+              <a:t>Advice</a:t>
+            </a:r>
+            <a:r>
+              <a:rPr lang="en-US" dirty="0" smtClean="0"/>
+              <a:t>: Job of an Aspect called advice. </a:t>
+            </a:r>
+          </a:p>
+          <a:p>
+            <a:r>
+              <a:rPr lang="en-US" b="1" dirty="0" err="1" smtClean="0"/>
+              <a:t>Joinpoints</a:t>
+            </a:r>
+            <a:r>
+              <a:rPr lang="en-US" dirty="0" smtClean="0"/>
+              <a:t>: In an application there are many places where we can apply aspect. These points are called join points.</a:t>
+            </a:r>
+          </a:p>
+          <a:p>
+            <a:r>
+              <a:rPr lang="en-US" b="1" dirty="0" err="1" smtClean="0"/>
+              <a:t>Pointcuts</a:t>
+            </a:r>
+            <a:r>
+              <a:rPr lang="en-US" dirty="0" smtClean="0"/>
+              <a:t>: point cuts are the join points where we can woven advice.</a:t>
+            </a:r>
+          </a:p>
+          <a:p>
+            <a:r>
+              <a:rPr lang="en-US" b="1" dirty="0" smtClean="0"/>
+              <a:t>Introductions</a:t>
+            </a:r>
+            <a:r>
+              <a:rPr lang="en-US" dirty="0" smtClean="0"/>
+              <a:t>:  inject new methods and attributes into existing classes are called introductions.</a:t>
+            </a:r>
+          </a:p>
+          <a:p>
+            <a:r>
+              <a:rPr lang="en-US" b="1" dirty="0" smtClean="0"/>
+              <a:t>Weaving</a:t>
+            </a:r>
+            <a:r>
+              <a:rPr lang="en-US" dirty="0" smtClean="0"/>
+              <a:t>: process of applying aspects to target classes to create new proxies.</a:t>
+            </a:r>
+            <a:endParaRPr lang="en-US" dirty="0"/>
+          </a:p>
+        </p:txBody>
+      </p:sp>
+    </p:spTree>
+    <p:extLst>
+      <p:ext uri="{BB962C8B-B14F-4D97-AF65-F5344CB8AC3E}">
+        <p14:creationId xmlns:p14="http://schemas.microsoft.com/office/powerpoint/2010/main" val="2604999373"/>
+      </p:ext>
+    </p:extLst>
+  </p:cSld>
+  <p:clrMapOvr>
+    <a:masterClrMapping/>
+  </p:clrMapOvr>
+  <p:timing>
+    <p:tnLst>
+      <p:par>
+        <p:cTn xmlns:p14="http://schemas.microsoft.com/office/powerpoint/2010/main" id="1" dur="indefinite" restart="never" nodeType="tmRoot"/>
+      </p:par>
+    </p:tnLst>
+  </p:timing>
+</p:sld>
+</file>
+
+<file path=ppt/slides/slide16.xml><?xml version="1.0" encoding="utf-8"?>
+<p:sld xmlns:a="http://schemas.openxmlformats.org/drawingml/2006/main" xmlns:r="http://schemas.openxmlformats.org/officeDocument/2006/relationships" xmlns:p="http://schemas.openxmlformats.org/presentationml/2006/main">
+  <p:cSld>
+    <p:spTree>
+      <p:nvGrpSpPr>
+        <p:cNvPr id="1" name=""/>
+        <p:cNvGrpSpPr/>
+        <p:nvPr/>
+      </p:nvGrpSpPr>
+      <p:grpSpPr>
+        <a:xfrm>
+          <a:off x="0" y="0"/>
+          <a:ext cx="0" cy="0"/>
+          <a:chOff x="0" y="0"/>
+          <a:chExt cx="0" cy="0"/>
+        </a:xfrm>
+      </p:grpSpPr>
+      <p:sp>
+        <p:nvSpPr>
+          <p:cNvPr id="2" name="Title 1"/>
+          <p:cNvSpPr>
+            <a:spLocks noGrp="1"/>
+          </p:cNvSpPr>
+          <p:nvPr>
+            <p:ph type="title"/>
+          </p:nvPr>
+        </p:nvSpPr>
+        <p:spPr>
+          <a:xfrm>
+            <a:off x="1043490" y="740929"/>
+            <a:ext cx="6559238" cy="688005"/>
+          </a:xfrm>
+        </p:spPr>
+        <p:txBody>
+          <a:bodyPr>
+            <a:normAutofit fontScale="90000"/>
+          </a:bodyPr>
+          <a:lstStyle/>
+          <a:p>
+            <a:r>
+              <a:rPr lang="en-US" dirty="0" smtClean="0"/>
+              <a:t>Types of Weaving</a:t>
+            </a:r>
+            <a:endParaRPr lang="en-US" dirty="0"/>
+          </a:p>
+        </p:txBody>
+      </p:sp>
+      <p:sp>
+        <p:nvSpPr>
+          <p:cNvPr id="3" name="Content Placeholder 2"/>
+          <p:cNvSpPr>
+            <a:spLocks noGrp="1"/>
+          </p:cNvSpPr>
+          <p:nvPr>
+            <p:ph idx="1"/>
+          </p:nvPr>
+        </p:nvSpPr>
+        <p:spPr>
+          <a:xfrm>
+            <a:off x="1043492" y="1428934"/>
+            <a:ext cx="6777317" cy="4403695"/>
+          </a:xfrm>
+        </p:spPr>
+        <p:txBody>
+          <a:bodyPr>
+            <a:normAutofit fontScale="92500" lnSpcReduction="10000"/>
+          </a:bodyPr>
+          <a:lstStyle/>
+          <a:p>
+            <a:r>
+              <a:rPr lang="en-US" b="1" dirty="0" smtClean="0"/>
+              <a:t>Compile time Weaving</a:t>
+            </a:r>
+            <a:r>
+              <a:rPr lang="en-US" dirty="0" smtClean="0"/>
+              <a:t>: Aspects are woven when the target class is compiled. It requires special kind of compiler.</a:t>
+            </a:r>
+            <a:r>
+              <a:rPr lang="en-US" b="1" dirty="0" smtClean="0">
+                <a:solidFill>
+                  <a:srgbClr val="FF0000"/>
+                </a:solidFill>
+              </a:rPr>
+              <a:t> (works only on </a:t>
+            </a:r>
+            <a:r>
+              <a:rPr lang="en-US" b="1" dirty="0" err="1" smtClean="0">
+                <a:solidFill>
+                  <a:srgbClr val="FF0000"/>
+                </a:solidFill>
+              </a:rPr>
+              <a:t>AspectJ</a:t>
+            </a:r>
+            <a:r>
+              <a:rPr lang="en-US" b="1" dirty="0" smtClean="0">
+                <a:solidFill>
+                  <a:srgbClr val="FF0000"/>
+                </a:solidFill>
+              </a:rPr>
+              <a:t> programming model).</a:t>
+            </a:r>
+          </a:p>
+          <a:p>
+            <a:r>
+              <a:rPr lang="en-US" b="1" dirty="0" err="1" smtClean="0"/>
+              <a:t>Classloading</a:t>
+            </a:r>
+            <a:r>
+              <a:rPr lang="en-US" b="1" dirty="0" smtClean="0"/>
+              <a:t> time</a:t>
+            </a:r>
+            <a:r>
+              <a:rPr lang="en-US" dirty="0" smtClean="0"/>
+              <a:t>: Aspects are weaving when the class loaded by the class loader. This kind of weaving requires special kind of </a:t>
+            </a:r>
+            <a:r>
+              <a:rPr lang="en-US" dirty="0" err="1" smtClean="0"/>
+              <a:t>classLoader</a:t>
+            </a:r>
+            <a:r>
+              <a:rPr lang="en-US" dirty="0" smtClean="0"/>
+              <a:t>. </a:t>
+            </a:r>
+            <a:r>
+              <a:rPr lang="en-US" b="1" dirty="0" smtClean="0">
+                <a:solidFill>
+                  <a:srgbClr val="FF0000"/>
+                </a:solidFill>
+              </a:rPr>
+              <a:t>(works only with </a:t>
+            </a:r>
+            <a:r>
+              <a:rPr lang="en-US" b="1" dirty="0" err="1" smtClean="0">
+                <a:solidFill>
+                  <a:srgbClr val="FF0000"/>
+                </a:solidFill>
+              </a:rPr>
+              <a:t>AspectJ</a:t>
+            </a:r>
+            <a:r>
+              <a:rPr lang="en-US" b="1" dirty="0" smtClean="0">
+                <a:solidFill>
+                  <a:srgbClr val="FF0000"/>
+                </a:solidFill>
+              </a:rPr>
+              <a:t> )</a:t>
+            </a:r>
+          </a:p>
+          <a:p>
+            <a:r>
+              <a:rPr lang="en-US" b="1" dirty="0" smtClean="0"/>
+              <a:t>Runtime weaving</a:t>
+            </a:r>
+            <a:r>
+              <a:rPr lang="en-US" dirty="0" smtClean="0"/>
+              <a:t>:  Aspects are woven during the runtime of the program execution. AOP container dynamically generates proxy objects that delegate the requests to target objects. </a:t>
+            </a:r>
+            <a:r>
+              <a:rPr lang="en-US" b="1" dirty="0" smtClean="0">
+                <a:solidFill>
+                  <a:srgbClr val="008000"/>
+                </a:solidFill>
+              </a:rPr>
+              <a:t>(Spring AOP supports only this)</a:t>
+            </a:r>
+            <a:endParaRPr lang="en-US" b="1" dirty="0">
+              <a:solidFill>
+                <a:srgbClr val="008000"/>
+              </a:solidFill>
+            </a:endParaRPr>
+          </a:p>
+        </p:txBody>
+      </p:sp>
+    </p:spTree>
+    <p:extLst>
+      <p:ext uri="{BB962C8B-B14F-4D97-AF65-F5344CB8AC3E}">
+        <p14:creationId xmlns:p14="http://schemas.microsoft.com/office/powerpoint/2010/main" val="111019037"/>
+      </p:ext>
+    </p:extLst>
+  </p:cSld>
+  <p:clrMapOvr>
+    <a:masterClrMapping/>
+  </p:clrMapOvr>
+  <p:timing>
+    <p:tnLst>
+      <p:par>
+        <p:cTn xmlns:p14="http://schemas.microsoft.com/office/powerpoint/2010/main" id="1" dur="indefinite" restart="never" nodeType="tmRoot"/>
+      </p:par>
+    </p:tnLst>
+  </p:timing>
+</p:sld>
+</file>
+
+<file path=ppt/slides/slide17.xml><?xml version="1.0" encoding="utf-8"?>
+<p:sld xmlns:a="http://schemas.openxmlformats.org/drawingml/2006/main" xmlns:r="http://schemas.openxmlformats.org/officeDocument/2006/relationships" xmlns:p="http://schemas.openxmlformats.org/presentationml/2006/main">
+  <p:cSld>
+    <p:spTree>
+      <p:nvGrpSpPr>
+        <p:cNvPr id="1" name=""/>
+        <p:cNvGrpSpPr/>
+        <p:nvPr/>
+      </p:nvGrpSpPr>
+      <p:grpSpPr>
+        <a:xfrm>
+          <a:off x="0" y="0"/>
+          <a:ext cx="0" cy="0"/>
+          <a:chOff x="0" y="0"/>
+          <a:chExt cx="0" cy="0"/>
+        </a:xfrm>
+      </p:grpSpPr>
+      <p:sp>
+        <p:nvSpPr>
+          <p:cNvPr id="2" name="Title 1"/>
+          <p:cNvSpPr>
+            <a:spLocks noGrp="1"/>
+          </p:cNvSpPr>
+          <p:nvPr>
+            <p:ph type="title"/>
+          </p:nvPr>
+        </p:nvSpPr>
+        <p:spPr>
+          <a:xfrm>
+            <a:off x="1043490" y="740929"/>
+            <a:ext cx="6777319" cy="846775"/>
+          </a:xfrm>
+        </p:spPr>
+        <p:txBody>
+          <a:bodyPr>
+            <a:normAutofit/>
+          </a:bodyPr>
+          <a:lstStyle/>
+          <a:p>
+            <a:r>
+              <a:rPr lang="en-US" dirty="0" smtClean="0"/>
+              <a:t>Types of Advice</a:t>
+            </a:r>
+            <a:endParaRPr lang="en-US" dirty="0"/>
+          </a:p>
+        </p:txBody>
+      </p:sp>
+      <p:sp>
+        <p:nvSpPr>
+          <p:cNvPr id="3" name="Content Placeholder 2"/>
+          <p:cNvSpPr>
+            <a:spLocks noGrp="1"/>
+          </p:cNvSpPr>
+          <p:nvPr>
+            <p:ph idx="1"/>
+          </p:nvPr>
+        </p:nvSpPr>
+        <p:spPr>
+          <a:xfrm>
+            <a:off x="1043492" y="2081657"/>
+            <a:ext cx="6777317" cy="3750972"/>
+          </a:xfrm>
+        </p:spPr>
+        <p:txBody>
+          <a:bodyPr/>
+          <a:lstStyle/>
+          <a:p>
+            <a:r>
+              <a:rPr lang="en-US" dirty="0" smtClean="0"/>
+              <a:t>@Before</a:t>
+            </a:r>
+          </a:p>
+          <a:p>
+            <a:r>
+              <a:rPr lang="en-US" dirty="0" smtClean="0"/>
+              <a:t>@After</a:t>
+            </a:r>
+          </a:p>
+          <a:p>
+            <a:r>
+              <a:rPr lang="en-US" dirty="0" smtClean="0"/>
+              <a:t>@</a:t>
+            </a:r>
+            <a:r>
+              <a:rPr lang="en-US" dirty="0" err="1" smtClean="0"/>
+              <a:t>AfterReturning</a:t>
+            </a:r>
+            <a:endParaRPr lang="en-US" dirty="0" smtClean="0"/>
+          </a:p>
+          <a:p>
+            <a:r>
+              <a:rPr lang="en-US" dirty="0" smtClean="0"/>
+              <a:t>@</a:t>
+            </a:r>
+            <a:r>
+              <a:rPr lang="en-US" dirty="0" err="1" smtClean="0"/>
+              <a:t>AfterThrowing</a:t>
+            </a:r>
+            <a:endParaRPr lang="en-US" dirty="0" smtClean="0"/>
+          </a:p>
+          <a:p>
+            <a:r>
+              <a:rPr lang="en-US" dirty="0" smtClean="0"/>
+              <a:t>@Around</a:t>
+            </a:r>
+            <a:endParaRPr lang="en-US" dirty="0"/>
+          </a:p>
+        </p:txBody>
+      </p:sp>
+    </p:spTree>
+    <p:extLst>
+      <p:ext uri="{BB962C8B-B14F-4D97-AF65-F5344CB8AC3E}">
+        <p14:creationId xmlns:p14="http://schemas.microsoft.com/office/powerpoint/2010/main" val="1106209687"/>
+      </p:ext>
+    </p:extLst>
+  </p:cSld>
+  <p:clrMapOvr>
+    <a:masterClrMapping/>
+  </p:clrMapOvr>
+  <p:timing>
+    <p:tnLst>
+      <p:par>
+        <p:cTn xmlns:p14="http://schemas.microsoft.com/office/powerpoint/2010/main" id="1" dur="indefinite" restart="never" nodeType="tmRoot"/>
+      </p:par>
+    </p:tnLst>
+  </p:timing>
+</p:sld>
+</file>
+
+<file path=ppt/slides/slide18.xml><?xml version="1.0" encoding="utf-8"?>
+<p:sld xmlns:a="http://schemas.openxmlformats.org/drawingml/2006/main" xmlns:r="http://schemas.openxmlformats.org/officeDocument/2006/relationships" xmlns:p="http://schemas.openxmlformats.org/presentationml/2006/main">
+  <p:cSld>
+    <p:spTree>
+      <p:nvGrpSpPr>
+        <p:cNvPr id="1" name=""/>
+        <p:cNvGrpSpPr/>
+        <p:nvPr/>
+      </p:nvGrpSpPr>
+      <p:grpSpPr>
+        <a:xfrm>
+          <a:off x="0" y="0"/>
+          <a:ext cx="0" cy="0"/>
+          <a:chOff x="0" y="0"/>
+          <a:chExt cx="0" cy="0"/>
+        </a:xfrm>
+      </p:grpSpPr>
+      <p:sp>
+        <p:nvSpPr>
+          <p:cNvPr id="2" name="Title 1"/>
+          <p:cNvSpPr>
+            <a:spLocks noGrp="1"/>
+          </p:cNvSpPr>
+          <p:nvPr>
+            <p:ph type="title"/>
+          </p:nvPr>
+        </p:nvSpPr>
+        <p:spPr>
+          <a:xfrm>
             <a:off x="1043490" y="868894"/>
             <a:ext cx="7024744" cy="612964"/>
           </a:xfrm>
@@ -14875,11 +15715,7 @@
             </a:r>
             <a:r>
               <a:rPr lang="en-US" sz="1800" b="1" dirty="0" smtClean="0"/>
-              <a:t>{ </a:t>
-            </a:r>
-            <a:r>
-              <a:rPr lang="en-US" sz="1800" b="1" dirty="0" smtClean="0"/>
-              <a:t>}</a:t>
+              <a:t>{ }</a:t>
             </a:r>
           </a:p>
           <a:p>
@@ -14928,7 +15764,7 @@
 </p:sld>
 </file>
 
-<file path=ppt/slides/slide15.xml><?xml version="1.0" encoding="utf-8"?>
+<file path=ppt/slides/slide19.xml><?xml version="1.0" encoding="utf-8"?>
 <p:sld xmlns:a="http://schemas.openxmlformats.org/drawingml/2006/main" xmlns:r="http://schemas.openxmlformats.org/officeDocument/2006/relationships" xmlns:p="http://schemas.openxmlformats.org/presentationml/2006/main">
   <p:cSld>
     <p:spTree>
@@ -15044,7 +15880,161 @@
 </p:sld>
 </file>
 
-<file path=ppt/slides/slide16.xml><?xml version="1.0" encoding="utf-8"?>
+<file path=ppt/slides/slide2.xml><?xml version="1.0" encoding="utf-8"?>
+<p:sld xmlns:a="http://schemas.openxmlformats.org/drawingml/2006/main" xmlns:r="http://schemas.openxmlformats.org/officeDocument/2006/relationships" xmlns:p="http://schemas.openxmlformats.org/presentationml/2006/main">
+  <p:cSld>
+    <p:spTree>
+      <p:nvGrpSpPr>
+        <p:cNvPr id="1" name=""/>
+        <p:cNvGrpSpPr/>
+        <p:nvPr/>
+      </p:nvGrpSpPr>
+      <p:grpSpPr>
+        <a:xfrm>
+          <a:off x="0" y="0"/>
+          <a:ext cx="0" cy="0"/>
+          <a:chOff x="0" y="0"/>
+          <a:chExt cx="0" cy="0"/>
+        </a:xfrm>
+      </p:grpSpPr>
+      <p:sp>
+        <p:nvSpPr>
+          <p:cNvPr id="2" name="Title 1"/>
+          <p:cNvSpPr>
+            <a:spLocks noGrp="1"/>
+          </p:cNvSpPr>
+          <p:nvPr>
+            <p:ph type="title"/>
+          </p:nvPr>
+        </p:nvSpPr>
+        <p:spPr>
+          <a:xfrm>
+            <a:off x="1043490" y="641797"/>
+            <a:ext cx="7024744" cy="771734"/>
+          </a:xfrm>
+        </p:spPr>
+        <p:txBody>
+          <a:bodyPr/>
+          <a:lstStyle/>
+          <a:p>
+            <a:r>
+              <a:rPr lang="en-US" dirty="0" smtClean="0"/>
+              <a:t>Index</a:t>
+            </a:r>
+            <a:endParaRPr lang="en-US" dirty="0"/>
+          </a:p>
+        </p:txBody>
+      </p:sp>
+      <p:sp>
+        <p:nvSpPr>
+          <p:cNvPr id="3" name="Content Placeholder 2"/>
+          <p:cNvSpPr>
+            <a:spLocks noGrp="1"/>
+          </p:cNvSpPr>
+          <p:nvPr>
+            <p:ph idx="1"/>
+          </p:nvPr>
+        </p:nvSpPr>
+        <p:spPr>
+          <a:xfrm>
+            <a:off x="1043492" y="1711192"/>
+            <a:ext cx="6777317" cy="4121437"/>
+          </a:xfrm>
+        </p:spPr>
+        <p:txBody>
+          <a:bodyPr>
+            <a:normAutofit/>
+          </a:bodyPr>
+          <a:lstStyle/>
+          <a:p>
+            <a:r>
+              <a:rPr lang="en-US" dirty="0" smtClean="0"/>
+              <a:t>Introduction</a:t>
+            </a:r>
+          </a:p>
+          <a:p>
+            <a:r>
+              <a:rPr lang="en-US" dirty="0" smtClean="0"/>
+              <a:t>Spring Containers</a:t>
+            </a:r>
+          </a:p>
+          <a:p>
+            <a:r>
+              <a:rPr lang="en-US" dirty="0" smtClean="0"/>
+              <a:t>Spring </a:t>
+            </a:r>
+            <a:r>
+              <a:rPr lang="en-US" dirty="0"/>
+              <a:t>Bean Lifecycle</a:t>
+            </a:r>
+          </a:p>
+          <a:p>
+            <a:r>
+              <a:rPr lang="en-US" dirty="0" smtClean="0"/>
+              <a:t>Spring Annotations</a:t>
+            </a:r>
+            <a:endParaRPr lang="en-US" dirty="0"/>
+          </a:p>
+          <a:p>
+            <a:r>
+              <a:rPr lang="en-US" dirty="0"/>
+              <a:t>Spring Bean Scopes</a:t>
+            </a:r>
+          </a:p>
+          <a:p>
+            <a:r>
+              <a:rPr lang="en-US" dirty="0" smtClean="0"/>
+              <a:t>Profiles &amp; Conditional </a:t>
+            </a:r>
+            <a:r>
+              <a:rPr lang="en-US" dirty="0"/>
+              <a:t>Beans</a:t>
+            </a:r>
+          </a:p>
+          <a:p>
+            <a:r>
+              <a:rPr lang="en-US" dirty="0"/>
+              <a:t>Spring AOP</a:t>
+            </a:r>
+          </a:p>
+          <a:p>
+            <a:r>
+              <a:rPr lang="en-US" dirty="0" smtClean="0"/>
+              <a:t>Spring Expression Language (</a:t>
+            </a:r>
+            <a:r>
+              <a:rPr lang="en-US" dirty="0" err="1" smtClean="0"/>
+              <a:t>SpEL</a:t>
+            </a:r>
+            <a:r>
+              <a:rPr lang="en-US" dirty="0" smtClean="0"/>
+              <a:t>)</a:t>
+            </a:r>
+            <a:endParaRPr lang="en-US" dirty="0"/>
+          </a:p>
+        </p:txBody>
+      </p:sp>
+    </p:spTree>
+    <p:extLst>
+      <p:ext uri="{BB962C8B-B14F-4D97-AF65-F5344CB8AC3E}">
+        <p14:creationId xmlns:p14="http://schemas.microsoft.com/office/powerpoint/2010/main" val="3871781148"/>
+      </p:ext>
+    </p:extLst>
+  </p:cSld>
+  <p:clrMapOvr>
+    <a:masterClrMapping/>
+  </p:clrMapOvr>
+  <p:timing>
+    <p:tnLst>
+      <p:par>
+        <p:cTn xmlns:p14="http://schemas.microsoft.com/office/powerpoint/2010/main" id="1" dur="indefinite" restart="never" nodeType="tmRoot"/>
+      </p:par>
+    </p:tnLst>
+  </p:timing>
+</p:sld>
+</file>
+
+<file path=ppt/slides/slide20.xml><?xml version="1.0" encoding="utf-8"?>
 <p:sld xmlns:a="http://schemas.openxmlformats.org/drawingml/2006/main" xmlns:r="http://schemas.openxmlformats.org/officeDocument/2006/relationships" xmlns:p="http://schemas.openxmlformats.org/presentationml/2006/main">
   <p:cSld>
     <p:spTree>
@@ -15110,11 +16100,7 @@
           <a:p>
             <a:r>
               <a:rPr lang="en-US" sz="2400" dirty="0" smtClean="0"/>
-              <a:t>How  </a:t>
-            </a:r>
-            <a:r>
-              <a:rPr lang="en-US" sz="2400" dirty="0" smtClean="0"/>
-              <a:t>JDK Proxy works</a:t>
+              <a:t>How  JDK Proxy works</a:t>
             </a:r>
             <a:endParaRPr lang="en-US" sz="2400" dirty="0"/>
           </a:p>
@@ -15124,722 +16110,6 @@
     <p:extLst>
       <p:ext uri="{BB962C8B-B14F-4D97-AF65-F5344CB8AC3E}">
         <p14:creationId xmlns:p14="http://schemas.microsoft.com/office/powerpoint/2010/main" val="3656466823"/>
-      </p:ext>
-    </p:extLst>
-  </p:cSld>
-  <p:clrMapOvr>
-    <a:masterClrMapping/>
-  </p:clrMapOvr>
-  <p:timing>
-    <p:tnLst>
-      <p:par>
-        <p:cTn xmlns:p14="http://schemas.microsoft.com/office/powerpoint/2010/main" id="1" dur="indefinite" restart="never" nodeType="tmRoot"/>
-      </p:par>
-    </p:tnLst>
-  </p:timing>
-</p:sld>
-</file>
-
-<file path=ppt/slides/slide17.xml><?xml version="1.0" encoding="utf-8"?>
-<p:sld xmlns:a="http://schemas.openxmlformats.org/drawingml/2006/main" xmlns:r="http://schemas.openxmlformats.org/officeDocument/2006/relationships" xmlns:p="http://schemas.openxmlformats.org/presentationml/2006/main">
-  <p:cSld>
-    <p:spTree>
-      <p:nvGrpSpPr>
-        <p:cNvPr id="1" name=""/>
-        <p:cNvGrpSpPr/>
-        <p:nvPr/>
-      </p:nvGrpSpPr>
-      <p:grpSpPr>
-        <a:xfrm>
-          <a:off x="0" y="0"/>
-          <a:ext cx="0" cy="0"/>
-          <a:chOff x="0" y="0"/>
-          <a:chExt cx="0" cy="0"/>
-        </a:xfrm>
-      </p:grpSpPr>
-      <p:sp>
-        <p:nvSpPr>
-          <p:cNvPr id="2" name="Title 1"/>
-          <p:cNvSpPr>
-            <a:spLocks noGrp="1"/>
-          </p:cNvSpPr>
-          <p:nvPr>
-            <p:ph type="title"/>
-          </p:nvPr>
-        </p:nvSpPr>
-        <p:spPr>
-          <a:xfrm>
-            <a:off x="1043490" y="747643"/>
-            <a:ext cx="7024744" cy="822419"/>
-          </a:xfrm>
-        </p:spPr>
-        <p:txBody>
-          <a:bodyPr>
-            <a:noAutofit/>
-          </a:bodyPr>
-          <a:lstStyle/>
-          <a:p>
-            <a:r>
-              <a:rPr lang="en-US" sz="2400" dirty="0" smtClean="0"/>
-              <a:t>Spring Expression Language with @Value annotation</a:t>
-            </a:r>
-            <a:endParaRPr lang="en-US" sz="2400" dirty="0"/>
-          </a:p>
-        </p:txBody>
-      </p:sp>
-      <p:sp>
-        <p:nvSpPr>
-          <p:cNvPr id="3" name="Content Placeholder 2"/>
-          <p:cNvSpPr>
-            <a:spLocks noGrp="1"/>
-          </p:cNvSpPr>
-          <p:nvPr>
-            <p:ph idx="1"/>
-          </p:nvPr>
-        </p:nvSpPr>
-        <p:spPr>
-          <a:xfrm>
-            <a:off x="1043492" y="1852322"/>
-            <a:ext cx="6777317" cy="3980307"/>
-          </a:xfrm>
-        </p:spPr>
-        <p:txBody>
-          <a:bodyPr/>
-          <a:lstStyle/>
-          <a:p>
-            <a:r>
-              <a:rPr lang="en-US" dirty="0" smtClean="0"/>
-              <a:t>A powerful </a:t>
-            </a:r>
-            <a:r>
-              <a:rPr lang="en-US" dirty="0"/>
-              <a:t>expression language that supports querying and manipulating an object graph at runtime</a:t>
-            </a:r>
-            <a:r>
-              <a:rPr lang="en-US" dirty="0" smtClean="0"/>
-              <a:t>.</a:t>
-            </a:r>
-          </a:p>
-          <a:p>
-            <a:r>
-              <a:rPr lang="en-US" dirty="0"/>
-              <a:t> syntax to define the expression is of the form </a:t>
-            </a:r>
-            <a:r>
-              <a:rPr lang="en-US" b="1" dirty="0">
-                <a:solidFill>
-                  <a:srgbClr val="D77C01"/>
-                </a:solidFill>
-              </a:rPr>
-              <a:t>#{ &lt;expression string&gt; }</a:t>
-            </a:r>
-            <a:r>
-              <a:rPr lang="en-US" dirty="0"/>
-              <a:t>.</a:t>
-            </a:r>
-          </a:p>
-          <a:p>
-            <a:r>
-              <a:rPr lang="en-US" dirty="0" smtClean="0"/>
-              <a:t>@Value annotation used to bound the value from the spring expression language.</a:t>
-            </a:r>
-            <a:endParaRPr lang="en-US" dirty="0"/>
-          </a:p>
-          <a:p>
-            <a:endParaRPr lang="en-US" dirty="0"/>
-          </a:p>
-        </p:txBody>
-      </p:sp>
-    </p:spTree>
-    <p:extLst>
-      <p:ext uri="{BB962C8B-B14F-4D97-AF65-F5344CB8AC3E}">
-        <p14:creationId xmlns:p14="http://schemas.microsoft.com/office/powerpoint/2010/main" val="1025226454"/>
-      </p:ext>
-    </p:extLst>
-  </p:cSld>
-  <p:clrMapOvr>
-    <a:masterClrMapping/>
-  </p:clrMapOvr>
-  <p:timing>
-    <p:tnLst>
-      <p:par>
-        <p:cTn xmlns:p14="http://schemas.microsoft.com/office/powerpoint/2010/main" id="1" dur="indefinite" restart="never" nodeType="tmRoot"/>
-      </p:par>
-    </p:tnLst>
-  </p:timing>
-</p:sld>
-</file>
-
-<file path=ppt/slides/slide18.xml><?xml version="1.0" encoding="utf-8"?>
-<p:sld xmlns:a="http://schemas.openxmlformats.org/drawingml/2006/main" xmlns:r="http://schemas.openxmlformats.org/officeDocument/2006/relationships" xmlns:p="http://schemas.openxmlformats.org/presentationml/2006/main">
-  <p:cSld>
-    <p:spTree>
-      <p:nvGrpSpPr>
-        <p:cNvPr id="1" name=""/>
-        <p:cNvGrpSpPr/>
-        <p:nvPr/>
-      </p:nvGrpSpPr>
-      <p:grpSpPr>
-        <a:xfrm>
-          <a:off x="0" y="0"/>
-          <a:ext cx="0" cy="0"/>
-          <a:chOff x="0" y="0"/>
-          <a:chExt cx="0" cy="0"/>
-        </a:xfrm>
-      </p:grpSpPr>
-      <p:sp>
-        <p:nvSpPr>
-          <p:cNvPr id="2" name="Title 1"/>
-          <p:cNvSpPr>
-            <a:spLocks noGrp="1"/>
-          </p:cNvSpPr>
-          <p:nvPr>
-            <p:ph type="title"/>
-          </p:nvPr>
-        </p:nvSpPr>
-        <p:spPr>
-          <a:xfrm>
-            <a:off x="1043492" y="696425"/>
-            <a:ext cx="7024744" cy="582959"/>
-          </a:xfrm>
-        </p:spPr>
-        <p:txBody>
-          <a:bodyPr>
-            <a:normAutofit fontScale="90000"/>
-          </a:bodyPr>
-          <a:lstStyle/>
-          <a:p>
-            <a:r>
-              <a:rPr lang="en-US" sz="3600" dirty="0" smtClean="0"/>
-              <a:t>@Primary and @Qualifier</a:t>
-            </a:r>
-            <a:endParaRPr lang="en-US" sz="3600" dirty="0"/>
-          </a:p>
-        </p:txBody>
-      </p:sp>
-      <p:sp>
-        <p:nvSpPr>
-          <p:cNvPr id="3" name="Content Placeholder 2"/>
-          <p:cNvSpPr>
-            <a:spLocks noGrp="1"/>
-          </p:cNvSpPr>
-          <p:nvPr>
-            <p:ph idx="1"/>
-          </p:nvPr>
-        </p:nvSpPr>
-        <p:spPr>
-          <a:xfrm>
-            <a:off x="1043492" y="1570864"/>
-            <a:ext cx="7024744" cy="4444771"/>
-          </a:xfrm>
-        </p:spPr>
-        <p:txBody>
-          <a:bodyPr/>
-          <a:lstStyle/>
-          <a:p>
-            <a:r>
-              <a:rPr lang="en-US" dirty="0" smtClean="0"/>
-              <a:t>@Primary:  used to select one default implementation when multiple concrete classes available for single interface.</a:t>
-            </a:r>
-          </a:p>
-          <a:p>
-            <a:r>
-              <a:rPr lang="en-US" dirty="0" smtClean="0"/>
-              <a:t>@Qualifier: Used to select one of the implementation at the time of @</a:t>
-            </a:r>
-            <a:r>
-              <a:rPr lang="en-US" dirty="0" err="1" smtClean="0"/>
-              <a:t>Autowiring</a:t>
-            </a:r>
-            <a:endParaRPr lang="en-US" dirty="0"/>
-          </a:p>
-        </p:txBody>
-      </p:sp>
-    </p:spTree>
-    <p:extLst>
-      <p:ext uri="{BB962C8B-B14F-4D97-AF65-F5344CB8AC3E}">
-        <p14:creationId xmlns:p14="http://schemas.microsoft.com/office/powerpoint/2010/main" val="2830122772"/>
-      </p:ext>
-    </p:extLst>
-  </p:cSld>
-  <p:clrMapOvr>
-    <a:masterClrMapping/>
-  </p:clrMapOvr>
-</p:sld>
-</file>
-
-<file path=ppt/slides/slide19.xml><?xml version="1.0" encoding="utf-8"?>
-<p:sld xmlns:a="http://schemas.openxmlformats.org/drawingml/2006/main" xmlns:r="http://schemas.openxmlformats.org/officeDocument/2006/relationships" xmlns:p="http://schemas.openxmlformats.org/presentationml/2006/main">
-  <p:cSld>
-    <p:spTree>
-      <p:nvGrpSpPr>
-        <p:cNvPr id="1" name=""/>
-        <p:cNvGrpSpPr/>
-        <p:nvPr/>
-      </p:nvGrpSpPr>
-      <p:grpSpPr>
-        <a:xfrm>
-          <a:off x="0" y="0"/>
-          <a:ext cx="0" cy="0"/>
-          <a:chOff x="0" y="0"/>
-          <a:chExt cx="0" cy="0"/>
-        </a:xfrm>
-      </p:grpSpPr>
-      <p:sp>
-        <p:nvSpPr>
-          <p:cNvPr id="2" name="Title 1"/>
-          <p:cNvSpPr>
-            <a:spLocks noGrp="1"/>
-          </p:cNvSpPr>
-          <p:nvPr>
-            <p:ph type="title"/>
-          </p:nvPr>
-        </p:nvSpPr>
-        <p:spPr>
-          <a:xfrm>
-            <a:off x="1043490" y="712361"/>
-            <a:ext cx="6777319" cy="630605"/>
-          </a:xfrm>
-        </p:spPr>
-        <p:txBody>
-          <a:bodyPr>
-            <a:normAutofit/>
-          </a:bodyPr>
-          <a:lstStyle/>
-          <a:p>
-            <a:r>
-              <a:rPr lang="en-US" sz="3200" dirty="0" smtClean="0"/>
-              <a:t>Spring Testing</a:t>
-            </a:r>
-            <a:endParaRPr lang="en-US" sz="3200" dirty="0"/>
-          </a:p>
-        </p:txBody>
-      </p:sp>
-      <p:sp>
-        <p:nvSpPr>
-          <p:cNvPr id="3" name="Content Placeholder 2"/>
-          <p:cNvSpPr>
-            <a:spLocks noGrp="1"/>
-          </p:cNvSpPr>
-          <p:nvPr>
-            <p:ph idx="1"/>
-          </p:nvPr>
-        </p:nvSpPr>
-        <p:spPr>
-          <a:xfrm>
-            <a:off x="1043492" y="1658270"/>
-            <a:ext cx="6777317" cy="4174360"/>
-          </a:xfrm>
-        </p:spPr>
-        <p:txBody>
-          <a:bodyPr/>
-          <a:lstStyle/>
-          <a:p>
-            <a:r>
-              <a:rPr lang="en-US" dirty="0" smtClean="0"/>
-              <a:t>@</a:t>
-            </a:r>
-            <a:r>
-              <a:rPr lang="en-US" dirty="0" err="1" smtClean="0"/>
-              <a:t>Runwith</a:t>
-            </a:r>
-            <a:r>
-              <a:rPr lang="en-US" dirty="0" smtClean="0"/>
-              <a:t> : Used to select spring test runner with </a:t>
-            </a:r>
-            <a:r>
-              <a:rPr lang="en-US" dirty="0" err="1" smtClean="0"/>
-              <a:t>Junit</a:t>
-            </a:r>
-            <a:r>
-              <a:rPr lang="en-US" dirty="0" smtClean="0"/>
-              <a:t> Test cases</a:t>
-            </a:r>
-          </a:p>
-          <a:p>
-            <a:r>
-              <a:rPr lang="en-US" dirty="0" smtClean="0"/>
-              <a:t>@</a:t>
-            </a:r>
-            <a:r>
-              <a:rPr lang="en-US" dirty="0" err="1" smtClean="0"/>
-              <a:t>ContextConfiguration</a:t>
-            </a:r>
-            <a:r>
-              <a:rPr lang="en-US" dirty="0" smtClean="0"/>
-              <a:t>:  take spring configuration and creates container with test beans</a:t>
-            </a:r>
-          </a:p>
-          <a:p>
-            <a:r>
-              <a:rPr lang="en-US" dirty="0" smtClean="0"/>
-              <a:t>@</a:t>
-            </a:r>
-            <a:r>
-              <a:rPr lang="en-US" dirty="0" err="1" smtClean="0"/>
-              <a:t>ActiveProfiles</a:t>
-            </a:r>
-            <a:r>
-              <a:rPr lang="en-US" dirty="0" smtClean="0"/>
-              <a:t>:  enables profiles form </a:t>
-            </a:r>
-            <a:r>
-              <a:rPr lang="en-US" smtClean="0"/>
-              <a:t>test cases </a:t>
-            </a:r>
-            <a:endParaRPr lang="en-US" dirty="0"/>
-          </a:p>
-        </p:txBody>
-      </p:sp>
-    </p:spTree>
-    <p:extLst>
-      <p:ext uri="{BB962C8B-B14F-4D97-AF65-F5344CB8AC3E}">
-        <p14:creationId xmlns:p14="http://schemas.microsoft.com/office/powerpoint/2010/main" val="1213302092"/>
-      </p:ext>
-    </p:extLst>
-  </p:cSld>
-  <p:clrMapOvr>
-    <a:masterClrMapping/>
-  </p:clrMapOvr>
-</p:sld>
-</file>
-
-<file path=ppt/slides/slide2.xml><?xml version="1.0" encoding="utf-8"?>
-<p:sld xmlns:a="http://schemas.openxmlformats.org/drawingml/2006/main" xmlns:r="http://schemas.openxmlformats.org/officeDocument/2006/relationships" xmlns:p="http://schemas.openxmlformats.org/presentationml/2006/main">
-  <p:cSld>
-    <p:spTree>
-      <p:nvGrpSpPr>
-        <p:cNvPr id="1" name=""/>
-        <p:cNvGrpSpPr/>
-        <p:nvPr/>
-      </p:nvGrpSpPr>
-      <p:grpSpPr>
-        <a:xfrm>
-          <a:off x="0" y="0"/>
-          <a:ext cx="0" cy="0"/>
-          <a:chOff x="0" y="0"/>
-          <a:chExt cx="0" cy="0"/>
-        </a:xfrm>
-      </p:grpSpPr>
-      <p:sp>
-        <p:nvSpPr>
-          <p:cNvPr id="2" name="Title 1"/>
-          <p:cNvSpPr>
-            <a:spLocks noGrp="1"/>
-          </p:cNvSpPr>
-          <p:nvPr>
-            <p:ph type="title"/>
-          </p:nvPr>
-        </p:nvSpPr>
-        <p:spPr>
-          <a:xfrm>
-            <a:off x="1043490" y="641797"/>
-            <a:ext cx="7024744" cy="771734"/>
-          </a:xfrm>
-        </p:spPr>
-        <p:txBody>
-          <a:bodyPr/>
-          <a:lstStyle/>
-          <a:p>
-            <a:r>
-              <a:rPr lang="en-US" dirty="0" smtClean="0"/>
-              <a:t>Index</a:t>
-            </a:r>
-            <a:endParaRPr lang="en-US" dirty="0"/>
-          </a:p>
-        </p:txBody>
-      </p:sp>
-      <p:sp>
-        <p:nvSpPr>
-          <p:cNvPr id="3" name="Content Placeholder 2"/>
-          <p:cNvSpPr>
-            <a:spLocks noGrp="1"/>
-          </p:cNvSpPr>
-          <p:nvPr>
-            <p:ph idx="1"/>
-          </p:nvPr>
-        </p:nvSpPr>
-        <p:spPr>
-          <a:xfrm>
-            <a:off x="1043492" y="1711192"/>
-            <a:ext cx="6777317" cy="4121437"/>
-          </a:xfrm>
-        </p:spPr>
-        <p:txBody>
-          <a:bodyPr>
-            <a:normAutofit fontScale="92500"/>
-          </a:bodyPr>
-          <a:lstStyle/>
-          <a:p>
-            <a:r>
-              <a:rPr lang="en-US" dirty="0" smtClean="0"/>
-              <a:t>Introduction</a:t>
-            </a:r>
-          </a:p>
-          <a:p>
-            <a:r>
-              <a:rPr lang="en-US" dirty="0" smtClean="0"/>
-              <a:t>Spring Containers</a:t>
-            </a:r>
-          </a:p>
-          <a:p>
-            <a:r>
-              <a:rPr lang="en-US" dirty="0" smtClean="0"/>
-              <a:t>Spring </a:t>
-            </a:r>
-            <a:r>
-              <a:rPr lang="en-US" dirty="0"/>
-              <a:t>Bean Lifecycle</a:t>
-            </a:r>
-          </a:p>
-          <a:p>
-            <a:r>
-              <a:rPr lang="en-US" dirty="0"/>
-              <a:t>Special Annotations</a:t>
-            </a:r>
-          </a:p>
-          <a:p>
-            <a:r>
-              <a:rPr lang="en-US" dirty="0"/>
-              <a:t>Spring Bean Scopes</a:t>
-            </a:r>
-          </a:p>
-          <a:p>
-            <a:r>
-              <a:rPr lang="en-US" dirty="0"/>
-              <a:t>Conditional Beans</a:t>
-            </a:r>
-          </a:p>
-          <a:p>
-            <a:r>
-              <a:rPr lang="en-US" dirty="0"/>
-              <a:t>Spring AOP</a:t>
-            </a:r>
-          </a:p>
-          <a:p>
-            <a:r>
-              <a:rPr lang="en-US" dirty="0" smtClean="0"/>
-              <a:t>Spring Java based web app configuration</a:t>
-            </a:r>
-          </a:p>
-          <a:p>
-            <a:r>
-              <a:rPr lang="en-US" dirty="0" smtClean="0"/>
-              <a:t>Spring Java based JPA configuration</a:t>
-            </a:r>
-          </a:p>
-          <a:p>
-            <a:r>
-              <a:rPr lang="en-US" dirty="0" smtClean="0"/>
-              <a:t>Spring Boot annotations </a:t>
-            </a:r>
-          </a:p>
-          <a:p>
-            <a:endParaRPr lang="en-US" dirty="0"/>
-          </a:p>
-        </p:txBody>
-      </p:sp>
-    </p:spTree>
-    <p:extLst>
-      <p:ext uri="{BB962C8B-B14F-4D97-AF65-F5344CB8AC3E}">
-        <p14:creationId xmlns:p14="http://schemas.microsoft.com/office/powerpoint/2010/main" val="3871781148"/>
-      </p:ext>
-    </p:extLst>
-  </p:cSld>
-  <p:clrMapOvr>
-    <a:masterClrMapping/>
-  </p:clrMapOvr>
-  <p:timing>
-    <p:tnLst>
-      <p:par>
-        <p:cTn xmlns:p14="http://schemas.microsoft.com/office/powerpoint/2010/main" id="1" dur="indefinite" restart="never" nodeType="tmRoot"/>
-      </p:par>
-    </p:tnLst>
-  </p:timing>
-</p:sld>
-</file>
-
-<file path=ppt/slides/slide20.xml><?xml version="1.0" encoding="utf-8"?>
-<p:sld xmlns:a="http://schemas.openxmlformats.org/drawingml/2006/main" xmlns:r="http://schemas.openxmlformats.org/officeDocument/2006/relationships" xmlns:p="http://schemas.openxmlformats.org/presentationml/2006/main">
-  <p:cSld>
-    <p:spTree>
-      <p:nvGrpSpPr>
-        <p:cNvPr id="1" name=""/>
-        <p:cNvGrpSpPr/>
-        <p:nvPr/>
-      </p:nvGrpSpPr>
-      <p:grpSpPr>
-        <a:xfrm>
-          <a:off x="0" y="0"/>
-          <a:ext cx="0" cy="0"/>
-          <a:chOff x="0" y="0"/>
-          <a:chExt cx="0" cy="0"/>
-        </a:xfrm>
-      </p:grpSpPr>
-      <p:sp>
-        <p:nvSpPr>
-          <p:cNvPr id="2" name="Title 1"/>
-          <p:cNvSpPr>
-            <a:spLocks noGrp="1"/>
-          </p:cNvSpPr>
-          <p:nvPr>
-            <p:ph type="title"/>
-          </p:nvPr>
-        </p:nvSpPr>
-        <p:spPr>
-          <a:xfrm>
-            <a:off x="1089024" y="274637"/>
-            <a:ext cx="6729251" cy="632615"/>
-          </a:xfrm>
-        </p:spPr>
-        <p:txBody>
-          <a:bodyPr/>
-          <a:lstStyle/>
-          <a:p>
-            <a:r>
-              <a:rPr lang="en-US" sz="2400" dirty="0" smtClean="0"/>
-              <a:t>Spring </a:t>
-            </a:r>
-            <a:r>
-              <a:rPr lang="en-US" sz="2400" dirty="0" err="1" smtClean="0"/>
-              <a:t>WebMvc</a:t>
-            </a:r>
-            <a:endParaRPr lang="en-US" sz="2400" dirty="0"/>
-          </a:p>
-        </p:txBody>
-      </p:sp>
-      <p:sp>
-        <p:nvSpPr>
-          <p:cNvPr id="3" name="Content Placeholder 2"/>
-          <p:cNvSpPr>
-            <a:spLocks noGrp="1"/>
-          </p:cNvSpPr>
-          <p:nvPr>
-            <p:ph idx="1"/>
-          </p:nvPr>
-        </p:nvSpPr>
-        <p:spPr>
-          <a:xfrm>
-            <a:off x="1089024" y="1055712"/>
-            <a:ext cx="7272339" cy="5070452"/>
-          </a:xfrm>
-        </p:spPr>
-        <p:txBody>
-          <a:bodyPr>
-            <a:normAutofit fontScale="92500" lnSpcReduction="10000"/>
-          </a:bodyPr>
-          <a:lstStyle/>
-          <a:p>
-            <a:r>
-              <a:rPr lang="en-US" dirty="0" smtClean="0"/>
-              <a:t>Servlet 3.0 based container looks for the </a:t>
-            </a:r>
-            <a:r>
-              <a:rPr lang="en-US" b="1" dirty="0" err="1" smtClean="0"/>
-              <a:t>ServletContainerInitializer</a:t>
-            </a:r>
-            <a:r>
-              <a:rPr lang="en-US" dirty="0" smtClean="0"/>
-              <a:t> implementations for a valid web application. </a:t>
-            </a:r>
-            <a:r>
-              <a:rPr lang="en-US" dirty="0" err="1"/>
-              <a:t>w</a:t>
-            </a:r>
-            <a:r>
-              <a:rPr lang="en-US" dirty="0" err="1" smtClean="0"/>
-              <a:t>eb.xml</a:t>
-            </a:r>
-            <a:r>
-              <a:rPr lang="en-US" dirty="0" smtClean="0"/>
-              <a:t> is not required.</a:t>
-            </a:r>
-          </a:p>
-          <a:p>
-            <a:r>
-              <a:rPr lang="en-US" dirty="0" smtClean="0"/>
-              <a:t>Spring implements this class in </a:t>
-            </a:r>
-            <a:r>
-              <a:rPr lang="en-US" b="1" dirty="0" err="1" smtClean="0"/>
-              <a:t>SpringServletContainerInitializer</a:t>
-            </a:r>
-            <a:r>
-              <a:rPr lang="en-US" dirty="0" smtClean="0"/>
-              <a:t> and delegates to </a:t>
-            </a:r>
-            <a:r>
-              <a:rPr lang="en-US" b="1" dirty="0" err="1" smtClean="0"/>
-              <a:t>WebApplicationInitializer</a:t>
-            </a:r>
-            <a:r>
-              <a:rPr lang="en-US" dirty="0" smtClean="0"/>
-              <a:t> .</a:t>
-            </a:r>
-          </a:p>
-          <a:p>
-            <a:r>
-              <a:rPr lang="en-US" dirty="0" smtClean="0"/>
-              <a:t>Below class used to write </a:t>
-            </a:r>
-            <a:r>
-              <a:rPr lang="en-US" dirty="0" err="1" smtClean="0"/>
-              <a:t>web.xml</a:t>
-            </a:r>
-            <a:r>
-              <a:rPr lang="en-US" dirty="0" smtClean="0"/>
-              <a:t> content using java based configuration </a:t>
-            </a:r>
-            <a:r>
-              <a:rPr lang="en-US" sz="2200" b="1" dirty="0" err="1" smtClean="0"/>
-              <a:t>AbstractAnnotationConfigDispatchServletInitializer</a:t>
-            </a:r>
-            <a:r>
-              <a:rPr lang="en-US" sz="2200" dirty="0" smtClean="0"/>
-              <a:t> </a:t>
-            </a:r>
-            <a:endParaRPr lang="en-US" dirty="0" smtClean="0"/>
-          </a:p>
-          <a:p>
-            <a:r>
-              <a:rPr lang="en-US" dirty="0" err="1" smtClean="0"/>
-              <a:t>getRootConfigClass</a:t>
-            </a:r>
-            <a:r>
-              <a:rPr lang="en-US" dirty="0" smtClean="0"/>
-              <a:t>() method returns configuration which is similar to </a:t>
-            </a:r>
-            <a:r>
-              <a:rPr lang="en-US" i="1" dirty="0" err="1" smtClean="0"/>
-              <a:t>applicationContext.xml</a:t>
-            </a:r>
-            <a:endParaRPr lang="en-US" i="1" dirty="0" smtClean="0"/>
-          </a:p>
-          <a:p>
-            <a:r>
-              <a:rPr lang="en-US" dirty="0" err="1" smtClean="0"/>
-              <a:t>getServletConfigClasses</a:t>
-            </a:r>
-            <a:r>
-              <a:rPr lang="en-US" dirty="0" smtClean="0"/>
-              <a:t>() method returns configuration which  is similar to dispatch-</a:t>
-            </a:r>
-            <a:r>
-              <a:rPr lang="en-US" dirty="0" err="1" smtClean="0"/>
-              <a:t>servlet.xml</a:t>
-            </a:r>
-            <a:r>
-              <a:rPr lang="en-US" dirty="0" smtClean="0"/>
-              <a:t> </a:t>
-            </a:r>
-            <a:endParaRPr lang="en-US" dirty="0"/>
-          </a:p>
-        </p:txBody>
-      </p:sp>
-    </p:spTree>
-    <p:extLst>
-      <p:ext uri="{BB962C8B-B14F-4D97-AF65-F5344CB8AC3E}">
-        <p14:creationId xmlns:p14="http://schemas.microsoft.com/office/powerpoint/2010/main" val="296145203"/>
       </p:ext>
     </p:extLst>
   </p:cSld>
@@ -15885,21 +16155,19 @@
         </p:nvSpPr>
         <p:spPr>
           <a:xfrm>
-            <a:off x="1089024" y="274637"/>
-            <a:ext cx="6778733" cy="632615"/>
+            <a:off x="1043490" y="747643"/>
+            <a:ext cx="7024744" cy="822419"/>
           </a:xfrm>
         </p:spPr>
         <p:txBody>
-          <a:bodyPr/>
+          <a:bodyPr>
+            <a:noAutofit/>
+          </a:bodyPr>
           <a:lstStyle/>
           <a:p>
             <a:r>
               <a:rPr lang="en-US" sz="2400" dirty="0" smtClean="0"/>
-              <a:t>Dispatch-servlet equivalent java </a:t>
-            </a:r>
-            <a:r>
-              <a:rPr lang="en-US" sz="2400" dirty="0" err="1" smtClean="0"/>
-              <a:t>config</a:t>
+              <a:t>Spring Expression Language with @Value annotation</a:t>
             </a:r>
             <a:endParaRPr lang="en-US" sz="2400" dirty="0"/>
           </a:p>
@@ -15917,8 +16185,8 @@
         </p:nvSpPr>
         <p:spPr>
           <a:xfrm>
-            <a:off x="1089024" y="1022720"/>
-            <a:ext cx="7272339" cy="5103443"/>
+            <a:off x="1043492" y="1852322"/>
+            <a:ext cx="6777317" cy="3980307"/>
           </a:xfrm>
         </p:spPr>
         <p:txBody>
@@ -15927,81 +16195,51 @@
           <a:p>
             <a:r>
               <a:rPr lang="en-US" dirty="0" smtClean="0"/>
-              <a:t>In-order to achieve this configuration write new class which extends </a:t>
-            </a:r>
-            <a:r>
-              <a:rPr lang="en-US" b="1" dirty="0" err="1" smtClean="0"/>
-              <a:t>WebMvcConfigurerAdapter</a:t>
-            </a:r>
-            <a:r>
-              <a:rPr lang="en-US" b="1" dirty="0" smtClean="0"/>
-              <a:t>. </a:t>
-            </a:r>
-            <a:endParaRPr lang="en-US" b="1" dirty="0"/>
-          </a:p>
-          <a:p>
+              <a:t>A powerful </a:t>
+            </a:r>
+            <a:r>
+              <a:rPr lang="en-US" dirty="0"/>
+              <a:t>expression language that supports querying and manipulating an object graph at runtime</a:t>
+            </a:r>
             <a:r>
               <a:rPr lang="en-US" dirty="0" smtClean="0"/>
-              <a:t>Annotate this class with </a:t>
-            </a:r>
-            <a:r>
-              <a:rPr lang="en-US" b="1" dirty="0" smtClean="0"/>
-              <a:t>@</a:t>
-            </a:r>
-            <a:r>
-              <a:rPr lang="en-US" b="1" dirty="0" err="1" smtClean="0"/>
-              <a:t>EnableWebMvc</a:t>
-            </a:r>
+              <a:t>.</a:t>
+            </a:r>
+          </a:p>
+          <a:p>
+            <a:r>
+              <a:rPr lang="en-US" dirty="0"/>
+              <a:t> syntax to define the expression is of the form </a:t>
+            </a:r>
+            <a:r>
+              <a:rPr lang="en-US" b="1" dirty="0">
+                <a:solidFill>
+                  <a:srgbClr val="D77C01"/>
+                </a:solidFill>
+              </a:rPr>
+              <a:t>#{ &lt;expression string&gt; }</a:t>
+            </a:r>
+            <a:r>
+              <a:rPr lang="en-US" dirty="0"/>
+              <a:t>.</a:t>
+            </a:r>
+          </a:p>
+          <a:p>
             <a:r>
               <a:rPr lang="en-US" dirty="0" smtClean="0"/>
-              <a:t> and override some of the methods or beans like </a:t>
-            </a:r>
-            <a:r>
-              <a:rPr lang="en-US" dirty="0" err="1" smtClean="0"/>
-              <a:t>localeResolver</a:t>
-            </a:r>
-            <a:r>
-              <a:rPr lang="en-US" dirty="0" smtClean="0"/>
-              <a:t> , </a:t>
-            </a:r>
-            <a:r>
-              <a:rPr lang="en-US" dirty="0" err="1" smtClean="0"/>
-              <a:t>viewResolver</a:t>
-            </a:r>
-            <a:r>
-              <a:rPr lang="en-US" dirty="0" smtClean="0"/>
-              <a:t> etc.</a:t>
-            </a:r>
-          </a:p>
-          <a:p>
-            <a:r>
-              <a:rPr lang="en-US" dirty="0" smtClean="0"/>
-              <a:t>Similarly to enable Security write a class which extends </a:t>
-            </a:r>
-            <a:r>
-              <a:rPr lang="en-US" b="1" dirty="0" err="1" smtClean="0"/>
-              <a:t>WebSecurityConfigurerAdapter</a:t>
-            </a:r>
-            <a:r>
-              <a:rPr lang="en-US" dirty="0" smtClean="0"/>
-              <a:t> and annotate method with </a:t>
-            </a:r>
-            <a:r>
-              <a:rPr lang="en-US" b="1" dirty="0" smtClean="0"/>
-              <a:t>@</a:t>
-            </a:r>
-            <a:r>
-              <a:rPr lang="en-US" b="1" dirty="0" err="1" smtClean="0"/>
-              <a:t>EnableWebMvcSecurity</a:t>
-            </a:r>
-            <a:endParaRPr lang="en-US" b="1" dirty="0"/>
+              <a:t>@Value annotation used to bound the value from the spring expression language.</a:t>
+            </a:r>
+            <a:endParaRPr lang="en-US" dirty="0"/>
+          </a:p>
+          <a:p>
+            <a:endParaRPr lang="en-US" dirty="0"/>
           </a:p>
         </p:txBody>
       </p:sp>
     </p:spTree>
     <p:extLst>
       <p:ext uri="{BB962C8B-B14F-4D97-AF65-F5344CB8AC3E}">
-        <p14:creationId xmlns:p14="http://schemas.microsoft.com/office/powerpoint/2010/main" val="444929711"/>
+        <p14:creationId xmlns:p14="http://schemas.microsoft.com/office/powerpoint/2010/main" val="1025226454"/>
       </p:ext>
     </p:extLst>
   </p:cSld>
@@ -16047,19 +16285,21 @@
         </p:nvSpPr>
         <p:spPr>
           <a:xfrm>
-            <a:off x="1089024" y="274637"/>
-            <a:ext cx="7026147" cy="682101"/>
+            <a:off x="1043492" y="696425"/>
+            <a:ext cx="7024744" cy="582959"/>
           </a:xfrm>
         </p:spPr>
         <p:txBody>
-          <a:bodyPr/>
+          <a:bodyPr>
+            <a:normAutofit fontScale="90000"/>
+          </a:bodyPr>
           <a:lstStyle/>
           <a:p>
             <a:r>
-              <a:rPr lang="en-US" sz="2400" dirty="0" smtClean="0"/>
-              <a:t>JPA Configuration</a:t>
-            </a:r>
-            <a:endParaRPr lang="en-US" sz="2400" dirty="0"/>
+              <a:rPr lang="en-US" sz="3600" dirty="0" smtClean="0"/>
+              <a:t>@Primary and @Qualifier</a:t>
+            </a:r>
+            <a:endParaRPr lang="en-US" sz="3600" dirty="0"/>
           </a:p>
         </p:txBody>
       </p:sp>
@@ -16075,116 +16315,28 @@
         </p:nvSpPr>
         <p:spPr>
           <a:xfrm>
-            <a:off x="1089024" y="1088702"/>
-            <a:ext cx="7272339" cy="5037461"/>
+            <a:off x="1043492" y="1570864"/>
+            <a:ext cx="7024744" cy="4444771"/>
           </a:xfrm>
         </p:spPr>
         <p:txBody>
-          <a:bodyPr>
-            <a:normAutofit fontScale="92500" lnSpcReduction="10000"/>
-          </a:bodyPr>
+          <a:bodyPr/>
           <a:lstStyle/>
           <a:p>
             <a:r>
               <a:rPr lang="en-US" dirty="0" smtClean="0"/>
-              <a:t>JPA specification defines two types of entity managers</a:t>
+              <a:t>@Primary:  used to select one default implementation when multiple concrete classes available for single interface.</a:t>
             </a:r>
           </a:p>
           <a:p>
             <a:r>
               <a:rPr lang="en-US" dirty="0" smtClean="0"/>
-              <a:t>  Application-managed and container-managed.</a:t>
-            </a:r>
-          </a:p>
-          <a:p>
-            <a:pPr marL="0" indent="0">
-              <a:buNone/>
-            </a:pPr>
-            <a:r>
-              <a:rPr lang="en-US" dirty="0"/>
-              <a:t>A corresponding spring factory bean produces each flavor of entity manager factory:</a:t>
-            </a:r>
-          </a:p>
-          <a:p>
-            <a:pPr marL="0" lvl="0" indent="0">
-              <a:buNone/>
-            </a:pPr>
-            <a:r>
-              <a:rPr lang="en-US" b="1" dirty="0" err="1" smtClean="0"/>
-              <a:t>LocalEntityManagerFactoryBean</a:t>
-            </a:r>
-            <a:r>
-              <a:rPr lang="en-US" dirty="0" smtClean="0"/>
-              <a:t> </a:t>
-            </a:r>
-            <a:r>
-              <a:rPr lang="en-US" dirty="0"/>
-              <a:t>produces an application-managed </a:t>
-            </a:r>
-            <a:r>
-              <a:rPr lang="en-US" dirty="0" err="1"/>
-              <a:t>EntityManagerFactory</a:t>
-            </a:r>
-            <a:r>
-              <a:rPr lang="en-US" dirty="0"/>
-              <a:t>.</a:t>
-            </a:r>
-          </a:p>
-          <a:p>
-            <a:pPr marL="0" indent="0">
-              <a:buNone/>
-            </a:pPr>
-            <a:r>
-              <a:rPr lang="en-US" dirty="0"/>
-              <a:t> </a:t>
-            </a:r>
-            <a:r>
-              <a:rPr lang="en-US" b="1" dirty="0" err="1" smtClean="0"/>
-              <a:t>LocalContainerEntityManagerFactoryBean</a:t>
-            </a:r>
-            <a:r>
-              <a:rPr lang="en-US" dirty="0" smtClean="0"/>
-              <a:t> </a:t>
-            </a:r>
-            <a:r>
-              <a:rPr lang="en-US" dirty="0"/>
-              <a:t>produces a container-managed </a:t>
-            </a:r>
-            <a:r>
-              <a:rPr lang="en-US" dirty="0" err="1"/>
-              <a:t>EntityManagerFactory</a:t>
-            </a:r>
-            <a:r>
-              <a:rPr lang="en-US" dirty="0"/>
-              <a:t>.</a:t>
-            </a:r>
-          </a:p>
-          <a:p>
-            <a:pPr marL="0" indent="0">
-              <a:buNone/>
-            </a:pPr>
-            <a:r>
-              <a:rPr lang="en-US" b="1" dirty="0"/>
-              <a:t> @</a:t>
-            </a:r>
-            <a:r>
-              <a:rPr lang="en-US" b="1" dirty="0" err="1"/>
-              <a:t>EnableJpaRepositories</a:t>
-            </a:r>
-            <a:r>
-              <a:rPr lang="en-US" dirty="0"/>
-              <a:t> </a:t>
-            </a:r>
-            <a:r>
-              <a:rPr lang="en-US" dirty="0" smtClean="0"/>
-              <a:t> tells the container that we are using JPA based repositories there is implementation required.</a:t>
-            </a:r>
-            <a:endParaRPr lang="en-US" dirty="0"/>
-          </a:p>
-          <a:p>
-            <a:pPr marL="0" indent="0">
-              <a:buNone/>
-            </a:pPr>
+              <a:t>@Qualifier: Used to select one of the implementation at the time of @</a:t>
+            </a:r>
+            <a:r>
+              <a:rPr lang="en-US" dirty="0" err="1" smtClean="0"/>
+              <a:t>Autowiring</a:t>
+            </a:r>
             <a:endParaRPr lang="en-US" dirty="0"/>
           </a:p>
         </p:txBody>
@@ -16192,7 +16344,7 @@
     </p:spTree>
     <p:extLst>
       <p:ext uri="{BB962C8B-B14F-4D97-AF65-F5344CB8AC3E}">
-        <p14:creationId xmlns:p14="http://schemas.microsoft.com/office/powerpoint/2010/main" val="2685578658"/>
+        <p14:creationId xmlns:p14="http://schemas.microsoft.com/office/powerpoint/2010/main" val="2830122772"/>
       </p:ext>
     </p:extLst>
   </p:cSld>
@@ -16239,7 +16391,7 @@
         <p:spPr>
           <a:xfrm>
             <a:off x="1043490" y="712361"/>
-            <a:ext cx="7024744" cy="840061"/>
+            <a:ext cx="6777319" cy="630605"/>
           </a:xfrm>
         </p:spPr>
         <p:txBody>
@@ -16249,10 +16401,10 @@
           <a:lstStyle/>
           <a:p>
             <a:r>
-              <a:rPr lang="en-US" dirty="0" smtClean="0"/>
-              <a:t>Spring Boot Configuration</a:t>
-            </a:r>
-            <a:endParaRPr lang="en-US" dirty="0"/>
+              <a:rPr lang="en-US" sz="3200" dirty="0" smtClean="0"/>
+              <a:t>Spring Testing</a:t>
+            </a:r>
+            <a:endParaRPr lang="en-US" sz="3200" dirty="0"/>
           </a:p>
         </p:txBody>
       </p:sp>
@@ -16268,141 +16420,83 @@
         </p:nvSpPr>
         <p:spPr>
           <a:xfrm>
-            <a:off x="1043492" y="1675910"/>
-            <a:ext cx="6777317" cy="4156719"/>
+            <a:off x="1043492" y="1658270"/>
+            <a:ext cx="6777317" cy="4174360"/>
           </a:xfrm>
         </p:spPr>
         <p:txBody>
           <a:bodyPr>
-            <a:normAutofit fontScale="92500"/>
+            <a:normAutofit fontScale="92500" lnSpcReduction="10000"/>
           </a:bodyPr>
           <a:lstStyle/>
           <a:p>
             <a:r>
+              <a:rPr lang="en-US" b="1" dirty="0" smtClean="0"/>
+              <a:t>@</a:t>
+            </a:r>
+            <a:r>
+              <a:rPr lang="en-US" b="1" dirty="0" err="1" smtClean="0"/>
+              <a:t>Runwith</a:t>
+            </a:r>
+            <a:r>
               <a:rPr lang="en-US" dirty="0" smtClean="0"/>
-              <a:t>Add below maven dependency as parent in your </a:t>
+              <a:t> : Used to select spring test runner with </a:t>
             </a:r>
             <a:r>
               <a:rPr lang="en-US" dirty="0" err="1" smtClean="0"/>
-              <a:t>pom.xml</a:t>
-            </a:r>
-            <a:endParaRPr lang="en-US" dirty="0" smtClean="0"/>
+              <a:t>Junit</a:t>
+            </a:r>
+            <a:r>
+              <a:rPr lang="en-US" dirty="0" smtClean="0"/>
+              <a:t> Test cases</a:t>
+            </a:r>
+          </a:p>
+          <a:p>
+            <a:r>
+              <a:rPr lang="en-US" b="1" dirty="0" smtClean="0"/>
+              <a:t>@</a:t>
+            </a:r>
+            <a:r>
+              <a:rPr lang="en-US" b="1" dirty="0" err="1" smtClean="0"/>
+              <a:t>ContextConfiguration</a:t>
+            </a:r>
+            <a:r>
+              <a:rPr lang="en-US" dirty="0" smtClean="0"/>
+              <a:t>:  take spring configuration and creates container with test beans</a:t>
+            </a:r>
+          </a:p>
+          <a:p>
+            <a:r>
+              <a:rPr lang="en-US" b="1" dirty="0" smtClean="0"/>
+              <a:t>@</a:t>
+            </a:r>
+            <a:r>
+              <a:rPr lang="en-US" b="1" dirty="0" err="1" smtClean="0"/>
+              <a:t>ActiveProfiles</a:t>
+            </a:r>
+            <a:r>
+              <a:rPr lang="en-US" dirty="0" smtClean="0"/>
+              <a:t>:  enables profiles form test cases </a:t>
+            </a:r>
+          </a:p>
+          <a:p>
+            <a:endParaRPr lang="en-US" dirty="0"/>
           </a:p>
           <a:p>
             <a:pPr marL="68580" indent="0">
               <a:buNone/>
             </a:pPr>
             <a:r>
-              <a:rPr lang="en-US" sz="1800" dirty="0" smtClean="0"/>
-              <a:t>   &lt;</a:t>
-            </a:r>
-            <a:r>
-              <a:rPr lang="en-US" sz="1800" dirty="0"/>
-              <a:t>parent&gt;</a:t>
-            </a:r>
-          </a:p>
-          <a:p>
-            <a:pPr marL="640080" lvl="2" indent="0">
-              <a:buNone/>
-            </a:pPr>
-            <a:r>
-              <a:rPr lang="en-US" sz="1400" dirty="0" smtClean="0"/>
-              <a:t>&lt;</a:t>
-            </a:r>
-            <a:r>
-              <a:rPr lang="en-US" sz="1400" dirty="0" err="1"/>
-              <a:t>groupId</a:t>
-            </a:r>
-            <a:r>
-              <a:rPr lang="en-US" sz="1400" dirty="0"/>
-              <a:t>&gt;</a:t>
-            </a:r>
-            <a:r>
-              <a:rPr lang="en-US" sz="1400" dirty="0" err="1"/>
-              <a:t>org.springframework.boot</a:t>
-            </a:r>
-            <a:r>
-              <a:rPr lang="en-US" sz="1400" dirty="0"/>
-              <a:t>&lt;/</a:t>
-            </a:r>
-            <a:r>
-              <a:rPr lang="en-US" sz="1400" dirty="0" err="1"/>
-              <a:t>groupId</a:t>
-            </a:r>
-            <a:r>
-              <a:rPr lang="en-US" sz="1400" dirty="0"/>
-              <a:t>&gt;</a:t>
-            </a:r>
-          </a:p>
-          <a:p>
-            <a:pPr marL="640080" lvl="2" indent="0">
-              <a:buNone/>
-            </a:pPr>
-            <a:r>
-              <a:rPr lang="en-US" sz="1400" dirty="0" smtClean="0"/>
-              <a:t>&lt;</a:t>
-            </a:r>
-            <a:r>
-              <a:rPr lang="en-US" sz="1400" dirty="0" err="1"/>
-              <a:t>artifactId</a:t>
-            </a:r>
-            <a:r>
-              <a:rPr lang="en-US" sz="1400" dirty="0"/>
-              <a:t>&gt;spring-boot-starter-parent&lt;/</a:t>
-            </a:r>
-            <a:r>
-              <a:rPr lang="en-US" sz="1400" dirty="0" err="1"/>
-              <a:t>artifactId</a:t>
-            </a:r>
-            <a:r>
-              <a:rPr lang="en-US" sz="1400" dirty="0"/>
-              <a:t>&gt;</a:t>
-            </a:r>
-          </a:p>
-          <a:p>
-            <a:pPr marL="640080" lvl="2" indent="0">
-              <a:buNone/>
-            </a:pPr>
-            <a:r>
-              <a:rPr lang="en-US" sz="1400" dirty="0" smtClean="0"/>
-              <a:t>&lt;</a:t>
-            </a:r>
-            <a:r>
-              <a:rPr lang="en-US" sz="1400" dirty="0"/>
-              <a:t>version&gt;1.3.3.RELEASE&lt;/version</a:t>
-            </a:r>
-            <a:r>
-              <a:rPr lang="en-US" sz="1400" dirty="0" smtClean="0"/>
-              <a:t>&gt;</a:t>
-            </a:r>
-          </a:p>
-          <a:p>
-            <a:pPr marL="365760" lvl="1" indent="0">
-              <a:buNone/>
-            </a:pPr>
-            <a:r>
-              <a:rPr lang="en-US" sz="1800" dirty="0" smtClean="0"/>
-              <a:t>&lt;</a:t>
-            </a:r>
-            <a:r>
-              <a:rPr lang="en-US" sz="1800" dirty="0"/>
-              <a:t>/parent</a:t>
-            </a:r>
-            <a:r>
-              <a:rPr lang="en-US" sz="1800" dirty="0" smtClean="0"/>
-              <a:t>&gt;</a:t>
-            </a:r>
-          </a:p>
-          <a:p>
-            <a:pPr marL="365760" lvl="1" indent="0">
-              <a:buNone/>
-            </a:pPr>
-            <a:endParaRPr lang="en-US" sz="1800" dirty="0" smtClean="0"/>
-          </a:p>
-          <a:p>
-            <a:r>
-              <a:rPr lang="en-US" dirty="0" smtClean="0"/>
-              <a:t>Add dependency as per your requirement</a:t>
+              <a:rPr lang="en-US" sz="1900" dirty="0"/>
+              <a:t>@</a:t>
+            </a:r>
+            <a:r>
+              <a:rPr lang="en-US" sz="1900" dirty="0" err="1"/>
+              <a:t>RunWith</a:t>
+            </a:r>
+            <a:r>
+              <a:rPr lang="en-US" sz="1900" dirty="0"/>
+              <a:t>(SpringJUnit4ClassRunner.class)</a:t>
             </a:r>
           </a:p>
           <a:p>
@@ -16410,74 +16504,24 @@
               <a:buNone/>
             </a:pPr>
             <a:r>
-              <a:rPr lang="en-US" sz="1700" dirty="0"/>
-              <a:t>&lt;dependency&gt;</a:t>
-            </a:r>
-          </a:p>
-          <a:p>
-            <a:pPr marL="365760" lvl="1" indent="0">
-              <a:buNone/>
-            </a:pPr>
-            <a:r>
-              <a:rPr lang="en-US" sz="1600" dirty="0" smtClean="0"/>
-              <a:t>&lt;</a:t>
-            </a:r>
-            <a:r>
-              <a:rPr lang="en-US" sz="1600" dirty="0" err="1"/>
-              <a:t>groupId</a:t>
-            </a:r>
-            <a:r>
-              <a:rPr lang="en-US" sz="1600" dirty="0"/>
-              <a:t>&gt;</a:t>
-            </a:r>
-            <a:r>
-              <a:rPr lang="en-US" sz="1600" dirty="0" err="1"/>
-              <a:t>org.springframework.boot</a:t>
-            </a:r>
-            <a:r>
-              <a:rPr lang="en-US" sz="1600" dirty="0"/>
-              <a:t>&lt;/</a:t>
-            </a:r>
-            <a:r>
-              <a:rPr lang="en-US" sz="1600" dirty="0" err="1"/>
-              <a:t>groupId</a:t>
-            </a:r>
-            <a:r>
-              <a:rPr lang="en-US" sz="1600" dirty="0"/>
-              <a:t>&gt;</a:t>
-            </a:r>
-          </a:p>
-          <a:p>
-            <a:pPr marL="365760" lvl="1" indent="0">
-              <a:buNone/>
-            </a:pPr>
-            <a:r>
-              <a:rPr lang="en-US" sz="1600" dirty="0" smtClean="0"/>
-              <a:t>&lt;</a:t>
-            </a:r>
-            <a:r>
-              <a:rPr lang="en-US" sz="1600" dirty="0" err="1"/>
-              <a:t>artifactId</a:t>
-            </a:r>
-            <a:r>
-              <a:rPr lang="en-US" sz="1600" dirty="0"/>
-              <a:t>&gt;spring-boot-starter</a:t>
-            </a:r>
-            <a:r>
-              <a:rPr lang="en-US" sz="1600" dirty="0" smtClean="0"/>
-              <a:t>-xxx&lt;</a:t>
-            </a:r>
-            <a:r>
-              <a:rPr lang="en-US" sz="1600" dirty="0"/>
-              <a:t>/</a:t>
-            </a:r>
-            <a:r>
-              <a:rPr lang="en-US" sz="1600" dirty="0" err="1"/>
-              <a:t>artifactId</a:t>
-            </a:r>
-            <a:r>
-              <a:rPr lang="en-US" sz="1600" dirty="0"/>
-              <a:t>&gt;</a:t>
+              <a:rPr lang="en-US" sz="1900" dirty="0"/>
+              <a:t>@</a:t>
+            </a:r>
+            <a:r>
+              <a:rPr lang="en-US" sz="1900" dirty="0" err="1"/>
+              <a:t>ContextConfiguration</a:t>
+            </a:r>
+            <a:r>
+              <a:rPr lang="en-US" sz="1900" dirty="0"/>
+              <a:t>(classes = { </a:t>
+            </a:r>
+            <a:r>
+              <a:rPr lang="en-US" sz="1900" dirty="0" err="1"/>
+              <a:t>PaymentConfig.class</a:t>
+            </a:r>
+            <a:r>
+              <a:rPr lang="en-US" sz="1900" dirty="0"/>
+              <a:t> })</a:t>
             </a:r>
           </a:p>
           <a:p>
@@ -16485,480 +16529,54 @@
               <a:buNone/>
             </a:pPr>
             <a:r>
-              <a:rPr lang="en-US" sz="1700" dirty="0" smtClean="0"/>
-              <a:t>&lt;</a:t>
-            </a:r>
-            <a:r>
-              <a:rPr lang="en-US" sz="1700" dirty="0"/>
-              <a:t>/dependency&gt;</a:t>
-            </a:r>
-            <a:endParaRPr lang="en-US" dirty="0"/>
+              <a:rPr lang="en-US" sz="1900" dirty="0"/>
+              <a:t>@</a:t>
+            </a:r>
+            <a:r>
+              <a:rPr lang="en-US" sz="1900" dirty="0" err="1"/>
+              <a:t>ActiveProfiles</a:t>
+            </a:r>
+            <a:r>
+              <a:rPr lang="en-US" sz="1900" dirty="0"/>
+              <a:t>(profiles = { "</a:t>
+            </a:r>
+            <a:r>
+              <a:rPr lang="en-US" sz="1900" dirty="0" err="1"/>
+              <a:t>dev</a:t>
+            </a:r>
+            <a:r>
+              <a:rPr lang="en-US" sz="1900" dirty="0"/>
+              <a:t>" })</a:t>
+            </a:r>
+          </a:p>
+          <a:p>
+            <a:pPr marL="68580" indent="0">
+              <a:buNone/>
+            </a:pPr>
+            <a:r>
+              <a:rPr lang="en-US" sz="1900" dirty="0"/>
+              <a:t>public class </a:t>
+            </a:r>
+            <a:r>
+              <a:rPr lang="en-US" sz="1900" dirty="0" err="1"/>
+              <a:t>PaymentServiceTest</a:t>
+            </a:r>
+            <a:r>
+              <a:rPr lang="en-US" sz="1900" dirty="0"/>
+              <a:t> </a:t>
+            </a:r>
+            <a:r>
+              <a:rPr lang="en-US" sz="1900" dirty="0" smtClean="0"/>
+              <a:t>{}</a:t>
+            </a:r>
+            <a:endParaRPr lang="en-US" sz="1900" dirty="0"/>
           </a:p>
         </p:txBody>
       </p:sp>
     </p:spTree>
     <p:extLst>
       <p:ext uri="{BB962C8B-B14F-4D97-AF65-F5344CB8AC3E}">
-        <p14:creationId xmlns:p14="http://schemas.microsoft.com/office/powerpoint/2010/main" val="2162724376"/>
-      </p:ext>
-    </p:extLst>
-  </p:cSld>
-  <p:clrMapOvr>
-    <a:masterClrMapping/>
-  </p:clrMapOvr>
-  <p:timing>
-    <p:tnLst>
-      <p:par>
-        <p:cTn xmlns:p14="http://schemas.microsoft.com/office/powerpoint/2010/main" id="1" dur="indefinite" restart="never" nodeType="tmRoot"/>
-      </p:par>
-    </p:tnLst>
-  </p:timing>
-</p:sld>
-</file>
-
-<file path=ppt/slides/slide24.xml><?xml version="1.0" encoding="utf-8"?>
-<p:sld xmlns:a="http://schemas.openxmlformats.org/drawingml/2006/main" xmlns:r="http://schemas.openxmlformats.org/officeDocument/2006/relationships" xmlns:p="http://schemas.openxmlformats.org/presentationml/2006/main">
-  <p:cSld>
-    <p:spTree>
-      <p:nvGrpSpPr>
-        <p:cNvPr id="1" name=""/>
-        <p:cNvGrpSpPr/>
-        <p:nvPr/>
-      </p:nvGrpSpPr>
-      <p:grpSpPr>
-        <a:xfrm>
-          <a:off x="0" y="0"/>
-          <a:ext cx="0" cy="0"/>
-          <a:chOff x="0" y="0"/>
-          <a:chExt cx="0" cy="0"/>
-        </a:xfrm>
-      </p:grpSpPr>
-      <p:sp>
-        <p:nvSpPr>
-          <p:cNvPr id="3" name="Content Placeholder 2"/>
-          <p:cNvSpPr>
-            <a:spLocks noGrp="1"/>
-          </p:cNvSpPr>
-          <p:nvPr>
-            <p:ph idx="1"/>
-          </p:nvPr>
-        </p:nvSpPr>
-        <p:spPr>
-          <a:xfrm>
-            <a:off x="1043492" y="899700"/>
-            <a:ext cx="6777317" cy="4932930"/>
-          </a:xfrm>
-        </p:spPr>
-        <p:txBody>
-          <a:bodyPr>
-            <a:normAutofit/>
-          </a:bodyPr>
-          <a:lstStyle/>
-          <a:p>
-            <a:r>
-              <a:rPr lang="en-US" dirty="0" smtClean="0"/>
-              <a:t>Write simple java class and write below code in main method</a:t>
-            </a:r>
-          </a:p>
-          <a:p>
-            <a:pPr marL="68580" indent="0">
-              <a:buNone/>
-            </a:pPr>
-            <a:r>
-              <a:rPr lang="en-US" dirty="0"/>
-              <a:t> </a:t>
-            </a:r>
-            <a:r>
-              <a:rPr lang="en-US" sz="1900" b="1" dirty="0"/>
-              <a:t>final </a:t>
-            </a:r>
-            <a:r>
-              <a:rPr lang="en-US" sz="1900" b="1" dirty="0" err="1"/>
-              <a:t>SpringApplication</a:t>
-            </a:r>
-            <a:r>
-              <a:rPr lang="en-US" sz="1900" b="1" dirty="0"/>
-              <a:t> application = new </a:t>
-            </a:r>
-            <a:r>
-              <a:rPr lang="en-US" sz="1900" b="1" dirty="0" err="1"/>
-              <a:t>SpringApplication</a:t>
-            </a:r>
-            <a:r>
-              <a:rPr lang="en-US" sz="1900" b="1" dirty="0"/>
-              <a:t>(</a:t>
-            </a:r>
-            <a:r>
-              <a:rPr lang="en-US" sz="1900" b="1" dirty="0" err="1"/>
-              <a:t>BootApplication.class</a:t>
-            </a:r>
-            <a:r>
-              <a:rPr lang="en-US" sz="1900" b="1" dirty="0"/>
-              <a:t>)</a:t>
-            </a:r>
-            <a:r>
-              <a:rPr lang="en-US" sz="1900" b="1" dirty="0" smtClean="0"/>
-              <a:t>;</a:t>
-            </a:r>
-          </a:p>
-          <a:p>
-            <a:pPr marL="68580" indent="0">
-              <a:buNone/>
-            </a:pPr>
-            <a:endParaRPr lang="en-US" sz="1900" b="1" dirty="0"/>
-          </a:p>
-          <a:p>
-            <a:pPr marL="68580" indent="0">
-              <a:buNone/>
-            </a:pPr>
-            <a:r>
-              <a:rPr lang="en-US" sz="1900" dirty="0"/>
-              <a:t>        </a:t>
-            </a:r>
-            <a:r>
-              <a:rPr lang="en-US" sz="1900" b="1" dirty="0"/>
-              <a:t>final Properties properties = new Properties();</a:t>
-            </a:r>
-          </a:p>
-          <a:p>
-            <a:pPr marL="68580" indent="0">
-              <a:buNone/>
-            </a:pPr>
-            <a:r>
-              <a:rPr lang="en-US" sz="1900" dirty="0"/>
-              <a:t>        </a:t>
-            </a:r>
-            <a:r>
-              <a:rPr lang="en-US" sz="1900" dirty="0" err="1"/>
-              <a:t>properties.put</a:t>
-            </a:r>
-            <a:r>
-              <a:rPr lang="en-US" sz="1900" dirty="0"/>
-              <a:t>("</a:t>
-            </a:r>
-            <a:r>
-              <a:rPr lang="en-US" sz="1900" dirty="0" err="1"/>
-              <a:t>server.servletPath</a:t>
-            </a:r>
-            <a:r>
-              <a:rPr lang="en-US" sz="1900" dirty="0"/>
-              <a:t>", "/</a:t>
-            </a:r>
-            <a:r>
-              <a:rPr lang="en-US" sz="1900" dirty="0" err="1"/>
-              <a:t>api</a:t>
-            </a:r>
-            <a:r>
-              <a:rPr lang="en-US" sz="1900" dirty="0"/>
-              <a:t>/*")</a:t>
-            </a:r>
-            <a:r>
-              <a:rPr lang="en-US" sz="1900" dirty="0" smtClean="0"/>
-              <a:t>;</a:t>
-            </a:r>
-          </a:p>
-          <a:p>
-            <a:pPr marL="68580" indent="0">
-              <a:buNone/>
-            </a:pPr>
-            <a:r>
-              <a:rPr lang="en-US" sz="1900" dirty="0" smtClean="0"/>
-              <a:t>/</a:t>
-            </a:r>
-            <a:r>
-              <a:rPr lang="en-US" sz="1900" dirty="0"/>
-              <a:t>/ dispatch </a:t>
-            </a:r>
-            <a:r>
-              <a:rPr lang="en-US" sz="1900" u="sng" dirty="0"/>
-              <a:t>Servlet path can be set here</a:t>
-            </a:r>
-          </a:p>
-          <a:p>
-            <a:pPr marL="68580" indent="0">
-              <a:buNone/>
-            </a:pPr>
-            <a:r>
-              <a:rPr lang="en-US" sz="1900" dirty="0"/>
-              <a:t>        </a:t>
-            </a:r>
-            <a:r>
-              <a:rPr lang="en-US" sz="1900" dirty="0" err="1"/>
-              <a:t>application.setBannerMode</a:t>
-            </a:r>
-            <a:r>
-              <a:rPr lang="en-US" sz="1900" dirty="0"/>
-              <a:t>(</a:t>
-            </a:r>
-            <a:r>
-              <a:rPr lang="en-US" sz="1900" dirty="0" err="1"/>
-              <a:t>Mode.</a:t>
-            </a:r>
-            <a:r>
-              <a:rPr lang="en-US" sz="1900" b="1" i="1" dirty="0" err="1"/>
-              <a:t>OFF</a:t>
-            </a:r>
-            <a:r>
-              <a:rPr lang="en-US" sz="1900" b="1" i="1" dirty="0"/>
-              <a:t>);</a:t>
-            </a:r>
-          </a:p>
-          <a:p>
-            <a:pPr marL="68580" indent="0">
-              <a:buNone/>
-            </a:pPr>
-            <a:r>
-              <a:rPr lang="en-US" sz="1900" dirty="0"/>
-              <a:t>        </a:t>
-            </a:r>
-            <a:r>
-              <a:rPr lang="en-US" sz="1900" dirty="0" err="1"/>
-              <a:t>application.setDefaultProperties</a:t>
-            </a:r>
-            <a:r>
-              <a:rPr lang="en-US" sz="1900" dirty="0"/>
-              <a:t>(properties);</a:t>
-            </a:r>
-          </a:p>
-          <a:p>
-            <a:pPr marL="68580" indent="0">
-              <a:buNone/>
-            </a:pPr>
-            <a:r>
-              <a:rPr lang="en-US" sz="1900" dirty="0"/>
-              <a:t>        </a:t>
-            </a:r>
-            <a:r>
-              <a:rPr lang="en-US" sz="1900" dirty="0" err="1"/>
-              <a:t>application.run</a:t>
-            </a:r>
-            <a:r>
-              <a:rPr lang="en-US" sz="1900" dirty="0"/>
-              <a:t>();</a:t>
-            </a:r>
-          </a:p>
-        </p:txBody>
-      </p:sp>
-    </p:spTree>
-    <p:extLst>
-      <p:ext uri="{BB962C8B-B14F-4D97-AF65-F5344CB8AC3E}">
-        <p14:creationId xmlns:p14="http://schemas.microsoft.com/office/powerpoint/2010/main" val="544636537"/>
-      </p:ext>
-    </p:extLst>
-  </p:cSld>
-  <p:clrMapOvr>
-    <a:masterClrMapping/>
-  </p:clrMapOvr>
-</p:sld>
-</file>
-
-<file path=ppt/slides/slide25.xml><?xml version="1.0" encoding="utf-8"?>
-<p:sld xmlns:a="http://schemas.openxmlformats.org/drawingml/2006/main" xmlns:r="http://schemas.openxmlformats.org/officeDocument/2006/relationships" xmlns:p="http://schemas.openxmlformats.org/presentationml/2006/main">
-  <p:cSld>
-    <p:spTree>
-      <p:nvGrpSpPr>
-        <p:cNvPr id="1" name=""/>
-        <p:cNvGrpSpPr/>
-        <p:nvPr/>
-      </p:nvGrpSpPr>
-      <p:grpSpPr>
-        <a:xfrm>
-          <a:off x="0" y="0"/>
-          <a:ext cx="0" cy="0"/>
-          <a:chOff x="0" y="0"/>
-          <a:chExt cx="0" cy="0"/>
-        </a:xfrm>
-      </p:grpSpPr>
-      <p:sp>
-        <p:nvSpPr>
-          <p:cNvPr id="2" name="Title 1"/>
-          <p:cNvSpPr>
-            <a:spLocks noGrp="1"/>
-          </p:cNvSpPr>
-          <p:nvPr>
-            <p:ph type="title"/>
-          </p:nvPr>
-        </p:nvSpPr>
-        <p:spPr>
-          <a:xfrm>
-            <a:off x="1089024" y="274638"/>
-            <a:ext cx="6731361" cy="766994"/>
-          </a:xfrm>
-        </p:spPr>
-        <p:txBody>
-          <a:bodyPr/>
-          <a:lstStyle/>
-          <a:p>
-            <a:r>
-              <a:rPr lang="en-US" sz="2800" dirty="0" smtClean="0"/>
-              <a:t>Session Scope Bean</a:t>
-            </a:r>
-            <a:endParaRPr lang="en-US" sz="2800" dirty="0"/>
-          </a:p>
-        </p:txBody>
-      </p:sp>
-      <p:sp>
-        <p:nvSpPr>
-          <p:cNvPr id="3" name="Content Placeholder 2"/>
-          <p:cNvSpPr>
-            <a:spLocks noGrp="1"/>
-          </p:cNvSpPr>
-          <p:nvPr>
-            <p:ph idx="1"/>
-          </p:nvPr>
-        </p:nvSpPr>
-        <p:spPr>
-          <a:xfrm>
-            <a:off x="1089024" y="1155784"/>
-            <a:ext cx="7272339" cy="4970380"/>
-          </a:xfrm>
-        </p:spPr>
-        <p:txBody>
-          <a:bodyPr/>
-          <a:lstStyle/>
-          <a:p>
-            <a:r>
-              <a:rPr lang="en-US" sz="2000" dirty="0" smtClean="0"/>
-              <a:t>Session Scope Bean is created per session base.</a:t>
-            </a:r>
-          </a:p>
-          <a:p>
-            <a:r>
-              <a:rPr lang="en-US" sz="2000" dirty="0" smtClean="0"/>
-              <a:t>How can we inject Session Scope Bean into Singleton Bean? And how does it works?</a:t>
-            </a:r>
-          </a:p>
-          <a:p>
-            <a:pPr marL="0" indent="0">
-              <a:buNone/>
-            </a:pPr>
-            <a:endParaRPr lang="en-US" sz="2000" dirty="0" smtClean="0"/>
-          </a:p>
-          <a:p>
-            <a:pPr indent="-342900">
-              <a:buFont typeface="Wingdings" charset="2"/>
-              <a:buChar char="Ø"/>
-            </a:pPr>
-            <a:r>
-              <a:rPr lang="en-US" sz="2000" b="1" dirty="0" smtClean="0"/>
-              <a:t>Interface Injection</a:t>
-            </a:r>
-          </a:p>
-          <a:p>
-            <a:pPr marL="0" indent="0">
-              <a:buNone/>
-            </a:pPr>
-            <a:r>
-              <a:rPr lang="en-US" sz="1800" dirty="0" smtClean="0"/>
-              <a:t>@</a:t>
-            </a:r>
-            <a:r>
-              <a:rPr lang="en-US" sz="1800" dirty="0"/>
-              <a:t>Scope(value = </a:t>
-            </a:r>
-            <a:r>
-              <a:rPr lang="en-US" sz="1800" dirty="0" err="1"/>
-              <a:t>WebApplicationContext.</a:t>
-            </a:r>
-            <a:r>
-              <a:rPr lang="en-US" sz="1800" b="1" i="1" dirty="0" err="1"/>
-              <a:t>SCOPE_SESSION</a:t>
-            </a:r>
-            <a:r>
-              <a:rPr lang="en-US" sz="1800" b="1" i="1" dirty="0"/>
-              <a:t>, </a:t>
-            </a:r>
-            <a:r>
-              <a:rPr lang="en-US" sz="1800" b="1" i="1" dirty="0" err="1"/>
-              <a:t>proxyMode</a:t>
-            </a:r>
-            <a:r>
-              <a:rPr lang="en-US" sz="1800" b="1" i="1" dirty="0"/>
-              <a:t> = </a:t>
-            </a:r>
-            <a:r>
-              <a:rPr lang="en-US" sz="1800" b="1" i="1" dirty="0" err="1"/>
-              <a:t>ScopedProxyMode.INTERFACES</a:t>
-            </a:r>
-            <a:r>
-              <a:rPr lang="en-US" sz="1800" b="1" i="1" dirty="0"/>
-              <a:t>)</a:t>
-            </a:r>
-            <a:endParaRPr lang="en-US" sz="1800" dirty="0"/>
-          </a:p>
-          <a:p>
-            <a:pPr indent="-342900">
-              <a:buFont typeface="Wingdings" charset="2"/>
-              <a:buChar char="Ø"/>
-            </a:pPr>
-            <a:endParaRPr lang="en-US" sz="2000" dirty="0" smtClean="0"/>
-          </a:p>
-          <a:p>
-            <a:pPr indent="-342900">
-              <a:buFont typeface="Wingdings" charset="2"/>
-              <a:buChar char="Ø"/>
-            </a:pPr>
-            <a:r>
-              <a:rPr lang="en-US" sz="2000" b="1" dirty="0" smtClean="0"/>
-              <a:t>Concrete Class Injection</a:t>
-            </a:r>
-          </a:p>
-          <a:p>
-            <a:pPr marL="0" indent="0">
-              <a:buNone/>
-            </a:pPr>
-            <a:r>
-              <a:rPr lang="en-US" sz="1800" dirty="0" smtClean="0"/>
-              <a:t>@</a:t>
-            </a:r>
-            <a:r>
-              <a:rPr lang="en-US" sz="1800" dirty="0"/>
-              <a:t>Scope(value = </a:t>
-            </a:r>
-            <a:r>
-              <a:rPr lang="en-US" sz="1800" dirty="0" err="1"/>
-              <a:t>WebApplicationContext.</a:t>
-            </a:r>
-            <a:r>
-              <a:rPr lang="en-US" sz="1800" b="1" i="1" dirty="0" err="1"/>
-              <a:t>SCOPE_SESSION</a:t>
-            </a:r>
-            <a:r>
-              <a:rPr lang="en-US" sz="1800" b="1" i="1" dirty="0"/>
-              <a:t>, </a:t>
-            </a:r>
-            <a:r>
-              <a:rPr lang="en-US" sz="1800" b="1" i="1" dirty="0" err="1"/>
-              <a:t>proxyMode</a:t>
-            </a:r>
-            <a:r>
-              <a:rPr lang="en-US" sz="1800" b="1" i="1" dirty="0"/>
-              <a:t> = </a:t>
-            </a:r>
-            <a:r>
-              <a:rPr lang="en-US" sz="1800" b="1" i="1" dirty="0" err="1"/>
-              <a:t>ScopedProxyMode.TARGET_CLASS</a:t>
-            </a:r>
-            <a:r>
-              <a:rPr lang="en-US" sz="1800" b="1" i="1" dirty="0" smtClean="0"/>
-              <a:t>)</a:t>
-            </a:r>
-          </a:p>
-          <a:p>
-            <a:endParaRPr lang="en-US" b="1" i="1" dirty="0" smtClean="0"/>
-          </a:p>
-          <a:p>
-            <a:pPr marL="0" indent="0">
-              <a:buNone/>
-            </a:pPr>
-            <a:endParaRPr lang="en-US" dirty="0"/>
-          </a:p>
-        </p:txBody>
-      </p:sp>
-    </p:spTree>
-    <p:extLst>
-      <p:ext uri="{BB962C8B-B14F-4D97-AF65-F5344CB8AC3E}">
-        <p14:creationId xmlns:p14="http://schemas.microsoft.com/office/powerpoint/2010/main" val="373611597"/>
+        <p14:creationId xmlns:p14="http://schemas.microsoft.com/office/powerpoint/2010/main" val="1213302092"/>
       </p:ext>
     </p:extLst>
   </p:cSld>
@@ -17015,8 +16633,16 @@
           <a:lstStyle/>
           <a:p>
             <a:r>
+              <a:rPr lang="en-US" sz="3200" dirty="0" err="1" smtClean="0"/>
+              <a:t>IoC</a:t>
+            </a:r>
+            <a:r>
               <a:rPr lang="en-US" sz="3200" dirty="0" smtClean="0"/>
-              <a:t>Introduction</a:t>
+              <a:t> Introduction </a:t>
+            </a:r>
+            <a:r>
+              <a:rPr lang="en-US" sz="2400" dirty="0" smtClean="0"/>
+              <a:t>(from spring docs)</a:t>
             </a:r>
             <a:endParaRPr lang="en-US" sz="3200" dirty="0"/>
           </a:p>
@@ -17035,81 +16661,100 @@
         <p:spPr>
           <a:xfrm>
             <a:off x="1043492" y="1464216"/>
-            <a:ext cx="6777317" cy="4368413"/>
+            <a:ext cx="7176627" cy="4368413"/>
           </a:xfrm>
         </p:spPr>
         <p:txBody>
           <a:bodyPr>
-            <a:normAutofit fontScale="92500" lnSpcReduction="20000"/>
+            <a:normAutofit fontScale="92500"/>
           </a:bodyPr>
           <a:lstStyle/>
           <a:p>
             <a:r>
-              <a:rPr lang="en-US" b="1" dirty="0"/>
-              <a:t>IOC(Inversion Of Controller):</a:t>
-            </a:r>
-            <a:r>
               <a:rPr lang="en-US" dirty="0"/>
-              <a:t>   Giving control to the container to get instance of object is called Inversion of Control., means instead of you are creating object using new operator, let the container do that for you</a:t>
+              <a:t> </a:t>
+            </a:r>
+            <a:r>
+              <a:rPr lang="en-US" b="1" dirty="0" err="1"/>
+              <a:t>IoC</a:t>
+            </a:r>
+            <a:r>
+              <a:rPr lang="en-US" dirty="0"/>
+              <a:t> is also known as dependency injection (DI)</a:t>
             </a:r>
             <a:r>
               <a:rPr lang="en-US" dirty="0" smtClean="0"/>
               <a:t>.</a:t>
             </a:r>
-          </a:p>
-          <a:p>
             <a:endParaRPr lang="en-US" dirty="0"/>
           </a:p>
           <a:p>
             <a:r>
-              <a:rPr lang="en-US" b="1" dirty="0"/>
-              <a:t>DI(Dependency Injection)</a:t>
-            </a:r>
-            <a:r>
               <a:rPr lang="en-US" dirty="0"/>
-              <a:t>:  Way of injecting properties to an object is called Dependency injection.</a:t>
-            </a:r>
-          </a:p>
-          <a:p>
-            <a:pPr marL="68580" indent="0">
-              <a:buNone/>
-            </a:pPr>
+              <a:t> It is a process whereby objects define their dependencies, that is, the other objects they work with, only through </a:t>
+            </a:r>
+            <a:r>
+              <a:rPr lang="en-US" dirty="0">
+                <a:solidFill>
+                  <a:srgbClr val="FF0000"/>
+                </a:solidFill>
+              </a:rPr>
+              <a:t>constructor arguments</a:t>
+            </a:r>
+            <a:r>
+              <a:rPr lang="en-US" dirty="0"/>
+              <a:t>, arguments to a </a:t>
+            </a:r>
+            <a:r>
+              <a:rPr lang="en-US" dirty="0">
+                <a:solidFill>
+                  <a:srgbClr val="FF0000"/>
+                </a:solidFill>
+              </a:rPr>
+              <a:t>factory method</a:t>
+            </a:r>
+            <a:r>
+              <a:rPr lang="en-US" dirty="0"/>
+              <a:t>, or </a:t>
+            </a:r>
+            <a:r>
+              <a:rPr lang="en-US" dirty="0">
+                <a:solidFill>
+                  <a:srgbClr val="FF0000"/>
+                </a:solidFill>
+              </a:rPr>
+              <a:t>properties that are set on the object instance</a:t>
+            </a:r>
+            <a:r>
+              <a:rPr lang="en-US" dirty="0"/>
+              <a:t> after it is constructed or returned from a factory method</a:t>
+            </a:r>
+            <a:r>
+              <a:rPr lang="en-US" dirty="0" smtClean="0"/>
+              <a:t>.</a:t>
+            </a:r>
             <a:endParaRPr lang="en-US" dirty="0"/>
           </a:p>
           <a:p>
-            <a:pPr marL="68580" indent="0">
-              <a:buNone/>
-            </a:pPr>
             <a:r>
               <a:rPr lang="en-US" dirty="0"/>
-              <a:t>    We have </a:t>
-            </a:r>
-            <a:r>
-              <a:rPr lang="en-US" dirty="0" smtClean="0"/>
-              <a:t>two types </a:t>
-            </a:r>
+              <a:t> The container then injects those dependencies when it creates the bean. </a:t>
+            </a:r>
+          </a:p>
+          <a:p>
             <a:r>
               <a:rPr lang="en-US" dirty="0"/>
-              <a:t>of Dependency injection</a:t>
-            </a:r>
-          </a:p>
-          <a:p>
-            <a:pPr marL="68580" indent="0">
-              <a:buNone/>
-            </a:pPr>
+              <a:t> This process is fundamentally the inverse, hence the name Inversion of Control (</a:t>
+            </a:r>
+            <a:r>
+              <a:rPr lang="en-US" dirty="0" err="1"/>
+              <a:t>IoC</a:t>
+            </a:r>
             <a:r>
               <a:rPr lang="en-US" dirty="0"/>
-              <a:t>        1)  Constructor Injection</a:t>
-            </a:r>
-          </a:p>
-          <a:p>
-            <a:pPr marL="68580" indent="0">
-              <a:buNone/>
-            </a:pPr>
-            <a:r>
-              <a:rPr lang="en-US" dirty="0"/>
-              <a:t>        2)  Setter/Getter Injection</a:t>
-            </a:r>
+              <a:t>)</a:t>
+            </a:r>
+            <a:endParaRPr lang="en-US" dirty="0"/>
           </a:p>
         </p:txBody>
       </p:sp>
@@ -17173,10 +16818,10 @@
           <a:lstStyle/>
           <a:p>
             <a:r>
-              <a:rPr lang="en-US" sz="3200" dirty="0" smtClean="0"/>
+              <a:rPr lang="en-US" sz="2800" dirty="0" smtClean="0"/>
               <a:t>Types of Containers</a:t>
             </a:r>
-            <a:endParaRPr lang="en-US" sz="3200" dirty="0"/>
+            <a:endParaRPr lang="en-US" sz="2800" dirty="0"/>
           </a:p>
         </p:txBody>
       </p:sp>
@@ -17198,126 +16843,176 @@
         </p:spPr>
         <p:txBody>
           <a:bodyPr>
-            <a:normAutofit fontScale="70000" lnSpcReduction="20000"/>
+            <a:normAutofit fontScale="40000" lnSpcReduction="20000"/>
           </a:bodyPr>
           <a:lstStyle/>
           <a:p>
-            <a:r>
-              <a:rPr lang="en-US" b="1" dirty="0" err="1" smtClean="0"/>
-              <a:t>BeanFactory</a:t>
-            </a:r>
-            <a:r>
-              <a:rPr lang="en-US" dirty="0" smtClean="0"/>
-              <a:t> </a:t>
-            </a:r>
-            <a:r>
-              <a:rPr lang="en-US" dirty="0"/>
-              <a:t>Container: This is the simplest container providing basic support for </a:t>
-            </a:r>
-            <a:r>
-              <a:rPr lang="en-US" dirty="0" smtClean="0"/>
-              <a:t>DI</a:t>
-            </a:r>
+            <a:endParaRPr lang="en-US" b="1" dirty="0" smtClean="0"/>
           </a:p>
           <a:p>
             <a:pPr marL="68580" indent="0">
               <a:buNone/>
             </a:pPr>
-            <a:endParaRPr lang="en-US" dirty="0" smtClean="0"/>
-          </a:p>
-          <a:p>
-            <a:r>
-              <a:rPr lang="en-US" b="1" dirty="0" err="1" smtClean="0"/>
-              <a:t>ApplicationContext</a:t>
-            </a:r>
-            <a:r>
-              <a:rPr lang="en-US" dirty="0"/>
-              <a:t> Container</a:t>
-            </a:r>
-            <a:r>
-              <a:rPr lang="en-US" dirty="0" smtClean="0"/>
-              <a:t>: This </a:t>
-            </a:r>
-            <a:r>
-              <a:rPr lang="en-US" dirty="0"/>
-              <a:t>container adds more enterprise-specific functionality such as the ability to resolve textual messages from a properties file and the ability to publish application events to interested event listeners. </a:t>
-            </a:r>
-            <a:endParaRPr lang="en-US" dirty="0" smtClean="0"/>
+            <a:r>
+              <a:rPr lang="en-US" sz="4300" b="1" dirty="0" smtClean="0"/>
+              <a:t>Spring follows </a:t>
+            </a:r>
+            <a:r>
+              <a:rPr lang="en-US" sz="4300" b="1" dirty="0" err="1" smtClean="0"/>
+              <a:t>Ioc</a:t>
+            </a:r>
+            <a:r>
+              <a:rPr lang="en-US" sz="4300" b="1" dirty="0" smtClean="0"/>
+              <a:t> </a:t>
+            </a:r>
+            <a:r>
+              <a:rPr lang="en-US" sz="4300" b="1" dirty="0" err="1" smtClean="0"/>
+              <a:t>Priciple</a:t>
+            </a:r>
+            <a:r>
+              <a:rPr lang="en-US" sz="4300" b="1" dirty="0" smtClean="0"/>
+              <a:t> and implements its container.</a:t>
+            </a:r>
           </a:p>
           <a:p>
             <a:pPr marL="68580" indent="0">
               <a:buNone/>
             </a:pPr>
-            <a:endParaRPr lang="en-US" dirty="0" smtClean="0"/>
+            <a:endParaRPr lang="en-US" sz="4300" b="1" dirty="0" smtClean="0"/>
           </a:p>
           <a:p>
             <a:pPr marL="68580" indent="0">
               <a:buNone/>
             </a:pPr>
-            <a:r>
-              <a:rPr lang="en-US" dirty="0" smtClean="0"/>
-              <a:t>There are three important implementation of spring container</a:t>
-            </a:r>
-            <a:endParaRPr lang="en-US" dirty="0"/>
+            <a:endParaRPr lang="en-US" sz="4300" b="1" dirty="0"/>
           </a:p>
           <a:p>
             <a:pPr marL="68580" indent="0">
               <a:buNone/>
             </a:pPr>
-            <a:endParaRPr lang="en-US" dirty="0"/>
-          </a:p>
-          <a:p>
-            <a:r>
-              <a:rPr lang="en-US" dirty="0" err="1" smtClean="0"/>
-              <a:t>ClassPathXmlApplicationContext</a:t>
-            </a:r>
-            <a:endParaRPr lang="en-US" b="1" u="sng" dirty="0"/>
+            <a:r>
+              <a:rPr lang="en-US" sz="4300" b="1" dirty="0" smtClean="0"/>
+              <a:t>There are two types of containers</a:t>
+            </a:r>
           </a:p>
           <a:p>
             <a:pPr marL="68580" indent="0">
               <a:buNone/>
             </a:pPr>
-            <a:endParaRPr lang="en-US" dirty="0"/>
-          </a:p>
-          <a:p>
-            <a:r>
-              <a:rPr lang="en-US" dirty="0" err="1" smtClean="0"/>
-              <a:t>FileSystemXmlApplicationContext</a:t>
-            </a:r>
-            <a:endParaRPr lang="en-US" b="1" u="sng" dirty="0"/>
+            <a:endParaRPr lang="en-US" sz="4300" b="1" dirty="0" smtClean="0"/>
+          </a:p>
+          <a:p>
+            <a:r>
+              <a:rPr lang="en-US" sz="4300" b="1" dirty="0" err="1" smtClean="0"/>
+              <a:t>BeanFactory</a:t>
+            </a:r>
+            <a:r>
+              <a:rPr lang="en-US" sz="4300" dirty="0" smtClean="0"/>
+              <a:t> </a:t>
+            </a:r>
+            <a:r>
+              <a:rPr lang="en-US" sz="4300" dirty="0"/>
+              <a:t>Container: This is the simplest container providing basic support for </a:t>
+            </a:r>
+            <a:r>
+              <a:rPr lang="en-US" sz="4300" dirty="0" smtClean="0"/>
+              <a:t>DI.</a:t>
+            </a:r>
+            <a:r>
+              <a:rPr lang="en-US" sz="4300" dirty="0" smtClean="0">
+                <a:solidFill>
+                  <a:srgbClr val="FF0000"/>
+                </a:solidFill>
+              </a:rPr>
+              <a:t> It creates beans on demands</a:t>
+            </a:r>
+            <a:endParaRPr lang="en-US" sz="4300" dirty="0" smtClean="0">
+              <a:solidFill>
+                <a:srgbClr val="FF0000"/>
+              </a:solidFill>
+            </a:endParaRPr>
           </a:p>
           <a:p>
             <a:pPr marL="68580" indent="0">
               <a:buNone/>
             </a:pPr>
-            <a:endParaRPr lang="en-US" dirty="0"/>
-          </a:p>
-          <a:p>
-            <a:r>
-              <a:rPr lang="en-US" b="1" dirty="0" err="1" smtClean="0"/>
-              <a:t>AnnotationConfigApplicationContext</a:t>
-            </a:r>
-            <a:endParaRPr lang="en-US" b="1" u="sng" dirty="0"/>
+            <a:endParaRPr lang="en-US" sz="4300" dirty="0" smtClean="0"/>
+          </a:p>
+          <a:p>
+            <a:r>
+              <a:rPr lang="en-US" sz="4300" b="1" dirty="0" err="1" smtClean="0"/>
+              <a:t>ApplicationContext</a:t>
+            </a:r>
+            <a:r>
+              <a:rPr lang="en-US" sz="4300" dirty="0"/>
+              <a:t> Container</a:t>
+            </a:r>
+            <a:r>
+              <a:rPr lang="en-US" sz="4300" dirty="0" smtClean="0"/>
+              <a:t>: This </a:t>
+            </a:r>
+            <a:r>
+              <a:rPr lang="en-US" sz="4300" dirty="0"/>
+              <a:t>container adds more enterprise-specific functionality such as the ability to resolve textual messages from a properties file and the ability to publish application events to interested event listeners. </a:t>
+            </a:r>
+            <a:endParaRPr lang="en-US" sz="4300" dirty="0" smtClean="0"/>
           </a:p>
           <a:p>
             <a:pPr marL="68580" indent="0">
               <a:buNone/>
             </a:pPr>
             <a:r>
-              <a:rPr lang="en-US" dirty="0" smtClean="0"/>
+              <a:rPr lang="en-US" sz="4300" dirty="0"/>
               <a:t> </a:t>
             </a:r>
-            <a:endParaRPr lang="en-US" dirty="0"/>
+            <a:r>
+              <a:rPr lang="en-US" sz="4300" dirty="0" smtClean="0"/>
+              <a:t>   </a:t>
+            </a:r>
+            <a:r>
+              <a:rPr lang="en-US" sz="4300" dirty="0" smtClean="0">
+                <a:solidFill>
+                  <a:srgbClr val="FF0000"/>
+                </a:solidFill>
+              </a:rPr>
+              <a:t> It creates beans upon starting the application.</a:t>
+            </a:r>
+            <a:endParaRPr lang="en-US" sz="4300" dirty="0" smtClean="0">
+              <a:solidFill>
+                <a:srgbClr val="FF0000"/>
+              </a:solidFill>
+            </a:endParaRPr>
           </a:p>
           <a:p>
             <a:pPr marL="68580" indent="0">
               <a:buNone/>
             </a:pPr>
+            <a:endParaRPr lang="en-US" sz="4300" dirty="0"/>
+          </a:p>
+          <a:p>
+            <a:pPr marL="68580" indent="0">
+              <a:buNone/>
+            </a:pPr>
+            <a:endParaRPr lang="en-US" sz="4300" b="1" u="sng" dirty="0" smtClean="0"/>
+          </a:p>
+          <a:p>
+            <a:pPr marL="68580" indent="0">
+              <a:buNone/>
+            </a:pPr>
+            <a:r>
+              <a:rPr lang="en-US" sz="4300" dirty="0" smtClean="0"/>
+              <a:t> </a:t>
+            </a:r>
+            <a:endParaRPr lang="en-US" sz="4300" dirty="0"/>
+          </a:p>
+          <a:p>
+            <a:pPr marL="68580" indent="0">
+              <a:buNone/>
+            </a:pPr>
             <a:r>
               <a:rPr lang="en-US" dirty="0"/>
               <a:t> </a:t>
             </a:r>
-            <a:endParaRPr lang="en-US" dirty="0"/>
           </a:p>
         </p:txBody>
       </p:sp>
@@ -17370,243 +17065,52 @@
         </p:nvSpPr>
         <p:spPr>
           <a:xfrm>
-            <a:off x="1089024" y="274637"/>
-            <a:ext cx="7272339" cy="709919"/>
+            <a:off x="1043490" y="811493"/>
+            <a:ext cx="6777319" cy="705647"/>
           </a:xfrm>
         </p:spPr>
         <p:txBody>
-          <a:bodyPr/>
+          <a:bodyPr>
+            <a:noAutofit/>
+          </a:bodyPr>
           <a:lstStyle/>
           <a:p>
             <a:r>
-              <a:rPr lang="en-US" sz="2400" dirty="0" smtClean="0"/>
-              <a:t>Spring Bean Lifecycle</a:t>
-            </a:r>
-            <a:endParaRPr lang="en-US" sz="2400" dirty="0"/>
+              <a:rPr lang="en-US" sz="2800" dirty="0" smtClean="0"/>
+              <a:t>Spring container hierarchy</a:t>
+            </a:r>
+            <a:endParaRPr lang="en-US" sz="2800" dirty="0"/>
           </a:p>
         </p:txBody>
       </p:sp>
-      <p:sp>
-        <p:nvSpPr>
-          <p:cNvPr id="3" name="Content Placeholder 2"/>
-          <p:cNvSpPr>
-            <a:spLocks noGrp="1"/>
-          </p:cNvSpPr>
+      <p:pic>
+        <p:nvPicPr>
+          <p:cNvPr id="4" name="Content Placeholder 3"/>
+          <p:cNvPicPr>
+            <a:picLocks noGrp="1" noChangeAspect="1"/>
+          </p:cNvPicPr>
           <p:nvPr>
             <p:ph idx="1"/>
           </p:nvPr>
-        </p:nvSpPr>
+        </p:nvPicPr>
+        <p:blipFill>
+          <a:blip r:embed="rId2"/>
+          <a:srcRect t="-7553" b="-7553"/>
+          <a:stretch>
+            <a:fillRect/>
+          </a:stretch>
+        </p:blipFill>
         <p:spPr>
           <a:xfrm>
-            <a:off x="1089024" y="984556"/>
-            <a:ext cx="7272339" cy="5141607"/>
+            <a:off x="1042988" y="1517650"/>
+            <a:ext cx="6777037" cy="4314825"/>
           </a:xfrm>
         </p:spPr>
-        <p:txBody>
-          <a:bodyPr/>
-          <a:lstStyle/>
-          <a:p>
-            <a:r>
-              <a:rPr lang="en-US" sz="1600" b="1" dirty="0" smtClean="0"/>
-              <a:t>Unlike normal java beans spring has various life cycle phases in which we can enhance spring bean.</a:t>
-            </a:r>
-          </a:p>
-          <a:p>
-            <a:pPr lvl="1"/>
-            <a:r>
-              <a:rPr lang="en-US" sz="1600" dirty="0" smtClean="0"/>
-              <a:t>Instantiation: instantiation of the bean</a:t>
-            </a:r>
-          </a:p>
-          <a:p>
-            <a:pPr lvl="1"/>
-            <a:r>
-              <a:rPr lang="en-US" sz="1600" dirty="0" smtClean="0"/>
-              <a:t>Populates properties: spring inject the properties and other object references.</a:t>
-            </a:r>
-          </a:p>
-          <a:p>
-            <a:pPr lvl="1"/>
-            <a:r>
-              <a:rPr lang="en-US" sz="1600" dirty="0" smtClean="0"/>
-              <a:t>Interface </a:t>
-            </a:r>
-            <a:r>
-              <a:rPr lang="en-US" sz="1600" dirty="0" err="1" smtClean="0"/>
-              <a:t>BeanNameAware</a:t>
-            </a:r>
-            <a:r>
-              <a:rPr lang="en-US" sz="1600" dirty="0" smtClean="0"/>
-              <a:t> : </a:t>
-            </a:r>
-            <a:r>
-              <a:rPr lang="en-US" sz="1600" dirty="0" err="1" smtClean="0"/>
-              <a:t>setBeanName</a:t>
-            </a:r>
-            <a:r>
-              <a:rPr lang="en-US" sz="1600" dirty="0" smtClean="0"/>
-              <a:t> method</a:t>
-            </a:r>
-          </a:p>
-          <a:p>
-            <a:pPr lvl="1"/>
-            <a:r>
-              <a:rPr lang="en-US" sz="1600" dirty="0" smtClean="0"/>
-              <a:t>Interface </a:t>
-            </a:r>
-            <a:r>
-              <a:rPr lang="en-US" sz="1600" dirty="0" err="1" smtClean="0"/>
-              <a:t>BeanFactoryAware</a:t>
-            </a:r>
-            <a:r>
-              <a:rPr lang="en-US" sz="1600" dirty="0" smtClean="0"/>
-              <a:t> :</a:t>
-            </a:r>
-            <a:r>
-              <a:rPr lang="en-US" sz="1600" dirty="0" err="1" smtClean="0"/>
-              <a:t>setBeanFactory</a:t>
-            </a:r>
-            <a:r>
-              <a:rPr lang="en-US" sz="1600" dirty="0" smtClean="0"/>
-              <a:t> method </a:t>
-            </a:r>
-          </a:p>
-          <a:p>
-            <a:pPr lvl="1"/>
-            <a:r>
-              <a:rPr lang="en-US" sz="1600" dirty="0" smtClean="0"/>
-              <a:t>Interface </a:t>
-            </a:r>
-            <a:r>
-              <a:rPr lang="en-US" sz="1600" dirty="0" err="1" smtClean="0"/>
-              <a:t>ApplicationContextAware</a:t>
-            </a:r>
-            <a:r>
-              <a:rPr lang="en-US" sz="1600" dirty="0" smtClean="0"/>
-              <a:t>: </a:t>
-            </a:r>
-            <a:r>
-              <a:rPr lang="en-US" sz="1600" dirty="0" err="1" smtClean="0"/>
-              <a:t>setApplicationContext</a:t>
-            </a:r>
-            <a:r>
-              <a:rPr lang="en-US" sz="1600" dirty="0" smtClean="0"/>
-              <a:t> method</a:t>
-            </a:r>
-          </a:p>
-          <a:p>
-            <a:pPr lvl="1"/>
-            <a:r>
-              <a:rPr lang="en-US" sz="1600" dirty="0" smtClean="0"/>
-              <a:t>Pre-initialization of </a:t>
-            </a:r>
-            <a:r>
-              <a:rPr lang="en-US" sz="1600" dirty="0" err="1" smtClean="0"/>
-              <a:t>BeanPostProcessor</a:t>
-            </a:r>
-            <a:endParaRPr lang="en-US" sz="1600" dirty="0" smtClean="0"/>
-          </a:p>
-          <a:p>
-            <a:pPr lvl="1"/>
-            <a:r>
-              <a:rPr lang="en-US" sz="1600" b="1" dirty="0" smtClean="0"/>
-              <a:t>Interface </a:t>
-            </a:r>
-            <a:r>
-              <a:rPr lang="en-US" sz="1600" b="1" dirty="0" err="1" smtClean="0"/>
-              <a:t>InitializingBean</a:t>
-            </a:r>
-            <a:r>
-              <a:rPr lang="en-US" sz="1600" b="1" dirty="0" smtClean="0"/>
-              <a:t> : </a:t>
-            </a:r>
-            <a:r>
-              <a:rPr lang="en-US" sz="1600" b="1" dirty="0" err="1" smtClean="0"/>
-              <a:t>afterPropertiesSet</a:t>
-            </a:r>
-            <a:r>
-              <a:rPr lang="en-US" sz="1600" b="1" dirty="0" smtClean="0"/>
-              <a:t> </a:t>
-            </a:r>
-          </a:p>
-          <a:p>
-            <a:pPr lvl="1"/>
-            <a:r>
-              <a:rPr lang="en-US" sz="1600" b="1" dirty="0" smtClean="0"/>
-              <a:t>Custom </a:t>
-            </a:r>
-            <a:r>
-              <a:rPr lang="en-US" sz="1600" b="1" dirty="0" err="1" smtClean="0"/>
-              <a:t>init</a:t>
-            </a:r>
-            <a:r>
-              <a:rPr lang="en-US" sz="1600" b="1" dirty="0" smtClean="0"/>
-              <a:t> method:  incase any custom </a:t>
-            </a:r>
-            <a:r>
-              <a:rPr lang="en-US" sz="1600" b="1" dirty="0" err="1" smtClean="0"/>
-              <a:t>init</a:t>
-            </a:r>
-            <a:r>
-              <a:rPr lang="en-US" sz="1600" b="1" dirty="0" smtClean="0"/>
-              <a:t> methods</a:t>
-            </a:r>
-          </a:p>
-          <a:p>
-            <a:pPr lvl="1"/>
-            <a:r>
-              <a:rPr lang="en-US" sz="1600" dirty="0" smtClean="0"/>
-              <a:t>Post initialization of </a:t>
-            </a:r>
-            <a:r>
-              <a:rPr lang="en-US" sz="1600" dirty="0" err="1" smtClean="0"/>
-              <a:t>BeanPostProcessor</a:t>
-            </a:r>
-            <a:endParaRPr lang="en-US" sz="1600" dirty="0" smtClean="0"/>
-          </a:p>
-          <a:p>
-            <a:pPr marL="365760" lvl="1" indent="0">
-              <a:buNone/>
-            </a:pPr>
-            <a:r>
-              <a:rPr lang="en-US" sz="1600" dirty="0" smtClean="0"/>
-              <a:t>	&lt;&lt;&lt;&lt;&lt;&lt;&lt;  BEAN IS READ TO USE &gt;&gt;&gt;&gt;&gt;&gt;&gt;</a:t>
-            </a:r>
-          </a:p>
-          <a:p>
-            <a:pPr lvl="1"/>
-            <a:r>
-              <a:rPr lang="en-US" sz="1600" b="1" dirty="0" smtClean="0"/>
-              <a:t>Interface </a:t>
-            </a:r>
-            <a:r>
-              <a:rPr lang="en-US" sz="1600" b="1" dirty="0" err="1" smtClean="0"/>
-              <a:t>DisposableBean</a:t>
-            </a:r>
-            <a:r>
-              <a:rPr lang="en-US" sz="1600" b="1" dirty="0" smtClean="0"/>
-              <a:t> : destroy method</a:t>
-            </a:r>
-          </a:p>
-          <a:p>
-            <a:pPr lvl="1"/>
-            <a:r>
-              <a:rPr lang="en-US" sz="1600" b="1" dirty="0" smtClean="0"/>
-              <a:t>Custom Destroy methods </a:t>
-            </a:r>
-          </a:p>
-          <a:p>
-            <a:pPr marL="0" indent="0">
-              <a:buNone/>
-            </a:pPr>
-            <a:endParaRPr lang="en-US" dirty="0"/>
-          </a:p>
-        </p:txBody>
-      </p:sp>
+      </p:pic>
     </p:spTree>
     <p:extLst>
       <p:ext uri="{BB962C8B-B14F-4D97-AF65-F5344CB8AC3E}">
-        <p14:creationId xmlns:p14="http://schemas.microsoft.com/office/powerpoint/2010/main" val="371506307"/>
+        <p14:creationId xmlns:p14="http://schemas.microsoft.com/office/powerpoint/2010/main" val="3606863050"/>
       </p:ext>
     </p:extLst>
   </p:cSld>
@@ -17652,38 +17156,8 @@
         </p:nvSpPr>
         <p:spPr>
           <a:xfrm>
-            <a:off x="1043490" y="815970"/>
-            <a:ext cx="7024744" cy="683528"/>
-          </a:xfrm>
-        </p:spPr>
-        <p:txBody>
-          <a:bodyPr>
-            <a:normAutofit fontScale="90000"/>
-          </a:bodyPr>
-          <a:lstStyle/>
-          <a:p>
-            <a:r>
-              <a:rPr lang="en-US" dirty="0" smtClean="0"/>
-              <a:t>Java based configuration</a:t>
-            </a:r>
-            <a:endParaRPr lang="en-US" dirty="0"/>
-          </a:p>
-        </p:txBody>
-      </p:sp>
-      <p:sp>
-        <p:nvSpPr>
-          <p:cNvPr id="3" name="Content Placeholder 2"/>
-          <p:cNvSpPr>
-            <a:spLocks noGrp="1"/>
-          </p:cNvSpPr>
-          <p:nvPr>
-            <p:ph idx="1"/>
-          </p:nvPr>
-        </p:nvSpPr>
-        <p:spPr>
-          <a:xfrm>
-            <a:off x="1043492" y="1640628"/>
-            <a:ext cx="6777317" cy="4192001"/>
+            <a:off x="1043490" y="740929"/>
+            <a:ext cx="7024744" cy="617440"/>
           </a:xfrm>
         </p:spPr>
         <p:txBody>
@@ -17693,230 +17167,41 @@
           <a:lstStyle/>
           <a:p>
             <a:r>
-              <a:rPr lang="en-US" dirty="0" smtClean="0"/>
-              <a:t>Java based spring container can be created using below class</a:t>
-            </a:r>
-          </a:p>
-          <a:p>
-            <a:pPr marL="68580" indent="0">
-              <a:buNone/>
-            </a:pPr>
-            <a:endParaRPr lang="en-US" dirty="0" smtClean="0"/>
-          </a:p>
-          <a:p>
-            <a:pPr marL="68580" indent="0">
-              <a:buNone/>
-            </a:pPr>
-            <a:r>
-              <a:rPr lang="en-US" sz="2000" dirty="0">
-                <a:solidFill>
-                  <a:schemeClr val="bg2">
-                    <a:lumMod val="50000"/>
-                  </a:schemeClr>
-                </a:solidFill>
-              </a:rPr>
-              <a:t> </a:t>
-            </a:r>
-            <a:r>
-              <a:rPr lang="en-US" sz="2000" b="1" dirty="0">
-                <a:solidFill>
-                  <a:schemeClr val="bg2">
-                    <a:lumMod val="50000"/>
-                  </a:schemeClr>
-                </a:solidFill>
-              </a:rPr>
-              <a:t>final </a:t>
-            </a:r>
-            <a:r>
-              <a:rPr lang="en-US" sz="2000" b="1" dirty="0" err="1">
-                <a:solidFill>
-                  <a:schemeClr val="bg2">
-                    <a:lumMod val="50000"/>
-                  </a:schemeClr>
-                </a:solidFill>
-              </a:rPr>
-              <a:t>AnnotationConfigApplicationContext</a:t>
-            </a:r>
-            <a:r>
-              <a:rPr lang="en-US" sz="2000" b="1" dirty="0">
-                <a:solidFill>
-                  <a:schemeClr val="bg2">
-                    <a:lumMod val="50000"/>
-                  </a:schemeClr>
-                </a:solidFill>
-              </a:rPr>
-              <a:t> </a:t>
-            </a:r>
-            <a:r>
-              <a:rPr lang="en-US" sz="2000" b="1" dirty="0" err="1">
-                <a:solidFill>
-                  <a:schemeClr val="bg2">
-                    <a:lumMod val="50000"/>
-                  </a:schemeClr>
-                </a:solidFill>
-              </a:rPr>
-              <a:t>aCtx</a:t>
-            </a:r>
-            <a:r>
-              <a:rPr lang="en-US" sz="2000" b="1" dirty="0">
-                <a:solidFill>
-                  <a:schemeClr val="bg2">
-                    <a:lumMod val="50000"/>
-                  </a:schemeClr>
-                </a:solidFill>
-              </a:rPr>
-              <a:t> = new </a:t>
-            </a:r>
-            <a:r>
-              <a:rPr lang="en-US" sz="2000" b="1" dirty="0" err="1">
-                <a:solidFill>
-                  <a:schemeClr val="bg2">
-                    <a:lumMod val="50000"/>
-                  </a:schemeClr>
-                </a:solidFill>
-              </a:rPr>
-              <a:t>AnnotationConfigApplicationContext</a:t>
-            </a:r>
-            <a:r>
-              <a:rPr lang="en-US" sz="2000" b="1" dirty="0">
-                <a:solidFill>
-                  <a:schemeClr val="bg2">
-                    <a:lumMod val="50000"/>
-                  </a:schemeClr>
-                </a:solidFill>
-              </a:rPr>
-              <a:t>();</a:t>
-            </a:r>
-          </a:p>
-          <a:p>
-            <a:pPr marL="68580" indent="0">
-              <a:buNone/>
-            </a:pPr>
-            <a:r>
-              <a:rPr lang="en-US" sz="2000" dirty="0">
-                <a:solidFill>
-                  <a:schemeClr val="bg2">
-                    <a:lumMod val="50000"/>
-                  </a:schemeClr>
-                </a:solidFill>
-              </a:rPr>
-              <a:t>        </a:t>
-            </a:r>
-            <a:r>
-              <a:rPr lang="en-US" sz="2000" dirty="0" err="1">
-                <a:solidFill>
-                  <a:schemeClr val="bg2">
-                    <a:lumMod val="50000"/>
-                  </a:schemeClr>
-                </a:solidFill>
-              </a:rPr>
-              <a:t>aCtx.register</a:t>
-            </a:r>
-            <a:r>
-              <a:rPr lang="en-US" sz="2000" dirty="0">
-                <a:solidFill>
-                  <a:schemeClr val="bg2">
-                    <a:lumMod val="50000"/>
-                  </a:schemeClr>
-                </a:solidFill>
-              </a:rPr>
-              <a:t>(</a:t>
-            </a:r>
-            <a:r>
-              <a:rPr lang="en-US" sz="2000" dirty="0" err="1">
-                <a:solidFill>
-                  <a:schemeClr val="bg2">
-                    <a:lumMod val="50000"/>
-                  </a:schemeClr>
-                </a:solidFill>
-              </a:rPr>
-              <a:t>CoreConfiguration.</a:t>
-            </a:r>
-            <a:r>
-              <a:rPr lang="en-US" sz="2000" b="1" dirty="0" err="1">
-                <a:solidFill>
-                  <a:schemeClr val="bg2">
-                    <a:lumMod val="50000"/>
-                  </a:schemeClr>
-                </a:solidFill>
-              </a:rPr>
-              <a:t>class</a:t>
-            </a:r>
-            <a:r>
-              <a:rPr lang="en-US" sz="2000" b="1" dirty="0">
-                <a:solidFill>
-                  <a:schemeClr val="bg2">
-                    <a:lumMod val="50000"/>
-                  </a:schemeClr>
-                </a:solidFill>
-              </a:rPr>
-              <a:t>);</a:t>
-            </a:r>
-          </a:p>
-          <a:p>
-            <a:pPr marL="68580" indent="0">
-              <a:buNone/>
-            </a:pPr>
-            <a:r>
-              <a:rPr lang="en-US" sz="2000" dirty="0">
-                <a:solidFill>
-                  <a:schemeClr val="bg2">
-                    <a:lumMod val="50000"/>
-                  </a:schemeClr>
-                </a:solidFill>
-              </a:rPr>
-              <a:t>        </a:t>
-            </a:r>
-            <a:r>
-              <a:rPr lang="en-US" sz="2000" dirty="0" err="1">
-                <a:solidFill>
-                  <a:schemeClr val="bg2">
-                    <a:lumMod val="50000"/>
-                  </a:schemeClr>
-                </a:solidFill>
-              </a:rPr>
-              <a:t>aCtx.refresh</a:t>
-            </a:r>
-            <a:r>
-              <a:rPr lang="en-US" sz="2000" dirty="0">
-                <a:solidFill>
-                  <a:schemeClr val="bg2">
-                    <a:lumMod val="50000"/>
-                  </a:schemeClr>
-                </a:solidFill>
-              </a:rPr>
-              <a:t>();</a:t>
-            </a:r>
-            <a:r>
-              <a:rPr lang="en-US" sz="1600" dirty="0">
-                <a:solidFill>
-                  <a:schemeClr val="bg2">
-                    <a:lumMod val="50000"/>
-                  </a:schemeClr>
-                </a:solidFill>
-              </a:rPr>
-              <a:t>// it will creates the registered beans</a:t>
-            </a:r>
-            <a:endParaRPr lang="en-US" sz="1600" dirty="0" smtClean="0">
-              <a:solidFill>
-                <a:schemeClr val="bg2">
-                  <a:lumMod val="50000"/>
-                </a:schemeClr>
-              </a:solidFill>
-            </a:endParaRPr>
-          </a:p>
-          <a:p>
-            <a:pPr marL="68580" indent="0">
-              <a:buNone/>
-            </a:pPr>
-            <a:endParaRPr lang="en-US" dirty="0"/>
+              <a:rPr lang="en-US" sz="2400" dirty="0" smtClean="0"/>
+              <a:t>Spring web application containers hierarchy</a:t>
+            </a:r>
+            <a:endParaRPr lang="en-US" sz="2400" dirty="0"/>
           </a:p>
         </p:txBody>
       </p:sp>
+      <p:pic>
+        <p:nvPicPr>
+          <p:cNvPr id="4" name="Content Placeholder 3"/>
+          <p:cNvPicPr>
+            <a:picLocks noGrp="1" noChangeAspect="1"/>
+          </p:cNvPicPr>
+          <p:nvPr>
+            <p:ph idx="1"/>
+          </p:nvPr>
+        </p:nvPicPr>
+        <p:blipFill>
+          <a:blip r:embed="rId2"/>
+          <a:srcRect t="-3613" b="-3613"/>
+          <a:stretch>
+            <a:fillRect/>
+          </a:stretch>
+        </p:blipFill>
+        <p:spPr>
+          <a:xfrm>
+            <a:off x="1042988" y="1358900"/>
+            <a:ext cx="6777037" cy="4473575"/>
+          </a:xfrm>
+        </p:spPr>
+      </p:pic>
     </p:spTree>
     <p:extLst>
       <p:ext uri="{BB962C8B-B14F-4D97-AF65-F5344CB8AC3E}">
-        <p14:creationId xmlns:p14="http://schemas.microsoft.com/office/powerpoint/2010/main" val="2732046856"/>
+        <p14:creationId xmlns:p14="http://schemas.microsoft.com/office/powerpoint/2010/main" val="3970381856"/>
       </p:ext>
     </p:extLst>
   </p:cSld>
@@ -17962,8 +17247,8 @@
         </p:nvSpPr>
         <p:spPr>
           <a:xfrm>
-            <a:off x="1089025" y="705647"/>
-            <a:ext cx="6660008" cy="458670"/>
+            <a:off x="1089024" y="274637"/>
+            <a:ext cx="7272339" cy="709919"/>
           </a:xfrm>
         </p:spPr>
         <p:txBody>
@@ -17972,7 +17257,7 @@
           <a:p>
             <a:r>
               <a:rPr lang="en-US" sz="2400" dirty="0" smtClean="0"/>
-              <a:t>Spring Annotation</a:t>
+              <a:t>Spring Bean Lifecycle</a:t>
             </a:r>
             <a:endParaRPr lang="en-US" sz="2400" dirty="0"/>
           </a:p>
@@ -17990,285 +17275,247 @@
         </p:nvSpPr>
         <p:spPr>
           <a:xfrm>
-            <a:off x="1089024" y="1164317"/>
-            <a:ext cx="7272339" cy="4961846"/>
+            <a:off x="1089024" y="984556"/>
+            <a:ext cx="7272339" cy="5141607"/>
           </a:xfrm>
         </p:spPr>
         <p:txBody>
-          <a:bodyPr>
-            <a:normAutofit lnSpcReduction="10000"/>
-          </a:bodyPr>
+          <a:bodyPr/>
           <a:lstStyle/>
           <a:p>
             <a:r>
-              <a:rPr lang="en-US" sz="1800" b="1" dirty="0"/>
-              <a:t>@Configuration</a:t>
-            </a:r>
-            <a:r>
-              <a:rPr lang="en-US" sz="1800" dirty="0"/>
-              <a:t>: Configuration file    </a:t>
-            </a:r>
-          </a:p>
-          <a:p>
-            <a:r>
-              <a:rPr lang="en-US" sz="1800" b="1" dirty="0"/>
-              <a:t>@Bean:</a:t>
-            </a:r>
-            <a:r>
-              <a:rPr lang="en-US" sz="1800" dirty="0"/>
-              <a:t> to declare a bean in Java configuration </a:t>
-            </a:r>
-          </a:p>
-          <a:p>
-            <a:r>
-              <a:rPr lang="en-US" sz="1800" b="1" dirty="0" smtClean="0"/>
-              <a:t>@</a:t>
-            </a:r>
-            <a:r>
-              <a:rPr lang="en-US" sz="1800" b="1" dirty="0" smtClean="0"/>
-              <a:t>Import </a:t>
-            </a:r>
-            <a:r>
-              <a:rPr lang="en-US" sz="1800" dirty="0" smtClean="0"/>
-              <a:t>: import another Java Configuration</a:t>
-            </a:r>
-          </a:p>
-          <a:p>
-            <a:r>
-              <a:rPr lang="en-US" sz="1800" b="1" dirty="0" smtClean="0"/>
-              <a:t>@</a:t>
-            </a:r>
-            <a:r>
-              <a:rPr lang="en-US" sz="1800" b="1" dirty="0" err="1" smtClean="0"/>
-              <a:t>ImportResource</a:t>
-            </a:r>
-            <a:r>
-              <a:rPr lang="en-US" sz="1800" b="1" dirty="0" smtClean="0"/>
-              <a:t> </a:t>
-            </a:r>
-            <a:r>
-              <a:rPr lang="en-US" sz="1800" dirty="0" smtClean="0"/>
-              <a:t>: import XML </a:t>
-            </a:r>
-            <a:r>
-              <a:rPr lang="en-US" sz="1800" dirty="0" smtClean="0"/>
-              <a:t>configuration</a:t>
-            </a:r>
-          </a:p>
-          <a:p>
-            <a:r>
-              <a:rPr lang="en-US" sz="1800" b="1" dirty="0"/>
-              <a:t>@</a:t>
-            </a:r>
-            <a:r>
-              <a:rPr lang="en-US" sz="1800" b="1" dirty="0" err="1" smtClean="0"/>
-              <a:t>ComponentScan</a:t>
-            </a:r>
-            <a:r>
-              <a:rPr lang="en-US" sz="1800" dirty="0" smtClean="0"/>
-              <a:t>: scans the beans starting with given base package</a:t>
-            </a:r>
-            <a:endParaRPr lang="en-US" sz="1800" dirty="0" smtClean="0"/>
-          </a:p>
-          <a:p>
-            <a:r>
-              <a:rPr lang="en-US" sz="1800" b="1" dirty="0"/>
-              <a:t>@Scope</a:t>
-            </a:r>
-            <a:r>
-              <a:rPr lang="en-US" sz="1800" dirty="0"/>
-              <a:t>: to define </a:t>
-            </a:r>
-            <a:r>
-              <a:rPr lang="en-US" sz="1800" dirty="0" smtClean="0"/>
-              <a:t>Scope </a:t>
-            </a:r>
-            <a:r>
-              <a:rPr lang="en-US" sz="1800" dirty="0"/>
-              <a:t>of a </a:t>
-            </a:r>
-            <a:r>
-              <a:rPr lang="en-US" sz="1800" dirty="0" smtClean="0"/>
-              <a:t>bean</a:t>
-            </a:r>
-            <a:endParaRPr lang="en-US" sz="1800" b="1" dirty="0" smtClean="0"/>
-          </a:p>
-          <a:p>
-            <a:r>
-              <a:rPr lang="en-US" sz="1800" b="1" dirty="0" smtClean="0"/>
-              <a:t>@</a:t>
-            </a:r>
-            <a:r>
-              <a:rPr lang="en-US" sz="1800" b="1" dirty="0" smtClean="0"/>
-              <a:t>Conditional</a:t>
-            </a:r>
-            <a:r>
-              <a:rPr lang="en-US" sz="1800" dirty="0" smtClean="0"/>
-              <a:t>: this works with </a:t>
-            </a:r>
-            <a:r>
-              <a:rPr lang="en-US" sz="1800" b="1" dirty="0" smtClean="0"/>
-              <a:t>Condition</a:t>
-            </a:r>
-            <a:r>
-              <a:rPr lang="en-US" sz="1800" dirty="0" smtClean="0"/>
-              <a:t> interface</a:t>
-            </a:r>
-          </a:p>
-          <a:p>
-            <a:r>
-              <a:rPr lang="en-US" sz="1800" b="1" dirty="0" smtClean="0"/>
-              <a:t>@</a:t>
-            </a:r>
-            <a:r>
-              <a:rPr lang="en-US" sz="1800" b="1" dirty="0" err="1" smtClean="0"/>
-              <a:t>EnableAspectJAutoProxy</a:t>
-            </a:r>
-            <a:r>
-              <a:rPr lang="en-US" sz="1800" dirty="0" smtClean="0"/>
-              <a:t>: enabling  auto proxy, @Aspect</a:t>
-            </a:r>
-          </a:p>
-          <a:p>
-            <a:r>
-              <a:rPr lang="en-US" sz="1800" b="1" dirty="0" smtClean="0"/>
-              <a:t>@Primary</a:t>
-            </a:r>
-            <a:r>
-              <a:rPr lang="en-US" sz="1800" dirty="0" smtClean="0"/>
-              <a:t>: works with @Component </a:t>
-            </a:r>
-          </a:p>
-          <a:p>
-            <a:r>
-              <a:rPr lang="en-US" sz="1800" b="1" dirty="0" smtClean="0"/>
-              <a:t>@Qualifier</a:t>
-            </a:r>
-            <a:r>
-              <a:rPr lang="en-US" sz="1800" dirty="0" smtClean="0"/>
-              <a:t>: works with @</a:t>
-            </a:r>
-            <a:r>
-              <a:rPr lang="en-US" sz="1800" dirty="0" err="1" smtClean="0"/>
-              <a:t>Autowired</a:t>
-            </a:r>
-            <a:r>
-              <a:rPr lang="en-US" sz="1800" dirty="0" smtClean="0"/>
-              <a:t> and @Inject</a:t>
-            </a:r>
-          </a:p>
-          <a:p>
-            <a:r>
-              <a:rPr lang="en-US" sz="1800" b="1" dirty="0" smtClean="0"/>
-              <a:t>@</a:t>
-            </a:r>
-            <a:r>
-              <a:rPr lang="en-US" sz="1800" b="1" dirty="0"/>
-              <a:t>Value:</a:t>
-            </a:r>
-            <a:r>
-              <a:rPr lang="en-US" sz="1800" dirty="0"/>
-              <a:t> annotation spring express Language</a:t>
-            </a:r>
-          </a:p>
-          <a:p>
-            <a:endParaRPr lang="en-US" sz="1800" dirty="0"/>
-          </a:p>
-          <a:p>
-            <a:r>
-              <a:rPr lang="en-US" sz="1800" b="1" dirty="0" smtClean="0">
+              <a:rPr lang="en-US" sz="1600" b="1" dirty="0" smtClean="0"/>
+              <a:t>Unlike normal java beans spring has various life cycle phases in which we can enhance spring bean.</a:t>
+            </a:r>
+          </a:p>
+          <a:p>
+            <a:pPr lvl="1"/>
+            <a:r>
+              <a:rPr lang="en-US" sz="1600" b="1" dirty="0" smtClean="0"/>
+              <a:t>Instantiation</a:t>
+            </a:r>
+            <a:r>
+              <a:rPr lang="en-US" sz="1600" dirty="0" smtClean="0"/>
+              <a:t>: instantiation of the bean</a:t>
+            </a:r>
+          </a:p>
+          <a:p>
+            <a:pPr lvl="1"/>
+            <a:r>
+              <a:rPr lang="en-US" sz="1600" b="1" dirty="0" smtClean="0"/>
+              <a:t>Populates properties</a:t>
+            </a:r>
+            <a:r>
+              <a:rPr lang="en-US" sz="1600" dirty="0" smtClean="0"/>
+              <a:t>: spring inject the properties and other object references.</a:t>
+            </a:r>
+          </a:p>
+          <a:p>
+            <a:pPr lvl="1"/>
+            <a:r>
+              <a:rPr lang="en-US" sz="1600" b="1" dirty="0" smtClean="0"/>
+              <a:t>Interface </a:t>
+            </a:r>
+            <a:r>
+              <a:rPr lang="en-US" sz="1600" b="1" dirty="0" err="1" smtClean="0"/>
+              <a:t>BeanNameAware</a:t>
+            </a:r>
+            <a:r>
+              <a:rPr lang="en-US" sz="1600" dirty="0" smtClean="0"/>
+              <a:t> : </a:t>
+            </a:r>
+            <a:r>
+              <a:rPr lang="en-US" sz="1600" dirty="0" err="1" smtClean="0"/>
+              <a:t>setBeanName</a:t>
+            </a:r>
+            <a:r>
+              <a:rPr lang="en-US" sz="1600" dirty="0" smtClean="0"/>
+              <a:t> method</a:t>
+            </a:r>
+          </a:p>
+          <a:p>
+            <a:pPr lvl="1"/>
+            <a:r>
+              <a:rPr lang="en-US" sz="1600" b="1" dirty="0" smtClean="0"/>
+              <a:t>Interface </a:t>
+            </a:r>
+            <a:r>
+              <a:rPr lang="en-US" sz="1600" b="1" dirty="0" err="1" smtClean="0"/>
+              <a:t>BeanFactoryAware</a:t>
+            </a:r>
+            <a:r>
+              <a:rPr lang="en-US" sz="1600" dirty="0" smtClean="0"/>
+              <a:t> :</a:t>
+            </a:r>
+            <a:r>
+              <a:rPr lang="en-US" sz="1600" dirty="0" err="1" smtClean="0"/>
+              <a:t>setBeanFactory</a:t>
+            </a:r>
+            <a:r>
+              <a:rPr lang="en-US" sz="1600" dirty="0" smtClean="0"/>
+              <a:t> method </a:t>
+            </a:r>
+          </a:p>
+          <a:p>
+            <a:pPr lvl="1"/>
+            <a:r>
+              <a:rPr lang="en-US" sz="1600" b="1" dirty="0" smtClean="0"/>
+              <a:t>Interface </a:t>
+            </a:r>
+            <a:r>
+              <a:rPr lang="en-US" sz="1600" b="1" dirty="0" err="1" smtClean="0"/>
+              <a:t>ApplicationContextAware</a:t>
+            </a:r>
+            <a:r>
+              <a:rPr lang="en-US" sz="1600" dirty="0" smtClean="0"/>
+              <a:t>: </a:t>
+            </a:r>
+            <a:r>
+              <a:rPr lang="en-US" sz="1600" dirty="0" err="1" smtClean="0"/>
+              <a:t>setApplicationContext</a:t>
+            </a:r>
+            <a:r>
+              <a:rPr lang="en-US" sz="1600" dirty="0" smtClean="0"/>
+              <a:t> method</a:t>
+            </a:r>
+          </a:p>
+          <a:p>
+            <a:pPr lvl="1"/>
+            <a:r>
+              <a:rPr lang="en-US" sz="1600" b="1" dirty="0" smtClean="0"/>
+              <a:t>Pre-initialization of </a:t>
+            </a:r>
+            <a:r>
+              <a:rPr lang="en-US" sz="1600" b="1" dirty="0" err="1" smtClean="0"/>
+              <a:t>BeanPostProcessor</a:t>
+            </a:r>
+            <a:endParaRPr lang="en-US" sz="1600" b="1" dirty="0" smtClean="0"/>
+          </a:p>
+          <a:p>
+            <a:pPr lvl="1"/>
+            <a:r>
+              <a:rPr lang="en-US" sz="1600" b="1" dirty="0" smtClean="0">
                 <a:solidFill>
-                  <a:srgbClr val="008000"/>
+                  <a:srgbClr val="D77C01"/>
                 </a:solidFill>
               </a:rPr>
-              <a:t>@</a:t>
-            </a:r>
-            <a:r>
-              <a:rPr lang="en-US" sz="1800" b="1" dirty="0" err="1" smtClean="0">
+              <a:t>Interface </a:t>
+            </a:r>
+            <a:r>
+              <a:rPr lang="en-US" sz="1600" b="1" dirty="0" err="1" smtClean="0">
                 <a:solidFill>
-                  <a:srgbClr val="008000"/>
+                  <a:srgbClr val="D77C01"/>
                 </a:solidFill>
               </a:rPr>
-              <a:t>ActiveProfiles</a:t>
-            </a:r>
-            <a:r>
-              <a:rPr lang="en-US" sz="1800" b="1" dirty="0" smtClean="0">
+              <a:t>InitializingBean</a:t>
+            </a:r>
+            <a:r>
+              <a:rPr lang="en-US" sz="1600" b="1" dirty="0" smtClean="0">
                 <a:solidFill>
-                  <a:srgbClr val="008000"/>
+                  <a:srgbClr val="D77C01"/>
                 </a:solidFill>
               </a:rPr>
-              <a:t>: choose profiles in Test cases</a:t>
-            </a:r>
-          </a:p>
-          <a:p>
-            <a:r>
-              <a:rPr lang="en-US" sz="1800" b="1" dirty="0" smtClean="0">
+              <a:t> : </a:t>
+            </a:r>
+            <a:r>
+              <a:rPr lang="en-US" sz="1600" b="1" dirty="0" err="1" smtClean="0">
                 <a:solidFill>
-                  <a:srgbClr val="008000"/>
+                  <a:srgbClr val="D77C01"/>
                 </a:solidFill>
               </a:rPr>
-              <a:t>@</a:t>
-            </a:r>
-            <a:r>
-              <a:rPr lang="en-US" sz="1800" b="1" dirty="0" err="1" smtClean="0">
+              <a:t>afterPropertiesSet</a:t>
+            </a:r>
+            <a:r>
+              <a:rPr lang="en-US" sz="1600" b="1" dirty="0" smtClean="0">
                 <a:solidFill>
-                  <a:srgbClr val="008000"/>
+                  <a:srgbClr val="D77C01"/>
                 </a:solidFill>
               </a:rPr>
-              <a:t>ContextConfiguration</a:t>
-            </a:r>
-            <a:r>
-              <a:rPr lang="en-US" sz="1800" b="1" dirty="0" smtClean="0">
+              <a:t> </a:t>
+            </a:r>
+          </a:p>
+          <a:p>
+            <a:pPr lvl="1"/>
+            <a:r>
+              <a:rPr lang="en-US" sz="1600" b="1" dirty="0" smtClean="0"/>
+              <a:t>Custom </a:t>
+            </a:r>
+            <a:r>
+              <a:rPr lang="en-US" sz="1600" b="1" dirty="0" err="1" smtClean="0"/>
+              <a:t>init</a:t>
+            </a:r>
+            <a:r>
+              <a:rPr lang="en-US" sz="1600" b="1" dirty="0" smtClean="0"/>
+              <a:t> method:  incase any custom </a:t>
+            </a:r>
+            <a:r>
+              <a:rPr lang="en-US" sz="1600" b="1" dirty="0" err="1" smtClean="0"/>
+              <a:t>init</a:t>
+            </a:r>
+            <a:r>
+              <a:rPr lang="en-US" sz="1600" b="1" dirty="0" smtClean="0"/>
+              <a:t> methods</a:t>
+            </a:r>
+          </a:p>
+          <a:p>
+            <a:pPr lvl="1"/>
+            <a:r>
+              <a:rPr lang="en-US" sz="1600" b="1" dirty="0" smtClean="0"/>
+              <a:t>Post initialization of </a:t>
+            </a:r>
+            <a:r>
+              <a:rPr lang="en-US" sz="1600" b="1" dirty="0" err="1" smtClean="0"/>
+              <a:t>BeanPostProcessor</a:t>
+            </a:r>
+            <a:endParaRPr lang="en-US" sz="1600" b="1" dirty="0" smtClean="0"/>
+          </a:p>
+          <a:p>
+            <a:pPr marL="365760" lvl="1" indent="0">
+              <a:buNone/>
+            </a:pPr>
+            <a:r>
+              <a:rPr lang="en-US" sz="1600" dirty="0" smtClean="0"/>
+              <a:t>	&lt;&lt;&lt;&lt;&lt;&lt;&lt;  BEAN IS READ TO USE &gt;&gt;&gt;&gt;&gt;&gt;&gt;</a:t>
+            </a:r>
+          </a:p>
+          <a:p>
+            <a:pPr lvl="1"/>
+            <a:r>
+              <a:rPr lang="en-US" sz="1600" b="1" dirty="0" smtClean="0">
                 <a:solidFill>
-                  <a:srgbClr val="008000"/>
+                  <a:srgbClr val="D77C01"/>
                 </a:solidFill>
               </a:rPr>
-              <a:t>: To load with configuration test cases</a:t>
-            </a:r>
-          </a:p>
-          <a:p>
-            <a:r>
-              <a:rPr lang="en-US" sz="1800" b="1" dirty="0" smtClean="0">
+              <a:t>Interface </a:t>
+            </a:r>
+            <a:r>
+              <a:rPr lang="en-US" sz="1600" b="1" dirty="0" err="1" smtClean="0">
                 <a:solidFill>
-                  <a:srgbClr val="008000"/>
+                  <a:srgbClr val="D77C01"/>
                 </a:solidFill>
               </a:rPr>
-              <a:t>@</a:t>
-            </a:r>
-            <a:r>
-              <a:rPr lang="en-US" sz="1800" b="1" dirty="0" err="1" smtClean="0">
+              <a:t>DisposableBean</a:t>
+            </a:r>
+            <a:r>
+              <a:rPr lang="en-US" sz="1600" b="1" dirty="0" smtClean="0">
                 <a:solidFill>
-                  <a:srgbClr val="008000"/>
+                  <a:srgbClr val="D77C01"/>
                 </a:solidFill>
               </a:rPr>
-              <a:t>Runwith</a:t>
-            </a:r>
-            <a:r>
-              <a:rPr lang="en-US" sz="1800" b="1" dirty="0" smtClean="0">
-                <a:solidFill>
-                  <a:srgbClr val="008000"/>
-                </a:solidFill>
-              </a:rPr>
-              <a:t>: </a:t>
-            </a:r>
-            <a:r>
-              <a:rPr lang="en-US" sz="1800" b="1" dirty="0" err="1" smtClean="0">
-                <a:solidFill>
-                  <a:srgbClr val="008000"/>
-                </a:solidFill>
-              </a:rPr>
-              <a:t>Runwith</a:t>
-            </a:r>
-            <a:r>
-              <a:rPr lang="en-US" sz="1800" b="1" dirty="0" smtClean="0">
-                <a:solidFill>
-                  <a:srgbClr val="008000"/>
-                </a:solidFill>
-              </a:rPr>
-              <a:t>(SpringJUnit4ClassRunner)      </a:t>
-            </a:r>
-          </a:p>
-          <a:p>
+              <a:t> : destroy method</a:t>
+            </a:r>
+          </a:p>
+          <a:p>
+            <a:pPr lvl="1"/>
+            <a:r>
+              <a:rPr lang="en-US" sz="1600" b="1" dirty="0" smtClean="0"/>
+              <a:t>Custom Destroy methods </a:t>
+            </a:r>
+          </a:p>
+          <a:p>
+            <a:pPr marL="0" indent="0">
+              <a:buNone/>
+            </a:pPr>
             <a:endParaRPr lang="en-US" dirty="0"/>
           </a:p>
         </p:txBody>
@@ -18276,7 +17523,7 @@
     </p:spTree>
     <p:extLst>
       <p:ext uri="{BB962C8B-B14F-4D97-AF65-F5344CB8AC3E}">
-        <p14:creationId xmlns:p14="http://schemas.microsoft.com/office/powerpoint/2010/main" val="2377615527"/>
+        <p14:creationId xmlns:p14="http://schemas.microsoft.com/office/powerpoint/2010/main" val="371506307"/>
       </p:ext>
     </p:extLst>
   </p:cSld>
@@ -18322,21 +17569,21 @@
         </p:nvSpPr>
         <p:spPr>
           <a:xfrm>
-            <a:off x="1043490" y="740930"/>
-            <a:ext cx="6777319" cy="529234"/>
+            <a:off x="1043490" y="815970"/>
+            <a:ext cx="7024744" cy="683528"/>
           </a:xfrm>
         </p:spPr>
         <p:txBody>
           <a:bodyPr>
-            <a:noAutofit/>
+            <a:normAutofit/>
           </a:bodyPr>
           <a:lstStyle/>
           <a:p>
             <a:r>
-              <a:rPr lang="en-US" sz="2400" dirty="0" smtClean="0"/>
-              <a:t>Basic Java based Annotation in Spring</a:t>
-            </a:r>
-            <a:endParaRPr lang="en-US" sz="2400" dirty="0"/>
+              <a:rPr lang="en-US" sz="3200" dirty="0" smtClean="0"/>
+              <a:t>Java based configuration</a:t>
+            </a:r>
+            <a:endParaRPr lang="en-US" sz="3200" dirty="0"/>
           </a:p>
         </p:txBody>
       </p:sp>
@@ -18352,108 +17599,328 @@
         </p:nvSpPr>
         <p:spPr>
           <a:xfrm>
-            <a:off x="1043492" y="1270164"/>
-            <a:ext cx="6777317" cy="4562465"/>
+            <a:off x="1043492" y="1640628"/>
+            <a:ext cx="6777317" cy="4192001"/>
           </a:xfrm>
         </p:spPr>
         <p:txBody>
           <a:bodyPr>
-            <a:normAutofit lnSpcReduction="10000"/>
+            <a:normAutofit/>
           </a:bodyPr>
           <a:lstStyle/>
           <a:p>
-            <a:r>
-              <a:rPr lang="en-US" b="1" dirty="0" smtClean="0"/>
-              <a:t>@Configuration:</a:t>
-            </a:r>
+            <a:pPr marL="68580" indent="0">
+              <a:buNone/>
+            </a:pPr>
             <a:r>
               <a:rPr lang="en-US" dirty="0" smtClean="0"/>
+              <a:t>Java based spring container can be created using below class</a:t>
+            </a:r>
+          </a:p>
+          <a:p>
+            <a:pPr marL="68580" indent="0">
+              <a:buNone/>
+            </a:pPr>
+            <a:endParaRPr lang="en-US" dirty="0" smtClean="0"/>
+          </a:p>
+          <a:p>
+            <a:pPr marL="68580" indent="0">
+              <a:buNone/>
+            </a:pPr>
+            <a:r>
+              <a:rPr lang="en-US" sz="1800" dirty="0">
+                <a:solidFill>
+                  <a:schemeClr val="bg2">
+                    <a:lumMod val="50000"/>
+                  </a:schemeClr>
+                </a:solidFill>
+              </a:rPr>
               <a:t> </a:t>
             </a:r>
             <a:r>
-              <a:rPr lang="en-US" sz="2000" dirty="0" smtClean="0"/>
-              <a:t>Indicates </a:t>
-            </a:r>
-            <a:r>
-              <a:rPr lang="en-US" sz="2000" dirty="0"/>
-              <a:t>that a class declares one or more @Bean methods and may be processed by the Spring container to generate bean definitions and service requests for those beans at </a:t>
-            </a:r>
-            <a:r>
-              <a:rPr lang="en-US" sz="2000" dirty="0" smtClean="0"/>
-              <a:t>runtime</a:t>
-            </a:r>
-            <a:endParaRPr lang="en-US" dirty="0" smtClean="0"/>
-          </a:p>
-          <a:p>
-            <a:r>
-              <a:rPr lang="en-US" b="1" dirty="0" smtClean="0"/>
-              <a:t>@Bean</a:t>
-            </a:r>
-            <a:r>
-              <a:rPr lang="en-US" dirty="0" smtClean="0"/>
-              <a:t>: </a:t>
-            </a:r>
-            <a:r>
-              <a:rPr lang="en-US" sz="2000" dirty="0" smtClean="0"/>
-              <a:t>Creates Spring bean from java object</a:t>
-            </a:r>
-            <a:endParaRPr lang="en-US" dirty="0" smtClean="0"/>
-          </a:p>
-          <a:p>
-            <a:r>
-              <a:rPr lang="en-US" b="1" dirty="0" smtClean="0"/>
-              <a:t>@Import</a:t>
-            </a:r>
-            <a:r>
-              <a:rPr lang="en-US" dirty="0" smtClean="0"/>
-              <a:t>: Used to import configuration file</a:t>
-            </a:r>
-          </a:p>
-          <a:p>
-            <a:r>
-              <a:rPr lang="en-US" b="1" dirty="0" smtClean="0"/>
-              <a:t>@</a:t>
-            </a:r>
-            <a:r>
-              <a:rPr lang="en-US" b="1" dirty="0" err="1" smtClean="0"/>
-              <a:t>ImportResource</a:t>
-            </a:r>
-            <a:r>
-              <a:rPr lang="en-US" dirty="0" smtClean="0"/>
-              <a:t>: Used to import XML Based Configuration file</a:t>
-            </a:r>
-          </a:p>
-          <a:p>
-            <a:r>
-              <a:rPr lang="en-US" b="1" dirty="0" err="1" smtClean="0"/>
-              <a:t>ComponentScan</a:t>
-            </a:r>
-            <a:r>
-              <a:rPr lang="en-US" b="1" dirty="0" smtClean="0"/>
-              <a:t>:</a:t>
-            </a:r>
-            <a:r>
-              <a:rPr lang="en-US" dirty="0" smtClean="0"/>
-              <a:t> scans the spring beans on the given base package. It looks for </a:t>
-            </a:r>
-            <a:r>
-              <a:rPr lang="en-US" b="1" dirty="0" smtClean="0"/>
-              <a:t>@Service, @Component, @Controller, @Repository</a:t>
-            </a:r>
-            <a:endParaRPr lang="en-US" b="1" dirty="0"/>
+              <a:rPr lang="en-US" sz="1800" b="1" dirty="0">
+                <a:solidFill>
+                  <a:schemeClr val="bg2">
+                    <a:lumMod val="50000"/>
+                  </a:schemeClr>
+                </a:solidFill>
+              </a:rPr>
+              <a:t>final </a:t>
+            </a:r>
+            <a:r>
+              <a:rPr lang="en-US" sz="1800" b="1" dirty="0" err="1">
+                <a:solidFill>
+                  <a:schemeClr val="bg2">
+                    <a:lumMod val="50000"/>
+                  </a:schemeClr>
+                </a:solidFill>
+              </a:rPr>
+              <a:t>AnnotationConfigApplicationContext</a:t>
+            </a:r>
+            <a:r>
+              <a:rPr lang="en-US" sz="1800" b="1" dirty="0">
+                <a:solidFill>
+                  <a:schemeClr val="bg2">
+                    <a:lumMod val="50000"/>
+                  </a:schemeClr>
+                </a:solidFill>
+              </a:rPr>
+              <a:t> </a:t>
+            </a:r>
+            <a:r>
+              <a:rPr lang="en-US" sz="1800" dirty="0" err="1">
+                <a:solidFill>
+                  <a:schemeClr val="bg2">
+                    <a:lumMod val="50000"/>
+                  </a:schemeClr>
+                </a:solidFill>
+              </a:rPr>
+              <a:t>aCtx</a:t>
+            </a:r>
+            <a:r>
+              <a:rPr lang="en-US" sz="1800" dirty="0">
+                <a:solidFill>
+                  <a:schemeClr val="bg2">
+                    <a:lumMod val="50000"/>
+                  </a:schemeClr>
+                </a:solidFill>
+              </a:rPr>
+              <a:t> </a:t>
+            </a:r>
+            <a:endParaRPr lang="en-US" sz="1800" dirty="0" smtClean="0">
+              <a:solidFill>
+                <a:schemeClr val="bg2">
+                  <a:lumMod val="50000"/>
+                </a:schemeClr>
+              </a:solidFill>
+            </a:endParaRPr>
+          </a:p>
+          <a:p>
+            <a:pPr marL="68580" indent="0">
+              <a:buNone/>
+            </a:pPr>
+            <a:r>
+              <a:rPr lang="en-US" sz="1800" b="1" dirty="0" smtClean="0">
+                <a:solidFill>
+                  <a:schemeClr val="bg2">
+                    <a:lumMod val="50000"/>
+                  </a:schemeClr>
+                </a:solidFill>
+              </a:rPr>
+              <a:t>= </a:t>
+            </a:r>
+            <a:r>
+              <a:rPr lang="en-US" sz="1800" b="1" dirty="0">
+                <a:solidFill>
+                  <a:schemeClr val="bg2">
+                    <a:lumMod val="50000"/>
+                  </a:schemeClr>
+                </a:solidFill>
+              </a:rPr>
+              <a:t>new </a:t>
+            </a:r>
+            <a:r>
+              <a:rPr lang="en-US" sz="1800" b="1" dirty="0" err="1">
+                <a:solidFill>
+                  <a:schemeClr val="bg2">
+                    <a:lumMod val="50000"/>
+                  </a:schemeClr>
+                </a:solidFill>
+              </a:rPr>
+              <a:t>AnnotationConfigApplicationContext</a:t>
+            </a:r>
+            <a:r>
+              <a:rPr lang="en-US" sz="1800" b="1" dirty="0">
+                <a:solidFill>
+                  <a:schemeClr val="bg2">
+                    <a:lumMod val="50000"/>
+                  </a:schemeClr>
+                </a:solidFill>
+              </a:rPr>
+              <a:t>()</a:t>
+            </a:r>
+            <a:r>
+              <a:rPr lang="en-US" sz="1800" b="1" dirty="0" smtClean="0">
+                <a:solidFill>
+                  <a:schemeClr val="bg2">
+                    <a:lumMod val="50000"/>
+                  </a:schemeClr>
+                </a:solidFill>
+              </a:rPr>
+              <a:t>;</a:t>
+            </a:r>
+          </a:p>
+          <a:p>
+            <a:pPr marL="68580" indent="0">
+              <a:buNone/>
+            </a:pPr>
+            <a:endParaRPr lang="en-US" sz="1800" b="1" dirty="0">
+              <a:solidFill>
+                <a:schemeClr val="bg2">
+                  <a:lumMod val="50000"/>
+                </a:schemeClr>
+              </a:solidFill>
+            </a:endParaRPr>
+          </a:p>
+          <a:p>
+            <a:pPr marL="68580" indent="0">
+              <a:buNone/>
+            </a:pPr>
+            <a:r>
+              <a:rPr lang="en-US" sz="1800" dirty="0">
+                <a:solidFill>
+                  <a:schemeClr val="bg2">
+                    <a:lumMod val="50000"/>
+                  </a:schemeClr>
+                </a:solidFill>
+              </a:rPr>
+              <a:t> </a:t>
+            </a:r>
+            <a:r>
+              <a:rPr lang="en-US" sz="1800" dirty="0" err="1" smtClean="0">
+                <a:solidFill>
+                  <a:schemeClr val="bg2">
+                    <a:lumMod val="50000"/>
+                  </a:schemeClr>
+                </a:solidFill>
+              </a:rPr>
+              <a:t>aCtx.register</a:t>
+            </a:r>
+            <a:r>
+              <a:rPr lang="en-US" sz="1800" dirty="0">
+                <a:solidFill>
+                  <a:schemeClr val="bg2">
+                    <a:lumMod val="50000"/>
+                  </a:schemeClr>
+                </a:solidFill>
+              </a:rPr>
+              <a:t>(</a:t>
+            </a:r>
+            <a:r>
+              <a:rPr lang="en-US" sz="1800" dirty="0" err="1">
+                <a:solidFill>
+                  <a:schemeClr val="bg2">
+                    <a:lumMod val="50000"/>
+                  </a:schemeClr>
+                </a:solidFill>
+              </a:rPr>
+              <a:t>CoreConfiguration.class</a:t>
+            </a:r>
+            <a:r>
+              <a:rPr lang="en-US" sz="1800" dirty="0">
+                <a:solidFill>
+                  <a:schemeClr val="bg2">
+                    <a:lumMod val="50000"/>
+                  </a:schemeClr>
+                </a:solidFill>
+              </a:rPr>
+              <a:t>)</a:t>
+            </a:r>
+            <a:r>
+              <a:rPr lang="en-US" sz="1800" b="1" dirty="0" smtClean="0">
+                <a:solidFill>
+                  <a:schemeClr val="bg2">
+                    <a:lumMod val="50000"/>
+                  </a:schemeClr>
+                </a:solidFill>
+              </a:rPr>
+              <a:t>;</a:t>
+            </a:r>
+            <a:r>
+              <a:rPr lang="en-US" sz="1200" b="1" dirty="0" smtClean="0">
+                <a:solidFill>
+                  <a:schemeClr val="bg2">
+                    <a:lumMod val="50000"/>
+                  </a:schemeClr>
+                </a:solidFill>
+              </a:rPr>
+              <a:t> //pass the configuration</a:t>
+            </a:r>
+            <a:endParaRPr lang="en-US" sz="1800" b="1" dirty="0">
+              <a:solidFill>
+                <a:schemeClr val="bg2">
+                  <a:lumMod val="50000"/>
+                </a:schemeClr>
+              </a:solidFill>
+            </a:endParaRPr>
+          </a:p>
+          <a:p>
+            <a:pPr marL="68580" indent="0">
+              <a:buNone/>
+            </a:pPr>
+            <a:r>
+              <a:rPr lang="en-US" sz="1800" dirty="0">
+                <a:solidFill>
+                  <a:schemeClr val="bg2">
+                    <a:lumMod val="50000"/>
+                  </a:schemeClr>
+                </a:solidFill>
+              </a:rPr>
+              <a:t> </a:t>
+            </a:r>
+            <a:r>
+              <a:rPr lang="en-US" sz="1800" dirty="0" err="1" smtClean="0">
+                <a:solidFill>
+                  <a:schemeClr val="bg2">
+                    <a:lumMod val="50000"/>
+                  </a:schemeClr>
+                </a:solidFill>
+              </a:rPr>
+              <a:t>aCtx.refresh</a:t>
+            </a:r>
+            <a:r>
+              <a:rPr lang="en-US" sz="1800" dirty="0">
+                <a:solidFill>
+                  <a:schemeClr val="bg2">
+                    <a:lumMod val="50000"/>
+                  </a:schemeClr>
+                </a:solidFill>
+              </a:rPr>
+              <a:t>();</a:t>
+            </a:r>
+            <a:r>
+              <a:rPr lang="en-US" sz="1400" b="1" dirty="0">
+                <a:solidFill>
+                  <a:schemeClr val="bg2">
+                    <a:lumMod val="50000"/>
+                  </a:schemeClr>
+                </a:solidFill>
+              </a:rPr>
+              <a:t>// it will creates the registered beans</a:t>
+            </a:r>
+            <a:endParaRPr lang="en-US" sz="1400" b="1" dirty="0" smtClean="0">
+              <a:solidFill>
+                <a:schemeClr val="bg2">
+                  <a:lumMod val="50000"/>
+                </a:schemeClr>
+              </a:solidFill>
+            </a:endParaRPr>
+          </a:p>
+          <a:p>
+            <a:pPr marL="68580" indent="0">
+              <a:buNone/>
+            </a:pPr>
+            <a:endParaRPr lang="en-US" dirty="0"/>
           </a:p>
         </p:txBody>
       </p:sp>
     </p:spTree>
     <p:extLst>
       <p:ext uri="{BB962C8B-B14F-4D97-AF65-F5344CB8AC3E}">
-        <p14:creationId xmlns:p14="http://schemas.microsoft.com/office/powerpoint/2010/main" val="55584591"/>
+        <p14:creationId xmlns:p14="http://schemas.microsoft.com/office/powerpoint/2010/main" val="2732046856"/>
       </p:ext>
     </p:extLst>
   </p:cSld>
   <p:clrMapOvr>
     <a:masterClrMapping/>
   </p:clrMapOvr>
+  <p:timing>
+    <p:tnLst>
+      <p:par>
+        <p:cTn xmlns:p14="http://schemas.microsoft.com/office/powerpoint/2010/main" id="1" dur="indefinite" restart="never" nodeType="tmRoot"/>
+      </p:par>
+    </p:tnLst>
+  </p:timing>
 </p:sld>
 </file>
 
@@ -18486,21 +17953,19 @@
         </p:nvSpPr>
         <p:spPr>
           <a:xfrm>
-            <a:off x="1043490" y="723288"/>
-            <a:ext cx="6777319" cy="476311"/>
+            <a:off x="1089025" y="705647"/>
+            <a:ext cx="6660008" cy="458670"/>
           </a:xfrm>
         </p:spPr>
         <p:txBody>
-          <a:bodyPr>
-            <a:normAutofit fontScale="90000"/>
-          </a:bodyPr>
+          <a:bodyPr/>
           <a:lstStyle/>
           <a:p>
             <a:r>
-              <a:rPr lang="en-US" sz="2800" dirty="0" smtClean="0"/>
-              <a:t>Spring Bean Scope Managing</a:t>
-            </a:r>
-            <a:endParaRPr lang="en-US" sz="2800" dirty="0"/>
+              <a:rPr lang="en-US" sz="2400" dirty="0" smtClean="0"/>
+              <a:t>Spring Annotation</a:t>
+            </a:r>
+            <a:endParaRPr lang="en-US" sz="2400" dirty="0"/>
           </a:p>
         </p:txBody>
       </p:sp>
@@ -18516,175 +17981,280 @@
         </p:nvSpPr>
         <p:spPr>
           <a:xfrm>
-            <a:off x="1043492" y="1199599"/>
-            <a:ext cx="6777317" cy="4633031"/>
+            <a:off x="1089024" y="1164317"/>
+            <a:ext cx="7272339" cy="4961846"/>
           </a:xfrm>
         </p:spPr>
         <p:txBody>
           <a:bodyPr>
-            <a:normAutofit fontScale="85000" lnSpcReduction="20000"/>
+            <a:normAutofit lnSpcReduction="10000"/>
           </a:bodyPr>
           <a:lstStyle/>
           <a:p>
             <a:r>
-              <a:rPr lang="en-US" b="1" dirty="0"/>
-              <a:t>Singleton</a:t>
-            </a:r>
-            <a:r>
-              <a:rPr lang="en-US" dirty="0"/>
-              <a:t>: Single bean per IOC </a:t>
-            </a:r>
-            <a:r>
-              <a:rPr lang="en-US" dirty="0" smtClean="0"/>
-              <a:t>container (default)</a:t>
-            </a:r>
+              <a:rPr lang="en-US" sz="1800" b="1" dirty="0"/>
+              <a:t>@Configuration</a:t>
+            </a:r>
+            <a:r>
+              <a:rPr lang="en-US" sz="1800" dirty="0"/>
+              <a:t>: Configuration file    </a:t>
+            </a:r>
+          </a:p>
+          <a:p>
+            <a:r>
+              <a:rPr lang="en-US" sz="1800" b="1" dirty="0"/>
+              <a:t>@Bean:</a:t>
+            </a:r>
+            <a:r>
+              <a:rPr lang="en-US" sz="1800" dirty="0"/>
+              <a:t> to declare a bean in Java configuration </a:t>
+            </a:r>
+          </a:p>
+          <a:p>
+            <a:r>
+              <a:rPr lang="en-US" sz="1800" b="1" dirty="0" smtClean="0"/>
+              <a:t>@Import </a:t>
+            </a:r>
+            <a:r>
+              <a:rPr lang="en-US" sz="1800" dirty="0" smtClean="0"/>
+              <a:t>: import another Java Configuration</a:t>
+            </a:r>
+          </a:p>
+          <a:p>
+            <a:r>
+              <a:rPr lang="en-US" sz="1800" b="1" dirty="0" smtClean="0"/>
+              <a:t>@</a:t>
+            </a:r>
+            <a:r>
+              <a:rPr lang="en-US" sz="1800" b="1" dirty="0" err="1" smtClean="0"/>
+              <a:t>ImportResource</a:t>
+            </a:r>
+            <a:r>
+              <a:rPr lang="en-US" sz="1800" b="1" dirty="0" smtClean="0"/>
+              <a:t> </a:t>
+            </a:r>
+            <a:r>
+              <a:rPr lang="en-US" sz="1800" dirty="0" smtClean="0"/>
+              <a:t>: import XML configuration</a:t>
+            </a:r>
+          </a:p>
+          <a:p>
+            <a:r>
+              <a:rPr lang="en-US" sz="1800" b="1" dirty="0"/>
+              <a:t>@</a:t>
+            </a:r>
+            <a:r>
+              <a:rPr lang="en-US" sz="1800" b="1" dirty="0" err="1" smtClean="0"/>
+              <a:t>ComponentScan</a:t>
+            </a:r>
+            <a:r>
+              <a:rPr lang="en-US" sz="1800" dirty="0" smtClean="0"/>
+              <a:t>: scans the beans starting with given base package</a:t>
+            </a:r>
+          </a:p>
+          <a:p>
+            <a:r>
+              <a:rPr lang="en-US" sz="1800" b="1" dirty="0"/>
+              <a:t>@Scope</a:t>
+            </a:r>
+            <a:r>
+              <a:rPr lang="en-US" sz="1800" dirty="0"/>
+              <a:t>: to define </a:t>
+            </a:r>
+            <a:r>
+              <a:rPr lang="en-US" sz="1800" dirty="0" smtClean="0"/>
+              <a:t>Scope </a:t>
+            </a:r>
+            <a:r>
+              <a:rPr lang="en-US" sz="1800" dirty="0"/>
+              <a:t>of a </a:t>
+            </a:r>
+            <a:r>
+              <a:rPr lang="en-US" sz="1800" dirty="0" smtClean="0"/>
+              <a:t>bean</a:t>
+            </a:r>
+            <a:endParaRPr lang="en-US" sz="1800" b="1" dirty="0" smtClean="0"/>
+          </a:p>
+          <a:p>
+            <a:r>
+              <a:rPr lang="en-US" sz="1800" b="1" dirty="0" smtClean="0"/>
+              <a:t>@Conditional</a:t>
+            </a:r>
+            <a:r>
+              <a:rPr lang="en-US" sz="1800" dirty="0" smtClean="0"/>
+              <a:t>: this works with </a:t>
+            </a:r>
+            <a:r>
+              <a:rPr lang="en-US" sz="1800" b="1" dirty="0" smtClean="0"/>
+              <a:t>Condition</a:t>
+            </a:r>
+            <a:r>
+              <a:rPr lang="en-US" sz="1800" dirty="0" smtClean="0"/>
+              <a:t> interface</a:t>
+            </a:r>
+          </a:p>
+          <a:p>
+            <a:r>
+              <a:rPr lang="en-US" sz="1800" b="1" dirty="0" smtClean="0"/>
+              <a:t>@</a:t>
+            </a:r>
+            <a:r>
+              <a:rPr lang="en-US" sz="1800" b="1" dirty="0" err="1" smtClean="0"/>
+              <a:t>EnableAspectJAutoProxy</a:t>
+            </a:r>
+            <a:r>
+              <a:rPr lang="en-US" sz="1800" dirty="0" smtClean="0"/>
+              <a:t>: enabling  auto proxy, @Aspect</a:t>
+            </a:r>
+          </a:p>
+          <a:p>
+            <a:r>
+              <a:rPr lang="en-US" sz="1800" b="1" dirty="0" smtClean="0"/>
+              <a:t>@Primary</a:t>
+            </a:r>
+            <a:r>
+              <a:rPr lang="en-US" sz="1800" dirty="0" smtClean="0"/>
+              <a:t>: works with @Component </a:t>
+            </a:r>
+          </a:p>
+          <a:p>
+            <a:r>
+              <a:rPr lang="en-US" sz="1800" b="1" dirty="0" smtClean="0"/>
+              <a:t>@Qualifier</a:t>
+            </a:r>
+            <a:r>
+              <a:rPr lang="en-US" sz="1800" dirty="0" smtClean="0"/>
+              <a:t>: works with @</a:t>
+            </a:r>
+            <a:r>
+              <a:rPr lang="en-US" sz="1800" dirty="0" err="1" smtClean="0"/>
+              <a:t>Autowired</a:t>
+            </a:r>
+            <a:r>
+              <a:rPr lang="en-US" sz="1800" dirty="0" smtClean="0"/>
+              <a:t> and @Inject</a:t>
+            </a:r>
+          </a:p>
+          <a:p>
+            <a:r>
+              <a:rPr lang="en-US" sz="1800" b="1" dirty="0" smtClean="0"/>
+              <a:t>@</a:t>
+            </a:r>
+            <a:r>
+              <a:rPr lang="en-US" sz="1800" b="1" dirty="0"/>
+              <a:t>Value:</a:t>
+            </a:r>
+            <a:r>
+              <a:rPr lang="en-US" sz="1800" dirty="0"/>
+              <a:t> annotation spring express Language</a:t>
+            </a:r>
+          </a:p>
+          <a:p>
+            <a:endParaRPr lang="en-US" sz="1800" dirty="0"/>
+          </a:p>
+          <a:p>
+            <a:r>
+              <a:rPr lang="en-US" sz="1800" b="1" dirty="0" smtClean="0">
+                <a:solidFill>
+                  <a:srgbClr val="008000"/>
+                </a:solidFill>
+              </a:rPr>
+              <a:t>@</a:t>
+            </a:r>
+            <a:r>
+              <a:rPr lang="en-US" sz="1800" b="1" dirty="0" err="1" smtClean="0">
+                <a:solidFill>
+                  <a:srgbClr val="008000"/>
+                </a:solidFill>
+              </a:rPr>
+              <a:t>ActiveProfiles</a:t>
+            </a:r>
+            <a:r>
+              <a:rPr lang="en-US" sz="1800" b="1" dirty="0" smtClean="0">
+                <a:solidFill>
+                  <a:srgbClr val="008000"/>
+                </a:solidFill>
+              </a:rPr>
+              <a:t>: choose profiles in Test cases</a:t>
+            </a:r>
+          </a:p>
+          <a:p>
+            <a:r>
+              <a:rPr lang="en-US" sz="1800" b="1" dirty="0" smtClean="0">
+                <a:solidFill>
+                  <a:srgbClr val="008000"/>
+                </a:solidFill>
+              </a:rPr>
+              <a:t>@</a:t>
+            </a:r>
+            <a:r>
+              <a:rPr lang="en-US" sz="1800" b="1" dirty="0" err="1" smtClean="0">
+                <a:solidFill>
+                  <a:srgbClr val="008000"/>
+                </a:solidFill>
+              </a:rPr>
+              <a:t>ContextConfiguration</a:t>
+            </a:r>
+            <a:r>
+              <a:rPr lang="en-US" sz="1800" b="1" dirty="0" smtClean="0">
+                <a:solidFill>
+                  <a:srgbClr val="008000"/>
+                </a:solidFill>
+              </a:rPr>
+              <a:t>: To load with configuration test cases</a:t>
+            </a:r>
+          </a:p>
+          <a:p>
+            <a:r>
+              <a:rPr lang="en-US" sz="1800" b="1" dirty="0" smtClean="0">
+                <a:solidFill>
+                  <a:srgbClr val="008000"/>
+                </a:solidFill>
+              </a:rPr>
+              <a:t>@</a:t>
+            </a:r>
+            <a:r>
+              <a:rPr lang="en-US" sz="1800" b="1" dirty="0" err="1" smtClean="0">
+                <a:solidFill>
+                  <a:srgbClr val="008000"/>
+                </a:solidFill>
+              </a:rPr>
+              <a:t>Runwith</a:t>
+            </a:r>
+            <a:r>
+              <a:rPr lang="en-US" sz="1800" b="1" dirty="0" smtClean="0">
+                <a:solidFill>
+                  <a:srgbClr val="008000"/>
+                </a:solidFill>
+              </a:rPr>
+              <a:t>: </a:t>
+            </a:r>
+            <a:r>
+              <a:rPr lang="en-US" sz="1800" b="1" dirty="0" err="1" smtClean="0">
+                <a:solidFill>
+                  <a:srgbClr val="008000"/>
+                </a:solidFill>
+              </a:rPr>
+              <a:t>Runwith</a:t>
+            </a:r>
+            <a:r>
+              <a:rPr lang="en-US" sz="1800" b="1" dirty="0" smtClean="0">
+                <a:solidFill>
+                  <a:srgbClr val="008000"/>
+                </a:solidFill>
+              </a:rPr>
+              <a:t>(SpringJUnit4ClassRunner)      </a:t>
+            </a:r>
+          </a:p>
+          <a:p>
             <a:endParaRPr lang="en-US" dirty="0"/>
-          </a:p>
-          <a:p>
-            <a:r>
-              <a:rPr lang="en-US" b="1" dirty="0"/>
-              <a:t>Prototype</a:t>
-            </a:r>
-            <a:r>
-              <a:rPr lang="en-US" dirty="0"/>
-              <a:t>: creates new bean  each time</a:t>
-            </a:r>
-          </a:p>
-          <a:p>
-            <a:pPr marL="68580" indent="0">
-              <a:buNone/>
-            </a:pPr>
-            <a:r>
-              <a:rPr lang="en-US" b="1" dirty="0"/>
-              <a:t>WEB APPLICATION SCOPES</a:t>
-            </a:r>
-          </a:p>
-          <a:p>
-            <a:r>
-              <a:rPr lang="en-US" b="1" dirty="0"/>
-              <a:t>Request</a:t>
-            </a:r>
-            <a:r>
-              <a:rPr lang="en-US" dirty="0"/>
-              <a:t>: each request new bean created</a:t>
-            </a:r>
-          </a:p>
-          <a:p>
-            <a:r>
-              <a:rPr lang="en-US" b="1" dirty="0"/>
-              <a:t>Session</a:t>
-            </a:r>
-            <a:r>
-              <a:rPr lang="en-US" dirty="0"/>
-              <a:t>:  for each user session new bean created</a:t>
-            </a:r>
-          </a:p>
-          <a:p>
-            <a:r>
-              <a:rPr lang="en-US" b="1" dirty="0"/>
-              <a:t>Global Session</a:t>
-            </a:r>
-            <a:r>
-              <a:rPr lang="en-US" dirty="0"/>
-              <a:t>: Typically only valid when used in a </a:t>
-            </a:r>
-            <a:r>
-              <a:rPr lang="en-US" dirty="0" err="1"/>
-              <a:t>portlet</a:t>
-            </a:r>
-            <a:r>
-              <a:rPr lang="en-US" dirty="0"/>
-              <a:t> context. </a:t>
-            </a:r>
-            <a:endParaRPr lang="en-US" dirty="0" smtClean="0"/>
-          </a:p>
-          <a:p>
-            <a:pPr marL="68580" indent="0">
-              <a:buNone/>
-            </a:pPr>
-            <a:endParaRPr lang="en-US" dirty="0"/>
-          </a:p>
-          <a:p>
-            <a:pPr marL="68580" indent="0">
-              <a:buNone/>
-            </a:pPr>
-            <a:r>
-              <a:rPr lang="en-US" sz="2100" b="1" dirty="0"/>
-              <a:t>NOTE</a:t>
-            </a:r>
-            <a:r>
-              <a:rPr lang="en-US" sz="2100" dirty="0"/>
-              <a:t>: you can also create your own scope if these are not fit to your </a:t>
-            </a:r>
-            <a:r>
-              <a:rPr lang="en-US" sz="2100" dirty="0" smtClean="0"/>
-              <a:t>requirement</a:t>
-            </a:r>
-          </a:p>
-          <a:p>
-            <a:pPr marL="68580" indent="0">
-              <a:buNone/>
-            </a:pPr>
-            <a:endParaRPr lang="en-US" dirty="0" smtClean="0"/>
-          </a:p>
-          <a:p>
-            <a:pPr marL="68580" indent="0">
-              <a:buNone/>
-            </a:pPr>
-            <a:r>
-              <a:rPr lang="en-US" dirty="0" smtClean="0"/>
-              <a:t>There are two types of scope available in spring core container</a:t>
-            </a:r>
-          </a:p>
-          <a:p>
-            <a:pPr marL="68580" indent="0">
-              <a:buNone/>
-            </a:pPr>
-            <a:r>
-              <a:rPr lang="en-US" sz="1900" b="1" dirty="0" smtClean="0"/>
-              <a:t>@Scope(</a:t>
-            </a:r>
-            <a:r>
-              <a:rPr lang="en-US" sz="1900" b="1" dirty="0" err="1" smtClean="0"/>
-              <a:t>ConfigurableBeanFactory.</a:t>
-            </a:r>
-            <a:r>
-              <a:rPr lang="en-US" sz="1900" b="1" i="1" dirty="0" err="1" smtClean="0"/>
-              <a:t>SCOPE_SINGLETON</a:t>
-            </a:r>
-            <a:r>
-              <a:rPr lang="en-US" sz="1900" b="1" i="1" dirty="0" smtClean="0"/>
-              <a:t>)</a:t>
-            </a:r>
-          </a:p>
-          <a:p>
-            <a:pPr marL="68580" indent="0">
-              <a:buNone/>
-            </a:pPr>
-            <a:r>
-              <a:rPr lang="en-US" sz="2000" b="1" dirty="0"/>
-              <a:t>@Scope(</a:t>
-            </a:r>
-            <a:r>
-              <a:rPr lang="en-US" sz="2000" b="1" dirty="0" err="1"/>
-              <a:t>ConfigurableBeanFactory.</a:t>
-            </a:r>
-            <a:r>
-              <a:rPr lang="en-US" sz="2000" b="1" i="1" dirty="0" err="1"/>
-              <a:t>SCOPE_PROTOTYPE</a:t>
-            </a:r>
-            <a:r>
-              <a:rPr lang="en-US" sz="2000" b="1" i="1" dirty="0"/>
-              <a:t>)</a:t>
-            </a:r>
-            <a:endParaRPr lang="en-US" sz="1900" b="1" dirty="0"/>
           </a:p>
         </p:txBody>
       </p:sp>
     </p:spTree>
     <p:extLst>
       <p:ext uri="{BB962C8B-B14F-4D97-AF65-F5344CB8AC3E}">
-        <p14:creationId xmlns:p14="http://schemas.microsoft.com/office/powerpoint/2010/main" val="3345582067"/>
+        <p14:creationId xmlns:p14="http://schemas.microsoft.com/office/powerpoint/2010/main" val="2377615527"/>
       </p:ext>
     </p:extLst>
   </p:cSld>

--- a/SpringJavaTraining.pptx
+++ b/SpringJavaTraining.pptx
@@ -7,27 +7,31 @@
   <p:sldIdLst>
     <p:sldId id="256" r:id="rId2"/>
     <p:sldId id="269" r:id="rId3"/>
-    <p:sldId id="275" r:id="rId4"/>
-    <p:sldId id="276" r:id="rId5"/>
-    <p:sldId id="287" r:id="rId6"/>
-    <p:sldId id="288" r:id="rId7"/>
-    <p:sldId id="258" r:id="rId8"/>
-    <p:sldId id="270" r:id="rId9"/>
-    <p:sldId id="259" r:id="rId10"/>
-    <p:sldId id="278" r:id="rId11"/>
-    <p:sldId id="279" r:id="rId12"/>
-    <p:sldId id="267" r:id="rId13"/>
-    <p:sldId id="280" r:id="rId14"/>
-    <p:sldId id="261" r:id="rId15"/>
-    <p:sldId id="262" r:id="rId16"/>
-    <p:sldId id="286" r:id="rId17"/>
-    <p:sldId id="285" r:id="rId18"/>
-    <p:sldId id="274" r:id="rId19"/>
-    <p:sldId id="263" r:id="rId20"/>
-    <p:sldId id="271" r:id="rId21"/>
-    <p:sldId id="282" r:id="rId22"/>
-    <p:sldId id="283" r:id="rId23"/>
-    <p:sldId id="284" r:id="rId24"/>
+    <p:sldId id="289" r:id="rId4"/>
+    <p:sldId id="292" r:id="rId5"/>
+    <p:sldId id="291" r:id="rId6"/>
+    <p:sldId id="275" r:id="rId7"/>
+    <p:sldId id="276" r:id="rId8"/>
+    <p:sldId id="287" r:id="rId9"/>
+    <p:sldId id="288" r:id="rId10"/>
+    <p:sldId id="293" r:id="rId11"/>
+    <p:sldId id="270" r:id="rId12"/>
+    <p:sldId id="259" r:id="rId13"/>
+    <p:sldId id="278" r:id="rId14"/>
+    <p:sldId id="279" r:id="rId15"/>
+    <p:sldId id="267" r:id="rId16"/>
+    <p:sldId id="280" r:id="rId17"/>
+    <p:sldId id="290" r:id="rId18"/>
+    <p:sldId id="261" r:id="rId19"/>
+    <p:sldId id="262" r:id="rId20"/>
+    <p:sldId id="286" r:id="rId21"/>
+    <p:sldId id="285" r:id="rId22"/>
+    <p:sldId id="274" r:id="rId23"/>
+    <p:sldId id="263" r:id="rId24"/>
+    <p:sldId id="271" r:id="rId25"/>
+    <p:sldId id="282" r:id="rId26"/>
+    <p:sldId id="283" r:id="rId27"/>
+    <p:sldId id="284" r:id="rId28"/>
   </p:sldIdLst>
   <p:sldSz cx="9144000" cy="6858000" type="screen4x3"/>
   <p:notesSz cx="6858000" cy="9144000"/>
@@ -2886,7 +2890,7 @@
           <a:p>
             <a:fld id="{E90C4CEC-16D5-4229-B4DE-FDE9B679D7E2}" type="datetimeFigureOut">
               <a:rPr lang="en-US" smtClean="0"/>
-              <a:t>24/04/16</a:t>
+              <a:t>25/04/16</a:t>
             </a:fld>
             <a:endParaRPr lang="en-US"/>
           </a:p>
@@ -3171,7 +3175,7 @@
           <a:p>
             <a:fld id="{E90C4CEC-16D5-4229-B4DE-FDE9B679D7E2}" type="datetimeFigureOut">
               <a:rPr lang="en-US" smtClean="0"/>
-              <a:t>24/04/16</a:t>
+              <a:t>25/04/16</a:t>
             </a:fld>
             <a:endParaRPr lang="en-US"/>
           </a:p>
@@ -3346,7 +3350,7 @@
           <a:p>
             <a:fld id="{E90C4CEC-16D5-4229-B4DE-FDE9B679D7E2}" type="datetimeFigureOut">
               <a:rPr lang="en-US" smtClean="0"/>
-              <a:t>24/04/16</a:t>
+              <a:t>25/04/16</a:t>
             </a:fld>
             <a:endParaRPr lang="en-US"/>
           </a:p>
@@ -3511,7 +3515,7 @@
           <a:p>
             <a:fld id="{E90C4CEC-16D5-4229-B4DE-FDE9B679D7E2}" type="datetimeFigureOut">
               <a:rPr lang="en-US" smtClean="0"/>
-              <a:t>24/04/16</a:t>
+              <a:t>25/04/16</a:t>
             </a:fld>
             <a:endParaRPr lang="en-US"/>
           </a:p>
@@ -3752,7 +3756,7 @@
           <a:p>
             <a:fld id="{E90C4CEC-16D5-4229-B4DE-FDE9B679D7E2}" type="datetimeFigureOut">
               <a:rPr lang="en-US" smtClean="0"/>
-              <a:t>24/04/16</a:t>
+              <a:t>25/04/16</a:t>
             </a:fld>
             <a:endParaRPr lang="en-US"/>
           </a:p>
@@ -3865,7 +3869,7 @@
           <a:p>
             <a:fld id="{E90C4CEC-16D5-4229-B4DE-FDE9B679D7E2}" type="datetimeFigureOut">
               <a:rPr lang="en-US" smtClean="0"/>
-              <a:t>24/04/16</a:t>
+              <a:t>25/04/16</a:t>
             </a:fld>
             <a:endParaRPr lang="en-US"/>
           </a:p>
@@ -4404,7 +4408,7 @@
           <a:p>
             <a:fld id="{E90C4CEC-16D5-4229-B4DE-FDE9B679D7E2}" type="datetimeFigureOut">
               <a:rPr lang="en-US" smtClean="0"/>
-              <a:t>24/04/16</a:t>
+              <a:t>25/04/16</a:t>
             </a:fld>
             <a:endParaRPr lang="en-US"/>
           </a:p>
@@ -4517,7 +4521,7 @@
           <a:p>
             <a:fld id="{E90C4CEC-16D5-4229-B4DE-FDE9B679D7E2}" type="datetimeFigureOut">
               <a:rPr lang="en-US" smtClean="0"/>
-              <a:t>24/04/16</a:t>
+              <a:t>25/04/16</a:t>
             </a:fld>
             <a:endParaRPr lang="en-US"/>
           </a:p>
@@ -4607,7 +4611,7 @@
           <a:p>
             <a:fld id="{E90C4CEC-16D5-4229-B4DE-FDE9B679D7E2}" type="datetimeFigureOut">
               <a:rPr lang="en-US" smtClean="0"/>
-              <a:t>24/04/16</a:t>
+              <a:t>25/04/16</a:t>
             </a:fld>
             <a:endParaRPr lang="en-US"/>
           </a:p>
@@ -7258,7 +7262,7 @@
           <a:p>
             <a:fld id="{E90C4CEC-16D5-4229-B4DE-FDE9B679D7E2}" type="datetimeFigureOut">
               <a:rPr lang="en-US" smtClean="0"/>
-              <a:t>24/04/16</a:t>
+              <a:t>25/04/16</a:t>
             </a:fld>
             <a:endParaRPr lang="en-US"/>
           </a:p>
@@ -10470,7 +10474,7 @@
           <a:p>
             <a:fld id="{E90C4CEC-16D5-4229-B4DE-FDE9B679D7E2}" type="datetimeFigureOut">
               <a:rPr lang="en-US" smtClean="0"/>
-              <a:t>24/04/16</a:t>
+              <a:t>25/04/16</a:t>
             </a:fld>
             <a:endParaRPr lang="en-US"/>
           </a:p>
@@ -13292,7 +13296,7 @@
           <a:p>
             <a:fld id="{E90C4CEC-16D5-4229-B4DE-FDE9B679D7E2}" type="datetimeFigureOut">
               <a:rPr lang="en-US" smtClean="0"/>
-              <a:t>24/04/16</a:t>
+              <a:t>25/04/16</a:t>
             </a:fld>
             <a:endParaRPr lang="en-US"/>
           </a:p>
@@ -13774,11 +13778,7 @@
           <a:p>
             <a:r>
               <a:rPr lang="en-US" dirty="0" smtClean="0"/>
-              <a:t>Spring </a:t>
-            </a:r>
-            <a:r>
-              <a:rPr lang="en-US" dirty="0" smtClean="0"/>
-              <a:t>Basics</a:t>
+              <a:t>Spring Basics</a:t>
             </a:r>
             <a:br>
               <a:rPr lang="en-US" dirty="0" smtClean="0"/>
@@ -13792,11 +13792,7 @@
             </a:br>
             <a:r>
               <a:rPr lang="en-US" sz="1800" dirty="0" smtClean="0"/>
-              <a:t>annotation </a:t>
-            </a:r>
-            <a:r>
-              <a:rPr lang="en-US" sz="1800" dirty="0" smtClean="0"/>
-              <a:t>based </a:t>
+              <a:t>annotation based </a:t>
             </a:r>
             <a:br>
               <a:rPr lang="en-US" sz="1800" dirty="0" smtClean="0"/>
@@ -13930,156 +13926,52 @@
         </p:nvSpPr>
         <p:spPr>
           <a:xfrm>
-            <a:off x="1043490" y="740930"/>
-            <a:ext cx="6777319" cy="529234"/>
+            <a:off x="1043490" y="723288"/>
+            <a:ext cx="6777319" cy="670363"/>
           </a:xfrm>
         </p:spPr>
         <p:txBody>
           <a:bodyPr>
-            <a:noAutofit/>
+            <a:normAutofit/>
           </a:bodyPr>
           <a:lstStyle/>
           <a:p>
             <a:r>
-              <a:rPr lang="en-US" sz="2400" dirty="0" smtClean="0"/>
-              <a:t>Basic Java based Annotations in </a:t>
-            </a:r>
-            <a:r>
-              <a:rPr lang="en-US" sz="2400" dirty="0" smtClean="0"/>
-              <a:t>Spring</a:t>
-            </a:r>
-            <a:endParaRPr lang="en-US" sz="2400" dirty="0">
-              <a:solidFill>
-                <a:srgbClr val="FF0000"/>
-              </a:solidFill>
-            </a:endParaRPr>
+              <a:rPr lang="en-US" sz="3200" dirty="0" smtClean="0"/>
+              <a:t>Spring bean lifecycle</a:t>
+            </a:r>
+            <a:endParaRPr lang="en-US" sz="3200" dirty="0"/>
           </a:p>
         </p:txBody>
       </p:sp>
-      <p:sp>
-        <p:nvSpPr>
-          <p:cNvPr id="3" name="Content Placeholder 2"/>
-          <p:cNvSpPr>
-            <a:spLocks noGrp="1"/>
-          </p:cNvSpPr>
+      <p:pic>
+        <p:nvPicPr>
+          <p:cNvPr id="4" name="Content Placeholder 3"/>
+          <p:cNvPicPr>
+            <a:picLocks noGrp="1" noChangeAspect="1"/>
+          </p:cNvPicPr>
           <p:nvPr>
             <p:ph idx="1"/>
           </p:nvPr>
-        </p:nvSpPr>
+        </p:nvPicPr>
+        <p:blipFill>
+          <a:blip r:embed="rId2"/>
+          <a:srcRect l="161" r="161"/>
+          <a:stretch>
+            <a:fillRect/>
+          </a:stretch>
+        </p:blipFill>
         <p:spPr>
           <a:xfrm>
-            <a:off x="1043492" y="1270164"/>
-            <a:ext cx="6777317" cy="4562465"/>
+            <a:off x="1042988" y="1393825"/>
+            <a:ext cx="7107237" cy="4654550"/>
           </a:xfrm>
         </p:spPr>
-        <p:txBody>
-          <a:bodyPr>
-            <a:normAutofit lnSpcReduction="10000"/>
-          </a:bodyPr>
-          <a:lstStyle/>
-          <a:p>
-            <a:r>
-              <a:rPr lang="en-US" b="1" dirty="0" smtClean="0"/>
-              <a:t>@Configuration:</a:t>
-            </a:r>
-            <a:r>
-              <a:rPr lang="en-US" dirty="0" smtClean="0"/>
-              <a:t> </a:t>
-            </a:r>
-            <a:r>
-              <a:rPr lang="en-US" sz="2000" dirty="0" smtClean="0"/>
-              <a:t>Indicates </a:t>
-            </a:r>
-            <a:r>
-              <a:rPr lang="en-US" sz="2000" dirty="0"/>
-              <a:t>that a class declares one or more @Bean methods and may be processed by the Spring container to generate bean definitions and service requests for those beans at </a:t>
-            </a:r>
-            <a:r>
-              <a:rPr lang="en-US" sz="2000" dirty="0" smtClean="0"/>
-              <a:t>runtime</a:t>
-            </a:r>
-            <a:endParaRPr lang="en-US" dirty="0" smtClean="0"/>
-          </a:p>
-          <a:p>
-            <a:r>
-              <a:rPr lang="en-US" b="1" dirty="0" smtClean="0"/>
-              <a:t>@Bean</a:t>
-            </a:r>
-            <a:r>
-              <a:rPr lang="en-US" dirty="0" smtClean="0"/>
-              <a:t>: </a:t>
-            </a:r>
-            <a:r>
-              <a:rPr lang="en-US" sz="2000" dirty="0" smtClean="0"/>
-              <a:t>Creates Spring bean from java object</a:t>
-            </a:r>
-            <a:endParaRPr lang="en-US" dirty="0" smtClean="0"/>
-          </a:p>
-          <a:p>
-            <a:r>
-              <a:rPr lang="en-US" b="1" dirty="0" smtClean="0"/>
-              <a:t>@Import</a:t>
-            </a:r>
-            <a:r>
-              <a:rPr lang="en-US" dirty="0" smtClean="0"/>
-              <a:t>: Used to import configuration file</a:t>
-            </a:r>
-          </a:p>
-          <a:p>
-            <a:r>
-              <a:rPr lang="en-US" b="1" dirty="0" smtClean="0"/>
-              <a:t>@</a:t>
-            </a:r>
-            <a:r>
-              <a:rPr lang="en-US" b="1" dirty="0" err="1" smtClean="0"/>
-              <a:t>ImportResource</a:t>
-            </a:r>
-            <a:r>
-              <a:rPr lang="en-US" dirty="0" smtClean="0"/>
-              <a:t>: Used to import XML Based Configuration file</a:t>
-            </a:r>
-          </a:p>
-          <a:p>
-            <a:r>
-              <a:rPr lang="en-US" b="1" dirty="0" err="1" smtClean="0"/>
-              <a:t>ComponentScan</a:t>
-            </a:r>
-            <a:r>
-              <a:rPr lang="en-US" b="1" dirty="0" smtClean="0"/>
-              <a:t>:</a:t>
-            </a:r>
-            <a:r>
-              <a:rPr lang="en-US" dirty="0" smtClean="0"/>
-              <a:t> scans the spring beans on the given base package. It looks for </a:t>
-            </a:r>
-            <a:r>
-              <a:rPr lang="en-US" b="1" dirty="0" smtClean="0"/>
-              <a:t>@Service, @Component, @Controller, @</a:t>
-            </a:r>
-            <a:r>
-              <a:rPr lang="en-US" b="1" dirty="0" smtClean="0"/>
-              <a:t>Repository                       </a:t>
-            </a:r>
-            <a:r>
-              <a:rPr lang="en-US" sz="2800" dirty="0">
-                <a:solidFill>
-                  <a:srgbClr val="FF0000"/>
-                </a:solidFill>
-              </a:rPr>
-              <a:t>.</a:t>
-            </a:r>
-            <a:r>
-              <a:rPr lang="en-US" sz="2800" b="1" dirty="0" smtClean="0"/>
-              <a:t>                     </a:t>
-            </a:r>
-            <a:endParaRPr lang="en-US" sz="2800" b="1" dirty="0"/>
-          </a:p>
-        </p:txBody>
-      </p:sp>
+      </p:pic>
     </p:spTree>
     <p:extLst>
       <p:ext uri="{BB962C8B-B14F-4D97-AF65-F5344CB8AC3E}">
-        <p14:creationId xmlns:p14="http://schemas.microsoft.com/office/powerpoint/2010/main" val="55584591"/>
+        <p14:creationId xmlns:p14="http://schemas.microsoft.com/office/powerpoint/2010/main" val="68530626"/>
       </p:ext>
     </p:extLst>
   </p:cSld>
@@ -14125,21 +14017,21 @@
         </p:nvSpPr>
         <p:spPr>
           <a:xfrm>
-            <a:off x="1043490" y="723288"/>
-            <a:ext cx="6777319" cy="476311"/>
+            <a:off x="1043490" y="815970"/>
+            <a:ext cx="7024744" cy="683528"/>
           </a:xfrm>
         </p:spPr>
         <p:txBody>
           <a:bodyPr>
-            <a:normAutofit fontScale="90000"/>
+            <a:normAutofit/>
           </a:bodyPr>
           <a:lstStyle/>
           <a:p>
             <a:r>
-              <a:rPr lang="en-US" sz="2800" dirty="0" smtClean="0"/>
-              <a:t>Spring Bean Scope Managing</a:t>
-            </a:r>
-            <a:endParaRPr lang="en-US" sz="2800" dirty="0"/>
+              <a:rPr lang="en-US" sz="3200" dirty="0" smtClean="0"/>
+              <a:t>Java based configuration</a:t>
+            </a:r>
+            <a:endParaRPr lang="en-US" sz="3200" dirty="0"/>
           </a:p>
         </p:txBody>
       </p:sp>
@@ -14155,175 +14047,441 @@
         </p:nvSpPr>
         <p:spPr>
           <a:xfrm>
-            <a:off x="1043492" y="1199599"/>
-            <a:ext cx="6777317" cy="4633031"/>
+            <a:off x="1043492" y="1640628"/>
+            <a:ext cx="6777317" cy="4192001"/>
           </a:xfrm>
         </p:spPr>
         <p:txBody>
           <a:bodyPr>
-            <a:normAutofit fontScale="85000" lnSpcReduction="20000"/>
+            <a:normAutofit/>
           </a:bodyPr>
           <a:lstStyle/>
-          <a:p>
-            <a:r>
-              <a:rPr lang="en-US" b="1" dirty="0"/>
-              <a:t>Singleton</a:t>
-            </a:r>
-            <a:r>
-              <a:rPr lang="en-US" dirty="0"/>
-              <a:t>: Single bean per IOC </a:t>
-            </a:r>
-            <a:r>
-              <a:rPr lang="en-US" dirty="0" smtClean="0"/>
-              <a:t>container (default)</a:t>
-            </a:r>
-            <a:endParaRPr lang="en-US" dirty="0"/>
-          </a:p>
-          <a:p>
-            <a:r>
-              <a:rPr lang="en-US" b="1" dirty="0"/>
-              <a:t>Prototype</a:t>
-            </a:r>
-            <a:r>
-              <a:rPr lang="en-US" dirty="0"/>
-              <a:t>: creates new bean  each time</a:t>
-            </a:r>
-          </a:p>
           <a:p>
             <a:pPr marL="68580" indent="0">
               <a:buNone/>
             </a:pPr>
             <a:r>
-              <a:rPr lang="en-US" b="1" dirty="0"/>
-              <a:t>WEB APPLICATION SCOPES</a:t>
-            </a:r>
-          </a:p>
-          <a:p>
-            <a:r>
-              <a:rPr lang="en-US" b="1" dirty="0"/>
-              <a:t>Request</a:t>
-            </a:r>
-            <a:r>
-              <a:rPr lang="en-US" dirty="0"/>
-              <a:t>: each request new bean created</a:t>
-            </a:r>
-          </a:p>
-          <a:p>
-            <a:r>
-              <a:rPr lang="en-US" b="1" dirty="0"/>
-              <a:t>Session</a:t>
-            </a:r>
-            <a:r>
-              <a:rPr lang="en-US" dirty="0"/>
-              <a:t>:  for each user session new bean created</a:t>
-            </a:r>
-          </a:p>
-          <a:p>
-            <a:r>
-              <a:rPr lang="en-US" b="1" dirty="0"/>
-              <a:t>Global Session</a:t>
-            </a:r>
-            <a:r>
-              <a:rPr lang="en-US" dirty="0"/>
-              <a:t>: Typically only valid when used in a </a:t>
-            </a:r>
-            <a:r>
-              <a:rPr lang="en-US" dirty="0" err="1"/>
-              <a:t>portlet</a:t>
-            </a:r>
-            <a:r>
-              <a:rPr lang="en-US" dirty="0"/>
-              <a:t> context. </a:t>
-            </a:r>
+              <a:rPr lang="en-US" dirty="0" smtClean="0"/>
+              <a:t>Java based spring container can be created using below </a:t>
+            </a:r>
+            <a:r>
+              <a:rPr lang="en-US" dirty="0" smtClean="0"/>
+              <a:t>code </a:t>
+            </a:r>
+          </a:p>
+          <a:p>
+            <a:pPr marL="68580" indent="0">
+              <a:buNone/>
+            </a:pPr>
             <a:endParaRPr lang="en-US" dirty="0" smtClean="0"/>
+          </a:p>
+          <a:p>
+            <a:pPr marL="68580" indent="0">
+              <a:buNone/>
+            </a:pPr>
+            <a:r>
+              <a:rPr lang="en-US" sz="1800" b="1" smtClean="0">
+                <a:solidFill>
+                  <a:schemeClr val="bg2">
+                    <a:lumMod val="50000"/>
+                  </a:schemeClr>
+                </a:solidFill>
+              </a:rPr>
+              <a:t>AnnotationConfigApplicationContext</a:t>
+            </a:r>
+            <a:r>
+              <a:rPr lang="en-US" sz="1800" b="1" dirty="0" smtClean="0">
+                <a:solidFill>
+                  <a:schemeClr val="bg2">
+                    <a:lumMod val="50000"/>
+                  </a:schemeClr>
+                </a:solidFill>
+              </a:rPr>
+              <a:t> </a:t>
+            </a:r>
+            <a:r>
+              <a:rPr lang="en-US" sz="1800" dirty="0" err="1">
+                <a:solidFill>
+                  <a:schemeClr val="bg2">
+                    <a:lumMod val="50000"/>
+                  </a:schemeClr>
+                </a:solidFill>
+              </a:rPr>
+              <a:t>aCtx</a:t>
+            </a:r>
+            <a:r>
+              <a:rPr lang="en-US" sz="1800" dirty="0">
+                <a:solidFill>
+                  <a:schemeClr val="bg2">
+                    <a:lumMod val="50000"/>
+                  </a:schemeClr>
+                </a:solidFill>
+              </a:rPr>
+              <a:t> </a:t>
+            </a:r>
+            <a:endParaRPr lang="en-US" sz="1800" dirty="0" smtClean="0">
+              <a:solidFill>
+                <a:schemeClr val="bg2">
+                  <a:lumMod val="50000"/>
+                </a:schemeClr>
+              </a:solidFill>
+            </a:endParaRPr>
+          </a:p>
+          <a:p>
+            <a:pPr marL="68580" indent="0">
+              <a:buNone/>
+            </a:pPr>
+            <a:r>
+              <a:rPr lang="en-US" sz="1800" b="1" dirty="0" smtClean="0">
+                <a:solidFill>
+                  <a:schemeClr val="bg2">
+                    <a:lumMod val="50000"/>
+                  </a:schemeClr>
+                </a:solidFill>
+              </a:rPr>
+              <a:t>= </a:t>
+            </a:r>
+            <a:r>
+              <a:rPr lang="en-US" sz="1800" b="1" dirty="0">
+                <a:solidFill>
+                  <a:schemeClr val="bg2">
+                    <a:lumMod val="50000"/>
+                  </a:schemeClr>
+                </a:solidFill>
+              </a:rPr>
+              <a:t>new </a:t>
+            </a:r>
+            <a:r>
+              <a:rPr lang="en-US" sz="1800" b="1" dirty="0" err="1">
+                <a:solidFill>
+                  <a:schemeClr val="bg2">
+                    <a:lumMod val="50000"/>
+                  </a:schemeClr>
+                </a:solidFill>
+              </a:rPr>
+              <a:t>AnnotationConfigApplicationContext</a:t>
+            </a:r>
+            <a:r>
+              <a:rPr lang="en-US" sz="1800" b="1" dirty="0">
+                <a:solidFill>
+                  <a:schemeClr val="bg2">
+                    <a:lumMod val="50000"/>
+                  </a:schemeClr>
+                </a:solidFill>
+              </a:rPr>
+              <a:t>()</a:t>
+            </a:r>
+            <a:r>
+              <a:rPr lang="en-US" sz="1800" b="1" dirty="0" smtClean="0">
+                <a:solidFill>
+                  <a:schemeClr val="bg2">
+                    <a:lumMod val="50000"/>
+                  </a:schemeClr>
+                </a:solidFill>
+              </a:rPr>
+              <a:t>;</a:t>
+            </a:r>
+            <a:endParaRPr lang="en-US" sz="1800" b="1" dirty="0">
+              <a:solidFill>
+                <a:schemeClr val="bg2">
+                  <a:lumMod val="50000"/>
+                </a:schemeClr>
+              </a:solidFill>
+            </a:endParaRPr>
+          </a:p>
+          <a:p>
+            <a:pPr marL="68580" indent="0">
+              <a:buNone/>
+            </a:pPr>
+            <a:r>
+              <a:rPr lang="en-US" sz="1800" dirty="0">
+                <a:solidFill>
+                  <a:schemeClr val="bg2">
+                    <a:lumMod val="50000"/>
+                  </a:schemeClr>
+                </a:solidFill>
+              </a:rPr>
+              <a:t> </a:t>
+            </a:r>
+            <a:r>
+              <a:rPr lang="en-US" sz="1800" dirty="0" err="1" smtClean="0">
+                <a:solidFill>
+                  <a:schemeClr val="bg2">
+                    <a:lumMod val="50000"/>
+                  </a:schemeClr>
+                </a:solidFill>
+              </a:rPr>
+              <a:t>aCtx.register</a:t>
+            </a:r>
+            <a:r>
+              <a:rPr lang="en-US" sz="1800" dirty="0" smtClean="0">
+                <a:solidFill>
+                  <a:schemeClr val="bg2">
+                    <a:lumMod val="50000"/>
+                  </a:schemeClr>
+                </a:solidFill>
+              </a:rPr>
+              <a:t>(</a:t>
+            </a:r>
+            <a:r>
+              <a:rPr lang="en-US" sz="1800" b="1" dirty="0" err="1" smtClean="0">
+                <a:solidFill>
+                  <a:srgbClr val="BF4D00"/>
+                </a:solidFill>
+              </a:rPr>
+              <a:t>MySpringConfig.class</a:t>
+            </a:r>
+            <a:r>
+              <a:rPr lang="en-US" sz="1800" dirty="0">
+                <a:solidFill>
+                  <a:schemeClr val="bg2">
+                    <a:lumMod val="50000"/>
+                  </a:schemeClr>
+                </a:solidFill>
+              </a:rPr>
+              <a:t>)</a:t>
+            </a:r>
+            <a:r>
+              <a:rPr lang="en-US" sz="1800" b="1" dirty="0" smtClean="0">
+                <a:solidFill>
+                  <a:schemeClr val="bg2">
+                    <a:lumMod val="50000"/>
+                  </a:schemeClr>
+                </a:solidFill>
+              </a:rPr>
+              <a:t>;</a:t>
+            </a:r>
+            <a:r>
+              <a:rPr lang="en-US" sz="1200" b="1" dirty="0" smtClean="0">
+                <a:solidFill>
+                  <a:schemeClr val="bg2">
+                    <a:lumMod val="50000"/>
+                  </a:schemeClr>
+                </a:solidFill>
+              </a:rPr>
+              <a:t> /</a:t>
+            </a:r>
+            <a:r>
+              <a:rPr lang="en-US" sz="1400" dirty="0" smtClean="0">
+                <a:solidFill>
+                  <a:schemeClr val="bg2">
+                    <a:lumMod val="50000"/>
+                  </a:schemeClr>
+                </a:solidFill>
+              </a:rPr>
+              <a:t>/pass the </a:t>
+            </a:r>
+            <a:r>
+              <a:rPr lang="en-US" sz="1400" dirty="0" smtClean="0">
+                <a:solidFill>
+                  <a:schemeClr val="bg2">
+                    <a:lumMod val="50000"/>
+                  </a:schemeClr>
+                </a:solidFill>
+              </a:rPr>
+              <a:t>configuration</a:t>
+            </a:r>
+            <a:endParaRPr lang="en-US" sz="1200" dirty="0" smtClean="0">
+              <a:solidFill>
+                <a:schemeClr val="bg2">
+                  <a:lumMod val="50000"/>
+                </a:schemeClr>
+              </a:solidFill>
+            </a:endParaRPr>
+          </a:p>
+          <a:p>
+            <a:pPr marL="68580" indent="0">
+              <a:buNone/>
+            </a:pPr>
+            <a:r>
+              <a:rPr lang="en-US" sz="1200" b="1" dirty="0" smtClean="0">
+                <a:solidFill>
+                  <a:schemeClr val="bg2">
+                    <a:lumMod val="50000"/>
+                  </a:schemeClr>
+                </a:solidFill>
+              </a:rPr>
+              <a:t>			(OR)</a:t>
+            </a:r>
+          </a:p>
+          <a:p>
+            <a:pPr marL="68580" indent="0">
+              <a:buNone/>
+            </a:pPr>
+            <a:r>
+              <a:rPr lang="en-US" sz="1100" b="1" dirty="0" smtClean="0">
+                <a:solidFill>
+                  <a:schemeClr val="bg2">
+                    <a:lumMod val="50000"/>
+                  </a:schemeClr>
+                </a:solidFill>
+              </a:rPr>
+              <a:t> </a:t>
+            </a:r>
+            <a:r>
+              <a:rPr lang="en-US" sz="1600" dirty="0" err="1" smtClean="0">
+                <a:solidFill>
+                  <a:schemeClr val="bg2">
+                    <a:lumMod val="50000"/>
+                  </a:schemeClr>
+                </a:solidFill>
+              </a:rPr>
+              <a:t>aCtx.scan</a:t>
+            </a:r>
+            <a:r>
+              <a:rPr lang="en-US" sz="1600" dirty="0" smtClean="0">
+                <a:solidFill>
+                  <a:schemeClr val="bg2">
+                    <a:lumMod val="50000"/>
+                  </a:schemeClr>
+                </a:solidFill>
+              </a:rPr>
+              <a:t>(“</a:t>
+            </a:r>
+            <a:r>
+              <a:rPr lang="en-US" sz="1600" dirty="0" err="1" smtClean="0">
+                <a:solidFill>
+                  <a:schemeClr val="bg2">
+                    <a:lumMod val="50000"/>
+                  </a:schemeClr>
+                </a:solidFill>
+              </a:rPr>
+              <a:t>com.innomnids.lifecycle</a:t>
+            </a:r>
+            <a:r>
+              <a:rPr lang="en-US" sz="1600" dirty="0" smtClean="0">
+                <a:solidFill>
+                  <a:schemeClr val="bg2">
+                    <a:lumMod val="50000"/>
+                  </a:schemeClr>
+                </a:solidFill>
+              </a:rPr>
+              <a:t>”)</a:t>
+            </a:r>
+            <a:r>
+              <a:rPr lang="en-US" sz="1400" dirty="0" smtClean="0">
+                <a:solidFill>
+                  <a:schemeClr val="bg2">
+                    <a:lumMod val="50000"/>
+                  </a:schemeClr>
+                </a:solidFill>
+              </a:rPr>
+              <a:t>;</a:t>
+            </a:r>
+            <a:r>
+              <a:rPr lang="en-US" sz="1600" dirty="0" smtClean="0">
+                <a:solidFill>
+                  <a:schemeClr val="bg2">
+                    <a:lumMod val="50000"/>
+                  </a:schemeClr>
+                </a:solidFill>
+              </a:rPr>
+              <a:t>//pass base package</a:t>
+            </a:r>
+            <a:endParaRPr lang="en-US" sz="1800" b="1" dirty="0">
+              <a:solidFill>
+                <a:schemeClr val="bg2">
+                  <a:lumMod val="50000"/>
+                </a:schemeClr>
+              </a:solidFill>
+            </a:endParaRPr>
+          </a:p>
+          <a:p>
+            <a:pPr marL="68580" indent="0">
+              <a:buNone/>
+            </a:pPr>
+            <a:endParaRPr lang="en-US" sz="1800" dirty="0" smtClean="0">
+              <a:solidFill>
+                <a:schemeClr val="bg2">
+                  <a:lumMod val="50000"/>
+                </a:schemeClr>
+              </a:solidFill>
+            </a:endParaRPr>
+          </a:p>
+          <a:p>
+            <a:pPr marL="68580" indent="0">
+              <a:buNone/>
+            </a:pPr>
+            <a:r>
+              <a:rPr lang="en-US" sz="1800" dirty="0" smtClean="0">
+                <a:solidFill>
+                  <a:schemeClr val="bg2">
+                    <a:lumMod val="50000"/>
+                  </a:schemeClr>
+                </a:solidFill>
+              </a:rPr>
+              <a:t> </a:t>
+            </a:r>
+            <a:r>
+              <a:rPr lang="en-US" sz="1800" dirty="0" err="1" smtClean="0">
+                <a:solidFill>
+                  <a:schemeClr val="bg2">
+                    <a:lumMod val="50000"/>
+                  </a:schemeClr>
+                </a:solidFill>
+              </a:rPr>
+              <a:t>aCtx.</a:t>
+            </a:r>
+            <a:r>
+              <a:rPr lang="en-US" sz="1800" b="1" dirty="0" err="1" smtClean="0">
+                <a:solidFill>
+                  <a:schemeClr val="bg2">
+                    <a:lumMod val="50000"/>
+                  </a:schemeClr>
+                </a:solidFill>
+              </a:rPr>
+              <a:t>refresh</a:t>
+            </a:r>
+            <a:r>
+              <a:rPr lang="en-US" sz="1800" b="1" dirty="0">
+                <a:solidFill>
+                  <a:schemeClr val="bg2">
+                    <a:lumMod val="50000"/>
+                  </a:schemeClr>
+                </a:solidFill>
+              </a:rPr>
+              <a:t>()</a:t>
+            </a:r>
+            <a:r>
+              <a:rPr lang="en-US" sz="1800" dirty="0">
+                <a:solidFill>
+                  <a:schemeClr val="bg2">
+                    <a:lumMod val="50000"/>
+                  </a:schemeClr>
+                </a:solidFill>
+              </a:rPr>
+              <a:t>;</a:t>
+            </a:r>
+            <a:r>
+              <a:rPr lang="en-US" sz="1400" b="1" dirty="0">
+                <a:solidFill>
+                  <a:schemeClr val="bg2">
+                    <a:lumMod val="50000"/>
+                  </a:schemeClr>
+                </a:solidFill>
+              </a:rPr>
+              <a:t>// it will creates the registered beans</a:t>
+            </a:r>
+            <a:endParaRPr lang="en-US" sz="1400" b="1" dirty="0" smtClean="0">
+              <a:solidFill>
+                <a:schemeClr val="bg2">
+                  <a:lumMod val="50000"/>
+                </a:schemeClr>
+              </a:solidFill>
+            </a:endParaRPr>
           </a:p>
           <a:p>
             <a:pPr marL="68580" indent="0">
               <a:buNone/>
             </a:pPr>
             <a:endParaRPr lang="en-US" dirty="0"/>
-          </a:p>
-          <a:p>
-            <a:pPr marL="68580" indent="0">
-              <a:buNone/>
-            </a:pPr>
-            <a:r>
-              <a:rPr lang="en-US" sz="2100" b="1" dirty="0"/>
-              <a:t>NOTE</a:t>
-            </a:r>
-            <a:r>
-              <a:rPr lang="en-US" sz="2100" dirty="0"/>
-              <a:t>: you can also create your own scope if these are not fit to your </a:t>
-            </a:r>
-            <a:r>
-              <a:rPr lang="en-US" sz="2100" dirty="0" smtClean="0"/>
-              <a:t>requirement</a:t>
-            </a:r>
-          </a:p>
-          <a:p>
-            <a:pPr marL="68580" indent="0">
-              <a:buNone/>
-            </a:pPr>
-            <a:endParaRPr lang="en-US" dirty="0" smtClean="0"/>
-          </a:p>
-          <a:p>
-            <a:pPr marL="68580" indent="0">
-              <a:buNone/>
-            </a:pPr>
-            <a:r>
-              <a:rPr lang="en-US" dirty="0" smtClean="0"/>
-              <a:t>There are two types of scope available in spring core container</a:t>
-            </a:r>
-          </a:p>
-          <a:p>
-            <a:pPr marL="68580" indent="0">
-              <a:buNone/>
-            </a:pPr>
-            <a:r>
-              <a:rPr lang="en-US" sz="1900" b="1" dirty="0" smtClean="0"/>
-              <a:t>@Scope(</a:t>
-            </a:r>
-            <a:r>
-              <a:rPr lang="en-US" sz="1900" b="1" dirty="0" err="1" smtClean="0"/>
-              <a:t>ConfigurableBeanFactory.</a:t>
-            </a:r>
-            <a:r>
-              <a:rPr lang="en-US" sz="1900" b="1" i="1" dirty="0" err="1" smtClean="0"/>
-              <a:t>SCOPE_SINGLETON</a:t>
-            </a:r>
-            <a:r>
-              <a:rPr lang="en-US" sz="1900" b="1" i="1" dirty="0" smtClean="0"/>
-              <a:t>)</a:t>
-            </a:r>
-          </a:p>
-          <a:p>
-            <a:pPr marL="68580" indent="0">
-              <a:buNone/>
-            </a:pPr>
-            <a:r>
-              <a:rPr lang="en-US" sz="2000" b="1" dirty="0"/>
-              <a:t>@Scope(</a:t>
-            </a:r>
-            <a:r>
-              <a:rPr lang="en-US" sz="2000" b="1" dirty="0" err="1"/>
-              <a:t>ConfigurableBeanFactory.</a:t>
-            </a:r>
-            <a:r>
-              <a:rPr lang="en-US" sz="2000" b="1" i="1" dirty="0" err="1"/>
-              <a:t>SCOPE_PROTOTYPE</a:t>
-            </a:r>
-            <a:r>
-              <a:rPr lang="en-US" sz="2000" b="1" i="1" dirty="0"/>
-              <a:t>)</a:t>
-            </a:r>
-            <a:endParaRPr lang="en-US" sz="1900" b="1" dirty="0"/>
           </a:p>
         </p:txBody>
       </p:sp>
     </p:spTree>
     <p:extLst>
       <p:ext uri="{BB962C8B-B14F-4D97-AF65-F5344CB8AC3E}">
-        <p14:creationId xmlns:p14="http://schemas.microsoft.com/office/powerpoint/2010/main" val="3345582067"/>
+        <p14:creationId xmlns:p14="http://schemas.microsoft.com/office/powerpoint/2010/main" val="2732046856"/>
       </p:ext>
     </p:extLst>
   </p:cSld>
@@ -14369,21 +14527,19 @@
         </p:nvSpPr>
         <p:spPr>
           <a:xfrm>
-            <a:off x="1043490" y="829134"/>
-            <a:ext cx="6777319" cy="529235"/>
+            <a:off x="1089025" y="705647"/>
+            <a:ext cx="6660008" cy="458670"/>
           </a:xfrm>
         </p:spPr>
         <p:txBody>
-          <a:bodyPr>
-            <a:normAutofit/>
-          </a:bodyPr>
+          <a:bodyPr/>
           <a:lstStyle/>
           <a:p>
             <a:r>
-              <a:rPr lang="en-US" sz="2800" dirty="0" smtClean="0"/>
-              <a:t>Enabling profile</a:t>
-            </a:r>
-            <a:endParaRPr lang="en-US" sz="2800" dirty="0"/>
+              <a:rPr lang="en-US" sz="2400" dirty="0" smtClean="0"/>
+              <a:t>Spring Annotation</a:t>
+            </a:r>
+            <a:endParaRPr lang="en-US" sz="2400" dirty="0"/>
           </a:p>
         </p:txBody>
       </p:sp>
@@ -14399,8 +14555,8 @@
         </p:nvSpPr>
         <p:spPr>
           <a:xfrm>
-            <a:off x="1043492" y="1358370"/>
-            <a:ext cx="6777317" cy="4474260"/>
+            <a:off x="1089024" y="1164317"/>
+            <a:ext cx="7272339" cy="4961846"/>
           </a:xfrm>
         </p:spPr>
         <p:txBody>
@@ -14410,156 +14566,269 @@
           <a:lstStyle/>
           <a:p>
             <a:r>
+              <a:rPr lang="en-US" sz="1800" b="1" dirty="0"/>
+              <a:t>@Configuration</a:t>
+            </a:r>
+            <a:r>
+              <a:rPr lang="en-US" sz="1800" dirty="0"/>
+              <a:t>: Configuration file    </a:t>
+            </a:r>
+          </a:p>
+          <a:p>
+            <a:r>
+              <a:rPr lang="en-US" sz="1800" b="1" dirty="0"/>
+              <a:t>@Bean:</a:t>
+            </a:r>
+            <a:r>
+              <a:rPr lang="en-US" sz="1800" dirty="0"/>
+              <a:t> to declare a bean in Java configuration </a:t>
+            </a:r>
+          </a:p>
+          <a:p>
+            <a:r>
+              <a:rPr lang="en-US" sz="1800" b="1" dirty="0" smtClean="0"/>
+              <a:t>@Import </a:t>
+            </a:r>
+            <a:r>
               <a:rPr lang="en-US" sz="1800" dirty="0" smtClean="0"/>
-              <a:t>Spring Profiles were introduced in spring 3.1.</a:t>
-            </a:r>
-            <a:r>
-              <a:rPr lang="en-US" sz="2000" dirty="0" smtClean="0"/>
+              <a:t>: import another Java Configuration</a:t>
+            </a:r>
+          </a:p>
+          <a:p>
+            <a:r>
+              <a:rPr lang="en-US" sz="1800" b="1" dirty="0" smtClean="0"/>
+              <a:t>@</a:t>
+            </a:r>
+            <a:r>
+              <a:rPr lang="en-US" sz="1800" b="1" dirty="0" err="1" smtClean="0"/>
+              <a:t>ImportResource</a:t>
+            </a:r>
+            <a:r>
+              <a:rPr lang="en-US" sz="1800" b="1" dirty="0" smtClean="0"/>
               <a:t> </a:t>
             </a:r>
-          </a:p>
-          <a:p>
-            <a:pPr marL="68580" indent="0">
-              <a:buNone/>
-            </a:pPr>
             <a:r>
               <a:rPr lang="en-US" sz="1800" dirty="0" smtClean="0"/>
-              <a:t>It allows us to define beans by deployment regions such as “</a:t>
+              <a:t>: import XML configuration</a:t>
+            </a:r>
+          </a:p>
+          <a:p>
+            <a:r>
+              <a:rPr lang="en-US" sz="1800" b="1" dirty="0"/>
+              <a:t>@</a:t>
+            </a:r>
+            <a:r>
+              <a:rPr lang="en-US" sz="1800" b="1" dirty="0" err="1" smtClean="0"/>
+              <a:t>ComponentScan</a:t>
+            </a:r>
+            <a:r>
+              <a:rPr lang="en-US" sz="1800" dirty="0" smtClean="0"/>
+              <a:t>: scans the beans starting with given base package</a:t>
+            </a:r>
+          </a:p>
+          <a:p>
+            <a:r>
+              <a:rPr lang="en-US" sz="1800" b="1" dirty="0"/>
+              <a:t>@Scope</a:t>
+            </a:r>
+            <a:r>
+              <a:rPr lang="en-US" sz="1800" dirty="0"/>
+              <a:t>: to define </a:t>
+            </a:r>
+            <a:r>
+              <a:rPr lang="en-US" sz="1800" dirty="0" smtClean="0"/>
+              <a:t>Scope </a:t>
+            </a:r>
+            <a:r>
+              <a:rPr lang="en-US" sz="1800" dirty="0"/>
+              <a:t>of a </a:t>
+            </a:r>
+            <a:r>
+              <a:rPr lang="en-US" sz="1800" dirty="0" smtClean="0"/>
+              <a:t>bean</a:t>
+            </a:r>
+            <a:endParaRPr lang="en-US" sz="1800" b="1" dirty="0" smtClean="0"/>
+          </a:p>
+          <a:p>
+            <a:r>
+              <a:rPr lang="en-US" sz="1800" b="1" dirty="0" smtClean="0"/>
+              <a:t>@Conditional</a:t>
+            </a:r>
+            <a:r>
+              <a:rPr lang="en-US" sz="1800" dirty="0" smtClean="0"/>
+              <a:t>: this works with </a:t>
+            </a:r>
+            <a:r>
+              <a:rPr lang="en-US" sz="1800" b="1" dirty="0" smtClean="0"/>
+              <a:t>Condition</a:t>
+            </a:r>
+            <a:r>
+              <a:rPr lang="en-US" sz="1800" dirty="0" smtClean="0"/>
+              <a:t> interface</a:t>
+            </a:r>
+          </a:p>
+          <a:p>
+            <a:r>
+              <a:rPr lang="en-US" sz="1800" b="1" dirty="0" smtClean="0"/>
+              <a:t>@</a:t>
+            </a:r>
+            <a:r>
+              <a:rPr lang="en-US" sz="1800" b="1" dirty="0" err="1" smtClean="0"/>
+              <a:t>EnableAspectJAutoProxy</a:t>
+            </a:r>
+            <a:r>
+              <a:rPr lang="en-US" sz="1800" dirty="0" smtClean="0"/>
+              <a:t>: enabling  auto proxy, @Aspect</a:t>
+            </a:r>
+          </a:p>
+          <a:p>
+            <a:r>
+              <a:rPr lang="en-US" sz="1800" b="1" dirty="0" smtClean="0"/>
+              <a:t>@Primary</a:t>
+            </a:r>
+            <a:r>
+              <a:rPr lang="en-US" sz="1800" dirty="0" smtClean="0"/>
+              <a:t>: works with @Component </a:t>
+            </a:r>
+          </a:p>
+          <a:p>
+            <a:r>
+              <a:rPr lang="en-US" sz="1800" b="1" dirty="0" smtClean="0"/>
+              <a:t>@Qualifier</a:t>
+            </a:r>
+            <a:r>
+              <a:rPr lang="en-US" sz="1800" dirty="0" smtClean="0"/>
+              <a:t>: works with @</a:t>
             </a:r>
             <a:r>
               <a:rPr lang="en-US" sz="1800" dirty="0" err="1" smtClean="0"/>
-              <a:t>dev</a:t>
+              <a:t>Autowired</a:t>
             </a:r>
             <a:r>
               <a:rPr lang="en-US" sz="1800" dirty="0" smtClean="0"/>
-              <a:t>” , “</a:t>
-            </a:r>
-            <a:r>
-              <a:rPr lang="en-US" sz="1800" dirty="0" err="1" smtClean="0"/>
-              <a:t>qa</a:t>
-            </a:r>
-            <a:r>
-              <a:rPr lang="en-US" sz="1800" dirty="0" smtClean="0"/>
-              <a:t>”, “prod” etc.</a:t>
-            </a:r>
-          </a:p>
-          <a:p>
-            <a:pPr marL="68580" indent="0">
-              <a:buNone/>
-            </a:pPr>
-            <a:endParaRPr lang="en-US" sz="1800" dirty="0" smtClean="0"/>
-          </a:p>
-          <a:p>
+              <a:t> and @Inject</a:t>
+            </a:r>
+          </a:p>
+          <a:p>
+            <a:r>
+              <a:rPr lang="en-US" sz="1800" b="1" dirty="0" smtClean="0"/>
+              <a:t>@</a:t>
+            </a:r>
+            <a:r>
+              <a:rPr lang="en-US" sz="1800" b="1" dirty="0"/>
+              <a:t>Value:</a:t>
+            </a:r>
             <a:r>
               <a:rPr lang="en-US" sz="1800" dirty="0"/>
-              <a:t>Spring profiles are enabled using the case insensitive tokens </a:t>
-            </a:r>
-            <a:r>
-              <a:rPr lang="en-US" sz="1800" b="1" dirty="0" err="1"/>
-              <a:t>spring.profiles.active</a:t>
-            </a:r>
-            <a:r>
-              <a:rPr lang="en-US" sz="1800" dirty="0"/>
-              <a:t> or </a:t>
-            </a:r>
-            <a:r>
-              <a:rPr lang="en-US" sz="1800" b="1" dirty="0" err="1"/>
-              <a:t>spring_profiles_active</a:t>
-            </a:r>
-            <a:r>
-              <a:rPr lang="en-US" sz="1800" dirty="0" smtClean="0"/>
-              <a:t>.</a:t>
-            </a:r>
-          </a:p>
-          <a:p>
-            <a:pPr marL="68580" indent="0">
-              <a:buNone/>
-            </a:pPr>
-            <a:endParaRPr lang="en-US" sz="1800" dirty="0" smtClean="0"/>
-          </a:p>
-          <a:p>
-            <a:r>
-              <a:rPr lang="en-US" sz="1800" dirty="0"/>
-              <a:t>Profile can be activated with below mentioned ways</a:t>
-            </a:r>
-          </a:p>
-          <a:p>
-            <a:pPr marL="708660" lvl="1" indent="-342900">
-              <a:buFont typeface="+mj-lt"/>
-              <a:buAutoNum type="arabicPeriod"/>
-            </a:pPr>
-            <a:r>
-              <a:rPr lang="en-US" sz="1600" dirty="0"/>
-              <a:t>an Environment Variable</a:t>
-            </a:r>
-          </a:p>
-          <a:p>
-            <a:pPr marL="708660" lvl="1" indent="-342900">
-              <a:buFont typeface="+mj-lt"/>
-              <a:buAutoNum type="arabicPeriod"/>
-            </a:pPr>
-            <a:r>
-              <a:rPr lang="en-US" sz="1600" dirty="0"/>
-              <a:t>a JVM Property</a:t>
-            </a:r>
-          </a:p>
-          <a:p>
-            <a:pPr marL="708660" lvl="1" indent="-342900">
-              <a:buFont typeface="+mj-lt"/>
-              <a:buAutoNum type="arabicPeriod"/>
-            </a:pPr>
-            <a:r>
-              <a:rPr lang="en-US" sz="1600" dirty="0"/>
-              <a:t>Web Parameter</a:t>
-            </a:r>
-          </a:p>
-          <a:p>
-            <a:pPr marL="708660" lvl="1" indent="-342900">
-              <a:buFont typeface="+mj-lt"/>
-              <a:buAutoNum type="arabicPeriod"/>
-            </a:pPr>
-            <a:r>
-              <a:rPr lang="en-US" sz="1600" dirty="0" smtClean="0"/>
-              <a:t>Programmatic</a:t>
-            </a:r>
-          </a:p>
-          <a:p>
-            <a:pPr marL="708660" lvl="1" indent="-342900">
-              <a:buFont typeface="+mj-lt"/>
-              <a:buAutoNum type="arabicPeriod"/>
-            </a:pPr>
-            <a:endParaRPr lang="en-US" sz="1600" dirty="0" smtClean="0"/>
-          </a:p>
-          <a:p>
-            <a:pPr marL="365760" lvl="1" indent="0">
-              <a:buNone/>
-            </a:pPr>
-            <a:r>
-              <a:rPr lang="en-US" sz="1600" b="1" dirty="0" smtClean="0"/>
-              <a:t>@Profile </a:t>
-            </a:r>
-            <a:r>
-              <a:rPr lang="en-US" sz="1600" dirty="0" smtClean="0"/>
-              <a:t>Annotation used to create bean for specific environment</a:t>
-            </a:r>
-            <a:endParaRPr lang="en-US" sz="1600" dirty="0"/>
-          </a:p>
-          <a:p>
-            <a:pPr marL="708660" lvl="1" indent="-342900">
-              <a:buFont typeface="+mj-lt"/>
-              <a:buAutoNum type="arabicPeriod"/>
-            </a:pPr>
-            <a:endParaRPr lang="en-US" sz="1600" dirty="0"/>
-          </a:p>
-          <a:p>
-            <a:endParaRPr lang="en-US" sz="1800" dirty="0" smtClean="0"/>
+              <a:t> annotation spring express Language</a:t>
+            </a:r>
+          </a:p>
+          <a:p>
+            <a:endParaRPr lang="en-US" sz="1800" dirty="0"/>
+          </a:p>
+          <a:p>
+            <a:r>
+              <a:rPr lang="en-US" sz="1800" b="1" dirty="0" smtClean="0">
+                <a:solidFill>
+                  <a:srgbClr val="008000"/>
+                </a:solidFill>
+              </a:rPr>
+              <a:t>@</a:t>
+            </a:r>
+            <a:r>
+              <a:rPr lang="en-US" sz="1800" b="1" dirty="0" err="1" smtClean="0">
+                <a:solidFill>
+                  <a:srgbClr val="008000"/>
+                </a:solidFill>
+              </a:rPr>
+              <a:t>ActiveProfiles</a:t>
+            </a:r>
+            <a:r>
+              <a:rPr lang="en-US" sz="1800" b="1" dirty="0" smtClean="0">
+                <a:solidFill>
+                  <a:srgbClr val="008000"/>
+                </a:solidFill>
+              </a:rPr>
+              <a:t>: choose profiles in Test cases</a:t>
+            </a:r>
+          </a:p>
+          <a:p>
+            <a:r>
+              <a:rPr lang="en-US" sz="1800" b="1" dirty="0" smtClean="0">
+                <a:solidFill>
+                  <a:srgbClr val="008000"/>
+                </a:solidFill>
+              </a:rPr>
+              <a:t>@</a:t>
+            </a:r>
+            <a:r>
+              <a:rPr lang="en-US" sz="1800" b="1" dirty="0" err="1" smtClean="0">
+                <a:solidFill>
+                  <a:srgbClr val="008000"/>
+                </a:solidFill>
+              </a:rPr>
+              <a:t>ContextConfiguration</a:t>
+            </a:r>
+            <a:r>
+              <a:rPr lang="en-US" sz="1800" b="1" dirty="0" smtClean="0">
+                <a:solidFill>
+                  <a:srgbClr val="008000"/>
+                </a:solidFill>
+              </a:rPr>
+              <a:t>: To load with configuration test cases</a:t>
+            </a:r>
+          </a:p>
+          <a:p>
+            <a:r>
+              <a:rPr lang="en-US" sz="1800" b="1" dirty="0" smtClean="0">
+                <a:solidFill>
+                  <a:srgbClr val="008000"/>
+                </a:solidFill>
+              </a:rPr>
+              <a:t>@</a:t>
+            </a:r>
+            <a:r>
+              <a:rPr lang="en-US" sz="1800" b="1" dirty="0" err="1" smtClean="0">
+                <a:solidFill>
+                  <a:srgbClr val="008000"/>
+                </a:solidFill>
+              </a:rPr>
+              <a:t>Runwith</a:t>
+            </a:r>
+            <a:r>
+              <a:rPr lang="en-US" sz="1800" b="1" dirty="0" smtClean="0">
+                <a:solidFill>
+                  <a:srgbClr val="008000"/>
+                </a:solidFill>
+              </a:rPr>
+              <a:t>: </a:t>
+            </a:r>
+            <a:r>
+              <a:rPr lang="en-US" sz="1800" b="1" dirty="0" err="1" smtClean="0">
+                <a:solidFill>
+                  <a:srgbClr val="008000"/>
+                </a:solidFill>
+              </a:rPr>
+              <a:t>Runwith</a:t>
+            </a:r>
+            <a:r>
+              <a:rPr lang="en-US" sz="1800" b="1" dirty="0" smtClean="0">
+                <a:solidFill>
+                  <a:srgbClr val="008000"/>
+                </a:solidFill>
+              </a:rPr>
+              <a:t>(SpringJUnit4ClassRunner)      </a:t>
+            </a:r>
+          </a:p>
+          <a:p>
+            <a:endParaRPr lang="en-US" dirty="0"/>
           </a:p>
         </p:txBody>
       </p:sp>
     </p:spTree>
     <p:extLst>
       <p:ext uri="{BB962C8B-B14F-4D97-AF65-F5344CB8AC3E}">
-        <p14:creationId xmlns:p14="http://schemas.microsoft.com/office/powerpoint/2010/main" val="1854490724"/>
+        <p14:creationId xmlns:p14="http://schemas.microsoft.com/office/powerpoint/2010/main" val="2377615527"/>
       </p:ext>
     </p:extLst>
   </p:cSld>
@@ -14605,21 +14874,33 @@
         </p:nvSpPr>
         <p:spPr>
           <a:xfrm>
-            <a:off x="1043490" y="688005"/>
-            <a:ext cx="6777319" cy="617441"/>
+            <a:off x="1043490" y="740930"/>
+            <a:ext cx="6777319" cy="529234"/>
           </a:xfrm>
         </p:spPr>
         <p:txBody>
           <a:bodyPr>
-            <a:normAutofit/>
+            <a:noAutofit/>
           </a:bodyPr>
           <a:lstStyle/>
           <a:p>
             <a:r>
-              <a:rPr lang="en-US" sz="3200" dirty="0" smtClean="0"/>
-              <a:t>Conditional Beans</a:t>
-            </a:r>
-            <a:endParaRPr lang="en-US" sz="3200" dirty="0"/>
+              <a:rPr lang="en-US" sz="2400" dirty="0" smtClean="0"/>
+              <a:t>Basic </a:t>
+            </a:r>
+            <a:r>
+              <a:rPr lang="en-US" sz="2400" dirty="0" smtClean="0"/>
+              <a:t>Annotations </a:t>
+            </a:r>
+            <a:r>
+              <a:rPr lang="en-US" sz="2400" dirty="0" smtClean="0"/>
+              <a:t>in Spring</a:t>
+            </a:r>
+            <a:endParaRPr lang="en-US" sz="2400" dirty="0">
+              <a:solidFill>
+                <a:srgbClr val="FF0000"/>
+              </a:solidFill>
+            </a:endParaRPr>
           </a:p>
         </p:txBody>
       </p:sp>
@@ -14635,8 +14916,8 @@
         </p:nvSpPr>
         <p:spPr>
           <a:xfrm>
-            <a:off x="1043492" y="1428934"/>
-            <a:ext cx="6777317" cy="4403695"/>
+            <a:off x="1043492" y="1270164"/>
+            <a:ext cx="6777317" cy="4562465"/>
           </a:xfrm>
         </p:spPr>
         <p:txBody>
@@ -14645,255 +14926,104 @@
           </a:bodyPr>
           <a:lstStyle/>
           <a:p>
-            <a:pPr marL="68580" indent="0">
-              <a:buNone/>
-            </a:pPr>
+            <a:r>
+              <a:rPr lang="en-US" b="1" dirty="0" smtClean="0"/>
+              <a:t>@Configuration:</a:t>
+            </a:r>
+            <a:r>
+              <a:rPr lang="en-US" dirty="0" smtClean="0"/>
+              <a:t> </a:t>
+            </a:r>
             <a:r>
               <a:rPr lang="en-US" sz="2000" dirty="0" smtClean="0"/>
-              <a:t>Conditional Beans were introduced in spring 4.0 </a:t>
-            </a:r>
-          </a:p>
-          <a:p>
-            <a:pPr marL="68580" indent="0">
-              <a:buNone/>
-            </a:pPr>
+              <a:t>Indicates </a:t>
+            </a:r>
+            <a:r>
+              <a:rPr lang="en-US" sz="2000" dirty="0"/>
+              <a:t>that a class declares one or more @Bean methods and may be processed by the Spring container to generate bean definitions and service requests for those beans at </a:t>
+            </a:r>
             <a:r>
               <a:rPr lang="en-US" sz="2000" dirty="0" smtClean="0"/>
-              <a:t>It works together with </a:t>
-            </a:r>
-            <a:r>
-              <a:rPr lang="en-US" sz="2000" b="1" dirty="0" smtClean="0"/>
-              <a:t>@Conditional</a:t>
+              <a:t>runtime</a:t>
+            </a:r>
+            <a:endParaRPr lang="en-US" dirty="0" smtClean="0"/>
+          </a:p>
+          <a:p>
+            <a:r>
+              <a:rPr lang="en-US" b="1" dirty="0" smtClean="0"/>
+              <a:t>@Bean</a:t>
+            </a:r>
+            <a:r>
+              <a:rPr lang="en-US" dirty="0" smtClean="0"/>
+              <a:t>: </a:t>
             </a:r>
             <a:r>
               <a:rPr lang="en-US" sz="2000" dirty="0" smtClean="0"/>
-              <a:t> annotation and </a:t>
-            </a:r>
-            <a:r>
-              <a:rPr lang="en-US" sz="2000" b="1" dirty="0" smtClean="0"/>
-              <a:t>Condition</a:t>
-            </a:r>
-            <a:r>
-              <a:rPr lang="en-US" sz="2000" dirty="0" smtClean="0"/>
-              <a:t> interface </a:t>
-            </a:r>
-          </a:p>
-          <a:p>
-            <a:pPr marL="68580" indent="0">
-              <a:buNone/>
-            </a:pPr>
-            <a:r>
-              <a:rPr lang="en-US" sz="2000" dirty="0" smtClean="0"/>
-              <a:t>It allows developer to define strategy to create bean. These are not limited to environment </a:t>
-            </a:r>
-          </a:p>
-          <a:p>
-            <a:pPr marL="68580" indent="0">
-              <a:buNone/>
-            </a:pPr>
-            <a:r>
-              <a:rPr lang="en-US" sz="2000" dirty="0" smtClean="0"/>
-              <a:t>Spring boot framework extensively uses this feature to create bean based on properties file information</a:t>
-            </a:r>
-          </a:p>
-          <a:p>
-            <a:pPr marL="68580" indent="0">
-              <a:buNone/>
-            </a:pPr>
-            <a:endParaRPr lang="en-US" sz="2000" dirty="0" smtClean="0"/>
-          </a:p>
-          <a:p>
-            <a:pPr marL="68580" indent="0">
-              <a:buNone/>
-            </a:pPr>
-            <a:r>
-              <a:rPr lang="en-US" sz="2000" dirty="0" smtClean="0"/>
-              <a:t>  </a:t>
-            </a:r>
-            <a:r>
-              <a:rPr lang="en-US" sz="2000" b="1" dirty="0" smtClean="0">
+              <a:t>Creates Spring bean from java object</a:t>
+            </a:r>
+            <a:endParaRPr lang="en-US" dirty="0" smtClean="0"/>
+          </a:p>
+          <a:p>
+            <a:r>
+              <a:rPr lang="en-US" b="1" dirty="0" smtClean="0"/>
+              <a:t>@Import</a:t>
+            </a:r>
+            <a:r>
+              <a:rPr lang="en-US" dirty="0" smtClean="0"/>
+              <a:t>: Used to import configuration file</a:t>
+            </a:r>
+          </a:p>
+          <a:p>
+            <a:r>
+              <a:rPr lang="en-US" b="1" dirty="0" smtClean="0"/>
+              <a:t>@</a:t>
+            </a:r>
+            <a:r>
+              <a:rPr lang="en-US" b="1" dirty="0" err="1" smtClean="0"/>
+              <a:t>ImportResource</a:t>
+            </a:r>
+            <a:r>
+              <a:rPr lang="en-US" dirty="0" smtClean="0"/>
+              <a:t>: Used to import XML Based Configuration file</a:t>
+            </a:r>
+          </a:p>
+          <a:p>
+            <a:r>
+              <a:rPr lang="en-US" b="1" dirty="0" err="1" smtClean="0"/>
+              <a:t>ComponentScan</a:t>
+            </a:r>
+            <a:r>
+              <a:rPr lang="en-US" b="1" dirty="0" smtClean="0"/>
+              <a:t>:</a:t>
+            </a:r>
+            <a:r>
+              <a:rPr lang="en-US" dirty="0" smtClean="0"/>
+              <a:t> scans the spring beans on the given base package. It looks for </a:t>
+            </a:r>
+            <a:r>
+              <a:rPr lang="en-US" b="1" dirty="0" smtClean="0"/>
+              <a:t>@Service, @Component, @Controller, @Repository                       </a:t>
+            </a:r>
+            <a:r>
+              <a:rPr lang="en-US" sz="2800" dirty="0">
                 <a:solidFill>
-                  <a:schemeClr val="accent6">
-                    <a:lumMod val="75000"/>
-                  </a:schemeClr>
+                  <a:srgbClr val="FF0000"/>
                 </a:solidFill>
               </a:rPr>
-              <a:t>  </a:t>
-            </a:r>
-            <a:r>
-              <a:rPr lang="en-US" sz="1800" b="1" dirty="0" smtClean="0">
-                <a:solidFill>
-                  <a:schemeClr val="accent6">
-                    <a:lumMod val="75000"/>
-                  </a:schemeClr>
-                </a:solidFill>
-              </a:rPr>
-              <a:t>@</a:t>
-            </a:r>
-            <a:r>
-              <a:rPr lang="en-US" sz="1800" b="1" dirty="0">
-                <a:solidFill>
-                  <a:schemeClr val="accent6">
-                    <a:lumMod val="75000"/>
-                  </a:schemeClr>
-                </a:solidFill>
-              </a:rPr>
-              <a:t>Bean</a:t>
-            </a:r>
-          </a:p>
-          <a:p>
-            <a:pPr marL="68580" indent="0">
-              <a:buNone/>
-            </a:pPr>
-            <a:r>
-              <a:rPr lang="en-US" sz="1800" b="1" dirty="0">
-                <a:solidFill>
-                  <a:schemeClr val="accent6">
-                    <a:lumMod val="75000"/>
-                  </a:schemeClr>
-                </a:solidFill>
-              </a:rPr>
-              <a:t>    @Conditional(</a:t>
-            </a:r>
-            <a:r>
-              <a:rPr lang="en-US" sz="1800" b="1" dirty="0" err="1">
-                <a:solidFill>
-                  <a:schemeClr val="accent6">
-                    <a:lumMod val="75000"/>
-                  </a:schemeClr>
-                </a:solidFill>
-              </a:rPr>
-              <a:t>StudentCondition.class</a:t>
-            </a:r>
-            <a:r>
-              <a:rPr lang="en-US" sz="1800" b="1" dirty="0">
-                <a:solidFill>
-                  <a:schemeClr val="accent6">
-                    <a:lumMod val="75000"/>
-                  </a:schemeClr>
-                </a:solidFill>
-              </a:rPr>
-              <a:t>)</a:t>
-            </a:r>
-          </a:p>
-          <a:p>
-            <a:pPr marL="68580" indent="0">
-              <a:buNone/>
-            </a:pPr>
-            <a:r>
-              <a:rPr lang="en-US" sz="1800" b="1" dirty="0">
-                <a:solidFill>
-                  <a:schemeClr val="accent6">
-                    <a:lumMod val="75000"/>
-                  </a:schemeClr>
-                </a:solidFill>
-              </a:rPr>
-              <a:t>    </a:t>
-            </a:r>
-            <a:r>
-              <a:rPr lang="en-US" sz="1800" b="1" dirty="0" err="1">
-                <a:solidFill>
-                  <a:schemeClr val="accent6">
-                    <a:lumMod val="75000"/>
-                  </a:schemeClr>
-                </a:solidFill>
-              </a:rPr>
-              <a:t>StudentService</a:t>
-            </a:r>
-            <a:r>
-              <a:rPr lang="en-US" sz="1800" b="1" dirty="0">
-                <a:solidFill>
-                  <a:schemeClr val="accent6">
-                    <a:lumMod val="75000"/>
-                  </a:schemeClr>
-                </a:solidFill>
-              </a:rPr>
-              <a:t> </a:t>
-            </a:r>
-            <a:r>
-              <a:rPr lang="en-US" sz="1800" b="1" dirty="0" err="1">
-                <a:solidFill>
-                  <a:schemeClr val="accent6">
-                    <a:lumMod val="75000"/>
-                  </a:schemeClr>
-                </a:solidFill>
-              </a:rPr>
-              <a:t>studentService</a:t>
-            </a:r>
-            <a:r>
-              <a:rPr lang="en-US" sz="1800" b="1" dirty="0">
-                <a:solidFill>
-                  <a:schemeClr val="accent6">
-                    <a:lumMod val="75000"/>
-                  </a:schemeClr>
-                </a:solidFill>
-              </a:rPr>
-              <a:t>() {</a:t>
-            </a:r>
-          </a:p>
-          <a:p>
-            <a:pPr marL="68580" indent="0">
-              <a:buNone/>
-            </a:pPr>
-            <a:r>
-              <a:rPr lang="en-US" sz="1800" b="1" dirty="0">
-                <a:solidFill>
-                  <a:schemeClr val="accent6">
-                    <a:lumMod val="75000"/>
-                  </a:schemeClr>
-                </a:solidFill>
-              </a:rPr>
-              <a:t>        return new </a:t>
-            </a:r>
-            <a:r>
-              <a:rPr lang="en-US" sz="1800" b="1" dirty="0" err="1">
-                <a:solidFill>
-                  <a:schemeClr val="accent6">
-                    <a:lumMod val="75000"/>
-                  </a:schemeClr>
-                </a:solidFill>
-              </a:rPr>
-              <a:t>StudentService</a:t>
-            </a:r>
-            <a:r>
-              <a:rPr lang="en-US" sz="1800" b="1" dirty="0">
-                <a:solidFill>
-                  <a:schemeClr val="accent6">
-                    <a:lumMod val="75000"/>
-                  </a:schemeClr>
-                </a:solidFill>
-              </a:rPr>
-              <a:t>();</a:t>
-            </a:r>
-          </a:p>
-          <a:p>
-            <a:pPr marL="68580" indent="0">
-              <a:buNone/>
-            </a:pPr>
-            <a:r>
-              <a:rPr lang="en-US" sz="1800" b="1" dirty="0">
-                <a:solidFill>
-                  <a:schemeClr val="accent6">
-                    <a:lumMod val="75000"/>
-                  </a:schemeClr>
-                </a:solidFill>
-              </a:rPr>
-              <a:t>    }</a:t>
-            </a:r>
-            <a:endParaRPr lang="en-US" sz="2000" b="1" dirty="0">
-              <a:solidFill>
-                <a:schemeClr val="accent6">
-                  <a:lumMod val="75000"/>
-                </a:schemeClr>
-              </a:solidFill>
-            </a:endParaRPr>
+              <a:t>.</a:t>
+            </a:r>
+            <a:r>
+              <a:rPr lang="en-US" sz="2800" b="1" dirty="0" smtClean="0"/>
+              <a:t>                     </a:t>
+            </a:r>
+            <a:endParaRPr lang="en-US" sz="2800" b="1" dirty="0"/>
           </a:p>
         </p:txBody>
       </p:sp>
     </p:spTree>
     <p:extLst>
       <p:ext uri="{BB962C8B-B14F-4D97-AF65-F5344CB8AC3E}">
-        <p14:creationId xmlns:p14="http://schemas.microsoft.com/office/powerpoint/2010/main" val="1418276867"/>
+        <p14:creationId xmlns:p14="http://schemas.microsoft.com/office/powerpoint/2010/main" val="55584591"/>
       </p:ext>
     </p:extLst>
   </p:cSld>
@@ -14939,17 +15069,19 @@
         </p:nvSpPr>
         <p:spPr>
           <a:xfrm>
-            <a:off x="1089025" y="637599"/>
-            <a:ext cx="6488758" cy="652843"/>
+            <a:off x="1043490" y="723288"/>
+            <a:ext cx="6777319" cy="476311"/>
           </a:xfrm>
         </p:spPr>
         <p:txBody>
-          <a:bodyPr/>
+          <a:bodyPr>
+            <a:normAutofit fontScale="90000"/>
+          </a:bodyPr>
           <a:lstStyle/>
           <a:p>
             <a:r>
               <a:rPr lang="en-US" sz="2800" dirty="0" smtClean="0"/>
-              <a:t>Aspect Oriented Programming</a:t>
+              <a:t>Spring Bean Scopes</a:t>
             </a:r>
             <a:endParaRPr lang="en-US" sz="2800" dirty="0"/>
           </a:p>
@@ -14967,50 +15099,175 @@
         </p:nvSpPr>
         <p:spPr>
           <a:xfrm>
-            <a:off x="1089024" y="1464216"/>
-            <a:ext cx="7272339" cy="4644306"/>
+            <a:off x="1043492" y="1199599"/>
+            <a:ext cx="6777317" cy="4633031"/>
           </a:xfrm>
         </p:spPr>
         <p:txBody>
-          <a:bodyPr/>
+          <a:bodyPr>
+            <a:normAutofit fontScale="85000" lnSpcReduction="20000"/>
+          </a:bodyPr>
           <a:lstStyle/>
           <a:p>
             <a:r>
-              <a:rPr lang="en-US" b="1" dirty="0" smtClean="0"/>
-              <a:t>Cross-cutting Concerns</a:t>
+              <a:rPr lang="en-US" b="1" dirty="0"/>
+              <a:t>Singleton</a:t>
+            </a:r>
+            <a:r>
+              <a:rPr lang="en-US" dirty="0"/>
+              <a:t>: Single bean per IOC </a:t>
             </a:r>
             <a:r>
               <a:rPr lang="en-US" dirty="0" smtClean="0"/>
-              <a:t> impact the application in many points. Ex: Logging, Security, Caching and Transaction Management are called cross-cutting concerns.</a:t>
-            </a:r>
-          </a:p>
-          <a:p>
+              <a:t>container (default)</a:t>
+            </a:r>
+            <a:endParaRPr lang="en-US" dirty="0"/>
+          </a:p>
+          <a:p>
+            <a:r>
+              <a:rPr lang="en-US" b="1" dirty="0"/>
+              <a:t>Prototype</a:t>
+            </a:r>
+            <a:r>
+              <a:rPr lang="en-US" dirty="0"/>
+              <a:t>: creates new bean  each time</a:t>
+            </a:r>
+          </a:p>
+          <a:p>
+            <a:pPr marL="68580" indent="0">
+              <a:buNone/>
+            </a:pPr>
+            <a:r>
+              <a:rPr lang="en-US" b="1" dirty="0"/>
+              <a:t>WEB APPLICATION SCOPES</a:t>
+            </a:r>
+          </a:p>
+          <a:p>
+            <a:r>
+              <a:rPr lang="en-US" b="1" dirty="0"/>
+              <a:t>Request</a:t>
+            </a:r>
+            <a:r>
+              <a:rPr lang="en-US" dirty="0"/>
+              <a:t>: each request new bean created</a:t>
+            </a:r>
+          </a:p>
+          <a:p>
+            <a:r>
+              <a:rPr lang="en-US" b="1" dirty="0"/>
+              <a:t>Session</a:t>
+            </a:r>
+            <a:r>
+              <a:rPr lang="en-US" dirty="0"/>
+              <a:t>:  for each user session new bean created</a:t>
+            </a:r>
+          </a:p>
+          <a:p>
+            <a:r>
+              <a:rPr lang="en-US" b="1" dirty="0"/>
+              <a:t>Global Session</a:t>
+            </a:r>
+            <a:r>
+              <a:rPr lang="en-US" dirty="0"/>
+              <a:t>: Typically only valid when used in a </a:t>
+            </a:r>
+            <a:r>
+              <a:rPr lang="en-US" dirty="0" err="1"/>
+              <a:t>portlet</a:t>
+            </a:r>
+            <a:r>
+              <a:rPr lang="en-US" dirty="0"/>
+              <a:t> context. </a:t>
+            </a:r>
+            <a:endParaRPr lang="en-US" dirty="0" smtClean="0"/>
+          </a:p>
+          <a:p>
+            <a:pPr marL="68580" indent="0">
+              <a:buNone/>
+            </a:pPr>
+            <a:endParaRPr lang="en-US" dirty="0"/>
+          </a:p>
+          <a:p>
+            <a:pPr marL="68580" indent="0">
+              <a:buNone/>
+            </a:pPr>
+            <a:r>
+              <a:rPr lang="en-US" sz="2100" b="1" dirty="0"/>
+              <a:t>NOTE</a:t>
+            </a:r>
+            <a:r>
+              <a:rPr lang="en-US" sz="2100" dirty="0"/>
+              <a:t>: you can also create your own scope if these are not fit to your </a:t>
+            </a:r>
+            <a:r>
+              <a:rPr lang="en-US" sz="2100" dirty="0" smtClean="0"/>
+              <a:t>requirement</a:t>
+            </a:r>
+          </a:p>
+          <a:p>
+            <a:pPr marL="68580" indent="0">
+              <a:buNone/>
+            </a:pPr>
+            <a:endParaRPr lang="en-US" dirty="0" smtClean="0"/>
+          </a:p>
+          <a:p>
+            <a:pPr marL="68580" indent="0">
+              <a:buNone/>
+            </a:pPr>
             <a:r>
               <a:rPr lang="en-US" dirty="0" smtClean="0"/>
-              <a:t>Using AOP we can define common functionality in one place and we can declaratively define how and where this functionality can be applied.</a:t>
-            </a:r>
-          </a:p>
-          <a:p>
-            <a:r>
-              <a:rPr lang="en-US" dirty="0" smtClean="0"/>
-              <a:t>Cross cutting concerns are modularized into special classes are called </a:t>
-            </a:r>
-            <a:r>
-              <a:rPr lang="en-US" b="1" dirty="0" smtClean="0"/>
-              <a:t>aspects</a:t>
-            </a:r>
-            <a:r>
-              <a:rPr lang="en-US" dirty="0" smtClean="0"/>
-              <a:t>.</a:t>
-            </a:r>
-            <a:endParaRPr lang="en-US" dirty="0"/>
+              <a:t>There are two types of scope available in spring core container</a:t>
+            </a:r>
+          </a:p>
+          <a:p>
+            <a:pPr marL="68580" indent="0">
+              <a:buNone/>
+            </a:pPr>
+            <a:r>
+              <a:rPr lang="en-US" sz="1900" b="1" dirty="0" smtClean="0"/>
+              <a:t>@Scope(</a:t>
+            </a:r>
+            <a:r>
+              <a:rPr lang="en-US" sz="1900" b="1" dirty="0" err="1" smtClean="0"/>
+              <a:t>ConfigurableBeanFactory.</a:t>
+            </a:r>
+            <a:r>
+              <a:rPr lang="en-US" sz="1900" b="1" i="1" dirty="0" err="1" smtClean="0"/>
+              <a:t>SCOPE_SINGLETON</a:t>
+            </a:r>
+            <a:r>
+              <a:rPr lang="en-US" sz="1900" b="1" i="1" dirty="0" smtClean="0"/>
+              <a:t>)</a:t>
+            </a:r>
+          </a:p>
+          <a:p>
+            <a:pPr marL="68580" indent="0">
+              <a:buNone/>
+            </a:pPr>
+            <a:r>
+              <a:rPr lang="en-US" sz="2000" b="1" dirty="0"/>
+              <a:t>@Scope(</a:t>
+            </a:r>
+            <a:r>
+              <a:rPr lang="en-US" sz="2000" b="1" dirty="0" err="1"/>
+              <a:t>ConfigurableBeanFactory.</a:t>
+            </a:r>
+            <a:r>
+              <a:rPr lang="en-US" sz="2000" b="1" i="1" dirty="0" err="1"/>
+              <a:t>SCOPE_PROTOTYPE</a:t>
+            </a:r>
+            <a:r>
+              <a:rPr lang="en-US" sz="2000" b="1" i="1" dirty="0"/>
+              <a:t>)</a:t>
+            </a:r>
+            <a:endParaRPr lang="en-US" sz="1900" b="1" dirty="0"/>
           </a:p>
         </p:txBody>
       </p:sp>
     </p:spTree>
     <p:extLst>
       <p:ext uri="{BB962C8B-B14F-4D97-AF65-F5344CB8AC3E}">
-        <p14:creationId xmlns:p14="http://schemas.microsoft.com/office/powerpoint/2010/main" val="3680182491"/>
+        <p14:creationId xmlns:p14="http://schemas.microsoft.com/office/powerpoint/2010/main" val="3345582067"/>
       </p:ext>
     </p:extLst>
   </p:cSld>
@@ -15056,19 +15313,21 @@
         </p:nvSpPr>
         <p:spPr>
           <a:xfrm>
-            <a:off x="1089024" y="274638"/>
-            <a:ext cx="6717091" cy="610036"/>
+            <a:off x="1043490" y="829134"/>
+            <a:ext cx="6777319" cy="529235"/>
           </a:xfrm>
         </p:spPr>
         <p:txBody>
-          <a:bodyPr/>
+          <a:bodyPr>
+            <a:normAutofit/>
+          </a:bodyPr>
           <a:lstStyle/>
           <a:p>
             <a:r>
-              <a:rPr lang="en-US" sz="2400" dirty="0" smtClean="0"/>
-              <a:t>AOP Terminology</a:t>
-            </a:r>
-            <a:endParaRPr lang="en-US" sz="2400" dirty="0"/>
+              <a:rPr lang="en-US" sz="2800" dirty="0" smtClean="0"/>
+              <a:t>Enabling profile</a:t>
+            </a:r>
+            <a:endParaRPr lang="en-US" sz="2800" dirty="0"/>
           </a:p>
         </p:txBody>
       </p:sp>
@@ -15084,108 +15343,167 @@
         </p:nvSpPr>
         <p:spPr>
           <a:xfrm>
-            <a:off x="1089024" y="1068510"/>
-            <a:ext cx="7272339" cy="5057654"/>
+            <a:off x="1043492" y="1358370"/>
+            <a:ext cx="6777317" cy="4474260"/>
           </a:xfrm>
         </p:spPr>
         <p:txBody>
           <a:bodyPr>
-            <a:normAutofit fontScale="92500"/>
+            <a:normAutofit lnSpcReduction="10000"/>
           </a:bodyPr>
           <a:lstStyle/>
           <a:p>
             <a:r>
-              <a:rPr lang="en-US" b="1" dirty="0" smtClean="0"/>
-              <a:t>Aspect</a:t>
-            </a:r>
-            <a:r>
-              <a:rPr lang="en-US" dirty="0" smtClean="0"/>
-              <a:t>: modularization of cross-cutting concern </a:t>
-            </a:r>
+              <a:rPr lang="en-US" sz="1800" dirty="0" smtClean="0"/>
+              <a:t>Spring Profiles were introduced in spring 3.1.</a:t>
+            </a:r>
+            <a:r>
+              <a:rPr lang="en-US" sz="2000" dirty="0" smtClean="0"/>
+              <a:t> </a:t>
+            </a:r>
+          </a:p>
+          <a:p>
+            <a:pPr marL="68580" indent="0">
+              <a:buNone/>
+            </a:pPr>
+            <a:r>
+              <a:rPr lang="en-US" sz="1800" dirty="0" smtClean="0"/>
+              <a:t>It allows us to define beans by deployment regions such as “</a:t>
+            </a:r>
+            <a:r>
+              <a:rPr lang="en-US" sz="1800" dirty="0" err="1" smtClean="0"/>
+              <a:t>dev</a:t>
+            </a:r>
+            <a:r>
+              <a:rPr lang="en-US" sz="1800" dirty="0" smtClean="0"/>
+              <a:t>” , “</a:t>
+            </a:r>
+            <a:r>
+              <a:rPr lang="en-US" sz="1800" dirty="0" err="1" smtClean="0"/>
+              <a:t>qa</a:t>
+            </a:r>
+            <a:r>
+              <a:rPr lang="en-US" sz="1800" dirty="0" smtClean="0"/>
+              <a:t>”, “prod” etc.</a:t>
+            </a:r>
+          </a:p>
+          <a:p>
+            <a:pPr marL="68580" indent="0">
+              <a:buNone/>
+            </a:pPr>
+            <a:endParaRPr lang="en-US" sz="1800" dirty="0" smtClean="0"/>
+          </a:p>
+          <a:p>
+            <a:r>
+              <a:rPr lang="en-US" sz="1800" dirty="0"/>
+              <a:t>Spring profiles are enabled using the case insensitive tokens </a:t>
+            </a:r>
+            <a:r>
+              <a:rPr lang="en-US" sz="1800" b="1" dirty="0" err="1"/>
+              <a:t>spring.profiles.active</a:t>
+            </a:r>
+            <a:r>
+              <a:rPr lang="en-US" sz="1800" dirty="0"/>
+              <a:t> or </a:t>
+            </a:r>
+            <a:r>
+              <a:rPr lang="en-US" sz="1800" b="1" dirty="0" err="1"/>
+              <a:t>spring_profiles_active</a:t>
+            </a:r>
+            <a:r>
+              <a:rPr lang="en-US" sz="1800" dirty="0" smtClean="0"/>
+              <a:t>.</a:t>
+            </a:r>
+          </a:p>
+          <a:p>
+            <a:pPr marL="68580" indent="0">
+              <a:buNone/>
+            </a:pPr>
+            <a:endParaRPr lang="en-US" sz="1800" dirty="0" smtClean="0"/>
+          </a:p>
+          <a:p>
+            <a:r>
+              <a:rPr lang="en-US" sz="1800" dirty="0"/>
+              <a:t>Profile can be activated with below mentioned ways</a:t>
+            </a:r>
+          </a:p>
+          <a:p>
+            <a:pPr marL="708660" lvl="1" indent="-342900">
+              <a:buFont typeface="+mj-lt"/>
+              <a:buAutoNum type="arabicPeriod"/>
+            </a:pPr>
+            <a:r>
+              <a:rPr lang="en-US" sz="1600" dirty="0"/>
+              <a:t>an Environment Variable</a:t>
+            </a:r>
+          </a:p>
+          <a:p>
+            <a:pPr marL="708660" lvl="1" indent="-342900">
+              <a:buFont typeface="+mj-lt"/>
+              <a:buAutoNum type="arabicPeriod"/>
+            </a:pPr>
+            <a:r>
+              <a:rPr lang="en-US" sz="1600" dirty="0"/>
+              <a:t>a JVM Property</a:t>
+            </a:r>
+          </a:p>
+          <a:p>
+            <a:pPr marL="708660" lvl="1" indent="-342900">
+              <a:buFont typeface="+mj-lt"/>
+              <a:buAutoNum type="arabicPeriod"/>
+            </a:pPr>
+            <a:r>
+              <a:rPr lang="en-US" sz="1600" dirty="0"/>
+              <a:t>Web Parameter</a:t>
+            </a:r>
+          </a:p>
+          <a:p>
+            <a:pPr marL="708660" lvl="1" indent="-342900">
+              <a:buFont typeface="+mj-lt"/>
+              <a:buAutoNum type="arabicPeriod"/>
+            </a:pPr>
+            <a:r>
+              <a:rPr lang="en-US" sz="1600" dirty="0" smtClean="0"/>
+              <a:t>Programmatic</a:t>
+            </a:r>
+          </a:p>
+          <a:p>
+            <a:pPr marL="708660" lvl="1" indent="-342900">
+              <a:buFont typeface="+mj-lt"/>
+              <a:buAutoNum type="arabicPeriod"/>
+            </a:pPr>
+            <a:endParaRPr lang="en-US" sz="1600" dirty="0" smtClean="0"/>
           </a:p>
           <a:p>
             <a:pPr marL="365760" lvl="1" indent="0">
               <a:buNone/>
             </a:pPr>
             <a:r>
-              <a:rPr lang="en-US" sz="2000" dirty="0" smtClean="0"/>
-              <a:t>ex: </a:t>
-            </a:r>
-            <a:r>
-              <a:rPr lang="en-US" sz="1700" dirty="0" smtClean="0"/>
-              <a:t>security Aspect will check whether calling person  has privileges to access </a:t>
-            </a:r>
-            <a:r>
-              <a:rPr lang="en-US" sz="1700" b="1" dirty="0" err="1" smtClean="0"/>
-              <a:t>checkBalance</a:t>
-            </a:r>
-            <a:r>
-              <a:rPr lang="en-US" sz="1700" b="1" dirty="0" smtClean="0"/>
-              <a:t>() </a:t>
-            </a:r>
-            <a:r>
-              <a:rPr lang="en-US" sz="1700" dirty="0" smtClean="0"/>
-              <a:t>method</a:t>
-            </a:r>
-            <a:endParaRPr lang="en-US" sz="2000" dirty="0" smtClean="0"/>
-          </a:p>
-          <a:p>
-            <a:r>
-              <a:rPr lang="en-US" b="1" dirty="0" smtClean="0"/>
-              <a:t>Advice</a:t>
-            </a:r>
-            <a:r>
-              <a:rPr lang="en-US" dirty="0" smtClean="0"/>
-              <a:t>: Job of an Aspect called advice. </a:t>
-            </a:r>
-          </a:p>
-          <a:p>
-            <a:r>
-              <a:rPr lang="en-US" b="1" dirty="0" err="1" smtClean="0"/>
-              <a:t>Joinpoints</a:t>
-            </a:r>
-            <a:r>
-              <a:rPr lang="en-US" dirty="0" smtClean="0"/>
-              <a:t>: In an application there are many places where we can apply aspect. These points are called join points.</a:t>
-            </a:r>
-          </a:p>
-          <a:p>
-            <a:r>
-              <a:rPr lang="en-US" b="1" dirty="0" err="1" smtClean="0"/>
-              <a:t>Pointcuts</a:t>
-            </a:r>
-            <a:r>
-              <a:rPr lang="en-US" dirty="0" smtClean="0"/>
-              <a:t>: point cuts are the join points where we can woven advice.</a:t>
-            </a:r>
-          </a:p>
-          <a:p>
-            <a:r>
-              <a:rPr lang="en-US" b="1" dirty="0" smtClean="0"/>
-              <a:t>Introductions</a:t>
-            </a:r>
-            <a:r>
-              <a:rPr lang="en-US" dirty="0" smtClean="0"/>
-              <a:t>:  inject new methods and attributes into existing classes are called introductions.</a:t>
-            </a:r>
-          </a:p>
-          <a:p>
-            <a:r>
-              <a:rPr lang="en-US" b="1" dirty="0" smtClean="0"/>
-              <a:t>Weaving</a:t>
-            </a:r>
-            <a:r>
-              <a:rPr lang="en-US" dirty="0" smtClean="0"/>
-              <a:t>: process of applying aspects to target classes to create new proxies.</a:t>
-            </a:r>
-            <a:endParaRPr lang="en-US" dirty="0"/>
+              <a:rPr lang="en-US" sz="1600" b="1" dirty="0" smtClean="0"/>
+              <a:t>@Profile </a:t>
+            </a:r>
+            <a:r>
+              <a:rPr lang="en-US" sz="1600" dirty="0" smtClean="0"/>
+              <a:t>Annotation used to create bean for specific environment</a:t>
+            </a:r>
+            <a:endParaRPr lang="en-US" sz="1600" dirty="0"/>
+          </a:p>
+          <a:p>
+            <a:pPr marL="708660" lvl="1" indent="-342900">
+              <a:buFont typeface="+mj-lt"/>
+              <a:buAutoNum type="arabicPeriod"/>
+            </a:pPr>
+            <a:endParaRPr lang="en-US" sz="1600" dirty="0"/>
+          </a:p>
+          <a:p>
+            <a:endParaRPr lang="en-US" sz="1800" dirty="0" smtClean="0"/>
           </a:p>
         </p:txBody>
       </p:sp>
     </p:spTree>
     <p:extLst>
       <p:ext uri="{BB962C8B-B14F-4D97-AF65-F5344CB8AC3E}">
-        <p14:creationId xmlns:p14="http://schemas.microsoft.com/office/powerpoint/2010/main" val="2604999373"/>
+        <p14:creationId xmlns:p14="http://schemas.microsoft.com/office/powerpoint/2010/main" val="1854490724"/>
       </p:ext>
     </p:extLst>
   </p:cSld>
@@ -15231,21 +15549,21 @@
         </p:nvSpPr>
         <p:spPr>
           <a:xfrm>
-            <a:off x="1043490" y="740929"/>
-            <a:ext cx="6559238" cy="688005"/>
+            <a:off x="1043490" y="688005"/>
+            <a:ext cx="6777319" cy="617441"/>
           </a:xfrm>
         </p:spPr>
         <p:txBody>
           <a:bodyPr>
-            <a:normAutofit fontScale="90000"/>
+            <a:normAutofit/>
           </a:bodyPr>
           <a:lstStyle/>
           <a:p>
             <a:r>
-              <a:rPr lang="en-US" dirty="0" smtClean="0"/>
-              <a:t>Types of Weaving</a:t>
-            </a:r>
-            <a:endParaRPr lang="en-US" dirty="0"/>
+              <a:rPr lang="en-US" sz="3200" dirty="0" smtClean="0"/>
+              <a:t>Conditional Beans</a:t>
+            </a:r>
+            <a:endParaRPr lang="en-US" sz="3200" dirty="0"/>
           </a:p>
         </p:txBody>
       </p:sp>
@@ -15267,109 +15585,475 @@
         </p:spPr>
         <p:txBody>
           <a:bodyPr>
-            <a:normAutofit fontScale="92500" lnSpcReduction="10000"/>
+            <a:normAutofit fontScale="70000" lnSpcReduction="20000"/>
           </a:bodyPr>
           <a:lstStyle/>
           <a:p>
-            <a:r>
-              <a:rPr lang="en-US" b="1" dirty="0" smtClean="0"/>
-              <a:t>Compile time Weaving</a:t>
-            </a:r>
-            <a:r>
-              <a:rPr lang="en-US" dirty="0" smtClean="0"/>
-              <a:t>: Aspects are woven when the target class is compiled. It requires special kind of compiler.</a:t>
-            </a:r>
-            <a:r>
-              <a:rPr lang="en-US" b="1" dirty="0" smtClean="0">
+            <a:pPr marL="68580" indent="0">
+              <a:buNone/>
+            </a:pPr>
+            <a:r>
+              <a:rPr lang="en-US" sz="2300" dirty="0" smtClean="0"/>
+              <a:t>Conditional Beans were introduced in spring 4.0 </a:t>
+            </a:r>
+          </a:p>
+          <a:p>
+            <a:pPr marL="68580" indent="0">
+              <a:buNone/>
+            </a:pPr>
+            <a:r>
+              <a:rPr lang="en-US" sz="2300" dirty="0" smtClean="0"/>
+              <a:t>It works together with </a:t>
+            </a:r>
+            <a:r>
+              <a:rPr lang="en-US" sz="2300" b="1" dirty="0" smtClean="0"/>
+              <a:t>@Conditional</a:t>
+            </a:r>
+            <a:r>
+              <a:rPr lang="en-US" sz="2300" dirty="0" smtClean="0"/>
+              <a:t> annotation and </a:t>
+            </a:r>
+            <a:r>
+              <a:rPr lang="en-US" sz="2300" b="1" dirty="0" smtClean="0"/>
+              <a:t>Condition</a:t>
+            </a:r>
+            <a:r>
+              <a:rPr lang="en-US" sz="2300" dirty="0" smtClean="0"/>
+              <a:t> interface </a:t>
+            </a:r>
+          </a:p>
+          <a:p>
+            <a:pPr marL="68580" indent="0">
+              <a:buNone/>
+            </a:pPr>
+            <a:r>
+              <a:rPr lang="en-US" sz="2300" dirty="0" smtClean="0"/>
+              <a:t>It allows developer to define strategy to create bean. These are not limited to environment </a:t>
+            </a:r>
+          </a:p>
+          <a:p>
+            <a:pPr marL="68580" indent="0">
+              <a:buNone/>
+            </a:pPr>
+            <a:r>
+              <a:rPr lang="en-US" sz="2300" dirty="0" smtClean="0"/>
+              <a:t>Spring boot framework extensively uses this feature to create bean based on properties file information</a:t>
+            </a:r>
+          </a:p>
+          <a:p>
+            <a:pPr marL="68580" indent="0">
+              <a:buNone/>
+            </a:pPr>
+            <a:endParaRPr lang="en-US" sz="2000" dirty="0" smtClean="0"/>
+          </a:p>
+          <a:p>
+            <a:pPr marL="68580" indent="0">
+              <a:buNone/>
+            </a:pPr>
+            <a:r>
+              <a:rPr lang="en-US" sz="2000" dirty="0" smtClean="0"/>
+              <a:t>  </a:t>
+            </a:r>
+          </a:p>
+          <a:p>
+            <a:pPr marL="68580" indent="0">
+              <a:buNone/>
+            </a:pPr>
+            <a:r>
+              <a:rPr lang="en-US" sz="2000" dirty="0" smtClean="0">
                 <a:solidFill>
-                  <a:srgbClr val="FF0000"/>
+                  <a:schemeClr val="accent6">
+                    <a:lumMod val="75000"/>
+                  </a:schemeClr>
                 </a:solidFill>
               </a:rPr>
-              <a:t> (works only on </a:t>
-            </a:r>
-            <a:r>
-              <a:rPr lang="en-US" b="1" dirty="0" err="1" smtClean="0">
+              <a:t>   </a:t>
+            </a:r>
+            <a:r>
+              <a:rPr lang="en-US" sz="1900" b="1" dirty="0" smtClean="0">
                 <a:solidFill>
-                  <a:srgbClr val="FF0000"/>
+                  <a:schemeClr val="accent6">
+                    <a:lumMod val="75000"/>
+                  </a:schemeClr>
                 </a:solidFill>
               </a:rPr>
-              <a:t>AspectJ</a:t>
-            </a:r>
-            <a:r>
-              <a:rPr lang="en-US" b="1" dirty="0" smtClean="0">
+              <a:t>@</a:t>
+            </a:r>
+            <a:r>
+              <a:rPr lang="en-US" sz="1900" b="1" dirty="0">
                 <a:solidFill>
-                  <a:srgbClr val="FF0000"/>
+                  <a:schemeClr val="accent6">
+                    <a:lumMod val="75000"/>
+                  </a:schemeClr>
                 </a:solidFill>
               </a:rPr>
-              <a:t> programming model).</a:t>
-            </a:r>
-          </a:p>
-          <a:p>
-            <a:r>
-              <a:rPr lang="en-US" b="1" dirty="0" err="1" smtClean="0"/>
-              <a:t>Classloading</a:t>
-            </a:r>
-            <a:r>
-              <a:rPr lang="en-US" b="1" dirty="0" smtClean="0"/>
-              <a:t> time</a:t>
-            </a:r>
-            <a:r>
-              <a:rPr lang="en-US" dirty="0" smtClean="0"/>
-              <a:t>: Aspects are weaving when the class loaded by the class loader. This kind of weaving requires special kind of </a:t>
-            </a:r>
-            <a:r>
-              <a:rPr lang="en-US" dirty="0" err="1" smtClean="0"/>
-              <a:t>classLoader</a:t>
-            </a:r>
-            <a:r>
-              <a:rPr lang="en-US" dirty="0" smtClean="0"/>
-              <a:t>. </a:t>
-            </a:r>
-            <a:r>
-              <a:rPr lang="en-US" b="1" dirty="0" smtClean="0">
+              <a:t>Bean</a:t>
+            </a:r>
+          </a:p>
+          <a:p>
+            <a:pPr marL="68580" indent="0">
+              <a:buNone/>
+            </a:pPr>
+            <a:r>
+              <a:rPr lang="en-US" sz="1900" b="1" dirty="0">
                 <a:solidFill>
-                  <a:srgbClr val="FF0000"/>
+                  <a:schemeClr val="accent6">
+                    <a:lumMod val="75000"/>
+                  </a:schemeClr>
                 </a:solidFill>
               </a:rPr>
-              <a:t>(works only with </a:t>
-            </a:r>
-            <a:r>
-              <a:rPr lang="en-US" b="1" dirty="0" err="1" smtClean="0">
+              <a:t>    @Conditional</a:t>
+            </a:r>
+            <a:r>
+              <a:rPr lang="en-US" sz="1900" b="1" dirty="0" smtClean="0">
                 <a:solidFill>
-                  <a:srgbClr val="FF0000"/>
+                  <a:schemeClr val="accent6">
+                    <a:lumMod val="75000"/>
+                  </a:schemeClr>
                 </a:solidFill>
               </a:rPr>
-              <a:t>AspectJ</a:t>
-            </a:r>
-            <a:r>
-              <a:rPr lang="en-US" b="1" dirty="0" smtClean="0">
+              <a:t>(</a:t>
+            </a:r>
+            <a:r>
+              <a:rPr lang="en-US" sz="1900" b="1" dirty="0" err="1" smtClean="0">
                 <a:solidFill>
-                  <a:srgbClr val="FF0000"/>
+                  <a:schemeClr val="accent6">
+                    <a:lumMod val="75000"/>
+                  </a:schemeClr>
                 </a:solidFill>
               </a:rPr>
-              <a:t> )</a:t>
-            </a:r>
-          </a:p>
-          <a:p>
-            <a:r>
-              <a:rPr lang="en-US" b="1" dirty="0" smtClean="0"/>
-              <a:t>Runtime weaving</a:t>
-            </a:r>
-            <a:r>
-              <a:rPr lang="en-US" dirty="0" smtClean="0"/>
-              <a:t>:  Aspects are woven during the runtime of the program execution. AOP container dynamically generates proxy objects that delegate the requests to target objects. </a:t>
-            </a:r>
-            <a:r>
-              <a:rPr lang="en-US" b="1" dirty="0" smtClean="0">
+              <a:t>LinuxMailConditon.class</a:t>
+            </a:r>
+            <a:r>
+              <a:rPr lang="en-US" sz="1900" b="1" dirty="0">
                 <a:solidFill>
-                  <a:srgbClr val="008000"/>
+                  <a:schemeClr val="accent6">
+                    <a:lumMod val="75000"/>
+                  </a:schemeClr>
                 </a:solidFill>
               </a:rPr>
-              <a:t>(Spring AOP supports only this)</a:t>
-            </a:r>
-            <a:endParaRPr lang="en-US" b="1" dirty="0">
+              <a:t>)</a:t>
+            </a:r>
+          </a:p>
+          <a:p>
+            <a:pPr marL="68580" indent="0">
+              <a:buNone/>
+            </a:pPr>
+            <a:r>
+              <a:rPr lang="en-US" sz="1900" b="1" dirty="0">
+                <a:solidFill>
+                  <a:schemeClr val="accent6">
+                    <a:lumMod val="75000"/>
+                  </a:schemeClr>
+                </a:solidFill>
+              </a:rPr>
+              <a:t>    </a:t>
+            </a:r>
+            <a:r>
+              <a:rPr lang="en-US" sz="1900" b="1" dirty="0" err="1" smtClean="0">
+                <a:solidFill>
+                  <a:schemeClr val="accent6">
+                    <a:lumMod val="75000"/>
+                  </a:schemeClr>
+                </a:solidFill>
+              </a:rPr>
+              <a:t>MailService</a:t>
+            </a:r>
+            <a:r>
+              <a:rPr lang="en-US" sz="1900" b="1" dirty="0" smtClean="0">
+                <a:solidFill>
+                  <a:schemeClr val="accent6">
+                    <a:lumMod val="75000"/>
+                  </a:schemeClr>
+                </a:solidFill>
+              </a:rPr>
+              <a:t> </a:t>
+            </a:r>
+            <a:r>
+              <a:rPr lang="en-US" sz="1900" b="1" dirty="0" err="1" smtClean="0">
+                <a:solidFill>
+                  <a:schemeClr val="accent6">
+                    <a:lumMod val="75000"/>
+                  </a:schemeClr>
+                </a:solidFill>
+              </a:rPr>
+              <a:t>mailService</a:t>
+            </a:r>
+            <a:r>
+              <a:rPr lang="en-US" sz="1900" b="1" dirty="0" smtClean="0">
+                <a:solidFill>
+                  <a:schemeClr val="accent6">
+                    <a:lumMod val="75000"/>
+                  </a:schemeClr>
+                </a:solidFill>
+              </a:rPr>
+              <a:t>(</a:t>
+            </a:r>
+            <a:r>
+              <a:rPr lang="en-US" sz="1900" b="1" dirty="0">
+                <a:solidFill>
+                  <a:schemeClr val="accent6">
+                    <a:lumMod val="75000"/>
+                  </a:schemeClr>
+                </a:solidFill>
+              </a:rPr>
+              <a:t>) {</a:t>
+            </a:r>
+          </a:p>
+          <a:p>
+            <a:pPr marL="68580" indent="0">
+              <a:buNone/>
+            </a:pPr>
+            <a:r>
+              <a:rPr lang="en-US" sz="1900" b="1" dirty="0">
+                <a:solidFill>
+                  <a:schemeClr val="accent6">
+                    <a:lumMod val="75000"/>
+                  </a:schemeClr>
+                </a:solidFill>
+              </a:rPr>
+              <a:t>        return new </a:t>
+            </a:r>
+            <a:r>
+              <a:rPr lang="en-US" sz="1900" b="1" dirty="0" err="1" smtClean="0">
+                <a:solidFill>
+                  <a:schemeClr val="accent6">
+                    <a:lumMod val="75000"/>
+                  </a:schemeClr>
+                </a:solidFill>
+              </a:rPr>
+              <a:t>LinuxMailServiceImpl</a:t>
+            </a:r>
+            <a:r>
+              <a:rPr lang="en-US" sz="1900" b="1" dirty="0" smtClean="0">
+                <a:solidFill>
+                  <a:schemeClr val="accent6">
+                    <a:lumMod val="75000"/>
+                  </a:schemeClr>
+                </a:solidFill>
+              </a:rPr>
+              <a:t>(</a:t>
+            </a:r>
+            <a:r>
+              <a:rPr lang="en-US" sz="1900" b="1" dirty="0">
+                <a:solidFill>
+                  <a:schemeClr val="accent6">
+                    <a:lumMod val="75000"/>
+                  </a:schemeClr>
+                </a:solidFill>
+              </a:rPr>
+              <a:t>);</a:t>
+            </a:r>
+          </a:p>
+          <a:p>
+            <a:pPr marL="68580" indent="0">
+              <a:buNone/>
+            </a:pPr>
+            <a:r>
+              <a:rPr lang="en-US" sz="1900" b="1" dirty="0">
+                <a:solidFill>
+                  <a:schemeClr val="accent6">
+                    <a:lumMod val="75000"/>
+                  </a:schemeClr>
+                </a:solidFill>
+              </a:rPr>
+              <a:t>    </a:t>
+            </a:r>
+            <a:r>
+              <a:rPr lang="en-US" sz="1900" b="1" dirty="0" smtClean="0">
+                <a:solidFill>
+                  <a:schemeClr val="accent6">
+                    <a:lumMod val="75000"/>
+                  </a:schemeClr>
+                </a:solidFill>
+              </a:rPr>
+              <a:t>}</a:t>
+            </a:r>
+          </a:p>
+          <a:p>
+            <a:pPr marL="68580" indent="0">
+              <a:buNone/>
+            </a:pPr>
+            <a:endParaRPr lang="en-US" sz="1900" b="1" dirty="0"/>
+          </a:p>
+          <a:p>
+            <a:pPr marL="68580" indent="0">
+              <a:buNone/>
+            </a:pPr>
+            <a:r>
+              <a:rPr lang="en-US" sz="1900" b="1" dirty="0"/>
+              <a:t>  </a:t>
+            </a:r>
+            <a:r>
+              <a:rPr lang="en-US" sz="1900" b="1" dirty="0">
+                <a:solidFill>
+                  <a:schemeClr val="accent6">
+                    <a:lumMod val="75000"/>
+                  </a:schemeClr>
+                </a:solidFill>
+              </a:rPr>
+              <a:t>  @Bean</a:t>
+            </a:r>
+          </a:p>
+          <a:p>
+            <a:pPr marL="68580" indent="0">
+              <a:buNone/>
+            </a:pPr>
+            <a:r>
+              <a:rPr lang="en-US" sz="1900" b="1" dirty="0">
+                <a:solidFill>
+                  <a:schemeClr val="accent6">
+                    <a:lumMod val="75000"/>
+                  </a:schemeClr>
+                </a:solidFill>
+              </a:rPr>
+              <a:t>    @Conditional</a:t>
+            </a:r>
+            <a:r>
+              <a:rPr lang="en-US" sz="1900" b="1" dirty="0" smtClean="0">
+                <a:solidFill>
+                  <a:schemeClr val="accent6">
+                    <a:lumMod val="75000"/>
+                  </a:schemeClr>
+                </a:solidFill>
+              </a:rPr>
+              <a:t>(</a:t>
+            </a:r>
+            <a:r>
+              <a:rPr lang="en-US" sz="1900" b="1" dirty="0" err="1" smtClean="0">
+                <a:solidFill>
+                  <a:schemeClr val="accent6">
+                    <a:lumMod val="75000"/>
+                  </a:schemeClr>
+                </a:solidFill>
+              </a:rPr>
+              <a:t>WindowsMailConditon.class</a:t>
+            </a:r>
+            <a:r>
+              <a:rPr lang="en-US" sz="1900" b="1" dirty="0">
+                <a:solidFill>
+                  <a:schemeClr val="accent6">
+                    <a:lumMod val="75000"/>
+                  </a:schemeClr>
+                </a:solidFill>
+              </a:rPr>
+              <a:t>)</a:t>
+            </a:r>
+          </a:p>
+          <a:p>
+            <a:pPr marL="68580" indent="0">
+              <a:buNone/>
+            </a:pPr>
+            <a:r>
+              <a:rPr lang="en-US" sz="1900" b="1" dirty="0">
+                <a:solidFill>
+                  <a:schemeClr val="accent6">
+                    <a:lumMod val="75000"/>
+                  </a:schemeClr>
+                </a:solidFill>
+              </a:rPr>
+              <a:t>    </a:t>
+            </a:r>
+            <a:r>
+              <a:rPr lang="en-US" sz="1900" b="1" dirty="0" err="1">
+                <a:solidFill>
+                  <a:schemeClr val="accent6">
+                    <a:lumMod val="75000"/>
+                  </a:schemeClr>
+                </a:solidFill>
+              </a:rPr>
+              <a:t>MailService</a:t>
+            </a:r>
+            <a:r>
+              <a:rPr lang="en-US" sz="1900" b="1" dirty="0">
+                <a:solidFill>
+                  <a:schemeClr val="accent6">
+                    <a:lumMod val="75000"/>
+                  </a:schemeClr>
+                </a:solidFill>
+              </a:rPr>
+              <a:t> </a:t>
+            </a:r>
+            <a:r>
+              <a:rPr lang="en-US" sz="1900" b="1" dirty="0" err="1">
+                <a:solidFill>
+                  <a:schemeClr val="accent6">
+                    <a:lumMod val="75000"/>
+                  </a:schemeClr>
+                </a:solidFill>
+              </a:rPr>
+              <a:t>mailService</a:t>
+            </a:r>
+            <a:r>
+              <a:rPr lang="en-US" sz="1900" b="1" dirty="0">
+                <a:solidFill>
+                  <a:schemeClr val="accent6">
+                    <a:lumMod val="75000"/>
+                  </a:schemeClr>
+                </a:solidFill>
+              </a:rPr>
+              <a:t>() {</a:t>
+            </a:r>
+          </a:p>
+          <a:p>
+            <a:pPr marL="68580" indent="0">
+              <a:buNone/>
+            </a:pPr>
+            <a:r>
+              <a:rPr lang="en-US" sz="1900" b="1" dirty="0">
+                <a:solidFill>
+                  <a:schemeClr val="accent6">
+                    <a:lumMod val="75000"/>
+                  </a:schemeClr>
+                </a:solidFill>
+              </a:rPr>
+              <a:t>        return new </a:t>
+            </a:r>
+            <a:r>
+              <a:rPr lang="en-US" sz="1900" b="1" dirty="0" err="1" smtClean="0">
+                <a:solidFill>
+                  <a:schemeClr val="accent6">
+                    <a:lumMod val="75000"/>
+                  </a:schemeClr>
+                </a:solidFill>
+              </a:rPr>
+              <a:t>WindowsMailServiceImpl</a:t>
+            </a:r>
+            <a:r>
+              <a:rPr lang="en-US" sz="1900" b="1" dirty="0">
+                <a:solidFill>
+                  <a:schemeClr val="accent6">
+                    <a:lumMod val="75000"/>
+                  </a:schemeClr>
+                </a:solidFill>
+              </a:rPr>
+              <a:t>();</a:t>
+            </a:r>
+          </a:p>
+          <a:p>
+            <a:pPr marL="68580" indent="0">
+              <a:buNone/>
+            </a:pPr>
+            <a:r>
+              <a:rPr lang="en-US" sz="1900" b="1" dirty="0">
+                <a:solidFill>
+                  <a:schemeClr val="accent6">
+                    <a:lumMod val="75000"/>
+                  </a:schemeClr>
+                </a:solidFill>
+              </a:rPr>
+              <a:t>    }</a:t>
+            </a:r>
+          </a:p>
+          <a:p>
+            <a:pPr marL="68580" indent="0">
+              <a:buNone/>
+            </a:pPr>
+            <a:endParaRPr lang="en-US" sz="2000" b="1" dirty="0">
               <a:solidFill>
-                <a:srgbClr val="008000"/>
+                <a:schemeClr val="accent6">
+                  <a:lumMod val="75000"/>
+                </a:schemeClr>
               </a:solidFill>
             </a:endParaRPr>
           </a:p>
@@ -15378,7 +16062,7 @@
     </p:spTree>
     <p:extLst>
       <p:ext uri="{BB962C8B-B14F-4D97-AF65-F5344CB8AC3E}">
-        <p14:creationId xmlns:p14="http://schemas.microsoft.com/office/powerpoint/2010/main" val="111019037"/>
+        <p14:creationId xmlns:p14="http://schemas.microsoft.com/office/powerpoint/2010/main" val="1418276867"/>
       </p:ext>
     </p:extLst>
   </p:cSld>
@@ -15424,21 +16108,21 @@
         </p:nvSpPr>
         <p:spPr>
           <a:xfrm>
-            <a:off x="1043490" y="740929"/>
-            <a:ext cx="6777319" cy="846775"/>
+            <a:off x="1043490" y="786928"/>
+            <a:ext cx="6673432" cy="552230"/>
           </a:xfrm>
         </p:spPr>
         <p:txBody>
           <a:bodyPr>
-            <a:normAutofit/>
+            <a:noAutofit/>
           </a:bodyPr>
           <a:lstStyle/>
           <a:p>
             <a:r>
-              <a:rPr lang="en-US" dirty="0" smtClean="0"/>
-              <a:t>Types of Advice</a:t>
-            </a:r>
-            <a:endParaRPr lang="en-US" dirty="0"/>
+              <a:rPr lang="en-US" sz="2400" dirty="0" smtClean="0"/>
+              <a:t>JDBC Template condition</a:t>
+            </a:r>
+            <a:endParaRPr lang="en-US" sz="2400" dirty="0"/>
           </a:p>
         </p:txBody>
       </p:sp>
@@ -15454,60 +16138,214 @@
         </p:nvSpPr>
         <p:spPr>
           <a:xfrm>
-            <a:off x="1043492" y="2081657"/>
-            <a:ext cx="6777317" cy="3750972"/>
+            <a:off x="1043492" y="1339158"/>
+            <a:ext cx="6777317" cy="4493471"/>
           </a:xfrm>
         </p:spPr>
         <p:txBody>
-          <a:bodyPr/>
+          <a:bodyPr>
+            <a:normAutofit/>
+          </a:bodyPr>
           <a:lstStyle/>
           <a:p>
-            <a:r>
-              <a:rPr lang="en-US" dirty="0" smtClean="0"/>
-              <a:t>@Before</a:t>
-            </a:r>
-          </a:p>
-          <a:p>
-            <a:r>
-              <a:rPr lang="en-US" dirty="0" smtClean="0"/>
-              <a:t>@After</a:t>
-            </a:r>
-          </a:p>
-          <a:p>
-            <a:r>
-              <a:rPr lang="en-US" dirty="0" smtClean="0"/>
-              <a:t>@</a:t>
-            </a:r>
-            <a:r>
-              <a:rPr lang="en-US" dirty="0" err="1" smtClean="0"/>
-              <a:t>AfterReturning</a:t>
-            </a:r>
-            <a:endParaRPr lang="en-US" dirty="0" smtClean="0"/>
-          </a:p>
-          <a:p>
-            <a:r>
-              <a:rPr lang="en-US" dirty="0" smtClean="0"/>
-              <a:t>@</a:t>
-            </a:r>
-            <a:r>
-              <a:rPr lang="en-US" dirty="0" err="1" smtClean="0"/>
-              <a:t>AfterThrowing</a:t>
-            </a:r>
-            <a:endParaRPr lang="en-US" dirty="0" smtClean="0"/>
-          </a:p>
-          <a:p>
-            <a:r>
-              <a:rPr lang="en-US" dirty="0" smtClean="0"/>
-              <a:t>@Around</a:t>
-            </a:r>
-            <a:endParaRPr lang="en-US" dirty="0"/>
+            <a:pPr marL="68580" indent="0">
+              <a:buNone/>
+            </a:pPr>
+            <a:r>
+              <a:rPr lang="en-US" sz="1600" b="1" dirty="0"/>
+              <a:t>public class </a:t>
+            </a:r>
+            <a:r>
+              <a:rPr lang="en-US" sz="1600" b="1" u="sng" dirty="0" err="1"/>
+              <a:t>JdbcTemplateCondition</a:t>
+            </a:r>
+            <a:r>
+              <a:rPr lang="en-US" sz="1600" b="1" u="sng" dirty="0"/>
+              <a:t> implements Condition {</a:t>
+            </a:r>
+          </a:p>
+          <a:p>
+            <a:pPr marL="68580" indent="0">
+              <a:buNone/>
+            </a:pPr>
+            <a:endParaRPr lang="en-US" sz="1600" dirty="0"/>
+          </a:p>
+          <a:p>
+            <a:pPr marL="68580" indent="0">
+              <a:buNone/>
+            </a:pPr>
+            <a:r>
+              <a:rPr lang="en-US" sz="1600" dirty="0"/>
+              <a:t>    @Override</a:t>
+            </a:r>
+          </a:p>
+          <a:p>
+            <a:pPr marL="68580" indent="0">
+              <a:buNone/>
+            </a:pPr>
+            <a:r>
+              <a:rPr lang="en-US" sz="1600" dirty="0"/>
+              <a:t>    </a:t>
+            </a:r>
+            <a:r>
+              <a:rPr lang="en-US" sz="1600" b="1" dirty="0"/>
+              <a:t>public </a:t>
+            </a:r>
+            <a:r>
+              <a:rPr lang="en-US" sz="1600" b="1" dirty="0" err="1"/>
+              <a:t>boolean</a:t>
+            </a:r>
+            <a:r>
+              <a:rPr lang="en-US" sz="1600" b="1" dirty="0"/>
+              <a:t> matches(</a:t>
+            </a:r>
+            <a:r>
+              <a:rPr lang="en-US" sz="1600" b="1" u="sng" dirty="0" err="1"/>
+              <a:t>ConditionContext</a:t>
+            </a:r>
+            <a:r>
+              <a:rPr lang="en-US" sz="1600" b="1" u="sng" dirty="0"/>
+              <a:t> context, </a:t>
+            </a:r>
+            <a:r>
+              <a:rPr lang="en-US" sz="1600" b="1" u="sng" dirty="0" err="1"/>
+              <a:t>AnnotatedTypeMetadata</a:t>
+            </a:r>
+            <a:r>
+              <a:rPr lang="en-US" sz="1600" b="1" u="sng" dirty="0"/>
+              <a:t> metadata) {</a:t>
+            </a:r>
+          </a:p>
+          <a:p>
+            <a:pPr marL="68580" indent="0">
+              <a:buNone/>
+            </a:pPr>
+            <a:r>
+              <a:rPr lang="en-US" sz="1600" dirty="0"/>
+              <a:t>        </a:t>
+            </a:r>
+            <a:r>
+              <a:rPr lang="en-US" sz="1600" b="1" dirty="0"/>
+              <a:t>try </a:t>
+            </a:r>
+            <a:r>
+              <a:rPr lang="en-US" sz="1600" b="1" dirty="0" smtClean="0"/>
+              <a:t>{</a:t>
+            </a:r>
+            <a:r>
+              <a:rPr lang="en-US" sz="1600" dirty="0" smtClean="0"/>
+              <a:t>       	</a:t>
+            </a:r>
+            <a:r>
+              <a:rPr lang="en-US" sz="1600" dirty="0" err="1" smtClean="0"/>
+              <a:t>context.getClassLoader</a:t>
+            </a:r>
+            <a:r>
+              <a:rPr lang="en-US" sz="1600" dirty="0"/>
+              <a:t>().</a:t>
+            </a:r>
+            <a:r>
+              <a:rPr lang="en-US" sz="1600" dirty="0" err="1"/>
+              <a:t>loadClass</a:t>
+            </a:r>
+            <a:r>
+              <a:rPr lang="en-US" sz="1600" dirty="0"/>
+              <a:t>("</a:t>
+            </a:r>
+            <a:r>
+              <a:rPr lang="en-US" sz="1600" dirty="0" err="1"/>
+              <a:t>org.springframework.jdbc</a:t>
+            </a:r>
+            <a:r>
+              <a:rPr lang="en-US" sz="1600" dirty="0" smtClean="0"/>
+              <a:t>. </a:t>
+            </a:r>
+            <a:r>
+              <a:rPr lang="en-US" sz="1600" dirty="0" err="1" smtClean="0"/>
+              <a:t>core.JdbcTemplate</a:t>
+            </a:r>
+            <a:r>
+              <a:rPr lang="en-US" sz="1600" dirty="0"/>
+              <a:t>");</a:t>
+            </a:r>
+          </a:p>
+          <a:p>
+            <a:pPr marL="68580" indent="0">
+              <a:buNone/>
+            </a:pPr>
+            <a:r>
+              <a:rPr lang="is-IS" sz="1600" dirty="0"/>
+              <a:t>            </a:t>
+            </a:r>
+            <a:r>
+              <a:rPr lang="is-IS" sz="1600" b="1" dirty="0"/>
+              <a:t>return true;</a:t>
+            </a:r>
+          </a:p>
+          <a:p>
+            <a:pPr marL="68580" indent="0">
+              <a:buNone/>
+            </a:pPr>
+            <a:r>
+              <a:rPr lang="fr-FR" sz="1600" dirty="0"/>
+              <a:t>        } </a:t>
+            </a:r>
+            <a:r>
+              <a:rPr lang="fr-FR" sz="1600" b="1" dirty="0"/>
+              <a:t>catch (Exception e) {</a:t>
+            </a:r>
+          </a:p>
+          <a:p>
+            <a:pPr marL="68580" indent="0">
+              <a:buNone/>
+            </a:pPr>
+            <a:r>
+              <a:rPr lang="nb-NO" sz="1600" dirty="0"/>
+              <a:t>            </a:t>
+            </a:r>
+            <a:r>
+              <a:rPr lang="nb-NO" sz="1600" b="1" dirty="0" err="1"/>
+              <a:t>return</a:t>
+            </a:r>
+            <a:r>
+              <a:rPr lang="nb-NO" sz="1600" b="1" dirty="0"/>
+              <a:t> false;</a:t>
+            </a:r>
+          </a:p>
+          <a:p>
+            <a:pPr marL="68580" indent="0">
+              <a:buNone/>
+            </a:pPr>
+            <a:r>
+              <a:rPr lang="nb-NO" sz="1600" dirty="0"/>
+              <a:t>        }</a:t>
+            </a:r>
+          </a:p>
+          <a:p>
+            <a:pPr marL="68580" indent="0">
+              <a:buNone/>
+            </a:pPr>
+            <a:r>
+              <a:rPr lang="nb-NO" sz="1600" dirty="0"/>
+              <a:t>    }</a:t>
+            </a:r>
+          </a:p>
+          <a:p>
+            <a:pPr marL="68580" indent="0">
+              <a:buNone/>
+            </a:pPr>
+            <a:r>
+              <a:rPr lang="nb-NO" sz="1600" dirty="0"/>
+              <a:t>}</a:t>
+            </a:r>
+            <a:endParaRPr lang="en-US" sz="1600" dirty="0"/>
           </a:p>
         </p:txBody>
       </p:sp>
     </p:spTree>
     <p:extLst>
       <p:ext uri="{BB962C8B-B14F-4D97-AF65-F5344CB8AC3E}">
-        <p14:creationId xmlns:p14="http://schemas.microsoft.com/office/powerpoint/2010/main" val="1106209687"/>
+        <p14:creationId xmlns:p14="http://schemas.microsoft.com/office/powerpoint/2010/main" val="2417126147"/>
       </p:ext>
     </p:extLst>
   </p:cSld>
@@ -15553,21 +16391,19 @@
         </p:nvSpPr>
         <p:spPr>
           <a:xfrm>
-            <a:off x="1043490" y="868894"/>
-            <a:ext cx="7024744" cy="612964"/>
+            <a:off x="1089025" y="637599"/>
+            <a:ext cx="6488758" cy="652843"/>
           </a:xfrm>
         </p:spPr>
         <p:txBody>
-          <a:bodyPr>
-            <a:normAutofit/>
-          </a:bodyPr>
+          <a:bodyPr/>
           <a:lstStyle/>
           <a:p>
             <a:r>
               <a:rPr lang="en-US" sz="2800" dirty="0" smtClean="0"/>
-              <a:t>Configuring AOP in spring project</a:t>
-            </a:r>
-            <a:endParaRPr lang="en-US" sz="3200" dirty="0"/>
+              <a:t>Aspect Oriented Programming</a:t>
+            </a:r>
+            <a:endParaRPr lang="en-US" sz="2800" dirty="0"/>
           </a:p>
         </p:txBody>
       </p:sp>
@@ -15583,162 +16419,41 @@
         </p:nvSpPr>
         <p:spPr>
           <a:xfrm>
-            <a:off x="1043492" y="1481858"/>
-            <a:ext cx="6777317" cy="4350771"/>
+            <a:off x="1089024" y="1464216"/>
+            <a:ext cx="7272339" cy="4644306"/>
           </a:xfrm>
         </p:spPr>
         <p:txBody>
-          <a:bodyPr>
-            <a:normAutofit/>
-          </a:bodyPr>
+          <a:bodyPr/>
           <a:lstStyle/>
           <a:p>
             <a:r>
-              <a:rPr lang="en-US" sz="1800" dirty="0" smtClean="0"/>
-              <a:t>It is just adding below annotations to configuration file</a:t>
-            </a:r>
-            <a:endParaRPr lang="en-US" dirty="0" smtClean="0"/>
-          </a:p>
-          <a:p>
-            <a:pPr marL="68580" indent="0">
-              <a:buNone/>
-            </a:pPr>
-            <a:endParaRPr lang="en-US" sz="2000" b="1" dirty="0" smtClean="0"/>
-          </a:p>
-          <a:p>
-            <a:pPr marL="68580" indent="0">
-              <a:buNone/>
-            </a:pPr>
-            <a:r>
-              <a:rPr lang="en-US" sz="2000" b="1" dirty="0" smtClean="0"/>
-              <a:t>@</a:t>
-            </a:r>
-            <a:r>
-              <a:rPr lang="en-US" sz="2000" b="1" dirty="0"/>
-              <a:t>Aspect</a:t>
-            </a:r>
-          </a:p>
-          <a:p>
-            <a:pPr marL="68580" indent="0">
-              <a:buNone/>
-            </a:pPr>
-            <a:r>
-              <a:rPr lang="en-US" sz="2000" b="1" dirty="0"/>
-              <a:t>@</a:t>
-            </a:r>
-            <a:r>
-              <a:rPr lang="en-US" sz="2000" b="1" dirty="0" err="1"/>
-              <a:t>EnableAspectJAutoProxy</a:t>
-            </a:r>
-            <a:r>
-              <a:rPr lang="en-US" sz="2000" b="1" dirty="0"/>
-              <a:t>(</a:t>
-            </a:r>
-            <a:r>
-              <a:rPr lang="en-US" sz="2000" b="1" dirty="0" err="1"/>
-              <a:t>proxyTargetClass</a:t>
-            </a:r>
-            <a:r>
-              <a:rPr lang="en-US" sz="2000" b="1" dirty="0"/>
-              <a:t> = true</a:t>
-            </a:r>
-            <a:r>
-              <a:rPr lang="en-US" sz="2000" b="1" dirty="0" smtClean="0"/>
-              <a:t>)</a:t>
-            </a:r>
-          </a:p>
-          <a:p>
-            <a:pPr marL="68580" indent="0">
-              <a:buNone/>
-            </a:pPr>
-            <a:endParaRPr lang="en-US" sz="2000" b="1" dirty="0" smtClean="0"/>
-          </a:p>
-          <a:p>
-            <a:r>
-              <a:rPr lang="en-US" sz="2000" dirty="0" smtClean="0"/>
-              <a:t>And Writing some </a:t>
-            </a:r>
-            <a:r>
-              <a:rPr lang="en-US" sz="2000" dirty="0" err="1" smtClean="0"/>
-              <a:t>pointcuts</a:t>
-            </a:r>
-            <a:r>
-              <a:rPr lang="en-US" sz="2000" dirty="0" smtClean="0"/>
-              <a:t> and advice annotations</a:t>
-            </a:r>
-            <a:endParaRPr lang="en-US" b="1" dirty="0" smtClean="0"/>
-          </a:p>
-          <a:p>
-            <a:pPr marL="68580" indent="0">
-              <a:buNone/>
-            </a:pPr>
-            <a:r>
-              <a:rPr lang="en-US" sz="2000" b="1" dirty="0" smtClean="0"/>
-              <a:t> </a:t>
-            </a:r>
-            <a:r>
-              <a:rPr lang="en-US" sz="1800" b="1" dirty="0"/>
-              <a:t>@Before</a:t>
-            </a:r>
-            <a:r>
-              <a:rPr lang="en-US" sz="1800" dirty="0"/>
-              <a:t>("execution(** </a:t>
-            </a:r>
-            <a:r>
-              <a:rPr lang="en-US" sz="1800" dirty="0" err="1" smtClean="0"/>
-              <a:t>com.innominds.aop.service</a:t>
-            </a:r>
-            <a:r>
-              <a:rPr lang="en-US" sz="1800" dirty="0"/>
-              <a:t>.*.*())")</a:t>
-            </a:r>
-          </a:p>
-          <a:p>
-            <a:pPr marL="68580" indent="0">
-              <a:buNone/>
-            </a:pPr>
-            <a:r>
-              <a:rPr lang="en-US" sz="1800" dirty="0"/>
-              <a:t>    </a:t>
-            </a:r>
-            <a:r>
-              <a:rPr lang="en-US" sz="1800" b="1" dirty="0"/>
-              <a:t>public void </a:t>
-            </a:r>
-            <a:r>
-              <a:rPr lang="en-US" sz="1800" b="1" dirty="0" err="1"/>
-              <a:t>beforeMethod</a:t>
-            </a:r>
-            <a:r>
-              <a:rPr lang="en-US" sz="1800" b="1" dirty="0"/>
-              <a:t>() </a:t>
-            </a:r>
-            <a:r>
-              <a:rPr lang="en-US" sz="1800" b="1" dirty="0" smtClean="0"/>
-              <a:t>{ }</a:t>
-            </a:r>
-          </a:p>
-          <a:p>
-            <a:pPr marL="68580" indent="0">
-              <a:buNone/>
-            </a:pPr>
-            <a:endParaRPr lang="en-US" sz="2000" b="1" dirty="0" smtClean="0"/>
-          </a:p>
-          <a:p>
-            <a:pPr marL="68580" indent="0">
-              <a:buNone/>
-            </a:pPr>
-            <a:r>
-              <a:rPr lang="en-US" sz="2000" b="1" dirty="0" smtClean="0"/>
-              <a:t>NOTE: Spring doesn’t provide its own annotations instead it depends on </a:t>
-            </a:r>
-            <a:r>
-              <a:rPr lang="en-US" sz="2000" b="1" dirty="0" err="1" smtClean="0"/>
-              <a:t>AspectJ</a:t>
-            </a:r>
-            <a:r>
-              <a:rPr lang="en-US" sz="2000" b="1" dirty="0" smtClean="0"/>
-              <a:t> annotations.</a:t>
+              <a:rPr lang="en-US" b="1" dirty="0" smtClean="0"/>
+              <a:t>Cross-cutting Concerns</a:t>
+            </a:r>
+            <a:r>
+              <a:rPr lang="en-US" dirty="0" smtClean="0"/>
+              <a:t> impact the application in many points. Ex: Logging, Security, Caching and Transaction Management are called cross-cutting concerns.</a:t>
+            </a:r>
+          </a:p>
+          <a:p>
+            <a:r>
+              <a:rPr lang="en-US" dirty="0" smtClean="0"/>
+              <a:t>Using AOP we can define common functionality in one place and we can declaratively define how and where this functionality can be applied.</a:t>
+            </a:r>
+          </a:p>
+          <a:p>
+            <a:r>
+              <a:rPr lang="en-US" dirty="0" smtClean="0"/>
+              <a:t>Cross cutting concerns are modularized into special classes are called </a:t>
+            </a:r>
+            <a:r>
+              <a:rPr lang="en-US" b="1" dirty="0" smtClean="0"/>
+              <a:t>aspects</a:t>
+            </a:r>
+            <a:r>
+              <a:rPr lang="en-US" dirty="0" smtClean="0"/>
+              <a:t>.</a:t>
             </a:r>
             <a:endParaRPr lang="en-US" dirty="0"/>
           </a:p>
@@ -15747,7 +16462,7 @@
     </p:spTree>
     <p:extLst>
       <p:ext uri="{BB962C8B-B14F-4D97-AF65-F5344CB8AC3E}">
-        <p14:creationId xmlns:p14="http://schemas.microsoft.com/office/powerpoint/2010/main" val="658179238"/>
+        <p14:creationId xmlns:p14="http://schemas.microsoft.com/office/powerpoint/2010/main" val="3680182491"/>
       </p:ext>
     </p:extLst>
   </p:cSld>
@@ -15783,6 +16498,34 @@
       </p:grpSpPr>
       <p:sp>
         <p:nvSpPr>
+          <p:cNvPr id="2" name="Title 1"/>
+          <p:cNvSpPr>
+            <a:spLocks noGrp="1"/>
+          </p:cNvSpPr>
+          <p:nvPr>
+            <p:ph type="title"/>
+          </p:nvPr>
+        </p:nvSpPr>
+        <p:spPr>
+          <a:xfrm>
+            <a:off x="1089024" y="274638"/>
+            <a:ext cx="6717091" cy="610036"/>
+          </a:xfrm>
+        </p:spPr>
+        <p:txBody>
+          <a:bodyPr/>
+          <a:lstStyle/>
+          <a:p>
+            <a:r>
+              <a:rPr lang="en-US" sz="2400" dirty="0" smtClean="0"/>
+              <a:t>AOP Terminology</a:t>
+            </a:r>
+            <a:endParaRPr lang="en-US" sz="2400" dirty="0"/>
+          </a:p>
+        </p:txBody>
+      </p:sp>
+      <p:sp>
+        <p:nvSpPr>
           <p:cNvPr id="3" name="Content Placeholder 2"/>
           <p:cNvSpPr>
             <a:spLocks noGrp="1"/>
@@ -15793,69 +16536,100 @@
         </p:nvSpPr>
         <p:spPr>
           <a:xfrm>
-            <a:off x="1089024" y="811493"/>
-            <a:ext cx="7272339" cy="5314670"/>
+            <a:off x="1089024" y="1068510"/>
+            <a:ext cx="7272339" cy="5057654"/>
           </a:xfrm>
         </p:spPr>
         <p:txBody>
           <a:bodyPr>
-            <a:normAutofit lnSpcReduction="10000"/>
+            <a:normAutofit fontScale="92500"/>
           </a:bodyPr>
           <a:lstStyle/>
           <a:p>
             <a:r>
+              <a:rPr lang="en-US" b="1" dirty="0" smtClean="0"/>
+              <a:t>Aspect</a:t>
+            </a:r>
+            <a:r>
               <a:rPr lang="en-US" dirty="0" smtClean="0"/>
-              <a:t>In Spring, aspects are woven into spring-managed beans at runtime by wrapping them with a proxy class. </a:t>
-            </a:r>
-          </a:p>
-          <a:p>
-            <a:pPr marL="68580" indent="0">
+              <a:t>: modularization of cross-cutting concern </a:t>
+            </a:r>
+          </a:p>
+          <a:p>
+            <a:pPr marL="365760" lvl="1" indent="0">
               <a:buNone/>
             </a:pPr>
-            <a:endParaRPr lang="en-US" dirty="0" smtClean="0"/>
-          </a:p>
-          <a:p>
-            <a:pPr marL="68580" indent="0">
-              <a:buNone/>
-            </a:pPr>
+            <a:r>
+              <a:rPr lang="en-US" sz="2000" dirty="0" smtClean="0"/>
+              <a:t>ex: </a:t>
+            </a:r>
+            <a:r>
+              <a:rPr lang="en-US" sz="1700" dirty="0" smtClean="0"/>
+              <a:t>security Aspect will check whether calling person  has privileges to access </a:t>
+            </a:r>
+            <a:r>
+              <a:rPr lang="en-US" sz="1700" b="1" dirty="0" err="1" smtClean="0"/>
+              <a:t>checkBalance</a:t>
+            </a:r>
+            <a:r>
+              <a:rPr lang="en-US" sz="1700" b="1" dirty="0" smtClean="0"/>
+              <a:t>() </a:t>
+            </a:r>
+            <a:r>
+              <a:rPr lang="en-US" sz="1700" dirty="0" smtClean="0"/>
+              <a:t>method</a:t>
+            </a:r>
+            <a:endParaRPr lang="en-US" sz="2000" dirty="0" smtClean="0"/>
+          </a:p>
+          <a:p>
             <a:r>
               <a:rPr lang="en-US" b="1" dirty="0" smtClean="0"/>
-              <a:t>There are two types of proxy creation possible</a:t>
+              <a:t>Advice</a:t>
+            </a:r>
+            <a:r>
+              <a:rPr lang="en-US" dirty="0" smtClean="0"/>
+              <a:t>: Job of an Aspect called advice. </a:t>
+            </a:r>
+          </a:p>
+          <a:p>
+            <a:r>
+              <a:rPr lang="en-US" b="1" dirty="0" err="1" smtClean="0"/>
+              <a:t>Joinpoints</a:t>
+            </a:r>
+            <a:r>
+              <a:rPr lang="en-US" dirty="0" smtClean="0"/>
+              <a:t>: In an application there are many places where we can apply aspect. These points are called join points.</a:t>
+            </a:r>
+          </a:p>
+          <a:p>
+            <a:r>
+              <a:rPr lang="en-US" b="1" dirty="0" err="1" smtClean="0"/>
+              <a:t>Pointcuts</a:t>
+            </a:r>
+            <a:r>
+              <a:rPr lang="en-US" dirty="0" smtClean="0"/>
+              <a:t>: point cuts are the join points where we can woven advice.</a:t>
             </a:r>
           </a:p>
           <a:p>
             <a:r>
               <a:rPr lang="en-US" b="1" dirty="0" smtClean="0"/>
-              <a:t>JDK Dynamic proxy</a:t>
+              <a:t>Introductions</a:t>
             </a:r>
             <a:r>
               <a:rPr lang="en-US" dirty="0" smtClean="0"/>
-              <a:t>: If we the services are invokes based on interfaces it creates proxy by implementing that interface.</a:t>
+              <a:t>:  inject new methods and attributes into existing classes are called introductions.</a:t>
             </a:r>
           </a:p>
           <a:p>
             <a:r>
               <a:rPr lang="en-US" b="1" dirty="0" smtClean="0"/>
-              <a:t>CGLIB Proxy</a:t>
+              <a:t>Weaving</a:t>
             </a:r>
             <a:r>
               <a:rPr lang="en-US" dirty="0" smtClean="0"/>
-              <a:t>:  it extends the existing target class and calls super class methods.</a:t>
-            </a:r>
-          </a:p>
-          <a:p>
-            <a:endParaRPr lang="en-US" dirty="0" smtClean="0"/>
-          </a:p>
-          <a:p>
-            <a:r>
-              <a:rPr lang="en-US" dirty="0" smtClean="0"/>
-              <a:t>Proxy class poses as the target bean intercepting advised method calls and forwarding those calls to the target bean. </a:t>
-            </a:r>
-          </a:p>
-          <a:p>
-            <a:endParaRPr lang="en-US" dirty="0" smtClean="0"/>
-          </a:p>
-          <a:p>
+              <a:t>: process of applying aspects to target classes to create new proxies.</a:t>
+            </a:r>
             <a:endParaRPr lang="en-US" dirty="0"/>
           </a:p>
         </p:txBody>
@@ -15863,7 +16637,7 @@
     </p:spTree>
     <p:extLst>
       <p:ext uri="{BB962C8B-B14F-4D97-AF65-F5344CB8AC3E}">
-        <p14:creationId xmlns:p14="http://schemas.microsoft.com/office/powerpoint/2010/main" val="498556496"/>
+        <p14:creationId xmlns:p14="http://schemas.microsoft.com/office/powerpoint/2010/main" val="2604999373"/>
       </p:ext>
     </p:extLst>
   </p:cSld>
@@ -16035,6 +16809,689 @@
 </file>
 
 <file path=ppt/slides/slide20.xml><?xml version="1.0" encoding="utf-8"?>
+<p:sld xmlns:a="http://schemas.openxmlformats.org/drawingml/2006/main" xmlns:r="http://schemas.openxmlformats.org/officeDocument/2006/relationships" xmlns:p="http://schemas.openxmlformats.org/presentationml/2006/main">
+  <p:cSld>
+    <p:spTree>
+      <p:nvGrpSpPr>
+        <p:cNvPr id="1" name=""/>
+        <p:cNvGrpSpPr/>
+        <p:nvPr/>
+      </p:nvGrpSpPr>
+      <p:grpSpPr>
+        <a:xfrm>
+          <a:off x="0" y="0"/>
+          <a:ext cx="0" cy="0"/>
+          <a:chOff x="0" y="0"/>
+          <a:chExt cx="0" cy="0"/>
+        </a:xfrm>
+      </p:grpSpPr>
+      <p:sp>
+        <p:nvSpPr>
+          <p:cNvPr id="2" name="Title 1"/>
+          <p:cNvSpPr>
+            <a:spLocks noGrp="1"/>
+          </p:cNvSpPr>
+          <p:nvPr>
+            <p:ph type="title"/>
+          </p:nvPr>
+        </p:nvSpPr>
+        <p:spPr>
+          <a:xfrm>
+            <a:off x="1043490" y="740929"/>
+            <a:ext cx="6559238" cy="688005"/>
+          </a:xfrm>
+        </p:spPr>
+        <p:txBody>
+          <a:bodyPr>
+            <a:normAutofit fontScale="90000"/>
+          </a:bodyPr>
+          <a:lstStyle/>
+          <a:p>
+            <a:r>
+              <a:rPr lang="en-US" dirty="0" smtClean="0"/>
+              <a:t>Types of Weaving</a:t>
+            </a:r>
+            <a:endParaRPr lang="en-US" dirty="0"/>
+          </a:p>
+        </p:txBody>
+      </p:sp>
+      <p:sp>
+        <p:nvSpPr>
+          <p:cNvPr id="3" name="Content Placeholder 2"/>
+          <p:cNvSpPr>
+            <a:spLocks noGrp="1"/>
+          </p:cNvSpPr>
+          <p:nvPr>
+            <p:ph idx="1"/>
+          </p:nvPr>
+        </p:nvSpPr>
+        <p:spPr>
+          <a:xfrm>
+            <a:off x="1043492" y="1428934"/>
+            <a:ext cx="6777317" cy="4403695"/>
+          </a:xfrm>
+        </p:spPr>
+        <p:txBody>
+          <a:bodyPr>
+            <a:normAutofit fontScale="92500" lnSpcReduction="10000"/>
+          </a:bodyPr>
+          <a:lstStyle/>
+          <a:p>
+            <a:r>
+              <a:rPr lang="en-US" b="1" dirty="0" smtClean="0"/>
+              <a:t>Compile time Weaving</a:t>
+            </a:r>
+            <a:r>
+              <a:rPr lang="en-US" dirty="0" smtClean="0"/>
+              <a:t>: Aspects are woven when the target class is compiled. It requires special kind of compiler.</a:t>
+            </a:r>
+            <a:r>
+              <a:rPr lang="en-US" b="1" dirty="0" smtClean="0">
+                <a:solidFill>
+                  <a:srgbClr val="FF0000"/>
+                </a:solidFill>
+              </a:rPr>
+              <a:t> (works only on </a:t>
+            </a:r>
+            <a:r>
+              <a:rPr lang="en-US" b="1" dirty="0" err="1" smtClean="0">
+                <a:solidFill>
+                  <a:srgbClr val="FF0000"/>
+                </a:solidFill>
+              </a:rPr>
+              <a:t>AspectJ</a:t>
+            </a:r>
+            <a:r>
+              <a:rPr lang="en-US" b="1" dirty="0" smtClean="0">
+                <a:solidFill>
+                  <a:srgbClr val="FF0000"/>
+                </a:solidFill>
+              </a:rPr>
+              <a:t> programming model).</a:t>
+            </a:r>
+          </a:p>
+          <a:p>
+            <a:r>
+              <a:rPr lang="en-US" b="1" dirty="0" err="1" smtClean="0"/>
+              <a:t>Classloading</a:t>
+            </a:r>
+            <a:r>
+              <a:rPr lang="en-US" b="1" dirty="0" smtClean="0"/>
+              <a:t> time</a:t>
+            </a:r>
+            <a:r>
+              <a:rPr lang="en-US" dirty="0" smtClean="0"/>
+              <a:t>: Aspects are weaving when the class loaded by the class loader. This kind of weaving requires special kind of </a:t>
+            </a:r>
+            <a:r>
+              <a:rPr lang="en-US" dirty="0" err="1" smtClean="0"/>
+              <a:t>classLoader</a:t>
+            </a:r>
+            <a:r>
+              <a:rPr lang="en-US" dirty="0" smtClean="0"/>
+              <a:t>. </a:t>
+            </a:r>
+            <a:r>
+              <a:rPr lang="en-US" b="1" dirty="0" smtClean="0">
+                <a:solidFill>
+                  <a:srgbClr val="FF0000"/>
+                </a:solidFill>
+              </a:rPr>
+              <a:t>(works only with </a:t>
+            </a:r>
+            <a:r>
+              <a:rPr lang="en-US" b="1" dirty="0" err="1" smtClean="0">
+                <a:solidFill>
+                  <a:srgbClr val="FF0000"/>
+                </a:solidFill>
+              </a:rPr>
+              <a:t>AspectJ</a:t>
+            </a:r>
+            <a:r>
+              <a:rPr lang="en-US" b="1" dirty="0" smtClean="0">
+                <a:solidFill>
+                  <a:srgbClr val="FF0000"/>
+                </a:solidFill>
+              </a:rPr>
+              <a:t> )</a:t>
+            </a:r>
+          </a:p>
+          <a:p>
+            <a:r>
+              <a:rPr lang="en-US" b="1" dirty="0" smtClean="0"/>
+              <a:t>Runtime weaving</a:t>
+            </a:r>
+            <a:r>
+              <a:rPr lang="en-US" dirty="0" smtClean="0"/>
+              <a:t>:  Aspects are woven during the runtime of the program execution. AOP container dynamically generates proxy objects that delegate the requests to target objects. </a:t>
+            </a:r>
+            <a:r>
+              <a:rPr lang="en-US" b="1" dirty="0" smtClean="0">
+                <a:solidFill>
+                  <a:srgbClr val="008000"/>
+                </a:solidFill>
+              </a:rPr>
+              <a:t>(Spring AOP supports only this)</a:t>
+            </a:r>
+            <a:endParaRPr lang="en-US" b="1" dirty="0">
+              <a:solidFill>
+                <a:srgbClr val="008000"/>
+              </a:solidFill>
+            </a:endParaRPr>
+          </a:p>
+        </p:txBody>
+      </p:sp>
+    </p:spTree>
+    <p:extLst>
+      <p:ext uri="{BB962C8B-B14F-4D97-AF65-F5344CB8AC3E}">
+        <p14:creationId xmlns:p14="http://schemas.microsoft.com/office/powerpoint/2010/main" val="111019037"/>
+      </p:ext>
+    </p:extLst>
+  </p:cSld>
+  <p:clrMapOvr>
+    <a:masterClrMapping/>
+  </p:clrMapOvr>
+  <p:timing>
+    <p:tnLst>
+      <p:par>
+        <p:cTn xmlns:p14="http://schemas.microsoft.com/office/powerpoint/2010/main" id="1" dur="indefinite" restart="never" nodeType="tmRoot"/>
+      </p:par>
+    </p:tnLst>
+  </p:timing>
+</p:sld>
+</file>
+
+<file path=ppt/slides/slide21.xml><?xml version="1.0" encoding="utf-8"?>
+<p:sld xmlns:a="http://schemas.openxmlformats.org/drawingml/2006/main" xmlns:r="http://schemas.openxmlformats.org/officeDocument/2006/relationships" xmlns:p="http://schemas.openxmlformats.org/presentationml/2006/main">
+  <p:cSld>
+    <p:spTree>
+      <p:nvGrpSpPr>
+        <p:cNvPr id="1" name=""/>
+        <p:cNvGrpSpPr/>
+        <p:nvPr/>
+      </p:nvGrpSpPr>
+      <p:grpSpPr>
+        <a:xfrm>
+          <a:off x="0" y="0"/>
+          <a:ext cx="0" cy="0"/>
+          <a:chOff x="0" y="0"/>
+          <a:chExt cx="0" cy="0"/>
+        </a:xfrm>
+      </p:grpSpPr>
+      <p:sp>
+        <p:nvSpPr>
+          <p:cNvPr id="2" name="Title 1"/>
+          <p:cNvSpPr>
+            <a:spLocks noGrp="1"/>
+          </p:cNvSpPr>
+          <p:nvPr>
+            <p:ph type="title"/>
+          </p:nvPr>
+        </p:nvSpPr>
+        <p:spPr>
+          <a:xfrm>
+            <a:off x="1043490" y="740929"/>
+            <a:ext cx="6777319" cy="846775"/>
+          </a:xfrm>
+        </p:spPr>
+        <p:txBody>
+          <a:bodyPr>
+            <a:normAutofit/>
+          </a:bodyPr>
+          <a:lstStyle/>
+          <a:p>
+            <a:r>
+              <a:rPr lang="en-US" dirty="0" smtClean="0"/>
+              <a:t>Types of Advice</a:t>
+            </a:r>
+            <a:endParaRPr lang="en-US" dirty="0"/>
+          </a:p>
+        </p:txBody>
+      </p:sp>
+      <p:sp>
+        <p:nvSpPr>
+          <p:cNvPr id="3" name="Content Placeholder 2"/>
+          <p:cNvSpPr>
+            <a:spLocks noGrp="1"/>
+          </p:cNvSpPr>
+          <p:nvPr>
+            <p:ph idx="1"/>
+          </p:nvPr>
+        </p:nvSpPr>
+        <p:spPr>
+          <a:xfrm>
+            <a:off x="1043492" y="2081657"/>
+            <a:ext cx="6777317" cy="3750972"/>
+          </a:xfrm>
+        </p:spPr>
+        <p:txBody>
+          <a:bodyPr/>
+          <a:lstStyle/>
+          <a:p>
+            <a:r>
+              <a:rPr lang="en-US" dirty="0" smtClean="0"/>
+              <a:t>@Before</a:t>
+            </a:r>
+          </a:p>
+          <a:p>
+            <a:r>
+              <a:rPr lang="en-US" dirty="0" smtClean="0"/>
+              <a:t>@After</a:t>
+            </a:r>
+          </a:p>
+          <a:p>
+            <a:r>
+              <a:rPr lang="en-US" dirty="0" smtClean="0"/>
+              <a:t>@</a:t>
+            </a:r>
+            <a:r>
+              <a:rPr lang="en-US" dirty="0" err="1" smtClean="0"/>
+              <a:t>AfterReturning</a:t>
+            </a:r>
+            <a:endParaRPr lang="en-US" dirty="0" smtClean="0"/>
+          </a:p>
+          <a:p>
+            <a:r>
+              <a:rPr lang="en-US" dirty="0" smtClean="0"/>
+              <a:t>@</a:t>
+            </a:r>
+            <a:r>
+              <a:rPr lang="en-US" dirty="0" err="1" smtClean="0"/>
+              <a:t>AfterThrowing</a:t>
+            </a:r>
+            <a:endParaRPr lang="en-US" dirty="0" smtClean="0"/>
+          </a:p>
+          <a:p>
+            <a:r>
+              <a:rPr lang="en-US" dirty="0" smtClean="0"/>
+              <a:t>@Around</a:t>
+            </a:r>
+            <a:endParaRPr lang="en-US" dirty="0"/>
+          </a:p>
+        </p:txBody>
+      </p:sp>
+    </p:spTree>
+    <p:extLst>
+      <p:ext uri="{BB962C8B-B14F-4D97-AF65-F5344CB8AC3E}">
+        <p14:creationId xmlns:p14="http://schemas.microsoft.com/office/powerpoint/2010/main" val="1106209687"/>
+      </p:ext>
+    </p:extLst>
+  </p:cSld>
+  <p:clrMapOvr>
+    <a:masterClrMapping/>
+  </p:clrMapOvr>
+  <p:timing>
+    <p:tnLst>
+      <p:par>
+        <p:cTn xmlns:p14="http://schemas.microsoft.com/office/powerpoint/2010/main" id="1" dur="indefinite" restart="never" nodeType="tmRoot"/>
+      </p:par>
+    </p:tnLst>
+  </p:timing>
+</p:sld>
+</file>
+
+<file path=ppt/slides/slide22.xml><?xml version="1.0" encoding="utf-8"?>
+<p:sld xmlns:a="http://schemas.openxmlformats.org/drawingml/2006/main" xmlns:r="http://schemas.openxmlformats.org/officeDocument/2006/relationships" xmlns:p="http://schemas.openxmlformats.org/presentationml/2006/main">
+  <p:cSld>
+    <p:spTree>
+      <p:nvGrpSpPr>
+        <p:cNvPr id="1" name=""/>
+        <p:cNvGrpSpPr/>
+        <p:nvPr/>
+      </p:nvGrpSpPr>
+      <p:grpSpPr>
+        <a:xfrm>
+          <a:off x="0" y="0"/>
+          <a:ext cx="0" cy="0"/>
+          <a:chOff x="0" y="0"/>
+          <a:chExt cx="0" cy="0"/>
+        </a:xfrm>
+      </p:grpSpPr>
+      <p:sp>
+        <p:nvSpPr>
+          <p:cNvPr id="2" name="Title 1"/>
+          <p:cNvSpPr>
+            <a:spLocks noGrp="1"/>
+          </p:cNvSpPr>
+          <p:nvPr>
+            <p:ph type="title"/>
+          </p:nvPr>
+        </p:nvSpPr>
+        <p:spPr>
+          <a:xfrm>
+            <a:off x="1043490" y="868894"/>
+            <a:ext cx="7024744" cy="612964"/>
+          </a:xfrm>
+        </p:spPr>
+        <p:txBody>
+          <a:bodyPr>
+            <a:normAutofit/>
+          </a:bodyPr>
+          <a:lstStyle/>
+          <a:p>
+            <a:r>
+              <a:rPr lang="en-US" sz="2800" dirty="0" smtClean="0"/>
+              <a:t>Configuring AOP in spring project</a:t>
+            </a:r>
+            <a:endParaRPr lang="en-US" sz="3200" dirty="0"/>
+          </a:p>
+        </p:txBody>
+      </p:sp>
+      <p:sp>
+        <p:nvSpPr>
+          <p:cNvPr id="3" name="Content Placeholder 2"/>
+          <p:cNvSpPr>
+            <a:spLocks noGrp="1"/>
+          </p:cNvSpPr>
+          <p:nvPr>
+            <p:ph idx="1"/>
+          </p:nvPr>
+        </p:nvSpPr>
+        <p:spPr>
+          <a:xfrm>
+            <a:off x="1043492" y="1481858"/>
+            <a:ext cx="7300105" cy="4350771"/>
+          </a:xfrm>
+        </p:spPr>
+        <p:txBody>
+          <a:bodyPr>
+            <a:normAutofit/>
+          </a:bodyPr>
+          <a:lstStyle/>
+          <a:p>
+            <a:r>
+              <a:rPr lang="en-US" sz="2000" dirty="0" smtClean="0"/>
+              <a:t>It is just adding below annotations to configuration file</a:t>
+            </a:r>
+            <a:endParaRPr lang="en-US" sz="1800" b="1" dirty="0" smtClean="0"/>
+          </a:p>
+          <a:p>
+            <a:pPr marL="68580" indent="0">
+              <a:buNone/>
+            </a:pPr>
+            <a:r>
+              <a:rPr lang="en-US" sz="1800" b="1" dirty="0" smtClean="0"/>
+              <a:t>@</a:t>
+            </a:r>
+            <a:r>
+              <a:rPr lang="en-US" sz="1800" b="1" dirty="0"/>
+              <a:t>Aspect</a:t>
+            </a:r>
+          </a:p>
+          <a:p>
+            <a:pPr marL="68580" indent="0">
+              <a:buNone/>
+            </a:pPr>
+            <a:r>
+              <a:rPr lang="en-US" sz="1800" b="1" dirty="0"/>
+              <a:t>@</a:t>
+            </a:r>
+            <a:r>
+              <a:rPr lang="en-US" sz="1800" b="1" dirty="0" err="1"/>
+              <a:t>EnableAspectJAutoProxy</a:t>
+            </a:r>
+            <a:r>
+              <a:rPr lang="en-US" sz="1800" b="1" dirty="0"/>
+              <a:t>(</a:t>
+            </a:r>
+            <a:r>
+              <a:rPr lang="en-US" sz="1800" b="1" dirty="0" err="1"/>
+              <a:t>proxyTargetClass</a:t>
+            </a:r>
+            <a:r>
+              <a:rPr lang="en-US" sz="1800" b="1" dirty="0"/>
+              <a:t> = true</a:t>
+            </a:r>
+            <a:r>
+              <a:rPr lang="en-US" sz="1800" b="1" dirty="0" smtClean="0"/>
+              <a:t>)</a:t>
+            </a:r>
+          </a:p>
+          <a:p>
+            <a:r>
+              <a:rPr lang="en-US" sz="2000" dirty="0" smtClean="0"/>
+              <a:t>And Writing some </a:t>
+            </a:r>
+            <a:r>
+              <a:rPr lang="en-US" sz="2000" dirty="0" err="1" smtClean="0"/>
+              <a:t>pointcuts</a:t>
+            </a:r>
+            <a:r>
+              <a:rPr lang="en-US" sz="2000" dirty="0" smtClean="0"/>
+              <a:t> and advice annotations</a:t>
+            </a:r>
+            <a:endParaRPr lang="en-US" b="1" dirty="0" smtClean="0"/>
+          </a:p>
+          <a:p>
+            <a:pPr marL="68580" indent="0">
+              <a:buNone/>
+            </a:pPr>
+            <a:r>
+              <a:rPr lang="en-US" sz="2000" b="1" dirty="0" smtClean="0"/>
+              <a:t>   </a:t>
+            </a:r>
+            <a:r>
+              <a:rPr lang="en-US" sz="1800" dirty="0" smtClean="0"/>
+              <a:t>@</a:t>
+            </a:r>
+            <a:r>
+              <a:rPr lang="en-US" sz="1800" dirty="0"/>
+              <a:t>Before("execution(** </a:t>
+            </a:r>
+            <a:r>
+              <a:rPr lang="en-US" sz="1800" dirty="0" err="1" smtClean="0"/>
+              <a:t>com.innominds.aop.service</a:t>
+            </a:r>
+            <a:r>
+              <a:rPr lang="en-US" sz="1800" dirty="0"/>
+              <a:t>.*.*())")</a:t>
+            </a:r>
+          </a:p>
+          <a:p>
+            <a:pPr marL="68580" indent="0">
+              <a:buNone/>
+            </a:pPr>
+            <a:r>
+              <a:rPr lang="en-US" sz="1800" dirty="0"/>
+              <a:t>    public void </a:t>
+            </a:r>
+            <a:r>
+              <a:rPr lang="en-US" sz="1800" dirty="0" err="1"/>
+              <a:t>beforeMethod</a:t>
+            </a:r>
+            <a:r>
+              <a:rPr lang="en-US" sz="1800" dirty="0"/>
+              <a:t>() </a:t>
+            </a:r>
+            <a:r>
+              <a:rPr lang="en-US" sz="1800" dirty="0" smtClean="0"/>
+              <a:t>{ </a:t>
+            </a:r>
+          </a:p>
+          <a:p>
+            <a:pPr marL="68580" indent="0">
+              <a:buNone/>
+            </a:pPr>
+            <a:r>
+              <a:rPr lang="en-US" sz="1800" dirty="0" smtClean="0"/>
+              <a:t>	//write JOB of aspect</a:t>
+            </a:r>
+            <a:endParaRPr lang="en-US" sz="1800" dirty="0"/>
+          </a:p>
+          <a:p>
+            <a:pPr marL="68580" indent="0">
+              <a:buNone/>
+            </a:pPr>
+            <a:r>
+              <a:rPr lang="en-US" sz="1800" dirty="0" smtClean="0"/>
+              <a:t>    }</a:t>
+            </a:r>
+          </a:p>
+          <a:p>
+            <a:pPr marL="68580" indent="0">
+              <a:buNone/>
+            </a:pPr>
+            <a:endParaRPr lang="en-US" sz="2000" b="1" dirty="0" smtClean="0"/>
+          </a:p>
+          <a:p>
+            <a:pPr marL="68580" indent="0">
+              <a:buNone/>
+            </a:pPr>
+            <a:r>
+              <a:rPr lang="en-US" sz="2000" b="1" dirty="0" smtClean="0"/>
+              <a:t>NOTE: Spring doesn’t provide its own annotations instead it depends on </a:t>
+            </a:r>
+            <a:r>
+              <a:rPr lang="en-US" sz="2000" b="1" dirty="0" err="1" smtClean="0"/>
+              <a:t>AspectJ</a:t>
+            </a:r>
+            <a:r>
+              <a:rPr lang="en-US" sz="2000" b="1" dirty="0" smtClean="0"/>
+              <a:t> annotations.</a:t>
+            </a:r>
+            <a:endParaRPr lang="en-US" dirty="0"/>
+          </a:p>
+        </p:txBody>
+      </p:sp>
+    </p:spTree>
+    <p:extLst>
+      <p:ext uri="{BB962C8B-B14F-4D97-AF65-F5344CB8AC3E}">
+        <p14:creationId xmlns:p14="http://schemas.microsoft.com/office/powerpoint/2010/main" val="658179238"/>
+      </p:ext>
+    </p:extLst>
+  </p:cSld>
+  <p:clrMapOvr>
+    <a:masterClrMapping/>
+  </p:clrMapOvr>
+  <p:timing>
+    <p:tnLst>
+      <p:par>
+        <p:cTn xmlns:p14="http://schemas.microsoft.com/office/powerpoint/2010/main" id="1" dur="indefinite" restart="never" nodeType="tmRoot"/>
+      </p:par>
+    </p:tnLst>
+  </p:timing>
+</p:sld>
+</file>
+
+<file path=ppt/slides/slide23.xml><?xml version="1.0" encoding="utf-8"?>
+<p:sld xmlns:a="http://schemas.openxmlformats.org/drawingml/2006/main" xmlns:r="http://schemas.openxmlformats.org/officeDocument/2006/relationships" xmlns:p="http://schemas.openxmlformats.org/presentationml/2006/main">
+  <p:cSld>
+    <p:spTree>
+      <p:nvGrpSpPr>
+        <p:cNvPr id="1" name=""/>
+        <p:cNvGrpSpPr/>
+        <p:nvPr/>
+      </p:nvGrpSpPr>
+      <p:grpSpPr>
+        <a:xfrm>
+          <a:off x="0" y="0"/>
+          <a:ext cx="0" cy="0"/>
+          <a:chOff x="0" y="0"/>
+          <a:chExt cx="0" cy="0"/>
+        </a:xfrm>
+      </p:grpSpPr>
+      <p:sp>
+        <p:nvSpPr>
+          <p:cNvPr id="3" name="Content Placeholder 2"/>
+          <p:cNvSpPr>
+            <a:spLocks noGrp="1"/>
+          </p:cNvSpPr>
+          <p:nvPr>
+            <p:ph idx="1"/>
+          </p:nvPr>
+        </p:nvSpPr>
+        <p:spPr>
+          <a:xfrm>
+            <a:off x="1089024" y="811493"/>
+            <a:ext cx="7272339" cy="5314670"/>
+          </a:xfrm>
+        </p:spPr>
+        <p:txBody>
+          <a:bodyPr>
+            <a:normAutofit/>
+          </a:bodyPr>
+          <a:lstStyle/>
+          <a:p>
+            <a:r>
+              <a:rPr lang="en-US" dirty="0" smtClean="0"/>
+              <a:t>In Spring, aspects are woven into spring-managed beans at runtime by wrapping them with a proxy class. </a:t>
+            </a:r>
+          </a:p>
+          <a:p>
+            <a:pPr marL="68580" indent="0">
+              <a:buNone/>
+            </a:pPr>
+            <a:r>
+              <a:rPr lang="en-US" b="1" dirty="0" smtClean="0"/>
+              <a:t>There are two types of proxy creation possible</a:t>
+            </a:r>
+          </a:p>
+          <a:p>
+            <a:r>
+              <a:rPr lang="en-US" b="1" dirty="0" smtClean="0"/>
+              <a:t>JDK Dynamic proxy</a:t>
+            </a:r>
+            <a:r>
+              <a:rPr lang="en-US" dirty="0" smtClean="0"/>
+              <a:t>: If </a:t>
+            </a:r>
+            <a:r>
+              <a:rPr lang="en-US" dirty="0" smtClean="0"/>
+              <a:t>the </a:t>
+            </a:r>
+            <a:r>
+              <a:rPr lang="en-US" dirty="0" smtClean="0"/>
+              <a:t>services are invokes based on interfaces it creates proxy by implementing that interface.</a:t>
+            </a:r>
+          </a:p>
+          <a:p>
+            <a:r>
+              <a:rPr lang="en-US" b="1" dirty="0" smtClean="0"/>
+              <a:t>CGLIB Proxy</a:t>
+            </a:r>
+            <a:r>
+              <a:rPr lang="en-US" dirty="0" smtClean="0"/>
+              <a:t>:  it extends the existing target class and calls super class methods.</a:t>
+            </a:r>
+          </a:p>
+          <a:p>
+            <a:endParaRPr lang="en-US" dirty="0" smtClean="0"/>
+          </a:p>
+          <a:p>
+            <a:r>
+              <a:rPr lang="en-US" dirty="0" smtClean="0"/>
+              <a:t>Proxy class poses as the target bean intercepting advised method calls and forwarding those calls to the target bean. </a:t>
+            </a:r>
+          </a:p>
+          <a:p>
+            <a:endParaRPr lang="en-US" dirty="0" smtClean="0"/>
+          </a:p>
+          <a:p>
+            <a:endParaRPr lang="en-US" dirty="0"/>
+          </a:p>
+        </p:txBody>
+      </p:sp>
+    </p:spTree>
+    <p:extLst>
+      <p:ext uri="{BB962C8B-B14F-4D97-AF65-F5344CB8AC3E}">
+        <p14:creationId xmlns:p14="http://schemas.microsoft.com/office/powerpoint/2010/main" val="498556496"/>
+      </p:ext>
+    </p:extLst>
+  </p:cSld>
+  <p:clrMapOvr>
+    <a:masterClrMapping/>
+  </p:clrMapOvr>
+  <p:timing>
+    <p:tnLst>
+      <p:par>
+        <p:cTn xmlns:p14="http://schemas.microsoft.com/office/powerpoint/2010/main" id="1" dur="indefinite" restart="never" nodeType="tmRoot"/>
+      </p:par>
+    </p:tnLst>
+  </p:timing>
+</p:sld>
+</file>
+
+<file path=ppt/slides/slide24.xml><?xml version="1.0" encoding="utf-8"?>
 <p:sld xmlns:a="http://schemas.openxmlformats.org/drawingml/2006/main" xmlns:r="http://schemas.openxmlformats.org/officeDocument/2006/relationships" xmlns:p="http://schemas.openxmlformats.org/presentationml/2006/main">
   <p:cSld>
     <p:spTree>
@@ -16126,7 +17583,7 @@
 </p:sld>
 </file>
 
-<file path=ppt/slides/slide21.xml><?xml version="1.0" encoding="utf-8"?>
+<file path=ppt/slides/slide25.xml><?xml version="1.0" encoding="utf-8"?>
 <p:sld xmlns:a="http://schemas.openxmlformats.org/drawingml/2006/main" xmlns:r="http://schemas.openxmlformats.org/officeDocument/2006/relationships" xmlns:p="http://schemas.openxmlformats.org/presentationml/2006/main">
   <p:cSld>
     <p:spTree>
@@ -16256,7 +17713,7 @@
 </p:sld>
 </file>
 
-<file path=ppt/slides/slide22.xml><?xml version="1.0" encoding="utf-8"?>
+<file path=ppt/slides/slide26.xml><?xml version="1.0" encoding="utf-8"?>
 <p:sld xmlns:a="http://schemas.openxmlformats.org/drawingml/2006/main" xmlns:r="http://schemas.openxmlformats.org/officeDocument/2006/relationships" xmlns:p="http://schemas.openxmlformats.org/presentationml/2006/main">
   <p:cSld>
     <p:spTree>
@@ -16361,7 +17818,7 @@
 </p:sld>
 </file>
 
-<file path=ppt/slides/slide23.xml><?xml version="1.0" encoding="utf-8"?>
+<file path=ppt/slides/slide27.xml><?xml version="1.0" encoding="utf-8"?>
 <p:sld xmlns:a="http://schemas.openxmlformats.org/drawingml/2006/main" xmlns:r="http://schemas.openxmlformats.org/officeDocument/2006/relationships" xmlns:p="http://schemas.openxmlformats.org/presentationml/2006/main">
   <p:cSld>
     <p:spTree>
@@ -16622,6 +18079,507 @@
         </p:nvSpPr>
         <p:spPr>
           <a:xfrm>
+            <a:off x="1043490" y="740929"/>
+            <a:ext cx="6647436" cy="723287"/>
+          </a:xfrm>
+        </p:spPr>
+        <p:txBody>
+          <a:bodyPr>
+            <a:normAutofit/>
+          </a:bodyPr>
+          <a:lstStyle/>
+          <a:p>
+            <a:r>
+              <a:rPr lang="en-US" sz="3200" dirty="0" smtClean="0"/>
+              <a:t>Introduction</a:t>
+            </a:r>
+            <a:endParaRPr lang="en-US" sz="3200" dirty="0"/>
+          </a:p>
+        </p:txBody>
+      </p:sp>
+      <p:sp>
+        <p:nvSpPr>
+          <p:cNvPr id="3" name="Content Placeholder 2"/>
+          <p:cNvSpPr>
+            <a:spLocks noGrp="1"/>
+          </p:cNvSpPr>
+          <p:nvPr>
+            <p:ph idx="1"/>
+          </p:nvPr>
+        </p:nvSpPr>
+        <p:spPr>
+          <a:xfrm>
+            <a:off x="1043492" y="1464216"/>
+            <a:ext cx="6777317" cy="4368413"/>
+          </a:xfrm>
+        </p:spPr>
+        <p:txBody>
+          <a:bodyPr>
+            <a:normAutofit fontScale="92500" lnSpcReduction="10000"/>
+          </a:bodyPr>
+          <a:lstStyle/>
+          <a:p>
+            <a:r>
+              <a:rPr lang="en-US" dirty="0"/>
+              <a:t>Spring started as a lightweight alternative to Java Enterprise </a:t>
+            </a:r>
+            <a:r>
+              <a:rPr lang="en-US" dirty="0" smtClean="0"/>
+              <a:t>Edition (using EJBs).</a:t>
+            </a:r>
+            <a:endParaRPr lang="en-US" dirty="0" smtClean="0"/>
+          </a:p>
+          <a:p>
+            <a:r>
+              <a:rPr lang="en-US" dirty="0" smtClean="0"/>
+              <a:t>Spring </a:t>
+            </a:r>
+            <a:r>
+              <a:rPr lang="en-US" dirty="0"/>
+              <a:t>offered a simpler approach to enterprise Java development, utilizing dependency injection and aspect-oriented programming to achieve the capabilities of EJB with plain old Java objects </a:t>
+            </a:r>
+            <a:r>
+              <a:rPr lang="en-US" sz="1900" dirty="0"/>
+              <a:t>(POJOs)</a:t>
+            </a:r>
+            <a:r>
+              <a:rPr lang="en-US" sz="1900" dirty="0" smtClean="0"/>
+              <a:t>.</a:t>
+            </a:r>
+            <a:endParaRPr lang="en-US" dirty="0" smtClean="0"/>
+          </a:p>
+          <a:p>
+            <a:r>
+              <a:rPr lang="en-US" dirty="0"/>
+              <a:t>Spring 2.5 introduced annotation-based component-scanning, which eliminated a great </a:t>
+            </a:r>
+            <a:r>
+              <a:rPr lang="en-US" dirty="0" smtClean="0"/>
+              <a:t>deal </a:t>
+            </a:r>
+            <a:r>
+              <a:rPr lang="en-US" dirty="0"/>
+              <a:t>of explicit XML configuration for an application’s own components. And Spring 3.0 introduced a Java-based configuration </a:t>
+            </a:r>
+            <a:r>
+              <a:rPr lang="en-US" dirty="0" smtClean="0"/>
+              <a:t>as </a:t>
+            </a:r>
+            <a:r>
+              <a:rPr lang="en-US" dirty="0"/>
+              <a:t>a type-safe and refactorable option to XML.</a:t>
+            </a:r>
+          </a:p>
+        </p:txBody>
+      </p:sp>
+    </p:spTree>
+    <p:extLst>
+      <p:ext uri="{BB962C8B-B14F-4D97-AF65-F5344CB8AC3E}">
+        <p14:creationId xmlns:p14="http://schemas.microsoft.com/office/powerpoint/2010/main" val="4124542797"/>
+      </p:ext>
+    </p:extLst>
+  </p:cSld>
+  <p:clrMapOvr>
+    <a:masterClrMapping/>
+  </p:clrMapOvr>
+  <p:timing>
+    <p:tnLst>
+      <p:par>
+        <p:cTn xmlns:p14="http://schemas.microsoft.com/office/powerpoint/2010/main" id="1" dur="indefinite" restart="never" nodeType="tmRoot"/>
+      </p:par>
+    </p:tnLst>
+  </p:timing>
+</p:sld>
+</file>
+
+<file path=ppt/slides/slide4.xml><?xml version="1.0" encoding="utf-8"?>
+<p:sld xmlns:a="http://schemas.openxmlformats.org/drawingml/2006/main" xmlns:r="http://schemas.openxmlformats.org/officeDocument/2006/relationships" xmlns:p="http://schemas.openxmlformats.org/presentationml/2006/main">
+  <p:cSld>
+    <p:spTree>
+      <p:nvGrpSpPr>
+        <p:cNvPr id="1" name=""/>
+        <p:cNvGrpSpPr/>
+        <p:nvPr/>
+      </p:nvGrpSpPr>
+      <p:grpSpPr>
+        <a:xfrm>
+          <a:off x="0" y="0"/>
+          <a:ext cx="0" cy="0"/>
+          <a:chOff x="0" y="0"/>
+          <a:chExt cx="0" cy="0"/>
+        </a:xfrm>
+      </p:grpSpPr>
+      <p:pic>
+        <p:nvPicPr>
+          <p:cNvPr id="4" name="Content Placeholder 3"/>
+          <p:cNvPicPr>
+            <a:picLocks noGrp="1" noChangeAspect="1"/>
+          </p:cNvPicPr>
+          <p:nvPr>
+            <p:ph idx="1"/>
+          </p:nvPr>
+        </p:nvPicPr>
+        <p:blipFill>
+          <a:blip r:embed="rId2"/>
+          <a:srcRect l="-11068" r="-11068"/>
+          <a:stretch>
+            <a:fillRect/>
+          </a:stretch>
+        </p:blipFill>
+        <p:spPr>
+          <a:xfrm>
+            <a:off x="1043492" y="740929"/>
+            <a:ext cx="7712576" cy="5091701"/>
+          </a:xfrm>
+        </p:spPr>
+      </p:pic>
+    </p:spTree>
+    <p:extLst>
+      <p:ext uri="{BB962C8B-B14F-4D97-AF65-F5344CB8AC3E}">
+        <p14:creationId xmlns:p14="http://schemas.microsoft.com/office/powerpoint/2010/main" val="3918846124"/>
+      </p:ext>
+    </p:extLst>
+  </p:cSld>
+  <p:clrMapOvr>
+    <a:masterClrMapping/>
+  </p:clrMapOvr>
+  <p:timing>
+    <p:tnLst>
+      <p:par>
+        <p:cTn xmlns:p14="http://schemas.microsoft.com/office/powerpoint/2010/main" id="1" dur="indefinite" restart="never" nodeType="tmRoot"/>
+      </p:par>
+    </p:tnLst>
+  </p:timing>
+</p:sld>
+</file>
+
+<file path=ppt/slides/slide5.xml><?xml version="1.0" encoding="utf-8"?>
+<p:sld xmlns:a="http://schemas.openxmlformats.org/drawingml/2006/main" xmlns:r="http://schemas.openxmlformats.org/officeDocument/2006/relationships" xmlns:p="http://schemas.openxmlformats.org/presentationml/2006/main">
+  <p:cSld>
+    <p:spTree>
+      <p:nvGrpSpPr>
+        <p:cNvPr id="1" name=""/>
+        <p:cNvGrpSpPr/>
+        <p:nvPr/>
+      </p:nvGrpSpPr>
+      <p:grpSpPr>
+        <a:xfrm>
+          <a:off x="0" y="0"/>
+          <a:ext cx="0" cy="0"/>
+          <a:chOff x="0" y="0"/>
+          <a:chExt cx="0" cy="0"/>
+        </a:xfrm>
+      </p:grpSpPr>
+      <p:sp>
+        <p:nvSpPr>
+          <p:cNvPr id="2" name="Title 1"/>
+          <p:cNvSpPr>
+            <a:spLocks noGrp="1"/>
+          </p:cNvSpPr>
+          <p:nvPr>
+            <p:ph type="title"/>
+          </p:nvPr>
+        </p:nvSpPr>
+        <p:spPr>
+          <a:xfrm>
+            <a:off x="1043490" y="635079"/>
+            <a:ext cx="6777319" cy="599801"/>
+          </a:xfrm>
+        </p:spPr>
+        <p:txBody>
+          <a:bodyPr>
+            <a:normAutofit/>
+          </a:bodyPr>
+          <a:lstStyle/>
+          <a:p>
+            <a:r>
+              <a:rPr lang="en-US" sz="2800" dirty="0" smtClean="0"/>
+              <a:t>Spring as an integration framework</a:t>
+            </a:r>
+            <a:endParaRPr lang="en-US" sz="2800" dirty="0"/>
+          </a:p>
+        </p:txBody>
+      </p:sp>
+      <p:sp>
+        <p:nvSpPr>
+          <p:cNvPr id="3" name="Content Placeholder 2"/>
+          <p:cNvSpPr>
+            <a:spLocks noGrp="1"/>
+          </p:cNvSpPr>
+          <p:nvPr>
+            <p:ph idx="1"/>
+          </p:nvPr>
+        </p:nvSpPr>
+        <p:spPr>
+          <a:xfrm>
+            <a:off x="1043492" y="1376010"/>
+            <a:ext cx="6777317" cy="4456619"/>
+          </a:xfrm>
+        </p:spPr>
+        <p:txBody>
+          <a:bodyPr>
+            <a:normAutofit/>
+          </a:bodyPr>
+          <a:lstStyle/>
+          <a:p>
+            <a:pPr marL="68580" indent="0">
+              <a:buNone/>
+            </a:pPr>
+            <a:r>
+              <a:rPr lang="en-US" dirty="0" smtClean="0"/>
+              <a:t>Spring has support in different areas</a:t>
+            </a:r>
+            <a:endParaRPr lang="en-US" dirty="0"/>
+          </a:p>
+          <a:p>
+            <a:pPr marL="68580" indent="0">
+              <a:buNone/>
+            </a:pPr>
+            <a:r>
+              <a:rPr lang="en-US" b="1" dirty="0" smtClean="0"/>
+              <a:t>Web Layer</a:t>
+            </a:r>
+            <a:r>
+              <a:rPr lang="en-US" dirty="0" smtClean="0"/>
+              <a:t>:  we can integrate with HTML,JSP, </a:t>
+            </a:r>
+            <a:r>
+              <a:rPr lang="en-US" dirty="0" err="1" smtClean="0"/>
+              <a:t>thymeleaf</a:t>
+            </a:r>
+            <a:r>
+              <a:rPr lang="en-US" dirty="0" smtClean="0"/>
+              <a:t>, velocity, freemarker, tiles etc.</a:t>
+            </a:r>
+          </a:p>
+          <a:p>
+            <a:pPr marL="68580" indent="0">
+              <a:buNone/>
+            </a:pPr>
+            <a:r>
+              <a:rPr lang="en-US" b="1" dirty="0" smtClean="0"/>
+              <a:t>Scripting </a:t>
+            </a:r>
+            <a:r>
+              <a:rPr lang="en-US" dirty="0" smtClean="0"/>
+              <a:t>: groovy, </a:t>
+            </a:r>
+            <a:r>
+              <a:rPr lang="en-US" dirty="0" err="1" smtClean="0"/>
+              <a:t>JRuby</a:t>
+            </a:r>
+            <a:r>
+              <a:rPr lang="en-US" dirty="0" smtClean="0"/>
+              <a:t>, </a:t>
+            </a:r>
+            <a:r>
+              <a:rPr lang="en-US" dirty="0" err="1" smtClean="0"/>
+              <a:t>BeanShell</a:t>
+            </a:r>
+            <a:endParaRPr lang="en-US" dirty="0" smtClean="0"/>
+          </a:p>
+          <a:p>
+            <a:pPr marL="68580" indent="0">
+              <a:buNone/>
+            </a:pPr>
+            <a:r>
+              <a:rPr lang="en-US" b="1" dirty="0" smtClean="0"/>
+              <a:t>Messaging</a:t>
+            </a:r>
+            <a:r>
+              <a:rPr lang="en-US" dirty="0" smtClean="0"/>
+              <a:t>: supports </a:t>
+            </a:r>
+            <a:r>
+              <a:rPr lang="en-US" dirty="0" err="1"/>
+              <a:t>A</a:t>
+            </a:r>
+            <a:r>
+              <a:rPr lang="en-US" dirty="0" err="1" smtClean="0"/>
+              <a:t>ctiveMQ</a:t>
+            </a:r>
+            <a:r>
+              <a:rPr lang="en-US" dirty="0" smtClean="0"/>
+              <a:t>, </a:t>
+            </a:r>
+            <a:r>
+              <a:rPr lang="en-US" dirty="0" err="1" smtClean="0"/>
+              <a:t>RabbitMQ</a:t>
+            </a:r>
+            <a:endParaRPr lang="en-US" dirty="0" smtClean="0"/>
+          </a:p>
+          <a:p>
+            <a:pPr marL="68580" indent="0">
+              <a:buNone/>
+            </a:pPr>
+            <a:r>
+              <a:rPr lang="en-US" b="1" dirty="0" smtClean="0"/>
+              <a:t>Security </a:t>
+            </a:r>
+            <a:r>
+              <a:rPr lang="en-US" dirty="0" smtClean="0"/>
+              <a:t>Method level and Http URLs</a:t>
+            </a:r>
+          </a:p>
+          <a:p>
+            <a:pPr marL="68580" indent="0">
+              <a:buNone/>
+            </a:pPr>
+            <a:r>
+              <a:rPr lang="en-US" b="1" dirty="0" smtClean="0"/>
+              <a:t>ORM</a:t>
+            </a:r>
+            <a:r>
+              <a:rPr lang="en-US" dirty="0" smtClean="0"/>
+              <a:t> : hibernate, </a:t>
+            </a:r>
+            <a:r>
+              <a:rPr lang="en-US" dirty="0" err="1" smtClean="0"/>
+              <a:t>eclipselink</a:t>
+            </a:r>
+            <a:r>
+              <a:rPr lang="en-US" dirty="0" smtClean="0"/>
+              <a:t> with JPA</a:t>
+            </a:r>
+          </a:p>
+          <a:p>
+            <a:pPr marL="68580" indent="0">
+              <a:buNone/>
+            </a:pPr>
+            <a:r>
+              <a:rPr lang="en-US" b="1" dirty="0" err="1" smtClean="0"/>
+              <a:t>NoSQL</a:t>
+            </a:r>
+            <a:r>
+              <a:rPr lang="en-US" dirty="0" smtClean="0"/>
+              <a:t>: supports </a:t>
+            </a:r>
+            <a:r>
+              <a:rPr lang="en-US" dirty="0" err="1" smtClean="0"/>
+              <a:t>MongoDB</a:t>
+            </a:r>
+            <a:r>
+              <a:rPr lang="en-US" dirty="0" smtClean="0"/>
+              <a:t>, elastic search</a:t>
+            </a:r>
+          </a:p>
+          <a:p>
+            <a:pPr marL="68580" indent="0">
+              <a:buNone/>
+            </a:pPr>
+            <a:r>
+              <a:rPr lang="en-US" dirty="0" smtClean="0"/>
+              <a:t>Popular frameworks are also dependent on spring. Ex:</a:t>
+            </a:r>
+            <a:r>
+              <a:rPr lang="en-US" sz="2000" dirty="0" smtClean="0"/>
+              <a:t> </a:t>
+            </a:r>
+            <a:r>
+              <a:rPr lang="en-US" sz="2000" dirty="0"/>
+              <a:t> </a:t>
+            </a:r>
+            <a:r>
+              <a:rPr lang="en-US" sz="2000" b="1" dirty="0" err="1" smtClean="0">
+                <a:solidFill>
+                  <a:schemeClr val="accent3">
+                    <a:lumMod val="75000"/>
+                  </a:schemeClr>
+                </a:solidFill>
+              </a:rPr>
+              <a:t>Hybris</a:t>
+            </a:r>
+            <a:r>
+              <a:rPr lang="en-US" sz="2000" b="1" dirty="0">
+                <a:solidFill>
+                  <a:schemeClr val="accent3">
+                    <a:lumMod val="75000"/>
+                  </a:schemeClr>
+                </a:solidFill>
+              </a:rPr>
+              <a:t>, Mule </a:t>
+            </a:r>
+            <a:r>
+              <a:rPr lang="en-US" sz="2000" b="1" dirty="0" smtClean="0">
+                <a:solidFill>
+                  <a:schemeClr val="accent3">
+                    <a:lumMod val="75000"/>
+                  </a:schemeClr>
+                </a:solidFill>
+              </a:rPr>
+              <a:t>ESB</a:t>
+            </a:r>
+            <a:r>
+              <a:rPr lang="en-US" sz="2000" dirty="0" smtClean="0"/>
+              <a:t>, </a:t>
+            </a:r>
+            <a:r>
+              <a:rPr lang="en-US" sz="2000" dirty="0" err="1" smtClean="0"/>
+              <a:t>Liferay</a:t>
+            </a:r>
+            <a:r>
+              <a:rPr lang="en-US" sz="2000" dirty="0" smtClean="0"/>
+              <a:t>, Magnolia</a:t>
+            </a:r>
+            <a:endParaRPr lang="en-US" dirty="0" smtClean="0"/>
+          </a:p>
+          <a:p>
+            <a:pPr marL="68580" indent="0">
+              <a:buNone/>
+            </a:pPr>
+            <a:endParaRPr lang="en-US" dirty="0"/>
+          </a:p>
+        </p:txBody>
+      </p:sp>
+    </p:spTree>
+    <p:extLst>
+      <p:ext uri="{BB962C8B-B14F-4D97-AF65-F5344CB8AC3E}">
+        <p14:creationId xmlns:p14="http://schemas.microsoft.com/office/powerpoint/2010/main" val="1571841996"/>
+      </p:ext>
+    </p:extLst>
+  </p:cSld>
+  <p:clrMapOvr>
+    <a:masterClrMapping/>
+  </p:clrMapOvr>
+  <p:timing>
+    <p:tnLst>
+      <p:par>
+        <p:cTn xmlns:p14="http://schemas.microsoft.com/office/powerpoint/2010/main" id="1" dur="indefinite" restart="never" nodeType="tmRoot"/>
+      </p:par>
+    </p:tnLst>
+  </p:timing>
+</p:sld>
+</file>
+
+<file path=ppt/slides/slide6.xml><?xml version="1.0" encoding="utf-8"?>
+<p:sld xmlns:a="http://schemas.openxmlformats.org/drawingml/2006/main" xmlns:r="http://schemas.openxmlformats.org/officeDocument/2006/relationships" xmlns:p="http://schemas.openxmlformats.org/presentationml/2006/main">
+  <p:cSld>
+    <p:spTree>
+      <p:nvGrpSpPr>
+        <p:cNvPr id="1" name=""/>
+        <p:cNvGrpSpPr/>
+        <p:nvPr/>
+      </p:nvGrpSpPr>
+      <p:grpSpPr>
+        <a:xfrm>
+          <a:off x="0" y="0"/>
+          <a:ext cx="0" cy="0"/>
+          <a:chOff x="0" y="0"/>
+          <a:chExt cx="0" cy="0"/>
+        </a:xfrm>
+      </p:grpSpPr>
+      <p:sp>
+        <p:nvSpPr>
+          <p:cNvPr id="2" name="Title 1"/>
+          <p:cNvSpPr>
+            <a:spLocks noGrp="1"/>
+          </p:cNvSpPr>
+          <p:nvPr>
+            <p:ph type="title"/>
+          </p:nvPr>
+        </p:nvSpPr>
+        <p:spPr>
+          <a:xfrm>
             <a:off x="1043490" y="723287"/>
             <a:ext cx="7024744" cy="740929"/>
           </a:xfrm>
@@ -16754,7 +18712,6 @@
               <a:rPr lang="en-US" dirty="0"/>
               <a:t>)</a:t>
             </a:r>
-            <a:endParaRPr lang="en-US" dirty="0"/>
           </a:p>
         </p:txBody>
       </p:sp>
@@ -16778,7 +18735,7 @@
 </p:sld>
 </file>
 
-<file path=ppt/slides/slide4.xml><?xml version="1.0" encoding="utf-8"?>
+<file path=ppt/slides/slide7.xml><?xml version="1.0" encoding="utf-8"?>
 <p:sld xmlns:a="http://schemas.openxmlformats.org/drawingml/2006/main" xmlns:r="http://schemas.openxmlformats.org/officeDocument/2006/relationships" xmlns:p="http://schemas.openxmlformats.org/presentationml/2006/main">
   <p:cSld>
     <p:spTree>
@@ -16847,86 +18804,54 @@
           </a:bodyPr>
           <a:lstStyle/>
           <a:p>
-            <a:endParaRPr lang="en-US" b="1" dirty="0" smtClean="0"/>
-          </a:p>
-          <a:p>
             <a:pPr marL="68580" indent="0">
               <a:buNone/>
             </a:pPr>
             <a:r>
-              <a:rPr lang="en-US" sz="4300" b="1" dirty="0" smtClean="0"/>
-              <a:t>Spring follows </a:t>
-            </a:r>
-            <a:r>
-              <a:rPr lang="en-US" sz="4300" b="1" dirty="0" err="1" smtClean="0"/>
-              <a:t>Ioc</a:t>
-            </a:r>
-            <a:r>
-              <a:rPr lang="en-US" sz="4300" b="1" dirty="0" smtClean="0"/>
-              <a:t> </a:t>
-            </a:r>
-            <a:r>
-              <a:rPr lang="en-US" sz="4300" b="1" dirty="0" err="1" smtClean="0"/>
-              <a:t>Priciple</a:t>
-            </a:r>
-            <a:r>
-              <a:rPr lang="en-US" sz="4300" b="1" dirty="0" smtClean="0"/>
-              <a:t> and implements its container.</a:t>
+              <a:rPr lang="en-US" sz="7400" b="1" dirty="0" smtClean="0"/>
+              <a:t>There </a:t>
+            </a:r>
+            <a:r>
+              <a:rPr lang="en-US" sz="7400" b="1" dirty="0" smtClean="0"/>
+              <a:t>are two types of containers</a:t>
             </a:r>
           </a:p>
           <a:p>
             <a:pPr marL="68580" indent="0">
               <a:buNone/>
             </a:pPr>
-            <a:endParaRPr lang="en-US" sz="4300" b="1" dirty="0" smtClean="0"/>
-          </a:p>
-          <a:p>
-            <a:pPr marL="68580" indent="0">
-              <a:buNone/>
-            </a:pPr>
-            <a:endParaRPr lang="en-US" sz="4300" b="1" dirty="0"/>
-          </a:p>
-          <a:p>
-            <a:pPr marL="68580" indent="0">
-              <a:buNone/>
-            </a:pPr>
-            <a:r>
-              <a:rPr lang="en-US" sz="4300" b="1" dirty="0" smtClean="0"/>
-              <a:t>There are two types of containers</a:t>
-            </a:r>
-          </a:p>
-          <a:p>
-            <a:pPr marL="68580" indent="0">
-              <a:buNone/>
-            </a:pPr>
-            <a:endParaRPr lang="en-US" sz="4300" b="1" dirty="0" smtClean="0"/>
-          </a:p>
-          <a:p>
-            <a:r>
-              <a:rPr lang="en-US" sz="4300" b="1" dirty="0" err="1" smtClean="0"/>
+            <a:endParaRPr lang="en-US" sz="5500" b="1" dirty="0" smtClean="0"/>
+          </a:p>
+          <a:p>
+            <a:r>
+              <a:rPr lang="en-US" sz="5500" b="1" dirty="0" err="1" smtClean="0"/>
               <a:t>BeanFactory</a:t>
             </a:r>
             <a:r>
-              <a:rPr lang="en-US" sz="4300" dirty="0" smtClean="0"/>
+              <a:rPr lang="en-US" sz="5500" dirty="0" smtClean="0"/>
               <a:t> </a:t>
             </a:r>
             <a:r>
-              <a:rPr lang="en-US" sz="4300" dirty="0"/>
-              <a:t>Container: This is the simplest container providing basic support for </a:t>
-            </a:r>
-            <a:r>
-              <a:rPr lang="en-US" sz="4300" dirty="0" smtClean="0"/>
+              <a:rPr lang="en-US" sz="5500" b="1" dirty="0"/>
+              <a:t>Container</a:t>
+            </a:r>
+            <a:r>
+              <a:rPr lang="en-US" sz="5500" dirty="0"/>
+              <a:t>: This is the simplest container providing basic support for </a:t>
+            </a:r>
+            <a:r>
+              <a:rPr lang="en-US" sz="5500" dirty="0" smtClean="0"/>
               <a:t>DI.</a:t>
             </a:r>
             <a:r>
-              <a:rPr lang="en-US" sz="4300" dirty="0" smtClean="0">
+              <a:rPr lang="en-US" sz="5500" dirty="0" smtClean="0">
                 <a:solidFill>
                   <a:srgbClr val="FF0000"/>
                 </a:solidFill>
               </a:rPr>
-              <a:t> It creates beans on demands</a:t>
-            </a:r>
-            <a:endParaRPr lang="en-US" sz="4300" dirty="0" smtClean="0">
+              <a:t> </a:t>
+            </a:r>
+            <a:endParaRPr lang="en-US" sz="5500" dirty="0" smtClean="0">
               <a:solidFill>
                 <a:srgbClr val="FF0000"/>
               </a:solidFill>
@@ -16936,83 +18861,107 @@
             <a:pPr marL="68580" indent="0">
               <a:buNone/>
             </a:pPr>
-            <a:endParaRPr lang="en-US" sz="4300" dirty="0" smtClean="0"/>
-          </a:p>
-          <a:p>
-            <a:r>
-              <a:rPr lang="en-US" sz="4300" b="1" dirty="0" err="1" smtClean="0"/>
-              <a:t>ApplicationContext</a:t>
-            </a:r>
-            <a:r>
-              <a:rPr lang="en-US" sz="4300" dirty="0"/>
-              <a:t> Container</a:t>
-            </a:r>
-            <a:r>
-              <a:rPr lang="en-US" sz="4300" dirty="0" smtClean="0"/>
-              <a:t>: This </a:t>
-            </a:r>
-            <a:r>
-              <a:rPr lang="en-US" sz="4300" dirty="0"/>
-              <a:t>container adds more enterprise-specific functionality such as the ability to resolve textual messages from a properties file and the ability to publish application events to interested event listeners. </a:t>
-            </a:r>
-            <a:endParaRPr lang="en-US" sz="4300" dirty="0" smtClean="0"/>
-          </a:p>
-          <a:p>
-            <a:pPr marL="68580" indent="0">
-              <a:buNone/>
-            </a:pPr>
-            <a:r>
-              <a:rPr lang="en-US" sz="4300" dirty="0"/>
-              <a:t> </a:t>
-            </a:r>
-            <a:r>
-              <a:rPr lang="en-US" sz="4300" dirty="0" smtClean="0"/>
-              <a:t>   </a:t>
-            </a:r>
-            <a:r>
-              <a:rPr lang="en-US" sz="4300" dirty="0" smtClean="0">
+            <a:r>
+              <a:rPr lang="en-US" sz="5500" dirty="0">
                 <a:solidFill>
                   <a:srgbClr val="FF0000"/>
                 </a:solidFill>
               </a:rPr>
-              <a:t> It creates beans upon starting the application.</a:t>
-            </a:r>
-            <a:endParaRPr lang="en-US" sz="4300" dirty="0" smtClean="0">
+              <a:t> </a:t>
+            </a:r>
+            <a:r>
+              <a:rPr lang="en-US" sz="5500" dirty="0" smtClean="0">
+                <a:solidFill>
+                  <a:srgbClr val="FF0000"/>
+                </a:solidFill>
+              </a:rPr>
+              <a:t>   </a:t>
+            </a:r>
+            <a:r>
+              <a:rPr lang="en-US" sz="5500" dirty="0" smtClean="0">
+                <a:solidFill>
+                  <a:srgbClr val="FF0000"/>
+                </a:solidFill>
+              </a:rPr>
+              <a:t>It </a:t>
+            </a:r>
+            <a:r>
+              <a:rPr lang="en-US" sz="5500" dirty="0" smtClean="0">
+                <a:solidFill>
+                  <a:srgbClr val="FF0000"/>
+                </a:solidFill>
+              </a:rPr>
+              <a:t>creates beans on </a:t>
+            </a:r>
+            <a:r>
+              <a:rPr lang="en-US" sz="5500" dirty="0" smtClean="0">
+                <a:solidFill>
+                  <a:srgbClr val="FF0000"/>
+                </a:solidFill>
+              </a:rPr>
+              <a:t>demand.</a:t>
+            </a:r>
+          </a:p>
+          <a:p>
+            <a:pPr marL="68580" indent="0">
+              <a:buNone/>
+            </a:pPr>
+            <a:endParaRPr lang="en-US" sz="5500" dirty="0" smtClean="0"/>
+          </a:p>
+          <a:p>
+            <a:r>
+              <a:rPr lang="en-US" sz="5500" b="1" dirty="0" err="1" smtClean="0"/>
+              <a:t>ApplicationContext</a:t>
+            </a:r>
+            <a:r>
+              <a:rPr lang="en-US" sz="5500" dirty="0"/>
+              <a:t> </a:t>
+            </a:r>
+            <a:r>
+              <a:rPr lang="en-US" sz="5500" b="1" dirty="0"/>
+              <a:t>Container</a:t>
+            </a:r>
+            <a:r>
+              <a:rPr lang="en-US" sz="5500" dirty="0" smtClean="0"/>
+              <a:t>: This </a:t>
+            </a:r>
+            <a:r>
+              <a:rPr lang="en-US" sz="5500" dirty="0"/>
+              <a:t>container adds more enterprise-specific functionality such as the ability to resolve textual messages from a properties file and the ability to publish application events to interested event listeners. </a:t>
+            </a:r>
+            <a:r>
+              <a:rPr lang="en-US" sz="5500" dirty="0"/>
+              <a:t> </a:t>
+            </a:r>
+            <a:r>
+              <a:rPr lang="en-US" sz="5500" dirty="0" smtClean="0">
+                <a:solidFill>
+                  <a:srgbClr val="FF0000"/>
+                </a:solidFill>
+              </a:rPr>
+              <a:t>It </a:t>
+            </a:r>
+            <a:r>
+              <a:rPr lang="en-US" sz="5500" dirty="0" smtClean="0">
+                <a:solidFill>
+                  <a:srgbClr val="FF0000"/>
+                </a:solidFill>
+              </a:rPr>
+              <a:t>creates beans upon starting the application</a:t>
+            </a:r>
+            <a:r>
+              <a:rPr lang="en-US" sz="5500" dirty="0" smtClean="0">
+                <a:solidFill>
+                  <a:srgbClr val="FF0000"/>
+                </a:solidFill>
+              </a:rPr>
+              <a:t>.</a:t>
+            </a:r>
+            <a:endParaRPr lang="en-US" sz="5500" dirty="0" smtClean="0">
               <a:solidFill>
                 <a:srgbClr val="FF0000"/>
               </a:solidFill>
             </a:endParaRPr>
-          </a:p>
-          <a:p>
-            <a:pPr marL="68580" indent="0">
-              <a:buNone/>
-            </a:pPr>
-            <a:endParaRPr lang="en-US" sz="4300" dirty="0"/>
-          </a:p>
-          <a:p>
-            <a:pPr marL="68580" indent="0">
-              <a:buNone/>
-            </a:pPr>
-            <a:endParaRPr lang="en-US" sz="4300" b="1" u="sng" dirty="0" smtClean="0"/>
-          </a:p>
-          <a:p>
-            <a:pPr marL="68580" indent="0">
-              <a:buNone/>
-            </a:pPr>
-            <a:r>
-              <a:rPr lang="en-US" sz="4300" dirty="0" smtClean="0"/>
-              <a:t> </a:t>
-            </a:r>
-            <a:endParaRPr lang="en-US" sz="4300" dirty="0"/>
-          </a:p>
-          <a:p>
-            <a:pPr marL="68580" indent="0">
-              <a:buNone/>
-            </a:pPr>
-            <a:r>
-              <a:rPr lang="en-US" dirty="0"/>
-              <a:t> </a:t>
-            </a:r>
           </a:p>
         </p:txBody>
       </p:sp>
@@ -17036,7 +18985,7 @@
 </p:sld>
 </file>
 
-<file path=ppt/slides/slide5.xml><?xml version="1.0" encoding="utf-8"?>
+<file path=ppt/slides/slide8.xml><?xml version="1.0" encoding="utf-8"?>
 <p:sld xmlns:a="http://schemas.openxmlformats.org/drawingml/2006/main" xmlns:r="http://schemas.openxmlformats.org/officeDocument/2006/relationships" xmlns:p="http://schemas.openxmlformats.org/presentationml/2006/main">
   <p:cSld>
     <p:spTree>
@@ -17127,7 +19076,7 @@
 </p:sld>
 </file>
 
-<file path=ppt/slides/slide6.xml><?xml version="1.0" encoding="utf-8"?>
+<file path=ppt/slides/slide9.xml><?xml version="1.0" encoding="utf-8"?>
 <p:sld xmlns:a="http://schemas.openxmlformats.org/drawingml/2006/main" xmlns:r="http://schemas.openxmlformats.org/officeDocument/2006/relationships" xmlns:p="http://schemas.openxmlformats.org/presentationml/2006/main">
   <p:cSld>
     <p:spTree>
@@ -17202,1059 +19151,6 @@
     <p:extLst>
       <p:ext uri="{BB962C8B-B14F-4D97-AF65-F5344CB8AC3E}">
         <p14:creationId xmlns:p14="http://schemas.microsoft.com/office/powerpoint/2010/main" val="3970381856"/>
-      </p:ext>
-    </p:extLst>
-  </p:cSld>
-  <p:clrMapOvr>
-    <a:masterClrMapping/>
-  </p:clrMapOvr>
-  <p:timing>
-    <p:tnLst>
-      <p:par>
-        <p:cTn xmlns:p14="http://schemas.microsoft.com/office/powerpoint/2010/main" id="1" dur="indefinite" restart="never" nodeType="tmRoot"/>
-      </p:par>
-    </p:tnLst>
-  </p:timing>
-</p:sld>
-</file>
-
-<file path=ppt/slides/slide7.xml><?xml version="1.0" encoding="utf-8"?>
-<p:sld xmlns:a="http://schemas.openxmlformats.org/drawingml/2006/main" xmlns:r="http://schemas.openxmlformats.org/officeDocument/2006/relationships" xmlns:p="http://schemas.openxmlformats.org/presentationml/2006/main">
-  <p:cSld>
-    <p:spTree>
-      <p:nvGrpSpPr>
-        <p:cNvPr id="1" name=""/>
-        <p:cNvGrpSpPr/>
-        <p:nvPr/>
-      </p:nvGrpSpPr>
-      <p:grpSpPr>
-        <a:xfrm>
-          <a:off x="0" y="0"/>
-          <a:ext cx="0" cy="0"/>
-          <a:chOff x="0" y="0"/>
-          <a:chExt cx="0" cy="0"/>
-        </a:xfrm>
-      </p:grpSpPr>
-      <p:sp>
-        <p:nvSpPr>
-          <p:cNvPr id="2" name="Title 1"/>
-          <p:cNvSpPr>
-            <a:spLocks noGrp="1"/>
-          </p:cNvSpPr>
-          <p:nvPr>
-            <p:ph type="title"/>
-          </p:nvPr>
-        </p:nvSpPr>
-        <p:spPr>
-          <a:xfrm>
-            <a:off x="1089024" y="274637"/>
-            <a:ext cx="7272339" cy="709919"/>
-          </a:xfrm>
-        </p:spPr>
-        <p:txBody>
-          <a:bodyPr/>
-          <a:lstStyle/>
-          <a:p>
-            <a:r>
-              <a:rPr lang="en-US" sz="2400" dirty="0" smtClean="0"/>
-              <a:t>Spring Bean Lifecycle</a:t>
-            </a:r>
-            <a:endParaRPr lang="en-US" sz="2400" dirty="0"/>
-          </a:p>
-        </p:txBody>
-      </p:sp>
-      <p:sp>
-        <p:nvSpPr>
-          <p:cNvPr id="3" name="Content Placeholder 2"/>
-          <p:cNvSpPr>
-            <a:spLocks noGrp="1"/>
-          </p:cNvSpPr>
-          <p:nvPr>
-            <p:ph idx="1"/>
-          </p:nvPr>
-        </p:nvSpPr>
-        <p:spPr>
-          <a:xfrm>
-            <a:off x="1089024" y="984556"/>
-            <a:ext cx="7272339" cy="5141607"/>
-          </a:xfrm>
-        </p:spPr>
-        <p:txBody>
-          <a:bodyPr/>
-          <a:lstStyle/>
-          <a:p>
-            <a:r>
-              <a:rPr lang="en-US" sz="1600" b="1" dirty="0" smtClean="0"/>
-              <a:t>Unlike normal java beans spring has various life cycle phases in which we can enhance spring bean.</a:t>
-            </a:r>
-          </a:p>
-          <a:p>
-            <a:pPr lvl="1"/>
-            <a:r>
-              <a:rPr lang="en-US" sz="1600" b="1" dirty="0" smtClean="0"/>
-              <a:t>Instantiation</a:t>
-            </a:r>
-            <a:r>
-              <a:rPr lang="en-US" sz="1600" dirty="0" smtClean="0"/>
-              <a:t>: instantiation of the bean</a:t>
-            </a:r>
-          </a:p>
-          <a:p>
-            <a:pPr lvl="1"/>
-            <a:r>
-              <a:rPr lang="en-US" sz="1600" b="1" dirty="0" smtClean="0"/>
-              <a:t>Populates properties</a:t>
-            </a:r>
-            <a:r>
-              <a:rPr lang="en-US" sz="1600" dirty="0" smtClean="0"/>
-              <a:t>: spring inject the properties and other object references.</a:t>
-            </a:r>
-          </a:p>
-          <a:p>
-            <a:pPr lvl="1"/>
-            <a:r>
-              <a:rPr lang="en-US" sz="1600" b="1" dirty="0" smtClean="0"/>
-              <a:t>Interface </a:t>
-            </a:r>
-            <a:r>
-              <a:rPr lang="en-US" sz="1600" b="1" dirty="0" err="1" smtClean="0"/>
-              <a:t>BeanNameAware</a:t>
-            </a:r>
-            <a:r>
-              <a:rPr lang="en-US" sz="1600" dirty="0" smtClean="0"/>
-              <a:t> : </a:t>
-            </a:r>
-            <a:r>
-              <a:rPr lang="en-US" sz="1600" dirty="0" err="1" smtClean="0"/>
-              <a:t>setBeanName</a:t>
-            </a:r>
-            <a:r>
-              <a:rPr lang="en-US" sz="1600" dirty="0" smtClean="0"/>
-              <a:t> method</a:t>
-            </a:r>
-          </a:p>
-          <a:p>
-            <a:pPr lvl="1"/>
-            <a:r>
-              <a:rPr lang="en-US" sz="1600" b="1" dirty="0" smtClean="0"/>
-              <a:t>Interface </a:t>
-            </a:r>
-            <a:r>
-              <a:rPr lang="en-US" sz="1600" b="1" dirty="0" err="1" smtClean="0"/>
-              <a:t>BeanFactoryAware</a:t>
-            </a:r>
-            <a:r>
-              <a:rPr lang="en-US" sz="1600" dirty="0" smtClean="0"/>
-              <a:t> :</a:t>
-            </a:r>
-            <a:r>
-              <a:rPr lang="en-US" sz="1600" dirty="0" err="1" smtClean="0"/>
-              <a:t>setBeanFactory</a:t>
-            </a:r>
-            <a:r>
-              <a:rPr lang="en-US" sz="1600" dirty="0" smtClean="0"/>
-              <a:t> method </a:t>
-            </a:r>
-          </a:p>
-          <a:p>
-            <a:pPr lvl="1"/>
-            <a:r>
-              <a:rPr lang="en-US" sz="1600" b="1" dirty="0" smtClean="0"/>
-              <a:t>Interface </a:t>
-            </a:r>
-            <a:r>
-              <a:rPr lang="en-US" sz="1600" b="1" dirty="0" err="1" smtClean="0"/>
-              <a:t>ApplicationContextAware</a:t>
-            </a:r>
-            <a:r>
-              <a:rPr lang="en-US" sz="1600" dirty="0" smtClean="0"/>
-              <a:t>: </a:t>
-            </a:r>
-            <a:r>
-              <a:rPr lang="en-US" sz="1600" dirty="0" err="1" smtClean="0"/>
-              <a:t>setApplicationContext</a:t>
-            </a:r>
-            <a:r>
-              <a:rPr lang="en-US" sz="1600" dirty="0" smtClean="0"/>
-              <a:t> method</a:t>
-            </a:r>
-          </a:p>
-          <a:p>
-            <a:pPr lvl="1"/>
-            <a:r>
-              <a:rPr lang="en-US" sz="1600" b="1" dirty="0" smtClean="0"/>
-              <a:t>Pre-initialization of </a:t>
-            </a:r>
-            <a:r>
-              <a:rPr lang="en-US" sz="1600" b="1" dirty="0" err="1" smtClean="0"/>
-              <a:t>BeanPostProcessor</a:t>
-            </a:r>
-            <a:endParaRPr lang="en-US" sz="1600" b="1" dirty="0" smtClean="0"/>
-          </a:p>
-          <a:p>
-            <a:pPr lvl="1"/>
-            <a:r>
-              <a:rPr lang="en-US" sz="1600" b="1" dirty="0" smtClean="0">
-                <a:solidFill>
-                  <a:srgbClr val="D77C01"/>
-                </a:solidFill>
-              </a:rPr>
-              <a:t>Interface </a:t>
-            </a:r>
-            <a:r>
-              <a:rPr lang="en-US" sz="1600" b="1" dirty="0" err="1" smtClean="0">
-                <a:solidFill>
-                  <a:srgbClr val="D77C01"/>
-                </a:solidFill>
-              </a:rPr>
-              <a:t>InitializingBean</a:t>
-            </a:r>
-            <a:r>
-              <a:rPr lang="en-US" sz="1600" b="1" dirty="0" smtClean="0">
-                <a:solidFill>
-                  <a:srgbClr val="D77C01"/>
-                </a:solidFill>
-              </a:rPr>
-              <a:t> : </a:t>
-            </a:r>
-            <a:r>
-              <a:rPr lang="en-US" sz="1600" b="1" dirty="0" err="1" smtClean="0">
-                <a:solidFill>
-                  <a:srgbClr val="D77C01"/>
-                </a:solidFill>
-              </a:rPr>
-              <a:t>afterPropertiesSet</a:t>
-            </a:r>
-            <a:r>
-              <a:rPr lang="en-US" sz="1600" b="1" dirty="0" smtClean="0">
-                <a:solidFill>
-                  <a:srgbClr val="D77C01"/>
-                </a:solidFill>
-              </a:rPr>
-              <a:t> </a:t>
-            </a:r>
-          </a:p>
-          <a:p>
-            <a:pPr lvl="1"/>
-            <a:r>
-              <a:rPr lang="en-US" sz="1600" b="1" dirty="0" smtClean="0"/>
-              <a:t>Custom </a:t>
-            </a:r>
-            <a:r>
-              <a:rPr lang="en-US" sz="1600" b="1" dirty="0" err="1" smtClean="0"/>
-              <a:t>init</a:t>
-            </a:r>
-            <a:r>
-              <a:rPr lang="en-US" sz="1600" b="1" dirty="0" smtClean="0"/>
-              <a:t> method:  incase any custom </a:t>
-            </a:r>
-            <a:r>
-              <a:rPr lang="en-US" sz="1600" b="1" dirty="0" err="1" smtClean="0"/>
-              <a:t>init</a:t>
-            </a:r>
-            <a:r>
-              <a:rPr lang="en-US" sz="1600" b="1" dirty="0" smtClean="0"/>
-              <a:t> methods</a:t>
-            </a:r>
-          </a:p>
-          <a:p>
-            <a:pPr lvl="1"/>
-            <a:r>
-              <a:rPr lang="en-US" sz="1600" b="1" dirty="0" smtClean="0"/>
-              <a:t>Post initialization of </a:t>
-            </a:r>
-            <a:r>
-              <a:rPr lang="en-US" sz="1600" b="1" dirty="0" err="1" smtClean="0"/>
-              <a:t>BeanPostProcessor</a:t>
-            </a:r>
-            <a:endParaRPr lang="en-US" sz="1600" b="1" dirty="0" smtClean="0"/>
-          </a:p>
-          <a:p>
-            <a:pPr marL="365760" lvl="1" indent="0">
-              <a:buNone/>
-            </a:pPr>
-            <a:r>
-              <a:rPr lang="en-US" sz="1600" dirty="0" smtClean="0"/>
-              <a:t>	&lt;&lt;&lt;&lt;&lt;&lt;&lt;  BEAN IS READ TO USE &gt;&gt;&gt;&gt;&gt;&gt;&gt;</a:t>
-            </a:r>
-          </a:p>
-          <a:p>
-            <a:pPr lvl="1"/>
-            <a:r>
-              <a:rPr lang="en-US" sz="1600" b="1" dirty="0" smtClean="0">
-                <a:solidFill>
-                  <a:srgbClr val="D77C01"/>
-                </a:solidFill>
-              </a:rPr>
-              <a:t>Interface </a:t>
-            </a:r>
-            <a:r>
-              <a:rPr lang="en-US" sz="1600" b="1" dirty="0" err="1" smtClean="0">
-                <a:solidFill>
-                  <a:srgbClr val="D77C01"/>
-                </a:solidFill>
-              </a:rPr>
-              <a:t>DisposableBean</a:t>
-            </a:r>
-            <a:r>
-              <a:rPr lang="en-US" sz="1600" b="1" dirty="0" smtClean="0">
-                <a:solidFill>
-                  <a:srgbClr val="D77C01"/>
-                </a:solidFill>
-              </a:rPr>
-              <a:t> : destroy method</a:t>
-            </a:r>
-          </a:p>
-          <a:p>
-            <a:pPr lvl="1"/>
-            <a:r>
-              <a:rPr lang="en-US" sz="1600" b="1" dirty="0" smtClean="0"/>
-              <a:t>Custom Destroy methods </a:t>
-            </a:r>
-          </a:p>
-          <a:p>
-            <a:pPr marL="0" indent="0">
-              <a:buNone/>
-            </a:pPr>
-            <a:endParaRPr lang="en-US" dirty="0"/>
-          </a:p>
-        </p:txBody>
-      </p:sp>
-    </p:spTree>
-    <p:extLst>
-      <p:ext uri="{BB962C8B-B14F-4D97-AF65-F5344CB8AC3E}">
-        <p14:creationId xmlns:p14="http://schemas.microsoft.com/office/powerpoint/2010/main" val="371506307"/>
-      </p:ext>
-    </p:extLst>
-  </p:cSld>
-  <p:clrMapOvr>
-    <a:masterClrMapping/>
-  </p:clrMapOvr>
-  <p:timing>
-    <p:tnLst>
-      <p:par>
-        <p:cTn xmlns:p14="http://schemas.microsoft.com/office/powerpoint/2010/main" id="1" dur="indefinite" restart="never" nodeType="tmRoot"/>
-      </p:par>
-    </p:tnLst>
-  </p:timing>
-</p:sld>
-</file>
-
-<file path=ppt/slides/slide8.xml><?xml version="1.0" encoding="utf-8"?>
-<p:sld xmlns:a="http://schemas.openxmlformats.org/drawingml/2006/main" xmlns:r="http://schemas.openxmlformats.org/officeDocument/2006/relationships" xmlns:p="http://schemas.openxmlformats.org/presentationml/2006/main">
-  <p:cSld>
-    <p:spTree>
-      <p:nvGrpSpPr>
-        <p:cNvPr id="1" name=""/>
-        <p:cNvGrpSpPr/>
-        <p:nvPr/>
-      </p:nvGrpSpPr>
-      <p:grpSpPr>
-        <a:xfrm>
-          <a:off x="0" y="0"/>
-          <a:ext cx="0" cy="0"/>
-          <a:chOff x="0" y="0"/>
-          <a:chExt cx="0" cy="0"/>
-        </a:xfrm>
-      </p:grpSpPr>
-      <p:sp>
-        <p:nvSpPr>
-          <p:cNvPr id="2" name="Title 1"/>
-          <p:cNvSpPr>
-            <a:spLocks noGrp="1"/>
-          </p:cNvSpPr>
-          <p:nvPr>
-            <p:ph type="title"/>
-          </p:nvPr>
-        </p:nvSpPr>
-        <p:spPr>
-          <a:xfrm>
-            <a:off x="1043490" y="815970"/>
-            <a:ext cx="7024744" cy="683528"/>
-          </a:xfrm>
-        </p:spPr>
-        <p:txBody>
-          <a:bodyPr>
-            <a:normAutofit/>
-          </a:bodyPr>
-          <a:lstStyle/>
-          <a:p>
-            <a:r>
-              <a:rPr lang="en-US" sz="3200" dirty="0" smtClean="0"/>
-              <a:t>Java based configuration</a:t>
-            </a:r>
-            <a:endParaRPr lang="en-US" sz="3200" dirty="0"/>
-          </a:p>
-        </p:txBody>
-      </p:sp>
-      <p:sp>
-        <p:nvSpPr>
-          <p:cNvPr id="3" name="Content Placeholder 2"/>
-          <p:cNvSpPr>
-            <a:spLocks noGrp="1"/>
-          </p:cNvSpPr>
-          <p:nvPr>
-            <p:ph idx="1"/>
-          </p:nvPr>
-        </p:nvSpPr>
-        <p:spPr>
-          <a:xfrm>
-            <a:off x="1043492" y="1640628"/>
-            <a:ext cx="6777317" cy="4192001"/>
-          </a:xfrm>
-        </p:spPr>
-        <p:txBody>
-          <a:bodyPr>
-            <a:normAutofit/>
-          </a:bodyPr>
-          <a:lstStyle/>
-          <a:p>
-            <a:pPr marL="68580" indent="0">
-              <a:buNone/>
-            </a:pPr>
-            <a:r>
-              <a:rPr lang="en-US" dirty="0" smtClean="0"/>
-              <a:t>Java based spring container can be created using below class</a:t>
-            </a:r>
-          </a:p>
-          <a:p>
-            <a:pPr marL="68580" indent="0">
-              <a:buNone/>
-            </a:pPr>
-            <a:endParaRPr lang="en-US" dirty="0" smtClean="0"/>
-          </a:p>
-          <a:p>
-            <a:pPr marL="68580" indent="0">
-              <a:buNone/>
-            </a:pPr>
-            <a:r>
-              <a:rPr lang="en-US" sz="1800" dirty="0">
-                <a:solidFill>
-                  <a:schemeClr val="bg2">
-                    <a:lumMod val="50000"/>
-                  </a:schemeClr>
-                </a:solidFill>
-              </a:rPr>
-              <a:t> </a:t>
-            </a:r>
-            <a:r>
-              <a:rPr lang="en-US" sz="1800" b="1" dirty="0">
-                <a:solidFill>
-                  <a:schemeClr val="bg2">
-                    <a:lumMod val="50000"/>
-                  </a:schemeClr>
-                </a:solidFill>
-              </a:rPr>
-              <a:t>final </a:t>
-            </a:r>
-            <a:r>
-              <a:rPr lang="en-US" sz="1800" b="1" dirty="0" err="1">
-                <a:solidFill>
-                  <a:schemeClr val="bg2">
-                    <a:lumMod val="50000"/>
-                  </a:schemeClr>
-                </a:solidFill>
-              </a:rPr>
-              <a:t>AnnotationConfigApplicationContext</a:t>
-            </a:r>
-            <a:r>
-              <a:rPr lang="en-US" sz="1800" b="1" dirty="0">
-                <a:solidFill>
-                  <a:schemeClr val="bg2">
-                    <a:lumMod val="50000"/>
-                  </a:schemeClr>
-                </a:solidFill>
-              </a:rPr>
-              <a:t> </a:t>
-            </a:r>
-            <a:r>
-              <a:rPr lang="en-US" sz="1800" dirty="0" err="1">
-                <a:solidFill>
-                  <a:schemeClr val="bg2">
-                    <a:lumMod val="50000"/>
-                  </a:schemeClr>
-                </a:solidFill>
-              </a:rPr>
-              <a:t>aCtx</a:t>
-            </a:r>
-            <a:r>
-              <a:rPr lang="en-US" sz="1800" dirty="0">
-                <a:solidFill>
-                  <a:schemeClr val="bg2">
-                    <a:lumMod val="50000"/>
-                  </a:schemeClr>
-                </a:solidFill>
-              </a:rPr>
-              <a:t> </a:t>
-            </a:r>
-            <a:endParaRPr lang="en-US" sz="1800" dirty="0" smtClean="0">
-              <a:solidFill>
-                <a:schemeClr val="bg2">
-                  <a:lumMod val="50000"/>
-                </a:schemeClr>
-              </a:solidFill>
-            </a:endParaRPr>
-          </a:p>
-          <a:p>
-            <a:pPr marL="68580" indent="0">
-              <a:buNone/>
-            </a:pPr>
-            <a:r>
-              <a:rPr lang="en-US" sz="1800" b="1" dirty="0" smtClean="0">
-                <a:solidFill>
-                  <a:schemeClr val="bg2">
-                    <a:lumMod val="50000"/>
-                  </a:schemeClr>
-                </a:solidFill>
-              </a:rPr>
-              <a:t>= </a:t>
-            </a:r>
-            <a:r>
-              <a:rPr lang="en-US" sz="1800" b="1" dirty="0">
-                <a:solidFill>
-                  <a:schemeClr val="bg2">
-                    <a:lumMod val="50000"/>
-                  </a:schemeClr>
-                </a:solidFill>
-              </a:rPr>
-              <a:t>new </a:t>
-            </a:r>
-            <a:r>
-              <a:rPr lang="en-US" sz="1800" b="1" dirty="0" err="1">
-                <a:solidFill>
-                  <a:schemeClr val="bg2">
-                    <a:lumMod val="50000"/>
-                  </a:schemeClr>
-                </a:solidFill>
-              </a:rPr>
-              <a:t>AnnotationConfigApplicationContext</a:t>
-            </a:r>
-            <a:r>
-              <a:rPr lang="en-US" sz="1800" b="1" dirty="0">
-                <a:solidFill>
-                  <a:schemeClr val="bg2">
-                    <a:lumMod val="50000"/>
-                  </a:schemeClr>
-                </a:solidFill>
-              </a:rPr>
-              <a:t>()</a:t>
-            </a:r>
-            <a:r>
-              <a:rPr lang="en-US" sz="1800" b="1" dirty="0" smtClean="0">
-                <a:solidFill>
-                  <a:schemeClr val="bg2">
-                    <a:lumMod val="50000"/>
-                  </a:schemeClr>
-                </a:solidFill>
-              </a:rPr>
-              <a:t>;</a:t>
-            </a:r>
-          </a:p>
-          <a:p>
-            <a:pPr marL="68580" indent="0">
-              <a:buNone/>
-            </a:pPr>
-            <a:endParaRPr lang="en-US" sz="1800" b="1" dirty="0">
-              <a:solidFill>
-                <a:schemeClr val="bg2">
-                  <a:lumMod val="50000"/>
-                </a:schemeClr>
-              </a:solidFill>
-            </a:endParaRPr>
-          </a:p>
-          <a:p>
-            <a:pPr marL="68580" indent="0">
-              <a:buNone/>
-            </a:pPr>
-            <a:r>
-              <a:rPr lang="en-US" sz="1800" dirty="0">
-                <a:solidFill>
-                  <a:schemeClr val="bg2">
-                    <a:lumMod val="50000"/>
-                  </a:schemeClr>
-                </a:solidFill>
-              </a:rPr>
-              <a:t> </a:t>
-            </a:r>
-            <a:r>
-              <a:rPr lang="en-US" sz="1800" dirty="0" err="1" smtClean="0">
-                <a:solidFill>
-                  <a:schemeClr val="bg2">
-                    <a:lumMod val="50000"/>
-                  </a:schemeClr>
-                </a:solidFill>
-              </a:rPr>
-              <a:t>aCtx.register</a:t>
-            </a:r>
-            <a:r>
-              <a:rPr lang="en-US" sz="1800" dirty="0">
-                <a:solidFill>
-                  <a:schemeClr val="bg2">
-                    <a:lumMod val="50000"/>
-                  </a:schemeClr>
-                </a:solidFill>
-              </a:rPr>
-              <a:t>(</a:t>
-            </a:r>
-            <a:r>
-              <a:rPr lang="en-US" sz="1800" dirty="0" err="1">
-                <a:solidFill>
-                  <a:schemeClr val="bg2">
-                    <a:lumMod val="50000"/>
-                  </a:schemeClr>
-                </a:solidFill>
-              </a:rPr>
-              <a:t>CoreConfiguration.class</a:t>
-            </a:r>
-            <a:r>
-              <a:rPr lang="en-US" sz="1800" dirty="0">
-                <a:solidFill>
-                  <a:schemeClr val="bg2">
-                    <a:lumMod val="50000"/>
-                  </a:schemeClr>
-                </a:solidFill>
-              </a:rPr>
-              <a:t>)</a:t>
-            </a:r>
-            <a:r>
-              <a:rPr lang="en-US" sz="1800" b="1" dirty="0" smtClean="0">
-                <a:solidFill>
-                  <a:schemeClr val="bg2">
-                    <a:lumMod val="50000"/>
-                  </a:schemeClr>
-                </a:solidFill>
-              </a:rPr>
-              <a:t>;</a:t>
-            </a:r>
-            <a:r>
-              <a:rPr lang="en-US" sz="1200" b="1" dirty="0" smtClean="0">
-                <a:solidFill>
-                  <a:schemeClr val="bg2">
-                    <a:lumMod val="50000"/>
-                  </a:schemeClr>
-                </a:solidFill>
-              </a:rPr>
-              <a:t> //pass the configuration</a:t>
-            </a:r>
-            <a:endParaRPr lang="en-US" sz="1800" b="1" dirty="0">
-              <a:solidFill>
-                <a:schemeClr val="bg2">
-                  <a:lumMod val="50000"/>
-                </a:schemeClr>
-              </a:solidFill>
-            </a:endParaRPr>
-          </a:p>
-          <a:p>
-            <a:pPr marL="68580" indent="0">
-              <a:buNone/>
-            </a:pPr>
-            <a:r>
-              <a:rPr lang="en-US" sz="1800" dirty="0">
-                <a:solidFill>
-                  <a:schemeClr val="bg2">
-                    <a:lumMod val="50000"/>
-                  </a:schemeClr>
-                </a:solidFill>
-              </a:rPr>
-              <a:t> </a:t>
-            </a:r>
-            <a:r>
-              <a:rPr lang="en-US" sz="1800" dirty="0" err="1" smtClean="0">
-                <a:solidFill>
-                  <a:schemeClr val="bg2">
-                    <a:lumMod val="50000"/>
-                  </a:schemeClr>
-                </a:solidFill>
-              </a:rPr>
-              <a:t>aCtx.refresh</a:t>
-            </a:r>
-            <a:r>
-              <a:rPr lang="en-US" sz="1800" dirty="0">
-                <a:solidFill>
-                  <a:schemeClr val="bg2">
-                    <a:lumMod val="50000"/>
-                  </a:schemeClr>
-                </a:solidFill>
-              </a:rPr>
-              <a:t>();</a:t>
-            </a:r>
-            <a:r>
-              <a:rPr lang="en-US" sz="1400" b="1" dirty="0">
-                <a:solidFill>
-                  <a:schemeClr val="bg2">
-                    <a:lumMod val="50000"/>
-                  </a:schemeClr>
-                </a:solidFill>
-              </a:rPr>
-              <a:t>// it will creates the registered beans</a:t>
-            </a:r>
-            <a:endParaRPr lang="en-US" sz="1400" b="1" dirty="0" smtClean="0">
-              <a:solidFill>
-                <a:schemeClr val="bg2">
-                  <a:lumMod val="50000"/>
-                </a:schemeClr>
-              </a:solidFill>
-            </a:endParaRPr>
-          </a:p>
-          <a:p>
-            <a:pPr marL="68580" indent="0">
-              <a:buNone/>
-            </a:pPr>
-            <a:endParaRPr lang="en-US" dirty="0"/>
-          </a:p>
-        </p:txBody>
-      </p:sp>
-    </p:spTree>
-    <p:extLst>
-      <p:ext uri="{BB962C8B-B14F-4D97-AF65-F5344CB8AC3E}">
-        <p14:creationId xmlns:p14="http://schemas.microsoft.com/office/powerpoint/2010/main" val="2732046856"/>
-      </p:ext>
-    </p:extLst>
-  </p:cSld>
-  <p:clrMapOvr>
-    <a:masterClrMapping/>
-  </p:clrMapOvr>
-  <p:timing>
-    <p:tnLst>
-      <p:par>
-        <p:cTn xmlns:p14="http://schemas.microsoft.com/office/powerpoint/2010/main" id="1" dur="indefinite" restart="never" nodeType="tmRoot"/>
-      </p:par>
-    </p:tnLst>
-  </p:timing>
-</p:sld>
-</file>
-
-<file path=ppt/slides/slide9.xml><?xml version="1.0" encoding="utf-8"?>
-<p:sld xmlns:a="http://schemas.openxmlformats.org/drawingml/2006/main" xmlns:r="http://schemas.openxmlformats.org/officeDocument/2006/relationships" xmlns:p="http://schemas.openxmlformats.org/presentationml/2006/main">
-  <p:cSld>
-    <p:spTree>
-      <p:nvGrpSpPr>
-        <p:cNvPr id="1" name=""/>
-        <p:cNvGrpSpPr/>
-        <p:nvPr/>
-      </p:nvGrpSpPr>
-      <p:grpSpPr>
-        <a:xfrm>
-          <a:off x="0" y="0"/>
-          <a:ext cx="0" cy="0"/>
-          <a:chOff x="0" y="0"/>
-          <a:chExt cx="0" cy="0"/>
-        </a:xfrm>
-      </p:grpSpPr>
-      <p:sp>
-        <p:nvSpPr>
-          <p:cNvPr id="2" name="Title 1"/>
-          <p:cNvSpPr>
-            <a:spLocks noGrp="1"/>
-          </p:cNvSpPr>
-          <p:nvPr>
-            <p:ph type="title"/>
-          </p:nvPr>
-        </p:nvSpPr>
-        <p:spPr>
-          <a:xfrm>
-            <a:off x="1089025" y="705647"/>
-            <a:ext cx="6660008" cy="458670"/>
-          </a:xfrm>
-        </p:spPr>
-        <p:txBody>
-          <a:bodyPr/>
-          <a:lstStyle/>
-          <a:p>
-            <a:r>
-              <a:rPr lang="en-US" sz="2400" dirty="0" smtClean="0"/>
-              <a:t>Spring Annotation</a:t>
-            </a:r>
-            <a:endParaRPr lang="en-US" sz="2400" dirty="0"/>
-          </a:p>
-        </p:txBody>
-      </p:sp>
-      <p:sp>
-        <p:nvSpPr>
-          <p:cNvPr id="3" name="Content Placeholder 2"/>
-          <p:cNvSpPr>
-            <a:spLocks noGrp="1"/>
-          </p:cNvSpPr>
-          <p:nvPr>
-            <p:ph idx="1"/>
-          </p:nvPr>
-        </p:nvSpPr>
-        <p:spPr>
-          <a:xfrm>
-            <a:off x="1089024" y="1164317"/>
-            <a:ext cx="7272339" cy="4961846"/>
-          </a:xfrm>
-        </p:spPr>
-        <p:txBody>
-          <a:bodyPr>
-            <a:normAutofit lnSpcReduction="10000"/>
-          </a:bodyPr>
-          <a:lstStyle/>
-          <a:p>
-            <a:r>
-              <a:rPr lang="en-US" sz="1800" b="1" dirty="0"/>
-              <a:t>@Configuration</a:t>
-            </a:r>
-            <a:r>
-              <a:rPr lang="en-US" sz="1800" dirty="0"/>
-              <a:t>: Configuration file    </a:t>
-            </a:r>
-          </a:p>
-          <a:p>
-            <a:r>
-              <a:rPr lang="en-US" sz="1800" b="1" dirty="0"/>
-              <a:t>@Bean:</a:t>
-            </a:r>
-            <a:r>
-              <a:rPr lang="en-US" sz="1800" dirty="0"/>
-              <a:t> to declare a bean in Java configuration </a:t>
-            </a:r>
-          </a:p>
-          <a:p>
-            <a:r>
-              <a:rPr lang="en-US" sz="1800" b="1" dirty="0" smtClean="0"/>
-              <a:t>@Import </a:t>
-            </a:r>
-            <a:r>
-              <a:rPr lang="en-US" sz="1800" dirty="0" smtClean="0"/>
-              <a:t>: import another Java Configuration</a:t>
-            </a:r>
-          </a:p>
-          <a:p>
-            <a:r>
-              <a:rPr lang="en-US" sz="1800" b="1" dirty="0" smtClean="0"/>
-              <a:t>@</a:t>
-            </a:r>
-            <a:r>
-              <a:rPr lang="en-US" sz="1800" b="1" dirty="0" err="1" smtClean="0"/>
-              <a:t>ImportResource</a:t>
-            </a:r>
-            <a:r>
-              <a:rPr lang="en-US" sz="1800" b="1" dirty="0" smtClean="0"/>
-              <a:t> </a:t>
-            </a:r>
-            <a:r>
-              <a:rPr lang="en-US" sz="1800" dirty="0" smtClean="0"/>
-              <a:t>: import XML configuration</a:t>
-            </a:r>
-          </a:p>
-          <a:p>
-            <a:r>
-              <a:rPr lang="en-US" sz="1800" b="1" dirty="0"/>
-              <a:t>@</a:t>
-            </a:r>
-            <a:r>
-              <a:rPr lang="en-US" sz="1800" b="1" dirty="0" err="1" smtClean="0"/>
-              <a:t>ComponentScan</a:t>
-            </a:r>
-            <a:r>
-              <a:rPr lang="en-US" sz="1800" dirty="0" smtClean="0"/>
-              <a:t>: scans the beans starting with given base package</a:t>
-            </a:r>
-          </a:p>
-          <a:p>
-            <a:r>
-              <a:rPr lang="en-US" sz="1800" b="1" dirty="0"/>
-              <a:t>@Scope</a:t>
-            </a:r>
-            <a:r>
-              <a:rPr lang="en-US" sz="1800" dirty="0"/>
-              <a:t>: to define </a:t>
-            </a:r>
-            <a:r>
-              <a:rPr lang="en-US" sz="1800" dirty="0" smtClean="0"/>
-              <a:t>Scope </a:t>
-            </a:r>
-            <a:r>
-              <a:rPr lang="en-US" sz="1800" dirty="0"/>
-              <a:t>of a </a:t>
-            </a:r>
-            <a:r>
-              <a:rPr lang="en-US" sz="1800" dirty="0" smtClean="0"/>
-              <a:t>bean</a:t>
-            </a:r>
-            <a:endParaRPr lang="en-US" sz="1800" b="1" dirty="0" smtClean="0"/>
-          </a:p>
-          <a:p>
-            <a:r>
-              <a:rPr lang="en-US" sz="1800" b="1" dirty="0" smtClean="0"/>
-              <a:t>@Conditional</a:t>
-            </a:r>
-            <a:r>
-              <a:rPr lang="en-US" sz="1800" dirty="0" smtClean="0"/>
-              <a:t>: this works with </a:t>
-            </a:r>
-            <a:r>
-              <a:rPr lang="en-US" sz="1800" b="1" dirty="0" smtClean="0"/>
-              <a:t>Condition</a:t>
-            </a:r>
-            <a:r>
-              <a:rPr lang="en-US" sz="1800" dirty="0" smtClean="0"/>
-              <a:t> interface</a:t>
-            </a:r>
-          </a:p>
-          <a:p>
-            <a:r>
-              <a:rPr lang="en-US" sz="1800" b="1" dirty="0" smtClean="0"/>
-              <a:t>@</a:t>
-            </a:r>
-            <a:r>
-              <a:rPr lang="en-US" sz="1800" b="1" dirty="0" err="1" smtClean="0"/>
-              <a:t>EnableAspectJAutoProxy</a:t>
-            </a:r>
-            <a:r>
-              <a:rPr lang="en-US" sz="1800" dirty="0" smtClean="0"/>
-              <a:t>: enabling  auto proxy, @Aspect</a:t>
-            </a:r>
-          </a:p>
-          <a:p>
-            <a:r>
-              <a:rPr lang="en-US" sz="1800" b="1" dirty="0" smtClean="0"/>
-              <a:t>@Primary</a:t>
-            </a:r>
-            <a:r>
-              <a:rPr lang="en-US" sz="1800" dirty="0" smtClean="0"/>
-              <a:t>: works with @Component </a:t>
-            </a:r>
-          </a:p>
-          <a:p>
-            <a:r>
-              <a:rPr lang="en-US" sz="1800" b="1" dirty="0" smtClean="0"/>
-              <a:t>@Qualifier</a:t>
-            </a:r>
-            <a:r>
-              <a:rPr lang="en-US" sz="1800" dirty="0" smtClean="0"/>
-              <a:t>: works with @</a:t>
-            </a:r>
-            <a:r>
-              <a:rPr lang="en-US" sz="1800" dirty="0" err="1" smtClean="0"/>
-              <a:t>Autowired</a:t>
-            </a:r>
-            <a:r>
-              <a:rPr lang="en-US" sz="1800" dirty="0" smtClean="0"/>
-              <a:t> and @Inject</a:t>
-            </a:r>
-          </a:p>
-          <a:p>
-            <a:r>
-              <a:rPr lang="en-US" sz="1800" b="1" dirty="0" smtClean="0"/>
-              <a:t>@</a:t>
-            </a:r>
-            <a:r>
-              <a:rPr lang="en-US" sz="1800" b="1" dirty="0"/>
-              <a:t>Value:</a:t>
-            </a:r>
-            <a:r>
-              <a:rPr lang="en-US" sz="1800" dirty="0"/>
-              <a:t> annotation spring express Language</a:t>
-            </a:r>
-          </a:p>
-          <a:p>
-            <a:endParaRPr lang="en-US" sz="1800" dirty="0"/>
-          </a:p>
-          <a:p>
-            <a:r>
-              <a:rPr lang="en-US" sz="1800" b="1" dirty="0" smtClean="0">
-                <a:solidFill>
-                  <a:srgbClr val="008000"/>
-                </a:solidFill>
-              </a:rPr>
-              <a:t>@</a:t>
-            </a:r>
-            <a:r>
-              <a:rPr lang="en-US" sz="1800" b="1" dirty="0" err="1" smtClean="0">
-                <a:solidFill>
-                  <a:srgbClr val="008000"/>
-                </a:solidFill>
-              </a:rPr>
-              <a:t>ActiveProfiles</a:t>
-            </a:r>
-            <a:r>
-              <a:rPr lang="en-US" sz="1800" b="1" dirty="0" smtClean="0">
-                <a:solidFill>
-                  <a:srgbClr val="008000"/>
-                </a:solidFill>
-              </a:rPr>
-              <a:t>: choose profiles in Test cases</a:t>
-            </a:r>
-          </a:p>
-          <a:p>
-            <a:r>
-              <a:rPr lang="en-US" sz="1800" b="1" dirty="0" smtClean="0">
-                <a:solidFill>
-                  <a:srgbClr val="008000"/>
-                </a:solidFill>
-              </a:rPr>
-              <a:t>@</a:t>
-            </a:r>
-            <a:r>
-              <a:rPr lang="en-US" sz="1800" b="1" dirty="0" err="1" smtClean="0">
-                <a:solidFill>
-                  <a:srgbClr val="008000"/>
-                </a:solidFill>
-              </a:rPr>
-              <a:t>ContextConfiguration</a:t>
-            </a:r>
-            <a:r>
-              <a:rPr lang="en-US" sz="1800" b="1" dirty="0" smtClean="0">
-                <a:solidFill>
-                  <a:srgbClr val="008000"/>
-                </a:solidFill>
-              </a:rPr>
-              <a:t>: To load with configuration test cases</a:t>
-            </a:r>
-          </a:p>
-          <a:p>
-            <a:r>
-              <a:rPr lang="en-US" sz="1800" b="1" dirty="0" smtClean="0">
-                <a:solidFill>
-                  <a:srgbClr val="008000"/>
-                </a:solidFill>
-              </a:rPr>
-              <a:t>@</a:t>
-            </a:r>
-            <a:r>
-              <a:rPr lang="en-US" sz="1800" b="1" dirty="0" err="1" smtClean="0">
-                <a:solidFill>
-                  <a:srgbClr val="008000"/>
-                </a:solidFill>
-              </a:rPr>
-              <a:t>Runwith</a:t>
-            </a:r>
-            <a:r>
-              <a:rPr lang="en-US" sz="1800" b="1" dirty="0" smtClean="0">
-                <a:solidFill>
-                  <a:srgbClr val="008000"/>
-                </a:solidFill>
-              </a:rPr>
-              <a:t>: </a:t>
-            </a:r>
-            <a:r>
-              <a:rPr lang="en-US" sz="1800" b="1" dirty="0" err="1" smtClean="0">
-                <a:solidFill>
-                  <a:srgbClr val="008000"/>
-                </a:solidFill>
-              </a:rPr>
-              <a:t>Runwith</a:t>
-            </a:r>
-            <a:r>
-              <a:rPr lang="en-US" sz="1800" b="1" dirty="0" smtClean="0">
-                <a:solidFill>
-                  <a:srgbClr val="008000"/>
-                </a:solidFill>
-              </a:rPr>
-              <a:t>(SpringJUnit4ClassRunner)      </a:t>
-            </a:r>
-          </a:p>
-          <a:p>
-            <a:endParaRPr lang="en-US" dirty="0"/>
-          </a:p>
-        </p:txBody>
-      </p:sp>
-    </p:spTree>
-    <p:extLst>
-      <p:ext uri="{BB962C8B-B14F-4D97-AF65-F5344CB8AC3E}">
-        <p14:creationId xmlns:p14="http://schemas.microsoft.com/office/powerpoint/2010/main" val="2377615527"/>
       </p:ext>
     </p:extLst>
   </p:cSld>

--- a/SpringJavaTraining.pptx
+++ b/SpringJavaTraining.pptx
@@ -14080,7 +14080,7 @@
               <a:buNone/>
             </a:pPr>
             <a:r>
-              <a:rPr lang="en-US" sz="1800" b="1" smtClean="0">
+              <a:rPr lang="en-US" sz="1800" b="1" dirty="0" err="1" smtClean="0">
                 <a:solidFill>
                   <a:schemeClr val="bg2">
                     <a:lumMod val="50000"/>
